--- a/つぶやきGLSLとは.pptx
+++ b/つぶやきGLSLとは.pptx
@@ -5,7 +5,7 @@
     <p:sldMasterId id="2147483648" r:id="rId1"/>
   </p:sldMasterIdLst>
   <p:notesMasterIdLst>
-    <p:notesMasterId r:id="rId22"/>
+    <p:notesMasterId r:id="rId20"/>
   </p:notesMasterIdLst>
   <p:sldIdLst>
     <p:sldId id="256" r:id="rId2"/>
@@ -18,16 +18,14 @@
     <p:sldId id="263" r:id="rId9"/>
     <p:sldId id="264" r:id="rId10"/>
     <p:sldId id="266" r:id="rId11"/>
-    <p:sldId id="268" r:id="rId12"/>
-    <p:sldId id="269" r:id="rId13"/>
-    <p:sldId id="270" r:id="rId14"/>
-    <p:sldId id="272" r:id="rId15"/>
-    <p:sldId id="273" r:id="rId16"/>
-    <p:sldId id="274" r:id="rId17"/>
-    <p:sldId id="275" r:id="rId18"/>
-    <p:sldId id="276" r:id="rId19"/>
-    <p:sldId id="277" r:id="rId20"/>
-    <p:sldId id="278" r:id="rId21"/>
+    <p:sldId id="270" r:id="rId12"/>
+    <p:sldId id="272" r:id="rId13"/>
+    <p:sldId id="273" r:id="rId14"/>
+    <p:sldId id="274" r:id="rId15"/>
+    <p:sldId id="275" r:id="rId16"/>
+    <p:sldId id="276" r:id="rId17"/>
+    <p:sldId id="277" r:id="rId18"/>
+    <p:sldId id="278" r:id="rId19"/>
   </p:sldIdLst>
   <p:sldSz cx="12192000" cy="6858000"/>
   <p:notesSz cx="6858000" cy="9144000"/>
@@ -676,71 +674,92 @@
           <a:p>
             <a:r>
               <a:rPr kumimoji="1" lang="ja-JP" altLang="en-US" dirty="0"/>
-              <a:t>・では、</a:t>
+              <a:t>・まずピクセル座標の変換からです</a:t>
+            </a:r>
+            <a:endParaRPr kumimoji="1" lang="en-US" altLang="ja-JP" dirty="0"/>
+          </a:p>
+          <a:p>
+            <a:r>
+              <a:rPr kumimoji="1" lang="ja-JP" altLang="en-US" dirty="0"/>
+              <a:t>・これは基本のテクニックと言っていいようなもの</a:t>
+            </a:r>
+            <a:endParaRPr kumimoji="1" lang="en-US" altLang="ja-JP" dirty="0"/>
+          </a:p>
+          <a:p>
+            <a:r>
+              <a:rPr kumimoji="1" lang="ja-JP" altLang="en-US" dirty="0"/>
+              <a:t>・ピクセル座標、</a:t>
             </a:r>
             <a:r>
               <a:rPr kumimoji="1" lang="en-US" altLang="ja-JP" dirty="0"/>
-              <a:t>HelloWorld</a:t>
+              <a:t>FC</a:t>
             </a:r>
             <a:r>
               <a:rPr kumimoji="1" lang="ja-JP" altLang="en-US" dirty="0"/>
-              <a:t>をやっていきましょう。</a:t>
+              <a:t>を使いやすい形に変換する</a:t>
             </a:r>
             <a:endParaRPr kumimoji="1" lang="en-US" altLang="ja-JP" dirty="0"/>
           </a:p>
           <a:p>
             <a:r>
               <a:rPr kumimoji="1" lang="ja-JP" altLang="en-US" dirty="0"/>
-              <a:t>・前のスライドで見せた</a:t>
+              <a:t>・</a:t>
+            </a:r>
+            <a:r>
+              <a:rPr kumimoji="1" lang="en-US" altLang="ja-JP" dirty="0" err="1"/>
+              <a:t>r.y</a:t>
             </a:r>
             <a:r>
               <a:rPr kumimoji="1" lang="en-US" altLang="ja-JP" dirty="0"/>
-              <a:t>HelloWorld</a:t>
+              <a:t>/</a:t>
+            </a:r>
+            <a:r>
+              <a:rPr kumimoji="1" lang="en-US" altLang="ja-JP" dirty="0" err="1"/>
+              <a:t>r.x</a:t>
             </a:r>
             <a:r>
               <a:rPr kumimoji="1" lang="ja-JP" altLang="en-US" dirty="0"/>
-              <a:t>はこんなに少なく書くことができます。</a:t>
+              <a:t>、</a:t>
+            </a:r>
+            <a:r>
+              <a:rPr kumimoji="1" lang="en-US" altLang="ja-JP" dirty="0" err="1"/>
+              <a:t>r.x</a:t>
+            </a:r>
+            <a:r>
+              <a:rPr kumimoji="1" lang="en-US" altLang="ja-JP" dirty="0"/>
+              <a:t>/</a:t>
+            </a:r>
+            <a:r>
+              <a:rPr kumimoji="1" lang="en-US" altLang="ja-JP" dirty="0" err="1"/>
+              <a:t>r.y</a:t>
+            </a:r>
+            <a:r>
+              <a:rPr kumimoji="1" lang="ja-JP" altLang="en-US" dirty="0"/>
+              <a:t>がわかりずらい　これは</a:t>
+            </a:r>
+            <a:r>
+              <a:rPr kumimoji="1" lang="en-US" altLang="ja-JP" dirty="0"/>
+              <a:t>1.0</a:t>
+            </a:r>
+            <a:r>
+              <a:rPr kumimoji="1" lang="ja-JP" altLang="en-US" dirty="0"/>
+              <a:t>を超えない正の値　</a:t>
+            </a:r>
+            <a:r>
+              <a:rPr kumimoji="1" lang="en-US" altLang="ja-JP" dirty="0"/>
+              <a:t>0.8</a:t>
+            </a:r>
+            <a:r>
+              <a:rPr kumimoji="1" lang="ja-JP" altLang="en-US" dirty="0"/>
+              <a:t>とかになります</a:t>
             </a:r>
             <a:endParaRPr kumimoji="1" lang="en-US" altLang="ja-JP" dirty="0"/>
           </a:p>
           <a:p>
             <a:r>
               <a:rPr kumimoji="1" lang="ja-JP" altLang="en-US" dirty="0"/>
-              <a:t>・やっていることは以前と同じですが、二行目の</a:t>
-            </a:r>
-            <a:r>
-              <a:rPr kumimoji="1" lang="en-US" altLang="ja-JP" dirty="0" err="1"/>
-              <a:t>o.rg</a:t>
-            </a:r>
-            <a:r>
-              <a:rPr kumimoji="1" lang="ja-JP" altLang="en-US" dirty="0"/>
-              <a:t>が少し</a:t>
-            </a:r>
-            <a:r>
-              <a:rPr kumimoji="1" lang="en-US" altLang="ja-JP" dirty="0" err="1"/>
-              <a:t>glsl</a:t>
-            </a:r>
-            <a:r>
-              <a:rPr kumimoji="1" lang="ja-JP" altLang="en-US" dirty="0"/>
-              <a:t>ならではの文法なので説明します。</a:t>
-            </a:r>
-            <a:r>
-              <a:rPr kumimoji="1" lang="en-US" altLang="ja-JP" dirty="0"/>
-              <a:t>(</a:t>
-            </a:r>
-            <a:r>
-              <a:rPr kumimoji="1" lang="ja-JP" altLang="en-US" dirty="0"/>
-              <a:t>スウィズル演算子の説明</a:t>
-            </a:r>
-            <a:r>
-              <a:rPr kumimoji="1" lang="en-US" altLang="ja-JP" dirty="0"/>
-              <a:t>)</a:t>
-            </a:r>
-          </a:p>
-          <a:p>
-            <a:endParaRPr kumimoji="1" lang="en-US" altLang="ja-JP" dirty="0"/>
-          </a:p>
-          <a:p>
+              <a:t>・右の座標みたいに、画面の中心が原点となるグラフのような座標系になるということ</a:t>
+            </a:r>
             <a:endParaRPr kumimoji="1" lang="en-US" altLang="ja-JP" dirty="0"/>
           </a:p>
         </p:txBody>
@@ -771,7 +790,7 @@
     </p:spTree>
     <p:extLst>
       <p:ext uri="{BB962C8B-B14F-4D97-AF65-F5344CB8AC3E}">
-        <p14:creationId xmlns:p14="http://schemas.microsoft.com/office/powerpoint/2010/main" val="786874751"/>
+        <p14:creationId xmlns:p14="http://schemas.microsoft.com/office/powerpoint/2010/main" val="2480791679"/>
       </p:ext>
     </p:extLst>
   </p:cSld>
@@ -825,27 +844,472 @@
           <a:bodyPr/>
           <a:lstStyle/>
           <a:p>
+            <a:pPr marL="0" marR="0" lvl="0" indent="0" algn="l" defTabSz="914400" rtl="0" eaLnBrk="1" fontAlgn="auto" latinLnBrk="0" hangingPunct="1">
+              <a:lnSpc>
+                <a:spcPct val="100000"/>
+              </a:lnSpc>
+              <a:spcBef>
+                <a:spcPts val="0"/>
+              </a:spcBef>
+              <a:spcAft>
+                <a:spcPts val="0"/>
+              </a:spcAft>
+              <a:buClrTx/>
+              <a:buSzTx/>
+              <a:buFontTx/>
+              <a:buNone/>
+              <a:tabLst/>
+              <a:defRPr/>
+            </a:pPr>
             <a:r>
               <a:rPr kumimoji="1" lang="ja-JP" altLang="en-US" dirty="0"/>
-              <a:t>・次に円を出してみましょう</a:t>
-            </a:r>
-            <a:endParaRPr kumimoji="1" lang="en-US" altLang="ja-JP" dirty="0"/>
-          </a:p>
-          <a:p>
-            <a:r>
-              <a:rPr kumimoji="1" lang="ja-JP" altLang="en-US" dirty="0"/>
-              <a:t>・手順としては～</a:t>
-            </a:r>
-            <a:endParaRPr kumimoji="1" lang="en-US" altLang="ja-JP" dirty="0"/>
-          </a:p>
-          <a:p>
-            <a:endParaRPr kumimoji="1" lang="en-US" altLang="ja-JP" dirty="0"/>
-          </a:p>
-          <a:p>
-            <a:r>
-              <a:rPr kumimoji="1" lang="ja-JP" altLang="en-US" dirty="0"/>
-              <a:t>・ひとつづつ説明していきます</a:t>
-            </a:r>
+              <a:t>・次に</a:t>
+            </a:r>
+            <a:r>
+              <a:rPr kumimoji="1" lang="ja-JP" altLang="en-US" sz="1200" dirty="0">
+                <a:solidFill>
+                  <a:srgbClr val="FFFFFF"/>
+                </a:solidFill>
+              </a:rPr>
+              <a:t>円の半径との比較、色の出力です</a:t>
+            </a:r>
+            <a:endParaRPr kumimoji="1" lang="en-US" altLang="ja-JP" sz="1200" dirty="0">
+              <a:solidFill>
+                <a:srgbClr val="FFFFFF"/>
+              </a:solidFill>
+            </a:endParaRPr>
+          </a:p>
+          <a:p>
+            <a:pPr marL="0" marR="0" lvl="0" indent="0" algn="l" defTabSz="914400" rtl="0" eaLnBrk="1" fontAlgn="auto" latinLnBrk="0" hangingPunct="1">
+              <a:lnSpc>
+                <a:spcPct val="100000"/>
+              </a:lnSpc>
+              <a:spcBef>
+                <a:spcPts val="0"/>
+              </a:spcBef>
+              <a:spcAft>
+                <a:spcPts val="0"/>
+              </a:spcAft>
+              <a:buClrTx/>
+              <a:buSzTx/>
+              <a:buFontTx/>
+              <a:buNone/>
+              <a:tabLst/>
+              <a:defRPr/>
+            </a:pPr>
+            <a:endParaRPr kumimoji="1" lang="en-US" altLang="ja-JP" sz="1200" dirty="0">
+              <a:solidFill>
+                <a:srgbClr val="FFFFFF"/>
+              </a:solidFill>
+            </a:endParaRPr>
+          </a:p>
+          <a:p>
+            <a:pPr marL="0" marR="0" lvl="0" indent="0" algn="l" defTabSz="914400" rtl="0" eaLnBrk="1" fontAlgn="auto" latinLnBrk="0" hangingPunct="1">
+              <a:lnSpc>
+                <a:spcPct val="100000"/>
+              </a:lnSpc>
+              <a:spcBef>
+                <a:spcPts val="0"/>
+              </a:spcBef>
+              <a:spcAft>
+                <a:spcPts val="0"/>
+              </a:spcAft>
+              <a:buClrTx/>
+              <a:buSzTx/>
+              <a:buFontTx/>
+              <a:buNone/>
+              <a:tabLst/>
+              <a:defRPr/>
+            </a:pPr>
+            <a:r>
+              <a:rPr kumimoji="1" lang="ja-JP" altLang="en-US" sz="1200" dirty="0">
+                <a:solidFill>
+                  <a:srgbClr val="FFFFFF"/>
+                </a:solidFill>
+              </a:rPr>
+              <a:t>・先ほどの座標系で原点からの距離を求めます。　これは</a:t>
+            </a:r>
+            <a:r>
+              <a:rPr kumimoji="1" lang="en-US" altLang="ja-JP" sz="1200" dirty="0">
+                <a:solidFill>
+                  <a:srgbClr val="FFFFFF"/>
+                </a:solidFill>
+              </a:rPr>
+              <a:t>length(p)</a:t>
+            </a:r>
+            <a:r>
+              <a:rPr kumimoji="1" lang="ja-JP" altLang="en-US" sz="1200" dirty="0">
+                <a:solidFill>
+                  <a:srgbClr val="FFFFFF"/>
+                </a:solidFill>
+              </a:rPr>
+              <a:t>に対応します。</a:t>
+            </a:r>
+            <a:r>
+              <a:rPr kumimoji="1" lang="en-US" altLang="ja-JP" sz="1200" dirty="0">
+                <a:solidFill>
+                  <a:srgbClr val="FFFFFF"/>
+                </a:solidFill>
+              </a:rPr>
+              <a:t>length</a:t>
+            </a:r>
+            <a:r>
+              <a:rPr kumimoji="1" lang="ja-JP" altLang="en-US" sz="1200" dirty="0">
+                <a:solidFill>
+                  <a:srgbClr val="FFFFFF"/>
+                </a:solidFill>
+              </a:rPr>
+              <a:t>はベクトルの長さを求める関数です</a:t>
+            </a:r>
+            <a:endParaRPr kumimoji="1" lang="en-US" altLang="ja-JP" sz="1200" dirty="0">
+              <a:solidFill>
+                <a:srgbClr val="FFFFFF"/>
+              </a:solidFill>
+            </a:endParaRPr>
+          </a:p>
+          <a:p>
+            <a:pPr marL="0" marR="0" lvl="0" indent="0" algn="l" defTabSz="914400" rtl="0" eaLnBrk="1" fontAlgn="auto" latinLnBrk="0" hangingPunct="1">
+              <a:lnSpc>
+                <a:spcPct val="100000"/>
+              </a:lnSpc>
+              <a:spcBef>
+                <a:spcPts val="0"/>
+              </a:spcBef>
+              <a:spcAft>
+                <a:spcPts val="0"/>
+              </a:spcAft>
+              <a:buClrTx/>
+              <a:buSzTx/>
+              <a:buFontTx/>
+              <a:buNone/>
+              <a:tabLst/>
+              <a:defRPr/>
+            </a:pPr>
+            <a:r>
+              <a:rPr kumimoji="1" lang="ja-JP" altLang="en-US" sz="1200" dirty="0">
+                <a:solidFill>
+                  <a:srgbClr val="FFFFFF"/>
+                </a:solidFill>
+              </a:rPr>
+              <a:t>・それを</a:t>
+            </a:r>
+            <a:r>
+              <a:rPr kumimoji="1" lang="en-US" altLang="ja-JP" sz="1200" dirty="0">
+                <a:solidFill>
+                  <a:srgbClr val="FFFFFF"/>
+                </a:solidFill>
+              </a:rPr>
+              <a:t>0.5</a:t>
+            </a:r>
+            <a:r>
+              <a:rPr kumimoji="1" lang="ja-JP" altLang="en-US" sz="1200" dirty="0">
+                <a:solidFill>
+                  <a:srgbClr val="FFFFFF"/>
+                </a:solidFill>
+              </a:rPr>
+              <a:t>と比較し、</a:t>
+            </a:r>
+            <a:r>
+              <a:rPr kumimoji="1" lang="en-US" altLang="ja-JP" sz="1200" dirty="0">
+                <a:solidFill>
+                  <a:srgbClr val="FFFFFF"/>
+                </a:solidFill>
+              </a:rPr>
+              <a:t>0.5</a:t>
+            </a:r>
+            <a:r>
+              <a:rPr lang="ja-JP" altLang="en-US" sz="800" dirty="0">
+                <a:solidFill>
+                  <a:srgbClr val="FFFFFF"/>
+                </a:solidFill>
+              </a:rPr>
+              <a:t>未満</a:t>
+            </a:r>
+            <a:r>
+              <a:rPr kumimoji="1" lang="ja-JP" altLang="en-US" sz="800" dirty="0">
+                <a:solidFill>
+                  <a:srgbClr val="FFFFFF"/>
+                </a:solidFill>
+              </a:rPr>
+              <a:t>なら</a:t>
+            </a:r>
+            <a:r>
+              <a:rPr kumimoji="1" lang="en-US" altLang="ja-JP" sz="800" dirty="0">
+                <a:solidFill>
+                  <a:srgbClr val="FFFFFF"/>
+                </a:solidFill>
+              </a:rPr>
+              <a:t>1.0</a:t>
+            </a:r>
+            <a:r>
+              <a:rPr kumimoji="1" lang="ja-JP" altLang="en-US" sz="800" dirty="0">
+                <a:solidFill>
+                  <a:srgbClr val="FFFFFF"/>
+                </a:solidFill>
+              </a:rPr>
+              <a:t>を、</a:t>
+            </a:r>
+            <a:r>
+              <a:rPr kumimoji="1" lang="en-US" altLang="ja-JP" sz="800" dirty="0">
+                <a:solidFill>
+                  <a:srgbClr val="FFFFFF"/>
+                </a:solidFill>
+              </a:rPr>
+              <a:t>0.5</a:t>
+            </a:r>
+            <a:r>
+              <a:rPr kumimoji="1" lang="ja-JP" altLang="en-US" sz="800" dirty="0">
+                <a:solidFill>
+                  <a:srgbClr val="FFFFFF"/>
+                </a:solidFill>
+              </a:rPr>
+              <a:t>以上なら</a:t>
+            </a:r>
+            <a:r>
+              <a:rPr kumimoji="1" lang="en-US" altLang="ja-JP" sz="800" dirty="0">
+                <a:solidFill>
+                  <a:srgbClr val="FFFFFF"/>
+                </a:solidFill>
+              </a:rPr>
+              <a:t>0.0</a:t>
+            </a:r>
+            <a:r>
+              <a:rPr kumimoji="1" lang="ja-JP" altLang="en-US" sz="800" dirty="0">
+                <a:solidFill>
+                  <a:srgbClr val="FFFFFF"/>
+                </a:solidFill>
+              </a:rPr>
+              <a:t>を</a:t>
+            </a:r>
+            <a:r>
+              <a:rPr kumimoji="1" lang="en-US" altLang="ja-JP" sz="800" dirty="0">
+                <a:solidFill>
+                  <a:srgbClr val="FFFFFF"/>
+                </a:solidFill>
+              </a:rPr>
+              <a:t>c</a:t>
+            </a:r>
+            <a:r>
+              <a:rPr kumimoji="1" lang="ja-JP" altLang="en-US" sz="800" dirty="0">
+                <a:solidFill>
+                  <a:srgbClr val="FFFFFF"/>
+                </a:solidFill>
+              </a:rPr>
+              <a:t>に代入しています。　この</a:t>
+            </a:r>
+            <a:r>
+              <a:rPr kumimoji="1" lang="en-US" altLang="ja-JP" sz="800" dirty="0">
+                <a:solidFill>
+                  <a:srgbClr val="FFFFFF"/>
+                </a:solidFill>
+              </a:rPr>
+              <a:t>?</a:t>
+            </a:r>
+            <a:r>
+              <a:rPr kumimoji="1" lang="ja-JP" altLang="en-US" sz="800" dirty="0">
+                <a:solidFill>
+                  <a:srgbClr val="FFFFFF"/>
+                </a:solidFill>
+              </a:rPr>
+              <a:t>と</a:t>
+            </a:r>
+            <a:r>
+              <a:rPr kumimoji="1" lang="en-US" altLang="ja-JP" sz="800" dirty="0">
+                <a:solidFill>
+                  <a:srgbClr val="FFFFFF"/>
+                </a:solidFill>
+              </a:rPr>
+              <a:t>:</a:t>
+            </a:r>
+            <a:r>
+              <a:rPr kumimoji="1" lang="ja-JP" altLang="en-US" sz="800" dirty="0">
+                <a:solidFill>
+                  <a:srgbClr val="FFFFFF"/>
+                </a:solidFill>
+              </a:rPr>
+              <a:t>は三項演算子です。</a:t>
+            </a:r>
+            <a:endParaRPr kumimoji="1" lang="en-US" altLang="ja-JP" sz="800" dirty="0">
+              <a:solidFill>
+                <a:srgbClr val="FFFFFF"/>
+              </a:solidFill>
+            </a:endParaRPr>
+          </a:p>
+          <a:p>
+            <a:pPr marL="0" marR="0" lvl="0" indent="0" algn="l" defTabSz="914400" rtl="0" eaLnBrk="1" fontAlgn="auto" latinLnBrk="0" hangingPunct="1">
+              <a:lnSpc>
+                <a:spcPct val="100000"/>
+              </a:lnSpc>
+              <a:spcBef>
+                <a:spcPts val="0"/>
+              </a:spcBef>
+              <a:spcAft>
+                <a:spcPts val="0"/>
+              </a:spcAft>
+              <a:buClrTx/>
+              <a:buSzTx/>
+              <a:buFontTx/>
+              <a:buNone/>
+              <a:tabLst/>
+              <a:defRPr/>
+            </a:pPr>
+            <a:r>
+              <a:rPr kumimoji="1" lang="ja-JP" altLang="en-US" sz="800" dirty="0">
+                <a:solidFill>
+                  <a:srgbClr val="FFFFFF"/>
+                </a:solidFill>
+              </a:rPr>
+              <a:t>普通のプログラミングだと可読性の低さから忌み嫌われがちですが、</a:t>
+            </a:r>
+            <a:r>
+              <a:rPr kumimoji="1" lang="en-US" altLang="ja-JP" sz="800" dirty="0">
+                <a:solidFill>
+                  <a:srgbClr val="FFFFFF"/>
+                </a:solidFill>
+              </a:rPr>
+              <a:t>GPU</a:t>
+            </a:r>
+            <a:r>
+              <a:rPr kumimoji="1" lang="ja-JP" altLang="en-US" sz="800" dirty="0">
+                <a:solidFill>
+                  <a:srgbClr val="FFFFFF"/>
+                </a:solidFill>
+              </a:rPr>
+              <a:t>は</a:t>
+            </a:r>
+            <a:r>
+              <a:rPr kumimoji="1" lang="en-US" altLang="ja-JP" sz="800" dirty="0">
+                <a:solidFill>
+                  <a:srgbClr val="FFFFFF"/>
+                </a:solidFill>
+              </a:rPr>
+              <a:t>if</a:t>
+            </a:r>
+            <a:r>
+              <a:rPr kumimoji="1" lang="ja-JP" altLang="en-US" sz="800" dirty="0">
+                <a:solidFill>
+                  <a:srgbClr val="FFFFFF"/>
+                </a:solidFill>
+              </a:rPr>
+              <a:t>文が苦手で処理が遅いので、三項演算子は重宝します</a:t>
+            </a:r>
+            <a:endParaRPr kumimoji="1" lang="en-US" altLang="ja-JP" sz="800" dirty="0">
+              <a:solidFill>
+                <a:srgbClr val="FFFFFF"/>
+              </a:solidFill>
+            </a:endParaRPr>
+          </a:p>
+          <a:p>
+            <a:pPr marL="0" marR="0" lvl="0" indent="0" algn="l" defTabSz="914400" rtl="0" eaLnBrk="1" fontAlgn="auto" latinLnBrk="0" hangingPunct="1">
+              <a:lnSpc>
+                <a:spcPct val="100000"/>
+              </a:lnSpc>
+              <a:spcBef>
+                <a:spcPts val="0"/>
+              </a:spcBef>
+              <a:spcAft>
+                <a:spcPts val="0"/>
+              </a:spcAft>
+              <a:buClrTx/>
+              <a:buSzTx/>
+              <a:buFontTx/>
+              <a:buNone/>
+              <a:tabLst/>
+              <a:defRPr/>
+            </a:pPr>
+            <a:r>
+              <a:rPr kumimoji="1" lang="ja-JP" altLang="en-US" sz="800" dirty="0">
+                <a:solidFill>
+                  <a:srgbClr val="FFFFFF"/>
+                </a:solidFill>
+              </a:rPr>
+              <a:t>じつはより早く、短くかける方法があるのですが、これは後々紹介します。</a:t>
+            </a:r>
+            <a:endParaRPr kumimoji="1" lang="en-US" altLang="ja-JP" sz="800" dirty="0">
+              <a:solidFill>
+                <a:srgbClr val="FFFFFF"/>
+              </a:solidFill>
+            </a:endParaRPr>
+          </a:p>
+          <a:p>
+            <a:pPr marL="0" marR="0" lvl="0" indent="0" algn="l" defTabSz="914400" rtl="0" eaLnBrk="1" fontAlgn="auto" latinLnBrk="0" hangingPunct="1">
+              <a:lnSpc>
+                <a:spcPct val="100000"/>
+              </a:lnSpc>
+              <a:spcBef>
+                <a:spcPts val="0"/>
+              </a:spcBef>
+              <a:spcAft>
+                <a:spcPts val="0"/>
+              </a:spcAft>
+              <a:buClrTx/>
+              <a:buSzTx/>
+              <a:buFontTx/>
+              <a:buNone/>
+              <a:tabLst/>
+              <a:defRPr/>
+            </a:pPr>
+            <a:r>
+              <a:rPr kumimoji="1" lang="ja-JP" altLang="en-US" sz="800" dirty="0">
+                <a:solidFill>
+                  <a:srgbClr val="FFFFFF"/>
+                </a:solidFill>
+              </a:rPr>
+              <a:t>・で、求めた</a:t>
+            </a:r>
+            <a:r>
+              <a:rPr kumimoji="1" lang="en-US" altLang="ja-JP" sz="800" dirty="0">
+                <a:solidFill>
+                  <a:srgbClr val="FFFFFF"/>
+                </a:solidFill>
+              </a:rPr>
+              <a:t>c</a:t>
+            </a:r>
+            <a:r>
+              <a:rPr kumimoji="1" lang="ja-JP" altLang="en-US" sz="800" dirty="0">
+                <a:solidFill>
+                  <a:srgbClr val="FFFFFF"/>
+                </a:solidFill>
+              </a:rPr>
+              <a:t>を白黒で出力します。ここでは単純に</a:t>
+            </a:r>
+            <a:r>
+              <a:rPr kumimoji="1" lang="en-US" altLang="ja-JP" sz="800" dirty="0">
+                <a:solidFill>
+                  <a:srgbClr val="FFFFFF"/>
+                </a:solidFill>
+              </a:rPr>
+              <a:t>vec3(</a:t>
+            </a:r>
+            <a:r>
+              <a:rPr kumimoji="1" lang="en-US" altLang="ja-JP" sz="800" dirty="0" err="1">
+                <a:solidFill>
+                  <a:srgbClr val="FFFFFF"/>
+                </a:solidFill>
+              </a:rPr>
+              <a:t>c,c,c</a:t>
+            </a:r>
+            <a:r>
+              <a:rPr kumimoji="1" lang="en-US" altLang="ja-JP" sz="800" dirty="0">
+                <a:solidFill>
+                  <a:srgbClr val="FFFFFF"/>
+                </a:solidFill>
+              </a:rPr>
+              <a:t>)</a:t>
+            </a:r>
+            <a:r>
+              <a:rPr kumimoji="1" lang="ja-JP" altLang="en-US" sz="800" dirty="0">
+                <a:solidFill>
+                  <a:srgbClr val="FFFFFF"/>
+                </a:solidFill>
+              </a:rPr>
+              <a:t>を代入します。　ベクトルの要素が全部同じ場合このように省略できます。</a:t>
+            </a:r>
+            <a:endParaRPr kumimoji="1" lang="en-US" altLang="ja-JP" sz="800" dirty="0">
+              <a:solidFill>
+                <a:srgbClr val="FFFFFF"/>
+              </a:solidFill>
+            </a:endParaRPr>
           </a:p>
         </p:txBody>
       </p:sp>
@@ -875,7 +1339,7 @@
     </p:spTree>
     <p:extLst>
       <p:ext uri="{BB962C8B-B14F-4D97-AF65-F5344CB8AC3E}">
-        <p14:creationId xmlns:p14="http://schemas.microsoft.com/office/powerpoint/2010/main" val="1701504975"/>
+        <p14:creationId xmlns:p14="http://schemas.microsoft.com/office/powerpoint/2010/main" val="893220024"/>
       </p:ext>
     </p:extLst>
   </p:cSld>
@@ -931,91 +1395,40 @@
           <a:p>
             <a:r>
               <a:rPr kumimoji="1" lang="ja-JP" altLang="en-US" dirty="0"/>
-              <a:t>・まずピクセル座標の変換からです</a:t>
+              <a:t>・おめでとうございます！つぶやき</a:t>
+            </a:r>
+            <a:r>
+              <a:rPr kumimoji="1" lang="en-US" altLang="ja-JP" dirty="0"/>
+              <a:t>GLSL</a:t>
+            </a:r>
+            <a:r>
+              <a:rPr kumimoji="1" lang="ja-JP" altLang="en-US" dirty="0"/>
+              <a:t>の基礎を完全に理解しました！</a:t>
             </a:r>
             <a:endParaRPr kumimoji="1" lang="en-US" altLang="ja-JP" dirty="0"/>
           </a:p>
           <a:p>
             <a:r>
               <a:rPr kumimoji="1" lang="ja-JP" altLang="en-US" dirty="0"/>
-              <a:t>・これは基本のテクニックと言っていいようなもの</a:t>
+              <a:t>・これを工夫していろいろな図形を描くこともできます</a:t>
             </a:r>
             <a:endParaRPr kumimoji="1" lang="en-US" altLang="ja-JP" dirty="0"/>
           </a:p>
           <a:p>
+            <a:endParaRPr kumimoji="1" lang="en-US" altLang="ja-JP" dirty="0"/>
+          </a:p>
+          <a:p>
             <a:r>
               <a:rPr kumimoji="1" lang="ja-JP" altLang="en-US" dirty="0"/>
-              <a:t>・ピクセル座標、</a:t>
+              <a:t>・では、つぶやき</a:t>
             </a:r>
             <a:r>
               <a:rPr kumimoji="1" lang="en-US" altLang="ja-JP" dirty="0"/>
-              <a:t>FC</a:t>
+              <a:t>GLSL</a:t>
             </a:r>
             <a:r>
               <a:rPr kumimoji="1" lang="ja-JP" altLang="en-US" dirty="0"/>
-              <a:t>を使いやすい形に変換する</a:t>
-            </a:r>
-            <a:endParaRPr kumimoji="1" lang="en-US" altLang="ja-JP" dirty="0"/>
-          </a:p>
-          <a:p>
-            <a:r>
-              <a:rPr kumimoji="1" lang="ja-JP" altLang="en-US" dirty="0"/>
-              <a:t>・</a:t>
-            </a:r>
-            <a:r>
-              <a:rPr kumimoji="1" lang="en-US" altLang="ja-JP" dirty="0" err="1"/>
-              <a:t>r.y</a:t>
-            </a:r>
-            <a:r>
-              <a:rPr kumimoji="1" lang="en-US" altLang="ja-JP" dirty="0"/>
-              <a:t>/</a:t>
-            </a:r>
-            <a:r>
-              <a:rPr kumimoji="1" lang="en-US" altLang="ja-JP" dirty="0" err="1"/>
-              <a:t>r.x</a:t>
-            </a:r>
-            <a:r>
-              <a:rPr kumimoji="1" lang="ja-JP" altLang="en-US" dirty="0"/>
-              <a:t>、</a:t>
-            </a:r>
-            <a:r>
-              <a:rPr kumimoji="1" lang="en-US" altLang="ja-JP" dirty="0" err="1"/>
-              <a:t>r.x</a:t>
-            </a:r>
-            <a:r>
-              <a:rPr kumimoji="1" lang="en-US" altLang="ja-JP" dirty="0"/>
-              <a:t>/</a:t>
-            </a:r>
-            <a:r>
-              <a:rPr kumimoji="1" lang="en-US" altLang="ja-JP" dirty="0" err="1"/>
-              <a:t>r.y</a:t>
-            </a:r>
-            <a:r>
-              <a:rPr kumimoji="1" lang="ja-JP" altLang="en-US" dirty="0"/>
-              <a:t>がわかりずらい　これは</a:t>
-            </a:r>
-            <a:r>
-              <a:rPr kumimoji="1" lang="en-US" altLang="ja-JP" dirty="0"/>
-              <a:t>1.0</a:t>
-            </a:r>
-            <a:r>
-              <a:rPr kumimoji="1" lang="ja-JP" altLang="en-US" dirty="0"/>
-              <a:t>を超えない正の値　</a:t>
-            </a:r>
-            <a:r>
-              <a:rPr kumimoji="1" lang="en-US" altLang="ja-JP" dirty="0"/>
-              <a:t>0.8</a:t>
-            </a:r>
-            <a:r>
-              <a:rPr kumimoji="1" lang="ja-JP" altLang="en-US" dirty="0"/>
-              <a:t>とかになります</a:t>
-            </a:r>
-            <a:endParaRPr kumimoji="1" lang="en-US" altLang="ja-JP" dirty="0"/>
-          </a:p>
-          <a:p>
-            <a:r>
-              <a:rPr kumimoji="1" lang="ja-JP" altLang="en-US" dirty="0"/>
-              <a:t>・右の座標みたいに、画面の中心が原点となるグラフのような座標系になるということ</a:t>
+              <a:t>の実践的な内容に移っていきます</a:t>
             </a:r>
             <a:endParaRPr kumimoji="1" lang="en-US" altLang="ja-JP" dirty="0"/>
           </a:p>
@@ -1047,7 +1460,7 @@
     </p:spTree>
     <p:extLst>
       <p:ext uri="{BB962C8B-B14F-4D97-AF65-F5344CB8AC3E}">
-        <p14:creationId xmlns:p14="http://schemas.microsoft.com/office/powerpoint/2010/main" val="2480791679"/>
+        <p14:creationId xmlns:p14="http://schemas.microsoft.com/office/powerpoint/2010/main" val="2411372939"/>
       </p:ext>
     </p:extLst>
   </p:cSld>
@@ -1101,472 +1514,19 @@
           <a:bodyPr/>
           <a:lstStyle/>
           <a:p>
-            <a:pPr marL="0" marR="0" lvl="0" indent="0" algn="l" defTabSz="914400" rtl="0" eaLnBrk="1" fontAlgn="auto" latinLnBrk="0" hangingPunct="1">
-              <a:lnSpc>
-                <a:spcPct val="100000"/>
-              </a:lnSpc>
-              <a:spcBef>
-                <a:spcPts val="0"/>
-              </a:spcBef>
-              <a:spcAft>
-                <a:spcPts val="0"/>
-              </a:spcAft>
-              <a:buClrTx/>
-              <a:buSzTx/>
-              <a:buFontTx/>
-              <a:buNone/>
-              <a:tabLst/>
-              <a:defRPr/>
-            </a:pPr>
             <a:r>
               <a:rPr kumimoji="1" lang="ja-JP" altLang="en-US" dirty="0"/>
-              <a:t>・次に</a:t>
-            </a:r>
-            <a:r>
-              <a:rPr kumimoji="1" lang="ja-JP" altLang="en-US" sz="1200" dirty="0">
-                <a:solidFill>
-                  <a:srgbClr val="FFFFFF"/>
-                </a:solidFill>
-              </a:rPr>
-              <a:t>円の半径との比較、色の出力です</a:t>
-            </a:r>
-            <a:endParaRPr kumimoji="1" lang="en-US" altLang="ja-JP" sz="1200" dirty="0">
-              <a:solidFill>
-                <a:srgbClr val="FFFFFF"/>
-              </a:solidFill>
-            </a:endParaRPr>
-          </a:p>
-          <a:p>
-            <a:pPr marL="0" marR="0" lvl="0" indent="0" algn="l" defTabSz="914400" rtl="0" eaLnBrk="1" fontAlgn="auto" latinLnBrk="0" hangingPunct="1">
-              <a:lnSpc>
-                <a:spcPct val="100000"/>
-              </a:lnSpc>
-              <a:spcBef>
-                <a:spcPts val="0"/>
-              </a:spcBef>
-              <a:spcAft>
-                <a:spcPts val="0"/>
-              </a:spcAft>
-              <a:buClrTx/>
-              <a:buSzTx/>
-              <a:buFontTx/>
-              <a:buNone/>
-              <a:tabLst/>
-              <a:defRPr/>
-            </a:pPr>
-            <a:endParaRPr kumimoji="1" lang="en-US" altLang="ja-JP" sz="1200" dirty="0">
-              <a:solidFill>
-                <a:srgbClr val="FFFFFF"/>
-              </a:solidFill>
-            </a:endParaRPr>
-          </a:p>
-          <a:p>
-            <a:pPr marL="0" marR="0" lvl="0" indent="0" algn="l" defTabSz="914400" rtl="0" eaLnBrk="1" fontAlgn="auto" latinLnBrk="0" hangingPunct="1">
-              <a:lnSpc>
-                <a:spcPct val="100000"/>
-              </a:lnSpc>
-              <a:spcBef>
-                <a:spcPts val="0"/>
-              </a:spcBef>
-              <a:spcAft>
-                <a:spcPts val="0"/>
-              </a:spcAft>
-              <a:buClrTx/>
-              <a:buSzTx/>
-              <a:buFontTx/>
-              <a:buNone/>
-              <a:tabLst/>
-              <a:defRPr/>
-            </a:pPr>
-            <a:r>
-              <a:rPr kumimoji="1" lang="ja-JP" altLang="en-US" sz="1200" dirty="0">
-                <a:solidFill>
-                  <a:srgbClr val="FFFFFF"/>
-                </a:solidFill>
-              </a:rPr>
-              <a:t>・先ほどの座標系で原点からの距離を求めます。　これは</a:t>
-            </a:r>
-            <a:r>
-              <a:rPr kumimoji="1" lang="en-US" altLang="ja-JP" sz="1200" dirty="0">
-                <a:solidFill>
-                  <a:srgbClr val="FFFFFF"/>
-                </a:solidFill>
-              </a:rPr>
-              <a:t>length(p)</a:t>
-            </a:r>
-            <a:r>
-              <a:rPr kumimoji="1" lang="ja-JP" altLang="en-US" sz="1200" dirty="0">
-                <a:solidFill>
-                  <a:srgbClr val="FFFFFF"/>
-                </a:solidFill>
-              </a:rPr>
-              <a:t>に対応します。</a:t>
-            </a:r>
-            <a:r>
-              <a:rPr kumimoji="1" lang="en-US" altLang="ja-JP" sz="1200" dirty="0">
-                <a:solidFill>
-                  <a:srgbClr val="FFFFFF"/>
-                </a:solidFill>
-              </a:rPr>
-              <a:t>length</a:t>
-            </a:r>
-            <a:r>
-              <a:rPr kumimoji="1" lang="ja-JP" altLang="en-US" sz="1200" dirty="0">
-                <a:solidFill>
-                  <a:srgbClr val="FFFFFF"/>
-                </a:solidFill>
-              </a:rPr>
-              <a:t>はベクトルの長さを求める関数です</a:t>
-            </a:r>
-            <a:endParaRPr kumimoji="1" lang="en-US" altLang="ja-JP" sz="1200" dirty="0">
-              <a:solidFill>
-                <a:srgbClr val="FFFFFF"/>
-              </a:solidFill>
-            </a:endParaRPr>
-          </a:p>
-          <a:p>
-            <a:pPr marL="0" marR="0" lvl="0" indent="0" algn="l" defTabSz="914400" rtl="0" eaLnBrk="1" fontAlgn="auto" latinLnBrk="0" hangingPunct="1">
-              <a:lnSpc>
-                <a:spcPct val="100000"/>
-              </a:lnSpc>
-              <a:spcBef>
-                <a:spcPts val="0"/>
-              </a:spcBef>
-              <a:spcAft>
-                <a:spcPts val="0"/>
-              </a:spcAft>
-              <a:buClrTx/>
-              <a:buSzTx/>
-              <a:buFontTx/>
-              <a:buNone/>
-              <a:tabLst/>
-              <a:defRPr/>
-            </a:pPr>
-            <a:r>
-              <a:rPr kumimoji="1" lang="ja-JP" altLang="en-US" sz="1200" dirty="0">
-                <a:solidFill>
-                  <a:srgbClr val="FFFFFF"/>
-                </a:solidFill>
-              </a:rPr>
-              <a:t>・それを</a:t>
-            </a:r>
-            <a:r>
-              <a:rPr kumimoji="1" lang="en-US" altLang="ja-JP" sz="1200" dirty="0">
-                <a:solidFill>
-                  <a:srgbClr val="FFFFFF"/>
-                </a:solidFill>
-              </a:rPr>
-              <a:t>0.5</a:t>
-            </a:r>
-            <a:r>
-              <a:rPr kumimoji="1" lang="ja-JP" altLang="en-US" sz="1200" dirty="0">
-                <a:solidFill>
-                  <a:srgbClr val="FFFFFF"/>
-                </a:solidFill>
-              </a:rPr>
-              <a:t>と比較し、</a:t>
-            </a:r>
-            <a:r>
-              <a:rPr kumimoji="1" lang="en-US" altLang="ja-JP" sz="1200" dirty="0">
-                <a:solidFill>
-                  <a:srgbClr val="FFFFFF"/>
-                </a:solidFill>
-              </a:rPr>
-              <a:t>0.5</a:t>
-            </a:r>
-            <a:r>
-              <a:rPr lang="ja-JP" altLang="en-US" sz="800" dirty="0">
-                <a:solidFill>
-                  <a:srgbClr val="FFFFFF"/>
-                </a:solidFill>
-              </a:rPr>
-              <a:t>未満</a:t>
-            </a:r>
-            <a:r>
-              <a:rPr kumimoji="1" lang="ja-JP" altLang="en-US" sz="800" dirty="0">
-                <a:solidFill>
-                  <a:srgbClr val="FFFFFF"/>
-                </a:solidFill>
-              </a:rPr>
-              <a:t>なら</a:t>
-            </a:r>
-            <a:r>
-              <a:rPr kumimoji="1" lang="en-US" altLang="ja-JP" sz="800" dirty="0">
-                <a:solidFill>
-                  <a:srgbClr val="FFFFFF"/>
-                </a:solidFill>
-              </a:rPr>
-              <a:t>1.0</a:t>
-            </a:r>
-            <a:r>
-              <a:rPr kumimoji="1" lang="ja-JP" altLang="en-US" sz="800" dirty="0">
-                <a:solidFill>
-                  <a:srgbClr val="FFFFFF"/>
-                </a:solidFill>
-              </a:rPr>
-              <a:t>を、</a:t>
-            </a:r>
-            <a:r>
-              <a:rPr kumimoji="1" lang="en-US" altLang="ja-JP" sz="800" dirty="0">
-                <a:solidFill>
-                  <a:srgbClr val="FFFFFF"/>
-                </a:solidFill>
-              </a:rPr>
-              <a:t>0.5</a:t>
-            </a:r>
-            <a:r>
-              <a:rPr kumimoji="1" lang="ja-JP" altLang="en-US" sz="800" dirty="0">
-                <a:solidFill>
-                  <a:srgbClr val="FFFFFF"/>
-                </a:solidFill>
-              </a:rPr>
-              <a:t>以上なら</a:t>
-            </a:r>
-            <a:r>
-              <a:rPr kumimoji="1" lang="en-US" altLang="ja-JP" sz="800" dirty="0">
-                <a:solidFill>
-                  <a:srgbClr val="FFFFFF"/>
-                </a:solidFill>
-              </a:rPr>
-              <a:t>0.0</a:t>
-            </a:r>
-            <a:r>
-              <a:rPr kumimoji="1" lang="ja-JP" altLang="en-US" sz="800" dirty="0">
-                <a:solidFill>
-                  <a:srgbClr val="FFFFFF"/>
-                </a:solidFill>
-              </a:rPr>
-              <a:t>を</a:t>
-            </a:r>
-            <a:r>
-              <a:rPr kumimoji="1" lang="en-US" altLang="ja-JP" sz="800" dirty="0">
-                <a:solidFill>
-                  <a:srgbClr val="FFFFFF"/>
-                </a:solidFill>
-              </a:rPr>
-              <a:t>c</a:t>
-            </a:r>
-            <a:r>
-              <a:rPr kumimoji="1" lang="ja-JP" altLang="en-US" sz="800" dirty="0">
-                <a:solidFill>
-                  <a:srgbClr val="FFFFFF"/>
-                </a:solidFill>
-              </a:rPr>
-              <a:t>に代入しています。　この</a:t>
-            </a:r>
-            <a:r>
-              <a:rPr kumimoji="1" lang="en-US" altLang="ja-JP" sz="800" dirty="0">
-                <a:solidFill>
-                  <a:srgbClr val="FFFFFF"/>
-                </a:solidFill>
-              </a:rPr>
-              <a:t>?</a:t>
-            </a:r>
-            <a:r>
-              <a:rPr kumimoji="1" lang="ja-JP" altLang="en-US" sz="800" dirty="0">
-                <a:solidFill>
-                  <a:srgbClr val="FFFFFF"/>
-                </a:solidFill>
-              </a:rPr>
-              <a:t>と</a:t>
-            </a:r>
-            <a:r>
-              <a:rPr kumimoji="1" lang="en-US" altLang="ja-JP" sz="800" dirty="0">
-                <a:solidFill>
-                  <a:srgbClr val="FFFFFF"/>
-                </a:solidFill>
-              </a:rPr>
-              <a:t>:</a:t>
-            </a:r>
-            <a:r>
-              <a:rPr kumimoji="1" lang="ja-JP" altLang="en-US" sz="800" dirty="0">
-                <a:solidFill>
-                  <a:srgbClr val="FFFFFF"/>
-                </a:solidFill>
-              </a:rPr>
-              <a:t>は三項演算子です。</a:t>
-            </a:r>
-            <a:endParaRPr kumimoji="1" lang="en-US" altLang="ja-JP" sz="800" dirty="0">
-              <a:solidFill>
-                <a:srgbClr val="FFFFFF"/>
-              </a:solidFill>
-            </a:endParaRPr>
-          </a:p>
-          <a:p>
-            <a:pPr marL="0" marR="0" lvl="0" indent="0" algn="l" defTabSz="914400" rtl="0" eaLnBrk="1" fontAlgn="auto" latinLnBrk="0" hangingPunct="1">
-              <a:lnSpc>
-                <a:spcPct val="100000"/>
-              </a:lnSpc>
-              <a:spcBef>
-                <a:spcPts val="0"/>
-              </a:spcBef>
-              <a:spcAft>
-                <a:spcPts val="0"/>
-              </a:spcAft>
-              <a:buClrTx/>
-              <a:buSzTx/>
-              <a:buFontTx/>
-              <a:buNone/>
-              <a:tabLst/>
-              <a:defRPr/>
-            </a:pPr>
-            <a:r>
-              <a:rPr kumimoji="1" lang="ja-JP" altLang="en-US" sz="800" dirty="0">
-                <a:solidFill>
-                  <a:srgbClr val="FFFFFF"/>
-                </a:solidFill>
-              </a:rPr>
-              <a:t>普通のプログラミングだと可読性の低さから忌み嫌われがちですが、</a:t>
-            </a:r>
-            <a:r>
-              <a:rPr kumimoji="1" lang="en-US" altLang="ja-JP" sz="800" dirty="0">
-                <a:solidFill>
-                  <a:srgbClr val="FFFFFF"/>
-                </a:solidFill>
-              </a:rPr>
-              <a:t>GPU</a:t>
-            </a:r>
-            <a:r>
-              <a:rPr kumimoji="1" lang="ja-JP" altLang="en-US" sz="800" dirty="0">
-                <a:solidFill>
-                  <a:srgbClr val="FFFFFF"/>
-                </a:solidFill>
-              </a:rPr>
-              <a:t>は</a:t>
-            </a:r>
-            <a:r>
-              <a:rPr kumimoji="1" lang="en-US" altLang="ja-JP" sz="800" dirty="0">
-                <a:solidFill>
-                  <a:srgbClr val="FFFFFF"/>
-                </a:solidFill>
-              </a:rPr>
-              <a:t>if</a:t>
-            </a:r>
-            <a:r>
-              <a:rPr kumimoji="1" lang="ja-JP" altLang="en-US" sz="800" dirty="0">
-                <a:solidFill>
-                  <a:srgbClr val="FFFFFF"/>
-                </a:solidFill>
-              </a:rPr>
-              <a:t>文が苦手で処理が遅いので、三項演算子は重宝します</a:t>
-            </a:r>
-            <a:endParaRPr kumimoji="1" lang="en-US" altLang="ja-JP" sz="800" dirty="0">
-              <a:solidFill>
-                <a:srgbClr val="FFFFFF"/>
-              </a:solidFill>
-            </a:endParaRPr>
-          </a:p>
-          <a:p>
-            <a:pPr marL="0" marR="0" lvl="0" indent="0" algn="l" defTabSz="914400" rtl="0" eaLnBrk="1" fontAlgn="auto" latinLnBrk="0" hangingPunct="1">
-              <a:lnSpc>
-                <a:spcPct val="100000"/>
-              </a:lnSpc>
-              <a:spcBef>
-                <a:spcPts val="0"/>
-              </a:spcBef>
-              <a:spcAft>
-                <a:spcPts val="0"/>
-              </a:spcAft>
-              <a:buClrTx/>
-              <a:buSzTx/>
-              <a:buFontTx/>
-              <a:buNone/>
-              <a:tabLst/>
-              <a:defRPr/>
-            </a:pPr>
-            <a:r>
-              <a:rPr kumimoji="1" lang="ja-JP" altLang="en-US" sz="800" dirty="0">
-                <a:solidFill>
-                  <a:srgbClr val="FFFFFF"/>
-                </a:solidFill>
-              </a:rPr>
-              <a:t>じつはより早く、短くかける方法があるのですが、これは後々紹介します。</a:t>
-            </a:r>
-            <a:endParaRPr kumimoji="1" lang="en-US" altLang="ja-JP" sz="800" dirty="0">
-              <a:solidFill>
-                <a:srgbClr val="FFFFFF"/>
-              </a:solidFill>
-            </a:endParaRPr>
-          </a:p>
-          <a:p>
-            <a:pPr marL="0" marR="0" lvl="0" indent="0" algn="l" defTabSz="914400" rtl="0" eaLnBrk="1" fontAlgn="auto" latinLnBrk="0" hangingPunct="1">
-              <a:lnSpc>
-                <a:spcPct val="100000"/>
-              </a:lnSpc>
-              <a:spcBef>
-                <a:spcPts val="0"/>
-              </a:spcBef>
-              <a:spcAft>
-                <a:spcPts val="0"/>
-              </a:spcAft>
-              <a:buClrTx/>
-              <a:buSzTx/>
-              <a:buFontTx/>
-              <a:buNone/>
-              <a:tabLst/>
-              <a:defRPr/>
-            </a:pPr>
-            <a:r>
-              <a:rPr kumimoji="1" lang="ja-JP" altLang="en-US" sz="800" dirty="0">
-                <a:solidFill>
-                  <a:srgbClr val="FFFFFF"/>
-                </a:solidFill>
-              </a:rPr>
-              <a:t>・で、求めた</a:t>
-            </a:r>
-            <a:r>
-              <a:rPr kumimoji="1" lang="en-US" altLang="ja-JP" sz="800" dirty="0">
-                <a:solidFill>
-                  <a:srgbClr val="FFFFFF"/>
-                </a:solidFill>
-              </a:rPr>
-              <a:t>c</a:t>
-            </a:r>
-            <a:r>
-              <a:rPr kumimoji="1" lang="ja-JP" altLang="en-US" sz="800" dirty="0">
-                <a:solidFill>
-                  <a:srgbClr val="FFFFFF"/>
-                </a:solidFill>
-              </a:rPr>
-              <a:t>を白黒で出力します。ここでは単純に</a:t>
-            </a:r>
-            <a:r>
-              <a:rPr kumimoji="1" lang="en-US" altLang="ja-JP" sz="800" dirty="0">
-                <a:solidFill>
-                  <a:srgbClr val="FFFFFF"/>
-                </a:solidFill>
-              </a:rPr>
-              <a:t>vec3(</a:t>
-            </a:r>
-            <a:r>
-              <a:rPr kumimoji="1" lang="en-US" altLang="ja-JP" sz="800" dirty="0" err="1">
-                <a:solidFill>
-                  <a:srgbClr val="FFFFFF"/>
-                </a:solidFill>
-              </a:rPr>
-              <a:t>c,c,c</a:t>
-            </a:r>
-            <a:r>
-              <a:rPr kumimoji="1" lang="en-US" altLang="ja-JP" sz="800" dirty="0">
-                <a:solidFill>
-                  <a:srgbClr val="FFFFFF"/>
-                </a:solidFill>
-              </a:rPr>
-              <a:t>)</a:t>
-            </a:r>
-            <a:r>
-              <a:rPr kumimoji="1" lang="ja-JP" altLang="en-US" sz="800" dirty="0">
-                <a:solidFill>
-                  <a:srgbClr val="FFFFFF"/>
-                </a:solidFill>
-              </a:rPr>
-              <a:t>を代入します。　ベクトルの要素が全部同じ場合このように省略できます。</a:t>
-            </a:r>
-            <a:endParaRPr kumimoji="1" lang="en-US" altLang="ja-JP" sz="800" dirty="0">
-              <a:solidFill>
-                <a:srgbClr val="FFFFFF"/>
-              </a:solidFill>
-            </a:endParaRPr>
+              <a:t>・まず、つぶやき</a:t>
+            </a:r>
+            <a:r>
+              <a:rPr kumimoji="1" lang="en-US" altLang="ja-JP" dirty="0"/>
+              <a:t>GLSL</a:t>
+            </a:r>
+            <a:r>
+              <a:rPr kumimoji="1" lang="ja-JP" altLang="en-US" dirty="0"/>
+              <a:t>のテクニックは二つに分類できます</a:t>
+            </a:r>
+            <a:endParaRPr kumimoji="1" lang="en-US" altLang="ja-JP" dirty="0"/>
           </a:p>
         </p:txBody>
       </p:sp>
@@ -1596,7 +1556,7 @@
     </p:spTree>
     <p:extLst>
       <p:ext uri="{BB962C8B-B14F-4D97-AF65-F5344CB8AC3E}">
-        <p14:creationId xmlns:p14="http://schemas.microsoft.com/office/powerpoint/2010/main" val="893220024"/>
+        <p14:creationId xmlns:p14="http://schemas.microsoft.com/office/powerpoint/2010/main" val="1585060718"/>
       </p:ext>
     </p:extLst>
   </p:cSld>
@@ -1652,22 +1612,47 @@
           <a:p>
             <a:r>
               <a:rPr kumimoji="1" lang="ja-JP" altLang="en-US" dirty="0"/>
-              <a:t>・おめでとうございます！つぶやき</a:t>
+              <a:t>・一つは絵作りのテクニックです</a:t>
+            </a:r>
+            <a:endParaRPr kumimoji="1" lang="en-US" altLang="ja-JP" dirty="0"/>
+          </a:p>
+          <a:p>
+            <a:r>
+              <a:rPr kumimoji="1" lang="ja-JP" altLang="en-US" dirty="0"/>
+              <a:t>・星の数ほどある</a:t>
+            </a:r>
+            <a:endParaRPr kumimoji="1" lang="en-US" altLang="ja-JP" dirty="0"/>
+          </a:p>
+          <a:p>
+            <a:r>
+              <a:rPr kumimoji="1" lang="ja-JP" altLang="en-US" dirty="0"/>
+              <a:t>・レイマーチング法は特に強力なテクニックで、右のような</a:t>
             </a:r>
             <a:r>
               <a:rPr kumimoji="1" lang="en-US" altLang="ja-JP" dirty="0"/>
-              <a:t>GLSL</a:t>
+              <a:t>3D</a:t>
             </a:r>
             <a:r>
               <a:rPr kumimoji="1" lang="ja-JP" altLang="en-US" dirty="0"/>
-              <a:t>の基礎を完全に理解しました！</a:t>
+              <a:t>の絵を出す際にはほぼ必須といってもいいくらいです。　ほぼ、といったのはそれ以外でも</a:t>
+            </a:r>
+            <a:r>
+              <a:rPr kumimoji="1" lang="en-US" altLang="ja-JP" dirty="0"/>
+              <a:t>3D</a:t>
+            </a:r>
+            <a:r>
+              <a:rPr kumimoji="1" lang="ja-JP" altLang="en-US" dirty="0"/>
+              <a:t>っぽくできるからです</a:t>
             </a:r>
             <a:endParaRPr kumimoji="1" lang="en-US" altLang="ja-JP" dirty="0"/>
           </a:p>
           <a:p>
+            <a:endParaRPr kumimoji="1" lang="en-US" altLang="ja-JP" dirty="0"/>
+          </a:p>
+          <a:p>
             <a:r>
               <a:rPr kumimoji="1" lang="ja-JP" altLang="en-US" dirty="0"/>
-              <a:t>・これを工夫していろいろな図形を描くこともできます</a:t>
+              <a:t>・もう一つはコード短縮のテクニックです</a:t>
             </a:r>
             <a:endParaRPr kumimoji="1" lang="en-US" altLang="ja-JP" dirty="0"/>
           </a:p>
@@ -1677,15 +1662,7 @@
           <a:p>
             <a:r>
               <a:rPr kumimoji="1" lang="ja-JP" altLang="en-US" dirty="0"/>
-              <a:t>・では、つぶやき</a:t>
-            </a:r>
-            <a:r>
-              <a:rPr kumimoji="1" lang="en-US" altLang="ja-JP" dirty="0"/>
-              <a:t>GLSL</a:t>
-            </a:r>
-            <a:r>
-              <a:rPr kumimoji="1" lang="ja-JP" altLang="en-US" dirty="0"/>
-              <a:t>の実践的な内容に移っていきます</a:t>
+              <a:t>・いろいろ紹介しましたが単語だけだとなんのことだかわからないので、実例を交えて一部を紹介したいと思います。</a:t>
             </a:r>
             <a:endParaRPr kumimoji="1" lang="en-US" altLang="ja-JP" dirty="0"/>
           </a:p>
@@ -1717,7 +1694,7 @@
     </p:spTree>
     <p:extLst>
       <p:ext uri="{BB962C8B-B14F-4D97-AF65-F5344CB8AC3E}">
-        <p14:creationId xmlns:p14="http://schemas.microsoft.com/office/powerpoint/2010/main" val="2411372939"/>
+        <p14:creationId xmlns:p14="http://schemas.microsoft.com/office/powerpoint/2010/main" val="973197676"/>
       </p:ext>
     </p:extLst>
   </p:cSld>
@@ -1773,15 +1750,24 @@
           <a:p>
             <a:r>
               <a:rPr kumimoji="1" lang="ja-JP" altLang="en-US" dirty="0"/>
-              <a:t>・まず、つぶやき</a:t>
-            </a:r>
-            <a:r>
-              <a:rPr kumimoji="1" lang="en-US" altLang="ja-JP" dirty="0"/>
-              <a:t>GLSL</a:t>
-            </a:r>
+              <a:t>・モッドは余りの演算です</a:t>
+            </a:r>
+            <a:endParaRPr kumimoji="1" lang="en-US" altLang="ja-JP" dirty="0"/>
+          </a:p>
+          <a:p>
             <a:r>
               <a:rPr kumimoji="1" lang="ja-JP" altLang="en-US" dirty="0"/>
-              <a:t>のテクニックは二つに分類できます</a:t>
+              <a:t>・先ほどのコードに一行加えるだけで複製ができます</a:t>
+            </a:r>
+            <a:endParaRPr kumimoji="1" lang="en-US" altLang="ja-JP" dirty="0"/>
+          </a:p>
+          <a:p>
+            <a:endParaRPr kumimoji="1" lang="en-US" altLang="ja-JP" dirty="0"/>
+          </a:p>
+          <a:p>
+            <a:r>
+              <a:rPr kumimoji="1" lang="ja-JP" altLang="en-US" dirty="0"/>
+              <a:t>・この繰り返しですが、方眼紙を想像して、その一マス一マスが前の座標系に対応していると考えるとわかりやすいかもしれません。</a:t>
             </a:r>
             <a:endParaRPr kumimoji="1" lang="en-US" altLang="ja-JP" dirty="0"/>
           </a:p>
@@ -1805,249 +1791,6 @@
             <a:fld id="{9B25607D-0870-4EA8-A218-76340741156B}" type="slidenum">
               <a:rPr kumimoji="1" lang="ja-JP" altLang="en-US" smtClean="0"/>
               <a:t>18</a:t>
-            </a:fld>
-            <a:endParaRPr kumimoji="1" lang="ja-JP" altLang="en-US"/>
-          </a:p>
-        </p:txBody>
-      </p:sp>
-    </p:spTree>
-    <p:extLst>
-      <p:ext uri="{BB962C8B-B14F-4D97-AF65-F5344CB8AC3E}">
-        <p14:creationId xmlns:p14="http://schemas.microsoft.com/office/powerpoint/2010/main" val="1585060718"/>
-      </p:ext>
-    </p:extLst>
-  </p:cSld>
-  <p:clrMapOvr>
-    <a:masterClrMapping/>
-  </p:clrMapOvr>
-</p:notes>
-</file>
-
-<file path=ppt/notesSlides/notesSlide16.xml><?xml version="1.0" encoding="utf-8"?>
-<p:notes xmlns:a="http://schemas.openxmlformats.org/drawingml/2006/main" xmlns:r="http://schemas.openxmlformats.org/officeDocument/2006/relationships" xmlns:p="http://schemas.openxmlformats.org/presentationml/2006/main">
-  <p:cSld>
-    <p:spTree>
-      <p:nvGrpSpPr>
-        <p:cNvPr id="1" name=""/>
-        <p:cNvGrpSpPr/>
-        <p:nvPr/>
-      </p:nvGrpSpPr>
-      <p:grpSpPr>
-        <a:xfrm>
-          <a:off x="0" y="0"/>
-          <a:ext cx="0" cy="0"/>
-          <a:chOff x="0" y="0"/>
-          <a:chExt cx="0" cy="0"/>
-        </a:xfrm>
-      </p:grpSpPr>
-      <p:sp>
-        <p:nvSpPr>
-          <p:cNvPr id="2" name="スライド イメージ プレースホルダー 1"/>
-          <p:cNvSpPr>
-            <a:spLocks noGrp="1" noRot="1" noChangeAspect="1"/>
-          </p:cNvSpPr>
-          <p:nvPr>
-            <p:ph type="sldImg"/>
-          </p:nvPr>
-        </p:nvSpPr>
-        <p:spPr/>
-      </p:sp>
-      <p:sp>
-        <p:nvSpPr>
-          <p:cNvPr id="3" name="ノート プレースホルダー 2"/>
-          <p:cNvSpPr>
-            <a:spLocks noGrp="1"/>
-          </p:cNvSpPr>
-          <p:nvPr>
-            <p:ph type="body" idx="1"/>
-          </p:nvPr>
-        </p:nvSpPr>
-        <p:spPr/>
-        <p:txBody>
-          <a:bodyPr/>
-          <a:lstStyle/>
-          <a:p>
-            <a:r>
-              <a:rPr kumimoji="1" lang="ja-JP" altLang="en-US" dirty="0"/>
-              <a:t>・一つは絵作りのテクニックです</a:t>
-            </a:r>
-            <a:endParaRPr kumimoji="1" lang="en-US" altLang="ja-JP" dirty="0"/>
-          </a:p>
-          <a:p>
-            <a:r>
-              <a:rPr kumimoji="1" lang="ja-JP" altLang="en-US" dirty="0"/>
-              <a:t>・星の数ほどある</a:t>
-            </a:r>
-            <a:endParaRPr kumimoji="1" lang="en-US" altLang="ja-JP" dirty="0"/>
-          </a:p>
-          <a:p>
-            <a:r>
-              <a:rPr kumimoji="1" lang="ja-JP" altLang="en-US" dirty="0"/>
-              <a:t>・レイマーチング法は特に強力なテクニックで、右のような</a:t>
-            </a:r>
-            <a:r>
-              <a:rPr kumimoji="1" lang="en-US" altLang="ja-JP" dirty="0"/>
-              <a:t>3D</a:t>
-            </a:r>
-            <a:r>
-              <a:rPr kumimoji="1" lang="ja-JP" altLang="en-US" dirty="0"/>
-              <a:t>の絵を出す際にはほぼ必須といってもいいくらいです。　ほぼ、といったのはそれ以外でも</a:t>
-            </a:r>
-            <a:r>
-              <a:rPr kumimoji="1" lang="en-US" altLang="ja-JP" dirty="0"/>
-              <a:t>3D</a:t>
-            </a:r>
-            <a:r>
-              <a:rPr kumimoji="1" lang="ja-JP" altLang="en-US" dirty="0"/>
-              <a:t>っぽくできるからです</a:t>
-            </a:r>
-            <a:endParaRPr kumimoji="1" lang="en-US" altLang="ja-JP" dirty="0"/>
-          </a:p>
-          <a:p>
-            <a:endParaRPr kumimoji="1" lang="en-US" altLang="ja-JP" dirty="0"/>
-          </a:p>
-          <a:p>
-            <a:r>
-              <a:rPr kumimoji="1" lang="ja-JP" altLang="en-US" dirty="0"/>
-              <a:t>・もう一つはコード短縮のテクニックです</a:t>
-            </a:r>
-            <a:endParaRPr kumimoji="1" lang="en-US" altLang="ja-JP" dirty="0"/>
-          </a:p>
-          <a:p>
-            <a:endParaRPr kumimoji="1" lang="en-US" altLang="ja-JP" dirty="0"/>
-          </a:p>
-          <a:p>
-            <a:r>
-              <a:rPr kumimoji="1" lang="ja-JP" altLang="en-US" dirty="0"/>
-              <a:t>・いろいろ紹介しましたが単語だけだとなんのことだかわからないので、実例を交えて一部を紹介したいと思います。</a:t>
-            </a:r>
-            <a:endParaRPr kumimoji="1" lang="en-US" altLang="ja-JP" dirty="0"/>
-          </a:p>
-        </p:txBody>
-      </p:sp>
-      <p:sp>
-        <p:nvSpPr>
-          <p:cNvPr id="4" name="スライド番号プレースホルダー 3"/>
-          <p:cNvSpPr>
-            <a:spLocks noGrp="1"/>
-          </p:cNvSpPr>
-          <p:nvPr>
-            <p:ph type="sldNum" sz="quarter" idx="5"/>
-          </p:nvPr>
-        </p:nvSpPr>
-        <p:spPr/>
-        <p:txBody>
-          <a:bodyPr/>
-          <a:lstStyle/>
-          <a:p>
-            <a:fld id="{9B25607D-0870-4EA8-A218-76340741156B}" type="slidenum">
-              <a:rPr kumimoji="1" lang="ja-JP" altLang="en-US" smtClean="0"/>
-              <a:t>19</a:t>
-            </a:fld>
-            <a:endParaRPr kumimoji="1" lang="ja-JP" altLang="en-US"/>
-          </a:p>
-        </p:txBody>
-      </p:sp>
-    </p:spTree>
-    <p:extLst>
-      <p:ext uri="{BB962C8B-B14F-4D97-AF65-F5344CB8AC3E}">
-        <p14:creationId xmlns:p14="http://schemas.microsoft.com/office/powerpoint/2010/main" val="973197676"/>
-      </p:ext>
-    </p:extLst>
-  </p:cSld>
-  <p:clrMapOvr>
-    <a:masterClrMapping/>
-  </p:clrMapOvr>
-</p:notes>
-</file>
-
-<file path=ppt/notesSlides/notesSlide17.xml><?xml version="1.0" encoding="utf-8"?>
-<p:notes xmlns:a="http://schemas.openxmlformats.org/drawingml/2006/main" xmlns:r="http://schemas.openxmlformats.org/officeDocument/2006/relationships" xmlns:p="http://schemas.openxmlformats.org/presentationml/2006/main">
-  <p:cSld>
-    <p:spTree>
-      <p:nvGrpSpPr>
-        <p:cNvPr id="1" name=""/>
-        <p:cNvGrpSpPr/>
-        <p:nvPr/>
-      </p:nvGrpSpPr>
-      <p:grpSpPr>
-        <a:xfrm>
-          <a:off x="0" y="0"/>
-          <a:ext cx="0" cy="0"/>
-          <a:chOff x="0" y="0"/>
-          <a:chExt cx="0" cy="0"/>
-        </a:xfrm>
-      </p:grpSpPr>
-      <p:sp>
-        <p:nvSpPr>
-          <p:cNvPr id="2" name="スライド イメージ プレースホルダー 1"/>
-          <p:cNvSpPr>
-            <a:spLocks noGrp="1" noRot="1" noChangeAspect="1"/>
-          </p:cNvSpPr>
-          <p:nvPr>
-            <p:ph type="sldImg"/>
-          </p:nvPr>
-        </p:nvSpPr>
-        <p:spPr/>
-      </p:sp>
-      <p:sp>
-        <p:nvSpPr>
-          <p:cNvPr id="3" name="ノート プレースホルダー 2"/>
-          <p:cNvSpPr>
-            <a:spLocks noGrp="1"/>
-          </p:cNvSpPr>
-          <p:nvPr>
-            <p:ph type="body" idx="1"/>
-          </p:nvPr>
-        </p:nvSpPr>
-        <p:spPr/>
-        <p:txBody>
-          <a:bodyPr/>
-          <a:lstStyle/>
-          <a:p>
-            <a:r>
-              <a:rPr kumimoji="1" lang="ja-JP" altLang="en-US" dirty="0"/>
-              <a:t>・モッドは余りの演算です</a:t>
-            </a:r>
-            <a:endParaRPr kumimoji="1" lang="en-US" altLang="ja-JP" dirty="0"/>
-          </a:p>
-          <a:p>
-            <a:r>
-              <a:rPr kumimoji="1" lang="ja-JP" altLang="en-US" dirty="0"/>
-              <a:t>・先ほどのコードに一行加えるだけで複製ができます</a:t>
-            </a:r>
-            <a:endParaRPr kumimoji="1" lang="en-US" altLang="ja-JP" dirty="0"/>
-          </a:p>
-          <a:p>
-            <a:endParaRPr kumimoji="1" lang="en-US" altLang="ja-JP" dirty="0"/>
-          </a:p>
-          <a:p>
-            <a:r>
-              <a:rPr kumimoji="1" lang="ja-JP" altLang="en-US" dirty="0"/>
-              <a:t>・この繰り返しですが、方眼紙を想像して、その一マス一マスが前の座標系に対応していると考えるとわかりやすいかもしれません。</a:t>
-            </a:r>
-            <a:endParaRPr kumimoji="1" lang="en-US" altLang="ja-JP" dirty="0"/>
-          </a:p>
-        </p:txBody>
-      </p:sp>
-      <p:sp>
-        <p:nvSpPr>
-          <p:cNvPr id="4" name="スライド番号プレースホルダー 3"/>
-          <p:cNvSpPr>
-            <a:spLocks noGrp="1"/>
-          </p:cNvSpPr>
-          <p:nvPr>
-            <p:ph type="sldNum" sz="quarter" idx="5"/>
-          </p:nvPr>
-        </p:nvSpPr>
-        <p:spPr/>
-        <p:txBody>
-          <a:bodyPr/>
-          <a:lstStyle/>
-          <a:p>
-            <a:fld id="{9B25607D-0870-4EA8-A218-76340741156B}" type="slidenum">
-              <a:rPr kumimoji="1" lang="ja-JP" altLang="en-US" smtClean="0"/>
-              <a:t>20</a:t>
             </a:fld>
             <a:endParaRPr kumimoji="1" lang="ja-JP" altLang="en-US"/>
           </a:p>
@@ -3023,31 +2766,71 @@
           <a:p>
             <a:r>
               <a:rPr kumimoji="1" lang="ja-JP" altLang="en-US" dirty="0"/>
-              <a:t>・できる方はお手元のブラウザで</a:t>
+              <a:t>・では、</a:t>
+            </a:r>
+            <a:r>
+              <a:rPr kumimoji="1" lang="en-US" altLang="ja-JP" dirty="0"/>
+              <a:t>HelloWorld</a:t>
+            </a:r>
+            <a:r>
+              <a:rPr kumimoji="1" lang="ja-JP" altLang="en-US" dirty="0"/>
+              <a:t>をやっていきましょう。</a:t>
+            </a:r>
+            <a:endParaRPr kumimoji="1" lang="en-US" altLang="ja-JP" dirty="0"/>
+          </a:p>
+          <a:p>
+            <a:r>
+              <a:rPr kumimoji="1" lang="ja-JP" altLang="en-US" dirty="0"/>
+              <a:t>・前のスライドで見せた</a:t>
+            </a:r>
+            <a:r>
+              <a:rPr kumimoji="1" lang="en-US" altLang="ja-JP" dirty="0"/>
+              <a:t>HelloWorld</a:t>
+            </a:r>
+            <a:r>
+              <a:rPr kumimoji="1" lang="ja-JP" altLang="en-US" dirty="0"/>
+              <a:t>はこんなに少なく書くことができます。</a:t>
+            </a:r>
+            <a:endParaRPr kumimoji="1" lang="en-US" altLang="ja-JP" dirty="0"/>
+          </a:p>
+          <a:p>
+            <a:r>
+              <a:rPr kumimoji="1" lang="ja-JP" altLang="en-US" dirty="0"/>
+              <a:t>・やっていることは以前と同じですが、二行目の</a:t>
             </a:r>
             <a:r>
               <a:rPr kumimoji="1" lang="en-US" altLang="ja-JP" dirty="0" err="1"/>
-              <a:t>Twigl</a:t>
+              <a:t>o.rg</a:t>
             </a:r>
             <a:r>
               <a:rPr kumimoji="1" lang="ja-JP" altLang="en-US" dirty="0"/>
-              <a:t>と検索し、</a:t>
+              <a:t>が少し</a:t>
             </a:r>
             <a:r>
               <a:rPr kumimoji="1" lang="en-US" altLang="ja-JP" dirty="0" err="1"/>
-              <a:t>Twigl</a:t>
+              <a:t>glsl</a:t>
             </a:r>
             <a:r>
               <a:rPr kumimoji="1" lang="ja-JP" altLang="en-US" dirty="0"/>
-              <a:t>にアクセスしてみてください</a:t>
-            </a:r>
+              <a:t>ならではの文法なので説明します。</a:t>
+            </a:r>
+            <a:r>
+              <a:rPr kumimoji="1" lang="en-US" altLang="ja-JP" dirty="0"/>
+              <a:t>(</a:t>
+            </a:r>
+            <a:r>
+              <a:rPr kumimoji="1" lang="ja-JP" altLang="en-US" dirty="0"/>
+              <a:t>スウィズル演算子の説明</a:t>
+            </a:r>
+            <a:r>
+              <a:rPr kumimoji="1" lang="en-US" altLang="ja-JP" dirty="0"/>
+              <a:t>)</a:t>
+            </a:r>
+          </a:p>
+          <a:p>
             <a:endParaRPr kumimoji="1" lang="en-US" altLang="ja-JP" dirty="0"/>
           </a:p>
           <a:p>
-            <a:r>
-              <a:rPr kumimoji="1" lang="ja-JP" altLang="en-US" dirty="0"/>
-              <a:t>・スマホでもできます</a:t>
-            </a:r>
             <a:endParaRPr kumimoji="1" lang="en-US" altLang="ja-JP" dirty="0"/>
           </a:p>
         </p:txBody>
@@ -3078,7 +2861,7 @@
     </p:spTree>
     <p:extLst>
       <p:ext uri="{BB962C8B-B14F-4D97-AF65-F5344CB8AC3E}">
-        <p14:creationId xmlns:p14="http://schemas.microsoft.com/office/powerpoint/2010/main" val="1512053388"/>
+        <p14:creationId xmlns:p14="http://schemas.microsoft.com/office/powerpoint/2010/main" val="786874751"/>
       </p:ext>
     </p:extLst>
   </p:cSld>
@@ -3134,28 +2917,42 @@
           <a:p>
             <a:r>
               <a:rPr kumimoji="1" lang="ja-JP" altLang="en-US" dirty="0"/>
-              <a:t>・右側のドロップダウンから、</a:t>
-            </a:r>
-            <a:r>
-              <a:rPr kumimoji="1" lang="en-US" altLang="ja-JP" dirty="0" err="1"/>
-              <a:t>geekest</a:t>
-            </a:r>
-            <a:r>
-              <a:rPr kumimoji="1" lang="en-US" altLang="ja-JP" dirty="0"/>
-              <a:t>(300es)</a:t>
-            </a:r>
+              <a:t>・次に円を出してみましょう</a:t>
+            </a:r>
+            <a:endParaRPr kumimoji="1" lang="en-US" altLang="ja-JP" dirty="0"/>
+          </a:p>
+          <a:p>
             <a:r>
               <a:rPr kumimoji="1" lang="ja-JP" altLang="en-US" dirty="0"/>
-              <a:t>を選んでください</a:t>
+              <a:t>・手順としては～</a:t>
             </a:r>
             <a:endParaRPr kumimoji="1" lang="en-US" altLang="ja-JP" dirty="0"/>
           </a:p>
           <a:p>
+            <a:endParaRPr kumimoji="1" lang="en-US" altLang="ja-JP" dirty="0"/>
+          </a:p>
+          <a:p>
             <a:r>
               <a:rPr kumimoji="1" lang="ja-JP" altLang="en-US" dirty="0"/>
-              <a:t>・その次に、右側のトグルボタンを押してください</a:t>
+              <a:t>・ひとつづつ説明していきます</a:t>
             </a:r>
             <a:endParaRPr kumimoji="1" lang="en-US" altLang="ja-JP" dirty="0"/>
+          </a:p>
+          <a:p>
+            <a:endParaRPr kumimoji="1" lang="en-US" altLang="ja-JP" dirty="0"/>
+          </a:p>
+          <a:p>
+            <a:r>
+              <a:rPr kumimoji="1" lang="ja-JP" altLang="en-US" dirty="0"/>
+              <a:t>・ここからは書いていただいても書かないでも大丈夫です。</a:t>
+            </a:r>
+            <a:endParaRPr kumimoji="1" lang="en-US" altLang="ja-JP" dirty="0"/>
+          </a:p>
+          <a:p>
+            <a:r>
+              <a:rPr kumimoji="1" lang="ja-JP" altLang="en-US" dirty="0"/>
+              <a:t>書いていただける方は説明と一緒にお聞きください</a:t>
+            </a:r>
           </a:p>
         </p:txBody>
       </p:sp>
@@ -3185,7 +2982,7 @@
     </p:spTree>
     <p:extLst>
       <p:ext uri="{BB962C8B-B14F-4D97-AF65-F5344CB8AC3E}">
-        <p14:creationId xmlns:p14="http://schemas.microsoft.com/office/powerpoint/2010/main" val="2298367063"/>
+        <p14:creationId xmlns:p14="http://schemas.microsoft.com/office/powerpoint/2010/main" val="1701504975"/>
       </p:ext>
     </p:extLst>
   </p:cSld>
@@ -7681,7 +7478,7 @@
                   <a:srgbClr val="FFFFFF"/>
                 </a:solidFill>
               </a:rPr>
-              <a:t>実際に書いてみよう</a:t>
+              <a:t>円を出してみよう</a:t>
             </a:r>
           </a:p>
         </p:txBody>
@@ -8413,10 +8210,10 @@
       </p:sp>
       <p:pic>
         <p:nvPicPr>
-          <p:cNvPr id="3" name="図 2" descr="携帯電話の画面のスクリーンショット&#10;&#10;自動的に生成された説明">
+          <p:cNvPr id="3" name="図 2" descr="グラフィカル ユーザー インターフェイス, アプリケーション&#10;&#10;自動的に生成された説明">
             <a:extLst>
               <a:ext uri="{FF2B5EF4-FFF2-40B4-BE49-F238E27FC236}">
-                <a16:creationId xmlns:a16="http://schemas.microsoft.com/office/drawing/2014/main" id="{875E98F2-83F5-85B3-83A4-C65A6F7A2BE2}"/>
+                <a16:creationId xmlns:a16="http://schemas.microsoft.com/office/drawing/2014/main" id="{D6A116AB-1955-4511-CE02-DB963B13D0F5}"/>
               </a:ext>
             </a:extLst>
           </p:cNvPr>
@@ -8439,18 +8236,283 @@
         </p:blipFill>
         <p:spPr>
           <a:xfrm>
-            <a:off x="1028194" y="1447463"/>
-            <a:ext cx="10135610" cy="3959749"/>
+            <a:off x="6914865" y="1526953"/>
+            <a:ext cx="5123523" cy="5096586"/>
           </a:xfrm>
           <a:prstGeom prst="rect">
             <a:avLst/>
           </a:prstGeom>
         </p:spPr>
       </p:pic>
+      <p:sp>
+        <p:nvSpPr>
+          <p:cNvPr id="7" name="テキスト ボックス 6">
+            <a:extLst>
+              <a:ext uri="{FF2B5EF4-FFF2-40B4-BE49-F238E27FC236}">
+                <a16:creationId xmlns:a16="http://schemas.microsoft.com/office/drawing/2014/main" id="{2085B67A-BCEF-0111-F149-44D690AC5EEE}"/>
+              </a:ext>
+            </a:extLst>
+          </p:cNvPr>
+          <p:cNvSpPr txBox="1"/>
+          <p:nvPr/>
+        </p:nvSpPr>
+        <p:spPr>
+          <a:xfrm>
+            <a:off x="985620" y="2790315"/>
+            <a:ext cx="9815513" cy="1323439"/>
+          </a:xfrm>
+          <a:prstGeom prst="rect">
+            <a:avLst/>
+          </a:prstGeom>
+          <a:noFill/>
+        </p:spPr>
+        <p:txBody>
+          <a:bodyPr wrap="square" rtlCol="0">
+            <a:spAutoFit/>
+          </a:bodyPr>
+          <a:lstStyle/>
+          <a:p>
+            <a:r>
+              <a:rPr kumimoji="1" lang="en-US" altLang="ja-JP" sz="4000" dirty="0"/>
+              <a:t>vec2 </a:t>
+            </a:r>
+            <a:r>
+              <a:rPr kumimoji="1" lang="en-US" altLang="ja-JP" sz="4000" dirty="0" err="1"/>
+              <a:t>uv</a:t>
+            </a:r>
+            <a:r>
+              <a:rPr kumimoji="1" lang="en-US" altLang="ja-JP" sz="4000" dirty="0"/>
+              <a:t>=</a:t>
+            </a:r>
+            <a:r>
+              <a:rPr kumimoji="1" lang="en-US" altLang="ja-JP" sz="4000" dirty="0" err="1"/>
+              <a:t>FC.xy</a:t>
+            </a:r>
+            <a:r>
+              <a:rPr kumimoji="1" lang="en-US" altLang="ja-JP" sz="4000" dirty="0"/>
+              <a:t>/r;</a:t>
+            </a:r>
+          </a:p>
+          <a:p>
+            <a:r>
+              <a:rPr kumimoji="1" lang="en-US" altLang="ja-JP" sz="4000" dirty="0" err="1"/>
+              <a:t>o.rg</a:t>
+            </a:r>
+            <a:r>
+              <a:rPr kumimoji="1" lang="en-US" altLang="ja-JP" sz="4000" dirty="0"/>
+              <a:t>=</a:t>
+            </a:r>
+            <a:r>
+              <a:rPr kumimoji="1" lang="en-US" altLang="ja-JP" sz="4000" dirty="0" err="1"/>
+              <a:t>uv</a:t>
+            </a:r>
+            <a:r>
+              <a:rPr kumimoji="1" lang="en-US" altLang="ja-JP" sz="4000" dirty="0"/>
+              <a:t>;</a:t>
+            </a:r>
+            <a:endParaRPr kumimoji="1" lang="ja-JP" altLang="en-US" sz="4000" dirty="0"/>
+          </a:p>
+        </p:txBody>
+      </p:sp>
+      <p:cxnSp>
+        <p:nvCxnSpPr>
+          <p:cNvPr id="13" name="直線矢印コネクタ 12">
+            <a:extLst>
+              <a:ext uri="{FF2B5EF4-FFF2-40B4-BE49-F238E27FC236}">
+                <a16:creationId xmlns:a16="http://schemas.microsoft.com/office/drawing/2014/main" id="{50B0B36A-3135-CDD5-6BFF-B8870ECE9E38}"/>
+              </a:ext>
+            </a:extLst>
+          </p:cNvPr>
+          <p:cNvCxnSpPr>
+            <a:cxnSpLocks/>
+          </p:cNvCxnSpPr>
+          <p:nvPr/>
+        </p:nvCxnSpPr>
+        <p:spPr>
+          <a:xfrm flipV="1">
+            <a:off x="1272209" y="4108174"/>
+            <a:ext cx="265043" cy="1126435"/>
+          </a:xfrm>
+          <a:prstGeom prst="straightConnector1">
+            <a:avLst/>
+          </a:prstGeom>
+          <a:ln w="76200">
+            <a:solidFill>
+              <a:schemeClr val="tx1"/>
+            </a:solidFill>
+            <a:tailEnd type="triangle"/>
+          </a:ln>
+        </p:spPr>
+        <p:style>
+          <a:lnRef idx="1">
+            <a:schemeClr val="accent1"/>
+          </a:lnRef>
+          <a:fillRef idx="0">
+            <a:schemeClr val="accent1"/>
+          </a:fillRef>
+          <a:effectRef idx="0">
+            <a:schemeClr val="accent1"/>
+          </a:effectRef>
+          <a:fontRef idx="minor">
+            <a:schemeClr val="tx1"/>
+          </a:fontRef>
+        </p:style>
+      </p:cxnSp>
+      <p:sp>
+        <p:nvSpPr>
+          <p:cNvPr id="15" name="テキスト ボックス 14">
+            <a:extLst>
+              <a:ext uri="{FF2B5EF4-FFF2-40B4-BE49-F238E27FC236}">
+                <a16:creationId xmlns:a16="http://schemas.microsoft.com/office/drawing/2014/main" id="{D48F074B-D490-2DEF-EA2C-982505AE724D}"/>
+              </a:ext>
+            </a:extLst>
+          </p:cNvPr>
+          <p:cNvSpPr txBox="1"/>
+          <p:nvPr/>
+        </p:nvSpPr>
+        <p:spPr>
+          <a:xfrm>
+            <a:off x="838200" y="5367130"/>
+            <a:ext cx="5123523" cy="1077218"/>
+          </a:xfrm>
+          <a:prstGeom prst="rect">
+            <a:avLst/>
+          </a:prstGeom>
+          <a:noFill/>
+        </p:spPr>
+        <p:txBody>
+          <a:bodyPr wrap="square" rtlCol="0">
+            <a:spAutoFit/>
+          </a:bodyPr>
+          <a:lstStyle/>
+          <a:p>
+            <a:r>
+              <a:rPr kumimoji="1" lang="ja-JP" altLang="en-US" sz="2400" dirty="0"/>
+              <a:t>スウィズル演算子</a:t>
+            </a:r>
+            <a:r>
+              <a:rPr kumimoji="1" lang="en-US" altLang="ja-JP" sz="2400" dirty="0"/>
+              <a:t>:</a:t>
+            </a:r>
+          </a:p>
+          <a:p>
+            <a:r>
+              <a:rPr lang="en-US" altLang="ja-JP" sz="2000" dirty="0" err="1"/>
+              <a:t>Vec.xyz</a:t>
+            </a:r>
+            <a:r>
+              <a:rPr lang="en-US" altLang="ja-JP" sz="2000" dirty="0"/>
+              <a:t> , </a:t>
+            </a:r>
+            <a:r>
+              <a:rPr lang="en-US" altLang="ja-JP" sz="2000" dirty="0" err="1"/>
+              <a:t>Color.rgb</a:t>
+            </a:r>
+            <a:r>
+              <a:rPr lang="ja-JP" altLang="en-US" sz="2000" dirty="0"/>
+              <a:t>みたいに、各成分の集合にベクトルとしてアクセスできる</a:t>
+            </a:r>
+            <a:endParaRPr kumimoji="1" lang="en-US" altLang="ja-JP" sz="2000" dirty="0"/>
+          </a:p>
+        </p:txBody>
+      </p:sp>
+      <p:sp>
+        <p:nvSpPr>
+          <p:cNvPr id="2" name="コンテンツ プレースホルダー 2">
+            <a:extLst>
+              <a:ext uri="{FF2B5EF4-FFF2-40B4-BE49-F238E27FC236}">
+                <a16:creationId xmlns:a16="http://schemas.microsoft.com/office/drawing/2014/main" id="{7A668456-5EF1-944A-581F-95D8643B94E1}"/>
+              </a:ext>
+            </a:extLst>
+          </p:cNvPr>
+          <p:cNvSpPr>
+            <a:spLocks noGrp="1"/>
+          </p:cNvSpPr>
+          <p:nvPr>
+            <p:ph idx="1"/>
+          </p:nvPr>
+        </p:nvSpPr>
+        <p:spPr>
+          <a:xfrm>
+            <a:off x="838201" y="716635"/>
+            <a:ext cx="10515598" cy="810318"/>
+          </a:xfrm>
+        </p:spPr>
+        <p:txBody>
+          <a:bodyPr>
+            <a:normAutofit lnSpcReduction="10000"/>
+          </a:bodyPr>
+          <a:lstStyle/>
+          <a:p>
+            <a:pPr marL="0" indent="0" algn="ctr">
+              <a:buNone/>
+            </a:pPr>
+            <a:r>
+              <a:rPr lang="en-US" altLang="ja-JP" sz="5400" dirty="0">
+                <a:solidFill>
+                  <a:srgbClr val="FFFFFF"/>
+                </a:solidFill>
+              </a:rPr>
+              <a:t>Hello World</a:t>
+            </a:r>
+            <a:endParaRPr lang="en-US" altLang="ja-JP" sz="1500" dirty="0">
+              <a:solidFill>
+                <a:srgbClr val="FFFFFF"/>
+              </a:solidFill>
+            </a:endParaRPr>
+          </a:p>
+          <a:p>
+            <a:pPr marL="0" indent="0">
+              <a:buNone/>
+            </a:pPr>
+            <a:endParaRPr kumimoji="1" lang="en-US" altLang="ja-JP" sz="1500" dirty="0">
+              <a:solidFill>
+                <a:srgbClr val="FFFFFF"/>
+              </a:solidFill>
+            </a:endParaRPr>
+          </a:p>
+        </p:txBody>
+      </p:sp>
+      <p:sp>
+        <p:nvSpPr>
+          <p:cNvPr id="6" name="テキスト ボックス 5">
+            <a:extLst>
+              <a:ext uri="{FF2B5EF4-FFF2-40B4-BE49-F238E27FC236}">
+                <a16:creationId xmlns:a16="http://schemas.microsoft.com/office/drawing/2014/main" id="{D28815CD-3498-50DA-84A7-44EBDA4BB8D5}"/>
+              </a:ext>
+            </a:extLst>
+          </p:cNvPr>
+          <p:cNvSpPr txBox="1"/>
+          <p:nvPr/>
+        </p:nvSpPr>
+        <p:spPr>
+          <a:xfrm>
+            <a:off x="663440" y="2749826"/>
+            <a:ext cx="11469045" cy="1569660"/>
+          </a:xfrm>
+          <a:prstGeom prst="rect">
+            <a:avLst/>
+          </a:prstGeom>
+          <a:noFill/>
+        </p:spPr>
+        <p:txBody>
+          <a:bodyPr wrap="square" rtlCol="0">
+            <a:spAutoFit/>
+          </a:bodyPr>
+          <a:lstStyle/>
+          <a:p>
+            <a:pPr algn="ctr"/>
+            <a:r>
+              <a:rPr kumimoji="1" lang="ja-JP" altLang="en-US" sz="9600" dirty="0"/>
+              <a:t>消す</a:t>
+            </a:r>
+          </a:p>
+        </p:txBody>
+      </p:sp>
     </p:spTree>
     <p:extLst>
       <p:ext uri="{BB962C8B-B14F-4D97-AF65-F5344CB8AC3E}">
-        <p14:creationId xmlns:p14="http://schemas.microsoft.com/office/powerpoint/2010/main" val="2774955055"/>
+        <p14:creationId xmlns:p14="http://schemas.microsoft.com/office/powerpoint/2010/main" val="983218441"/>
       </p:ext>
     </p:extLst>
   </p:cSld>
@@ -8487,7 +8549,7 @@
       </p:grpSpPr>
       <p:sp>
         <p:nvSpPr>
-          <p:cNvPr id="30" name="Rectangle 21">
+          <p:cNvPr id="8" name="Rectangle 7">
             <a:extLst>
               <a:ext uri="{FF2B5EF4-FFF2-40B4-BE49-F238E27FC236}">
                 <a16:creationId xmlns:a16="http://schemas.microsoft.com/office/drawing/2014/main" id="{EA67B5B4-3A24-436E-B663-1B2EBFF8A0CD}"/>
@@ -8543,14 +8605,43 @@
           <a:bodyPr rtlCol="0" anchor="ctr"/>
           <a:lstStyle/>
           <a:p>
-            <a:pPr algn="ctr"/>
-            <a:endParaRPr lang="en-US"/>
+            <a:pPr marL="0" marR="0" lvl="0" indent="0" algn="ctr" defTabSz="914400" rtl="0" eaLnBrk="1" fontAlgn="auto" latinLnBrk="0" hangingPunct="1">
+              <a:lnSpc>
+                <a:spcPct val="100000"/>
+              </a:lnSpc>
+              <a:spcBef>
+                <a:spcPts val="0"/>
+              </a:spcBef>
+              <a:spcAft>
+                <a:spcPts val="0"/>
+              </a:spcAft>
+              <a:buClrTx/>
+              <a:buSzTx/>
+              <a:buFontTx/>
+              <a:buNone/>
+              <a:tabLst/>
+              <a:defRPr/>
+            </a:pPr>
+            <a:endParaRPr kumimoji="1" lang="en-US" sz="1800" b="0" i="0" u="none" strike="noStrike" kern="1200" cap="none" spc="0" normalizeH="0" baseline="0" noProof="0">
+              <a:ln>
+                <a:noFill/>
+              </a:ln>
+              <a:solidFill>
+                <a:prstClr val="white"/>
+              </a:solidFill>
+              <a:effectLst/>
+              <a:uLnTx/>
+              <a:uFillTx/>
+              <a:latin typeface="游ゴシック" panose="020F0502020204030204"/>
+              <a:ea typeface="+mn-ea"/>
+              <a:cs typeface="+mn-cs"/>
+            </a:endParaRPr>
           </a:p>
         </p:txBody>
       </p:sp>
       <p:sp>
         <p:nvSpPr>
-          <p:cNvPr id="31" name="Freeform 13">
+          <p:cNvPr id="10" name="Freeform 13">
             <a:extLst>
               <a:ext uri="{FF2B5EF4-FFF2-40B4-BE49-F238E27FC236}">
                 <a16:creationId xmlns:a16="http://schemas.microsoft.com/office/drawing/2014/main" id="{987FDF89-C993-41F4-A1B8-DBAFF16008A9}"/>
@@ -8651,14 +8742,43 @@
           <a:bodyPr rtlCol="0" anchor="ctr"/>
           <a:lstStyle/>
           <a:p>
-            <a:pPr algn="ctr"/>
-            <a:endParaRPr lang="en-US"/>
+            <a:pPr marL="0" marR="0" lvl="0" indent="0" algn="ctr" defTabSz="914400" rtl="0" eaLnBrk="1" fontAlgn="auto" latinLnBrk="0" hangingPunct="1">
+              <a:lnSpc>
+                <a:spcPct val="100000"/>
+              </a:lnSpc>
+              <a:spcBef>
+                <a:spcPts val="0"/>
+              </a:spcBef>
+              <a:spcAft>
+                <a:spcPts val="0"/>
+              </a:spcAft>
+              <a:buClrTx/>
+              <a:buSzTx/>
+              <a:buFontTx/>
+              <a:buNone/>
+              <a:tabLst/>
+              <a:defRPr/>
+            </a:pPr>
+            <a:endParaRPr kumimoji="1" lang="en-US" sz="1800" b="0" i="0" u="none" strike="noStrike" kern="1200" cap="none" spc="0" normalizeH="0" baseline="0" noProof="0">
+              <a:ln>
+                <a:noFill/>
+              </a:ln>
+              <a:solidFill>
+                <a:prstClr val="white"/>
+              </a:solidFill>
+              <a:effectLst/>
+              <a:uLnTx/>
+              <a:uFillTx/>
+              <a:latin typeface="游ゴシック" panose="020F0502020204030204"/>
+              <a:ea typeface="+mn-ea"/>
+              <a:cs typeface="+mn-cs"/>
+            </a:endParaRPr>
           </a:p>
         </p:txBody>
       </p:sp>
       <p:sp>
         <p:nvSpPr>
-          <p:cNvPr id="32" name="Freeform 11">
+          <p:cNvPr id="12" name="Freeform 11">
             <a:extLst>
               <a:ext uri="{FF2B5EF4-FFF2-40B4-BE49-F238E27FC236}">
                 <a16:creationId xmlns:a16="http://schemas.microsoft.com/office/drawing/2014/main" id="{64E585EA-75FD-4025-8270-F66A58A15CDA}"/>
@@ -8761,202 +8881,187 @@
           </a:bodyPr>
           <a:lstStyle/>
           <a:p>
-            <a:pPr algn="ctr"/>
-            <a:endParaRPr lang="en-US"/>
+            <a:pPr marL="0" marR="0" lvl="0" indent="0" algn="ctr" defTabSz="914400" rtl="0" eaLnBrk="1" fontAlgn="auto" latinLnBrk="0" hangingPunct="1">
+              <a:lnSpc>
+                <a:spcPct val="100000"/>
+              </a:lnSpc>
+              <a:spcBef>
+                <a:spcPts val="0"/>
+              </a:spcBef>
+              <a:spcAft>
+                <a:spcPts val="0"/>
+              </a:spcAft>
+              <a:buClrTx/>
+              <a:buSzTx/>
+              <a:buFontTx/>
+              <a:buNone/>
+              <a:tabLst/>
+              <a:defRPr/>
+            </a:pPr>
+            <a:endParaRPr kumimoji="1" lang="en-US" sz="1800" b="0" i="0" u="none" strike="noStrike" kern="1200" cap="none" spc="0" normalizeH="0" baseline="0" noProof="0">
+              <a:ln>
+                <a:noFill/>
+              </a:ln>
+              <a:solidFill>
+                <a:prstClr val="white"/>
+              </a:solidFill>
+              <a:effectLst/>
+              <a:uLnTx/>
+              <a:uFillTx/>
+              <a:latin typeface="游ゴシック" panose="020F0502020204030204"/>
+              <a:ea typeface="+mn-ea"/>
+              <a:cs typeface="+mn-cs"/>
+            </a:endParaRPr>
           </a:p>
         </p:txBody>
       </p:sp>
       <p:sp>
         <p:nvSpPr>
-          <p:cNvPr id="5" name="コンテンツ プレースホルダー 2">
+          <p:cNvPr id="3" name="コンテンツ プレースホルダー 2">
             <a:extLst>
               <a:ext uri="{FF2B5EF4-FFF2-40B4-BE49-F238E27FC236}">
-                <a16:creationId xmlns:a16="http://schemas.microsoft.com/office/drawing/2014/main" id="{A36D59C5-9EF8-D167-6234-968CD6820A58}"/>
+                <a16:creationId xmlns:a16="http://schemas.microsoft.com/office/drawing/2014/main" id="{0B8F125D-032D-9846-52B7-5057FE04674A}"/>
               </a:ext>
             </a:extLst>
           </p:cNvPr>
-          <p:cNvSpPr txBox="1">
-            <a:spLocks/>
+          <p:cNvSpPr>
+            <a:spLocks noGrp="1"/>
           </p:cNvSpPr>
-          <p:nvPr/>
+          <p:nvPr>
+            <p:ph idx="1"/>
+          </p:nvPr>
         </p:nvSpPr>
         <p:spPr>
           <a:xfrm>
-            <a:off x="838200" y="1350157"/>
-            <a:ext cx="10515598" cy="5038920"/>
+            <a:off x="838201" y="716635"/>
+            <a:ext cx="10515598" cy="5848288"/>
           </a:xfrm>
-          <a:prstGeom prst="rect">
-            <a:avLst/>
-          </a:prstGeom>
         </p:spPr>
         <p:txBody>
-          <a:bodyPr vert="horz" lIns="91440" tIns="45720" rIns="91440" bIns="45720" rtlCol="0">
+          <a:bodyPr>
             <a:normAutofit/>
           </a:bodyPr>
-          <a:lstStyle>
-            <a:lvl1pPr marL="228600" indent="-228600" algn="l" defTabSz="914400" rtl="0" eaLnBrk="1" latinLnBrk="0" hangingPunct="1">
-              <a:lnSpc>
-                <a:spcPct val="90000"/>
-              </a:lnSpc>
-              <a:spcBef>
-                <a:spcPts val="1000"/>
-              </a:spcBef>
-              <a:buFont typeface="Arial" panose="020B0604020202020204" pitchFamily="34" charset="0"/>
-              <a:buChar char="•"/>
-              <a:defRPr kumimoji="1" sz="2800" kern="1200">
-                <a:solidFill>
-                  <a:schemeClr val="tx1"/>
-                </a:solidFill>
-                <a:latin typeface="+mn-lt"/>
-                <a:ea typeface="+mn-ea"/>
-                <a:cs typeface="+mn-cs"/>
-              </a:defRPr>
-            </a:lvl1pPr>
-            <a:lvl2pPr marL="685800" indent="-228600" algn="l" defTabSz="914400" rtl="0" eaLnBrk="1" latinLnBrk="0" hangingPunct="1">
-              <a:lnSpc>
-                <a:spcPct val="90000"/>
-              </a:lnSpc>
-              <a:spcBef>
-                <a:spcPts val="500"/>
-              </a:spcBef>
-              <a:buFont typeface="Arial" panose="020B0604020202020204" pitchFamily="34" charset="0"/>
-              <a:buChar char="•"/>
-              <a:defRPr kumimoji="1" sz="2400" kern="1200">
-                <a:solidFill>
-                  <a:schemeClr val="tx1"/>
-                </a:solidFill>
-                <a:latin typeface="+mn-lt"/>
-                <a:ea typeface="+mn-ea"/>
-                <a:cs typeface="+mn-cs"/>
-              </a:defRPr>
-            </a:lvl2pPr>
-            <a:lvl3pPr marL="1143000" indent="-228600" algn="l" defTabSz="914400" rtl="0" eaLnBrk="1" latinLnBrk="0" hangingPunct="1">
-              <a:lnSpc>
-                <a:spcPct val="90000"/>
-              </a:lnSpc>
-              <a:spcBef>
-                <a:spcPts val="500"/>
-              </a:spcBef>
-              <a:buFont typeface="Arial" panose="020B0604020202020204" pitchFamily="34" charset="0"/>
-              <a:buChar char="•"/>
-              <a:defRPr kumimoji="1" sz="2000" kern="1200">
-                <a:solidFill>
-                  <a:schemeClr val="tx1"/>
-                </a:solidFill>
-                <a:latin typeface="+mn-lt"/>
-                <a:ea typeface="+mn-ea"/>
-                <a:cs typeface="+mn-cs"/>
-              </a:defRPr>
-            </a:lvl3pPr>
-            <a:lvl4pPr marL="1600200" indent="-228600" algn="l" defTabSz="914400" rtl="0" eaLnBrk="1" latinLnBrk="0" hangingPunct="1">
-              <a:lnSpc>
-                <a:spcPct val="90000"/>
-              </a:lnSpc>
-              <a:spcBef>
-                <a:spcPts val="500"/>
-              </a:spcBef>
-              <a:buFont typeface="Arial" panose="020B0604020202020204" pitchFamily="34" charset="0"/>
-              <a:buChar char="•"/>
-              <a:defRPr kumimoji="1" sz="1800" kern="1200">
-                <a:solidFill>
-                  <a:schemeClr val="tx1"/>
-                </a:solidFill>
-                <a:latin typeface="+mn-lt"/>
-                <a:ea typeface="+mn-ea"/>
-                <a:cs typeface="+mn-cs"/>
-              </a:defRPr>
-            </a:lvl4pPr>
-            <a:lvl5pPr marL="2057400" indent="-228600" algn="l" defTabSz="914400" rtl="0" eaLnBrk="1" latinLnBrk="0" hangingPunct="1">
-              <a:lnSpc>
-                <a:spcPct val="90000"/>
-              </a:lnSpc>
-              <a:spcBef>
-                <a:spcPts val="500"/>
-              </a:spcBef>
-              <a:buFont typeface="Arial" panose="020B0604020202020204" pitchFamily="34" charset="0"/>
-              <a:buChar char="•"/>
-              <a:defRPr kumimoji="1" sz="1800" kern="1200">
-                <a:solidFill>
-                  <a:schemeClr val="tx1"/>
-                </a:solidFill>
-                <a:latin typeface="+mn-lt"/>
-                <a:ea typeface="+mn-ea"/>
-                <a:cs typeface="+mn-cs"/>
-              </a:defRPr>
-            </a:lvl5pPr>
-            <a:lvl6pPr marL="2514600" indent="-228600" algn="l" defTabSz="914400" rtl="0" eaLnBrk="1" latinLnBrk="0" hangingPunct="1">
-              <a:lnSpc>
-                <a:spcPct val="90000"/>
-              </a:lnSpc>
-              <a:spcBef>
-                <a:spcPts val="500"/>
-              </a:spcBef>
-              <a:buFont typeface="Arial" panose="020B0604020202020204" pitchFamily="34" charset="0"/>
-              <a:buChar char="•"/>
-              <a:defRPr kumimoji="1" sz="1800" kern="1200">
-                <a:solidFill>
-                  <a:schemeClr val="tx1"/>
-                </a:solidFill>
-                <a:latin typeface="+mn-lt"/>
-                <a:ea typeface="+mn-ea"/>
-                <a:cs typeface="+mn-cs"/>
-              </a:defRPr>
-            </a:lvl6pPr>
-            <a:lvl7pPr marL="2971800" indent="-228600" algn="l" defTabSz="914400" rtl="0" eaLnBrk="1" latinLnBrk="0" hangingPunct="1">
-              <a:lnSpc>
-                <a:spcPct val="90000"/>
-              </a:lnSpc>
-              <a:spcBef>
-                <a:spcPts val="500"/>
-              </a:spcBef>
-              <a:buFont typeface="Arial" panose="020B0604020202020204" pitchFamily="34" charset="0"/>
-              <a:buChar char="•"/>
-              <a:defRPr kumimoji="1" sz="1800" kern="1200">
-                <a:solidFill>
-                  <a:schemeClr val="tx1"/>
-                </a:solidFill>
-                <a:latin typeface="+mn-lt"/>
-                <a:ea typeface="+mn-ea"/>
-                <a:cs typeface="+mn-cs"/>
-              </a:defRPr>
-            </a:lvl7pPr>
-            <a:lvl8pPr marL="3429000" indent="-228600" algn="l" defTabSz="914400" rtl="0" eaLnBrk="1" latinLnBrk="0" hangingPunct="1">
-              <a:lnSpc>
-                <a:spcPct val="90000"/>
-              </a:lnSpc>
-              <a:spcBef>
-                <a:spcPts val="500"/>
-              </a:spcBef>
-              <a:buFont typeface="Arial" panose="020B0604020202020204" pitchFamily="34" charset="0"/>
-              <a:buChar char="•"/>
-              <a:defRPr kumimoji="1" sz="1800" kern="1200">
-                <a:solidFill>
-                  <a:schemeClr val="tx1"/>
-                </a:solidFill>
-                <a:latin typeface="+mn-lt"/>
-                <a:ea typeface="+mn-ea"/>
-                <a:cs typeface="+mn-cs"/>
-              </a:defRPr>
-            </a:lvl8pPr>
-            <a:lvl9pPr marL="3886200" indent="-228600" algn="l" defTabSz="914400" rtl="0" eaLnBrk="1" latinLnBrk="0" hangingPunct="1">
-              <a:lnSpc>
-                <a:spcPct val="90000"/>
-              </a:lnSpc>
-              <a:spcBef>
-                <a:spcPts val="500"/>
-              </a:spcBef>
-              <a:buFont typeface="Arial" panose="020B0604020202020204" pitchFamily="34" charset="0"/>
-              <a:buChar char="•"/>
-              <a:defRPr kumimoji="1" sz="1800" kern="1200">
-                <a:solidFill>
-                  <a:schemeClr val="tx1"/>
-                </a:solidFill>
-                <a:latin typeface="+mn-lt"/>
-                <a:ea typeface="+mn-ea"/>
-                <a:cs typeface="+mn-cs"/>
-              </a:defRPr>
-            </a:lvl9pPr>
-          </a:lstStyle>
+          <a:lstStyle/>
+          <a:p>
+            <a:pPr marL="0" indent="0" algn="ctr">
+              <a:buNone/>
+            </a:pPr>
+            <a:r>
+              <a:rPr lang="ja-JP" altLang="en-US" sz="5400" dirty="0">
+                <a:solidFill>
+                  <a:srgbClr val="FFFFFF"/>
+                </a:solidFill>
+              </a:rPr>
+              <a:t>円を出してみる</a:t>
+            </a:r>
+            <a:endParaRPr kumimoji="1" lang="en-US" altLang="ja-JP" sz="5400" dirty="0">
+              <a:solidFill>
+                <a:srgbClr val="FFFFFF"/>
+              </a:solidFill>
+            </a:endParaRPr>
+          </a:p>
+          <a:p>
+            <a:pPr marL="0" indent="0">
+              <a:buNone/>
+            </a:pPr>
+            <a:endParaRPr kumimoji="1" lang="en-US" altLang="ja-JP" dirty="0">
+              <a:solidFill>
+                <a:srgbClr val="FFFFFF"/>
+              </a:solidFill>
+            </a:endParaRPr>
+          </a:p>
+          <a:p>
+            <a:pPr marL="0" indent="0">
+              <a:buNone/>
+            </a:pPr>
+            <a:endParaRPr lang="en-US" altLang="ja-JP" dirty="0">
+              <a:solidFill>
+                <a:srgbClr val="FFFFFF"/>
+              </a:solidFill>
+            </a:endParaRPr>
+          </a:p>
+          <a:p>
+            <a:pPr marL="0" indent="0">
+              <a:buNone/>
+            </a:pPr>
+            <a:endParaRPr kumimoji="1" lang="en-US" altLang="ja-JP" dirty="0">
+              <a:solidFill>
+                <a:srgbClr val="FFFFFF"/>
+              </a:solidFill>
+            </a:endParaRPr>
+          </a:p>
+          <a:p>
+            <a:pPr marL="0" indent="0">
+              <a:buNone/>
+            </a:pPr>
+            <a:r>
+              <a:rPr kumimoji="1" lang="ja-JP" altLang="en-US" dirty="0">
+                <a:solidFill>
+                  <a:srgbClr val="FFFFFF"/>
+                </a:solidFill>
+              </a:rPr>
+              <a:t>・ピクセル座標の変換</a:t>
+            </a:r>
+            <a:endParaRPr kumimoji="1" lang="en-US" altLang="ja-JP" dirty="0">
+              <a:solidFill>
+                <a:srgbClr val="FFFFFF"/>
+              </a:solidFill>
+            </a:endParaRPr>
+          </a:p>
+          <a:p>
+            <a:pPr marL="0" indent="0">
+              <a:buNone/>
+            </a:pPr>
+            <a:r>
+              <a:rPr lang="ja-JP" altLang="en-US" dirty="0">
+                <a:solidFill>
+                  <a:srgbClr val="FFFFFF"/>
+                </a:solidFill>
+              </a:rPr>
+              <a:t>・変換した座標を円の半径と比較</a:t>
+            </a:r>
+            <a:endParaRPr lang="en-US" altLang="ja-JP" dirty="0">
+              <a:solidFill>
+                <a:srgbClr val="FFFFFF"/>
+              </a:solidFill>
+            </a:endParaRPr>
+          </a:p>
+          <a:p>
+            <a:pPr marL="0" indent="0">
+              <a:buNone/>
+            </a:pPr>
+            <a:r>
+              <a:rPr kumimoji="1" lang="ja-JP" altLang="en-US" dirty="0">
+                <a:solidFill>
+                  <a:srgbClr val="FFFFFF"/>
+                </a:solidFill>
+              </a:rPr>
+              <a:t>・円の内部にある場合白を出力</a:t>
+            </a:r>
+            <a:endParaRPr kumimoji="1" lang="en-US" altLang="ja-JP" dirty="0">
+              <a:solidFill>
+                <a:srgbClr val="FFFFFF"/>
+              </a:solidFill>
+            </a:endParaRPr>
+          </a:p>
+          <a:p>
+            <a:pPr marL="0" indent="0">
+              <a:buNone/>
+            </a:pPr>
+            <a:r>
+              <a:rPr lang="ja-JP" altLang="en-US" dirty="0">
+                <a:solidFill>
+                  <a:srgbClr val="FFFFFF"/>
+                </a:solidFill>
+              </a:rPr>
+              <a:t>・円の外部にある場合黒を出力</a:t>
+            </a:r>
+            <a:endParaRPr kumimoji="1" lang="en-US" altLang="ja-JP" dirty="0">
+              <a:solidFill>
+                <a:srgbClr val="FFFFFF"/>
+              </a:solidFill>
+            </a:endParaRPr>
+          </a:p>
           <a:p>
             <a:pPr marL="0" indent="0">
               <a:buNone/>
@@ -8967,217 +9072,24 @@
               </a:solidFill>
             </a:endParaRPr>
           </a:p>
-        </p:txBody>
-      </p:sp>
-      <p:sp>
-        <p:nvSpPr>
-          <p:cNvPr id="4" name="コンテンツ プレースホルダー 2">
-            <a:extLst>
-              <a:ext uri="{FF2B5EF4-FFF2-40B4-BE49-F238E27FC236}">
-                <a16:creationId xmlns:a16="http://schemas.microsoft.com/office/drawing/2014/main" id="{1A63E381-A3AC-83F2-C8AF-77D2A15DADDE}"/>
-              </a:ext>
-            </a:extLst>
-          </p:cNvPr>
-          <p:cNvSpPr txBox="1">
-            <a:spLocks/>
-          </p:cNvSpPr>
-          <p:nvPr/>
-        </p:nvSpPr>
-        <p:spPr>
-          <a:xfrm>
-            <a:off x="838200" y="3991086"/>
-            <a:ext cx="10515600" cy="4351338"/>
-          </a:xfrm>
-          <a:prstGeom prst="rect">
-            <a:avLst/>
-          </a:prstGeom>
-        </p:spPr>
-        <p:txBody>
-          <a:bodyPr vert="horz" lIns="91440" tIns="45720" rIns="91440" bIns="45720" rtlCol="0">
-            <a:normAutofit/>
-          </a:bodyPr>
-          <a:lstStyle>
-            <a:lvl1pPr marL="228600" indent="-228600" algn="l" defTabSz="914400" rtl="0" eaLnBrk="1" latinLnBrk="0" hangingPunct="1">
-              <a:lnSpc>
-                <a:spcPct val="90000"/>
-              </a:lnSpc>
-              <a:spcBef>
-                <a:spcPts val="1000"/>
-              </a:spcBef>
-              <a:buFont typeface="Arial" panose="020B0604020202020204" pitchFamily="34" charset="0"/>
-              <a:buChar char="•"/>
-              <a:defRPr kumimoji="1" sz="2800" kern="1200">
-                <a:solidFill>
-                  <a:schemeClr val="tx1"/>
-                </a:solidFill>
-                <a:latin typeface="+mn-lt"/>
-                <a:ea typeface="+mn-ea"/>
-                <a:cs typeface="+mn-cs"/>
-              </a:defRPr>
-            </a:lvl1pPr>
-            <a:lvl2pPr marL="685800" indent="-228600" algn="l" defTabSz="914400" rtl="0" eaLnBrk="1" latinLnBrk="0" hangingPunct="1">
-              <a:lnSpc>
-                <a:spcPct val="90000"/>
-              </a:lnSpc>
-              <a:spcBef>
-                <a:spcPts val="500"/>
-              </a:spcBef>
-              <a:buFont typeface="Arial" panose="020B0604020202020204" pitchFamily="34" charset="0"/>
-              <a:buChar char="•"/>
-              <a:defRPr kumimoji="1" sz="2400" kern="1200">
-                <a:solidFill>
-                  <a:schemeClr val="tx1"/>
-                </a:solidFill>
-                <a:latin typeface="+mn-lt"/>
-                <a:ea typeface="+mn-ea"/>
-                <a:cs typeface="+mn-cs"/>
-              </a:defRPr>
-            </a:lvl2pPr>
-            <a:lvl3pPr marL="1143000" indent="-228600" algn="l" defTabSz="914400" rtl="0" eaLnBrk="1" latinLnBrk="0" hangingPunct="1">
-              <a:lnSpc>
-                <a:spcPct val="90000"/>
-              </a:lnSpc>
-              <a:spcBef>
-                <a:spcPts val="500"/>
-              </a:spcBef>
-              <a:buFont typeface="Arial" panose="020B0604020202020204" pitchFamily="34" charset="0"/>
-              <a:buChar char="•"/>
-              <a:defRPr kumimoji="1" sz="2000" kern="1200">
-                <a:solidFill>
-                  <a:schemeClr val="tx1"/>
-                </a:solidFill>
-                <a:latin typeface="+mn-lt"/>
-                <a:ea typeface="+mn-ea"/>
-                <a:cs typeface="+mn-cs"/>
-              </a:defRPr>
-            </a:lvl3pPr>
-            <a:lvl4pPr marL="1600200" indent="-228600" algn="l" defTabSz="914400" rtl="0" eaLnBrk="1" latinLnBrk="0" hangingPunct="1">
-              <a:lnSpc>
-                <a:spcPct val="90000"/>
-              </a:lnSpc>
-              <a:spcBef>
-                <a:spcPts val="500"/>
-              </a:spcBef>
-              <a:buFont typeface="Arial" panose="020B0604020202020204" pitchFamily="34" charset="0"/>
-              <a:buChar char="•"/>
-              <a:defRPr kumimoji="1" sz="1800" kern="1200">
-                <a:solidFill>
-                  <a:schemeClr val="tx1"/>
-                </a:solidFill>
-                <a:latin typeface="+mn-lt"/>
-                <a:ea typeface="+mn-ea"/>
-                <a:cs typeface="+mn-cs"/>
-              </a:defRPr>
-            </a:lvl4pPr>
-            <a:lvl5pPr marL="2057400" indent="-228600" algn="l" defTabSz="914400" rtl="0" eaLnBrk="1" latinLnBrk="0" hangingPunct="1">
-              <a:lnSpc>
-                <a:spcPct val="90000"/>
-              </a:lnSpc>
-              <a:spcBef>
-                <a:spcPts val="500"/>
-              </a:spcBef>
-              <a:buFont typeface="Arial" panose="020B0604020202020204" pitchFamily="34" charset="0"/>
-              <a:buChar char="•"/>
-              <a:defRPr kumimoji="1" sz="1800" kern="1200">
-                <a:solidFill>
-                  <a:schemeClr val="tx1"/>
-                </a:solidFill>
-                <a:latin typeface="+mn-lt"/>
-                <a:ea typeface="+mn-ea"/>
-                <a:cs typeface="+mn-cs"/>
-              </a:defRPr>
-            </a:lvl5pPr>
-            <a:lvl6pPr marL="2514600" indent="-228600" algn="l" defTabSz="914400" rtl="0" eaLnBrk="1" latinLnBrk="0" hangingPunct="1">
-              <a:lnSpc>
-                <a:spcPct val="90000"/>
-              </a:lnSpc>
-              <a:spcBef>
-                <a:spcPts val="500"/>
-              </a:spcBef>
-              <a:buFont typeface="Arial" panose="020B0604020202020204" pitchFamily="34" charset="0"/>
-              <a:buChar char="•"/>
-              <a:defRPr kumimoji="1" sz="1800" kern="1200">
-                <a:solidFill>
-                  <a:schemeClr val="tx1"/>
-                </a:solidFill>
-                <a:latin typeface="+mn-lt"/>
-                <a:ea typeface="+mn-ea"/>
-                <a:cs typeface="+mn-cs"/>
-              </a:defRPr>
-            </a:lvl6pPr>
-            <a:lvl7pPr marL="2971800" indent="-228600" algn="l" defTabSz="914400" rtl="0" eaLnBrk="1" latinLnBrk="0" hangingPunct="1">
-              <a:lnSpc>
-                <a:spcPct val="90000"/>
-              </a:lnSpc>
-              <a:spcBef>
-                <a:spcPts val="500"/>
-              </a:spcBef>
-              <a:buFont typeface="Arial" panose="020B0604020202020204" pitchFamily="34" charset="0"/>
-              <a:buChar char="•"/>
-              <a:defRPr kumimoji="1" sz="1800" kern="1200">
-                <a:solidFill>
-                  <a:schemeClr val="tx1"/>
-                </a:solidFill>
-                <a:latin typeface="+mn-lt"/>
-                <a:ea typeface="+mn-ea"/>
-                <a:cs typeface="+mn-cs"/>
-              </a:defRPr>
-            </a:lvl7pPr>
-            <a:lvl8pPr marL="3429000" indent="-228600" algn="l" defTabSz="914400" rtl="0" eaLnBrk="1" latinLnBrk="0" hangingPunct="1">
-              <a:lnSpc>
-                <a:spcPct val="90000"/>
-              </a:lnSpc>
-              <a:spcBef>
-                <a:spcPts val="500"/>
-              </a:spcBef>
-              <a:buFont typeface="Arial" panose="020B0604020202020204" pitchFamily="34" charset="0"/>
-              <a:buChar char="•"/>
-              <a:defRPr kumimoji="1" sz="1800" kern="1200">
-                <a:solidFill>
-                  <a:schemeClr val="tx1"/>
-                </a:solidFill>
-                <a:latin typeface="+mn-lt"/>
-                <a:ea typeface="+mn-ea"/>
-                <a:cs typeface="+mn-cs"/>
-              </a:defRPr>
-            </a:lvl8pPr>
-            <a:lvl9pPr marL="3886200" indent="-228600" algn="l" defTabSz="914400" rtl="0" eaLnBrk="1" latinLnBrk="0" hangingPunct="1">
-              <a:lnSpc>
-                <a:spcPct val="90000"/>
-              </a:lnSpc>
-              <a:spcBef>
-                <a:spcPts val="500"/>
-              </a:spcBef>
-              <a:buFont typeface="Arial" panose="020B0604020202020204" pitchFamily="34" charset="0"/>
-              <a:buChar char="•"/>
-              <a:defRPr kumimoji="1" sz="1800" kern="1200">
-                <a:solidFill>
-                  <a:schemeClr val="tx1"/>
-                </a:solidFill>
-                <a:latin typeface="+mn-lt"/>
-                <a:ea typeface="+mn-ea"/>
-                <a:cs typeface="+mn-cs"/>
-              </a:defRPr>
-            </a:lvl9pPr>
-          </a:lstStyle>
           <a:p>
             <a:pPr marL="0" indent="0">
               <a:buNone/>
             </a:pPr>
-            <a:endParaRPr lang="en-US" altLang="ja-JP" sz="2000" dirty="0">
-              <a:highlight>
-                <a:srgbClr val="C0C0C0"/>
-              </a:highlight>
+            <a:endParaRPr kumimoji="1" lang="en-US" altLang="ja-JP" sz="1500" dirty="0">
+              <a:solidFill>
+                <a:srgbClr val="FFFFFF"/>
+              </a:solidFill>
             </a:endParaRPr>
           </a:p>
         </p:txBody>
       </p:sp>
       <p:pic>
         <p:nvPicPr>
-          <p:cNvPr id="6" name="図 5" descr="テレビ画面のスクリーンショット&#10;&#10;自動的に生成された説明">
+          <p:cNvPr id="6" name="図 5">
             <a:extLst>
               <a:ext uri="{FF2B5EF4-FFF2-40B4-BE49-F238E27FC236}">
-                <a16:creationId xmlns:a16="http://schemas.microsoft.com/office/drawing/2014/main" id="{1BA5F88E-1FD6-D08F-EE32-7256388D87B4}"/>
+                <a16:creationId xmlns:a16="http://schemas.microsoft.com/office/drawing/2014/main" id="{6F85CC81-B0E5-00F3-D9BC-3D359DF1B824}"/>
               </a:ext>
             </a:extLst>
           </p:cNvPr>
@@ -9187,73 +9099,25 @@
           <p:nvPr/>
         </p:nvPicPr>
         <p:blipFill>
-          <a:blip r:embed="rId3">
-            <a:extLst>
-              <a:ext uri="{28A0092B-C50C-407E-A947-70E740481C1C}">
-                <a14:useLocalDpi xmlns:a14="http://schemas.microsoft.com/office/drawing/2010/main" val="0"/>
-              </a:ext>
-            </a:extLst>
-          </a:blip>
+          <a:blip r:embed="rId3"/>
           <a:stretch>
             <a:fillRect/>
           </a:stretch>
         </p:blipFill>
         <p:spPr>
           <a:xfrm>
-            <a:off x="1189951" y="907878"/>
-            <a:ext cx="9812096" cy="5038920"/>
+            <a:off x="6660767" y="1617750"/>
+            <a:ext cx="5125987" cy="4947173"/>
           </a:xfrm>
           <a:prstGeom prst="rect">
             <a:avLst/>
           </a:prstGeom>
         </p:spPr>
       </p:pic>
-      <p:cxnSp>
-        <p:nvCxnSpPr>
-          <p:cNvPr id="8" name="直線矢印コネクタ 7">
-            <a:extLst>
-              <a:ext uri="{FF2B5EF4-FFF2-40B4-BE49-F238E27FC236}">
-                <a16:creationId xmlns:a16="http://schemas.microsoft.com/office/drawing/2014/main" id="{B78F902D-D226-2478-C5D7-06EFFB7471B2}"/>
-              </a:ext>
-            </a:extLst>
-          </p:cNvPr>
-          <p:cNvCxnSpPr/>
-          <p:nvPr/>
-        </p:nvCxnSpPr>
-        <p:spPr>
-          <a:xfrm flipH="1">
-            <a:off x="10766905" y="2250831"/>
-            <a:ext cx="897557" cy="316523"/>
-          </a:xfrm>
-          <a:prstGeom prst="straightConnector1">
-            <a:avLst/>
-          </a:prstGeom>
-          <a:ln w="57150">
-            <a:solidFill>
-              <a:schemeClr val="tx1"/>
-            </a:solidFill>
-            <a:tailEnd type="triangle"/>
-          </a:ln>
-        </p:spPr>
-        <p:style>
-          <a:lnRef idx="1">
-            <a:schemeClr val="accent1"/>
-          </a:lnRef>
-          <a:fillRef idx="0">
-            <a:schemeClr val="accent1"/>
-          </a:fillRef>
-          <a:effectRef idx="0">
-            <a:schemeClr val="accent1"/>
-          </a:effectRef>
-          <a:fontRef idx="minor">
-            <a:schemeClr val="tx1"/>
-          </a:fontRef>
-        </p:style>
-      </p:cxnSp>
     </p:spTree>
     <p:extLst>
       <p:ext uri="{BB962C8B-B14F-4D97-AF65-F5344CB8AC3E}">
-        <p14:creationId xmlns:p14="http://schemas.microsoft.com/office/powerpoint/2010/main" val="3905823934"/>
+        <p14:creationId xmlns:p14="http://schemas.microsoft.com/office/powerpoint/2010/main" val="3452386226"/>
       </p:ext>
     </p:extLst>
   </p:cSld>
@@ -9290,7 +9154,7 @@
       </p:grpSpPr>
       <p:sp>
         <p:nvSpPr>
-          <p:cNvPr id="30" name="Rectangle 21">
+          <p:cNvPr id="8" name="Rectangle 7">
             <a:extLst>
               <a:ext uri="{FF2B5EF4-FFF2-40B4-BE49-F238E27FC236}">
                 <a16:creationId xmlns:a16="http://schemas.microsoft.com/office/drawing/2014/main" id="{EA67B5B4-3A24-436E-B663-1B2EBFF8A0CD}"/>
@@ -9346,14 +9210,43 @@
           <a:bodyPr rtlCol="0" anchor="ctr"/>
           <a:lstStyle/>
           <a:p>
-            <a:pPr algn="ctr"/>
-            <a:endParaRPr lang="en-US"/>
+            <a:pPr marL="0" marR="0" lvl="0" indent="0" algn="ctr" defTabSz="914400" rtl="0" eaLnBrk="1" fontAlgn="auto" latinLnBrk="0" hangingPunct="1">
+              <a:lnSpc>
+                <a:spcPct val="100000"/>
+              </a:lnSpc>
+              <a:spcBef>
+                <a:spcPts val="0"/>
+              </a:spcBef>
+              <a:spcAft>
+                <a:spcPts val="0"/>
+              </a:spcAft>
+              <a:buClrTx/>
+              <a:buSzTx/>
+              <a:buFontTx/>
+              <a:buNone/>
+              <a:tabLst/>
+              <a:defRPr/>
+            </a:pPr>
+            <a:endParaRPr kumimoji="1" lang="en-US" sz="1800" b="0" i="0" u="none" strike="noStrike" kern="1200" cap="none" spc="0" normalizeH="0" baseline="0" noProof="0">
+              <a:ln>
+                <a:noFill/>
+              </a:ln>
+              <a:solidFill>
+                <a:prstClr val="white"/>
+              </a:solidFill>
+              <a:effectLst/>
+              <a:uLnTx/>
+              <a:uFillTx/>
+              <a:latin typeface="游ゴシック" panose="020F0502020204030204"/>
+              <a:ea typeface="+mn-ea"/>
+              <a:cs typeface="+mn-cs"/>
+            </a:endParaRPr>
           </a:p>
         </p:txBody>
       </p:sp>
       <p:sp>
         <p:nvSpPr>
-          <p:cNvPr id="31" name="Freeform 13">
+          <p:cNvPr id="10" name="Freeform 13">
             <a:extLst>
               <a:ext uri="{FF2B5EF4-FFF2-40B4-BE49-F238E27FC236}">
                 <a16:creationId xmlns:a16="http://schemas.microsoft.com/office/drawing/2014/main" id="{987FDF89-C993-41F4-A1B8-DBAFF16008A9}"/>
@@ -9454,14 +9347,43 @@
           <a:bodyPr rtlCol="0" anchor="ctr"/>
           <a:lstStyle/>
           <a:p>
-            <a:pPr algn="ctr"/>
-            <a:endParaRPr lang="en-US"/>
+            <a:pPr marL="0" marR="0" lvl="0" indent="0" algn="ctr" defTabSz="914400" rtl="0" eaLnBrk="1" fontAlgn="auto" latinLnBrk="0" hangingPunct="1">
+              <a:lnSpc>
+                <a:spcPct val="100000"/>
+              </a:lnSpc>
+              <a:spcBef>
+                <a:spcPts val="0"/>
+              </a:spcBef>
+              <a:spcAft>
+                <a:spcPts val="0"/>
+              </a:spcAft>
+              <a:buClrTx/>
+              <a:buSzTx/>
+              <a:buFontTx/>
+              <a:buNone/>
+              <a:tabLst/>
+              <a:defRPr/>
+            </a:pPr>
+            <a:endParaRPr kumimoji="1" lang="en-US" sz="1800" b="0" i="0" u="none" strike="noStrike" kern="1200" cap="none" spc="0" normalizeH="0" baseline="0" noProof="0">
+              <a:ln>
+                <a:noFill/>
+              </a:ln>
+              <a:solidFill>
+                <a:prstClr val="white"/>
+              </a:solidFill>
+              <a:effectLst/>
+              <a:uLnTx/>
+              <a:uFillTx/>
+              <a:latin typeface="游ゴシック" panose="020F0502020204030204"/>
+              <a:ea typeface="+mn-ea"/>
+              <a:cs typeface="+mn-cs"/>
+            </a:endParaRPr>
           </a:p>
         </p:txBody>
       </p:sp>
       <p:sp>
         <p:nvSpPr>
-          <p:cNvPr id="32" name="Freeform 11">
+          <p:cNvPr id="12" name="Freeform 11">
             <a:extLst>
               <a:ext uri="{FF2B5EF4-FFF2-40B4-BE49-F238E27FC236}">
                 <a16:creationId xmlns:a16="http://schemas.microsoft.com/office/drawing/2014/main" id="{64E585EA-75FD-4025-8270-F66A58A15CDA}"/>
@@ -9564,631 +9486,46 @@
           </a:bodyPr>
           <a:lstStyle/>
           <a:p>
-            <a:pPr algn="ctr"/>
-            <a:endParaRPr lang="en-US"/>
+            <a:pPr marL="0" marR="0" lvl="0" indent="0" algn="ctr" defTabSz="914400" rtl="0" eaLnBrk="1" fontAlgn="auto" latinLnBrk="0" hangingPunct="1">
+              <a:lnSpc>
+                <a:spcPct val="100000"/>
+              </a:lnSpc>
+              <a:spcBef>
+                <a:spcPts val="0"/>
+              </a:spcBef>
+              <a:spcAft>
+                <a:spcPts val="0"/>
+              </a:spcAft>
+              <a:buClrTx/>
+              <a:buSzTx/>
+              <a:buFontTx/>
+              <a:buNone/>
+              <a:tabLst/>
+              <a:defRPr/>
+            </a:pPr>
+            <a:endParaRPr kumimoji="1" lang="en-US" sz="1800" b="0" i="0" u="none" strike="noStrike" kern="1200" cap="none" spc="0" normalizeH="0" baseline="0" noProof="0">
+              <a:ln>
+                <a:noFill/>
+              </a:ln>
+              <a:solidFill>
+                <a:prstClr val="white"/>
+              </a:solidFill>
+              <a:effectLst/>
+              <a:uLnTx/>
+              <a:uFillTx/>
+              <a:latin typeface="游ゴシック" panose="020F0502020204030204"/>
+              <a:ea typeface="+mn-ea"/>
+              <a:cs typeface="+mn-cs"/>
+            </a:endParaRPr>
           </a:p>
         </p:txBody>
       </p:sp>
       <p:sp>
         <p:nvSpPr>
-          <p:cNvPr id="5" name="コンテンツ プレースホルダー 2">
+          <p:cNvPr id="3" name="コンテンツ プレースホルダー 2">
             <a:extLst>
               <a:ext uri="{FF2B5EF4-FFF2-40B4-BE49-F238E27FC236}">
-                <a16:creationId xmlns:a16="http://schemas.microsoft.com/office/drawing/2014/main" id="{A36D59C5-9EF8-D167-6234-968CD6820A58}"/>
-              </a:ext>
-            </a:extLst>
-          </p:cNvPr>
-          <p:cNvSpPr txBox="1">
-            <a:spLocks/>
-          </p:cNvSpPr>
-          <p:nvPr/>
-        </p:nvSpPr>
-        <p:spPr>
-          <a:xfrm>
-            <a:off x="838200" y="1350157"/>
-            <a:ext cx="10515598" cy="5038920"/>
-          </a:xfrm>
-          <a:prstGeom prst="rect">
-            <a:avLst/>
-          </a:prstGeom>
-        </p:spPr>
-        <p:txBody>
-          <a:bodyPr vert="horz" lIns="91440" tIns="45720" rIns="91440" bIns="45720" rtlCol="0">
-            <a:normAutofit/>
-          </a:bodyPr>
-          <a:lstStyle>
-            <a:lvl1pPr marL="228600" indent="-228600" algn="l" defTabSz="914400" rtl="0" eaLnBrk="1" latinLnBrk="0" hangingPunct="1">
-              <a:lnSpc>
-                <a:spcPct val="90000"/>
-              </a:lnSpc>
-              <a:spcBef>
-                <a:spcPts val="1000"/>
-              </a:spcBef>
-              <a:buFont typeface="Arial" panose="020B0604020202020204" pitchFamily="34" charset="0"/>
-              <a:buChar char="•"/>
-              <a:defRPr kumimoji="1" sz="2800" kern="1200">
-                <a:solidFill>
-                  <a:schemeClr val="tx1"/>
-                </a:solidFill>
-                <a:latin typeface="+mn-lt"/>
-                <a:ea typeface="+mn-ea"/>
-                <a:cs typeface="+mn-cs"/>
-              </a:defRPr>
-            </a:lvl1pPr>
-            <a:lvl2pPr marL="685800" indent="-228600" algn="l" defTabSz="914400" rtl="0" eaLnBrk="1" latinLnBrk="0" hangingPunct="1">
-              <a:lnSpc>
-                <a:spcPct val="90000"/>
-              </a:lnSpc>
-              <a:spcBef>
-                <a:spcPts val="500"/>
-              </a:spcBef>
-              <a:buFont typeface="Arial" panose="020B0604020202020204" pitchFamily="34" charset="0"/>
-              <a:buChar char="•"/>
-              <a:defRPr kumimoji="1" sz="2400" kern="1200">
-                <a:solidFill>
-                  <a:schemeClr val="tx1"/>
-                </a:solidFill>
-                <a:latin typeface="+mn-lt"/>
-                <a:ea typeface="+mn-ea"/>
-                <a:cs typeface="+mn-cs"/>
-              </a:defRPr>
-            </a:lvl2pPr>
-            <a:lvl3pPr marL="1143000" indent="-228600" algn="l" defTabSz="914400" rtl="0" eaLnBrk="1" latinLnBrk="0" hangingPunct="1">
-              <a:lnSpc>
-                <a:spcPct val="90000"/>
-              </a:lnSpc>
-              <a:spcBef>
-                <a:spcPts val="500"/>
-              </a:spcBef>
-              <a:buFont typeface="Arial" panose="020B0604020202020204" pitchFamily="34" charset="0"/>
-              <a:buChar char="•"/>
-              <a:defRPr kumimoji="1" sz="2000" kern="1200">
-                <a:solidFill>
-                  <a:schemeClr val="tx1"/>
-                </a:solidFill>
-                <a:latin typeface="+mn-lt"/>
-                <a:ea typeface="+mn-ea"/>
-                <a:cs typeface="+mn-cs"/>
-              </a:defRPr>
-            </a:lvl3pPr>
-            <a:lvl4pPr marL="1600200" indent="-228600" algn="l" defTabSz="914400" rtl="0" eaLnBrk="1" latinLnBrk="0" hangingPunct="1">
-              <a:lnSpc>
-                <a:spcPct val="90000"/>
-              </a:lnSpc>
-              <a:spcBef>
-                <a:spcPts val="500"/>
-              </a:spcBef>
-              <a:buFont typeface="Arial" panose="020B0604020202020204" pitchFamily="34" charset="0"/>
-              <a:buChar char="•"/>
-              <a:defRPr kumimoji="1" sz="1800" kern="1200">
-                <a:solidFill>
-                  <a:schemeClr val="tx1"/>
-                </a:solidFill>
-                <a:latin typeface="+mn-lt"/>
-                <a:ea typeface="+mn-ea"/>
-                <a:cs typeface="+mn-cs"/>
-              </a:defRPr>
-            </a:lvl4pPr>
-            <a:lvl5pPr marL="2057400" indent="-228600" algn="l" defTabSz="914400" rtl="0" eaLnBrk="1" latinLnBrk="0" hangingPunct="1">
-              <a:lnSpc>
-                <a:spcPct val="90000"/>
-              </a:lnSpc>
-              <a:spcBef>
-                <a:spcPts val="500"/>
-              </a:spcBef>
-              <a:buFont typeface="Arial" panose="020B0604020202020204" pitchFamily="34" charset="0"/>
-              <a:buChar char="•"/>
-              <a:defRPr kumimoji="1" sz="1800" kern="1200">
-                <a:solidFill>
-                  <a:schemeClr val="tx1"/>
-                </a:solidFill>
-                <a:latin typeface="+mn-lt"/>
-                <a:ea typeface="+mn-ea"/>
-                <a:cs typeface="+mn-cs"/>
-              </a:defRPr>
-            </a:lvl5pPr>
-            <a:lvl6pPr marL="2514600" indent="-228600" algn="l" defTabSz="914400" rtl="0" eaLnBrk="1" latinLnBrk="0" hangingPunct="1">
-              <a:lnSpc>
-                <a:spcPct val="90000"/>
-              </a:lnSpc>
-              <a:spcBef>
-                <a:spcPts val="500"/>
-              </a:spcBef>
-              <a:buFont typeface="Arial" panose="020B0604020202020204" pitchFamily="34" charset="0"/>
-              <a:buChar char="•"/>
-              <a:defRPr kumimoji="1" sz="1800" kern="1200">
-                <a:solidFill>
-                  <a:schemeClr val="tx1"/>
-                </a:solidFill>
-                <a:latin typeface="+mn-lt"/>
-                <a:ea typeface="+mn-ea"/>
-                <a:cs typeface="+mn-cs"/>
-              </a:defRPr>
-            </a:lvl6pPr>
-            <a:lvl7pPr marL="2971800" indent="-228600" algn="l" defTabSz="914400" rtl="0" eaLnBrk="1" latinLnBrk="0" hangingPunct="1">
-              <a:lnSpc>
-                <a:spcPct val="90000"/>
-              </a:lnSpc>
-              <a:spcBef>
-                <a:spcPts val="500"/>
-              </a:spcBef>
-              <a:buFont typeface="Arial" panose="020B0604020202020204" pitchFamily="34" charset="0"/>
-              <a:buChar char="•"/>
-              <a:defRPr kumimoji="1" sz="1800" kern="1200">
-                <a:solidFill>
-                  <a:schemeClr val="tx1"/>
-                </a:solidFill>
-                <a:latin typeface="+mn-lt"/>
-                <a:ea typeface="+mn-ea"/>
-                <a:cs typeface="+mn-cs"/>
-              </a:defRPr>
-            </a:lvl7pPr>
-            <a:lvl8pPr marL="3429000" indent="-228600" algn="l" defTabSz="914400" rtl="0" eaLnBrk="1" latinLnBrk="0" hangingPunct="1">
-              <a:lnSpc>
-                <a:spcPct val="90000"/>
-              </a:lnSpc>
-              <a:spcBef>
-                <a:spcPts val="500"/>
-              </a:spcBef>
-              <a:buFont typeface="Arial" panose="020B0604020202020204" pitchFamily="34" charset="0"/>
-              <a:buChar char="•"/>
-              <a:defRPr kumimoji="1" sz="1800" kern="1200">
-                <a:solidFill>
-                  <a:schemeClr val="tx1"/>
-                </a:solidFill>
-                <a:latin typeface="+mn-lt"/>
-                <a:ea typeface="+mn-ea"/>
-                <a:cs typeface="+mn-cs"/>
-              </a:defRPr>
-            </a:lvl8pPr>
-            <a:lvl9pPr marL="3886200" indent="-228600" algn="l" defTabSz="914400" rtl="0" eaLnBrk="1" latinLnBrk="0" hangingPunct="1">
-              <a:lnSpc>
-                <a:spcPct val="90000"/>
-              </a:lnSpc>
-              <a:spcBef>
-                <a:spcPts val="500"/>
-              </a:spcBef>
-              <a:buFont typeface="Arial" panose="020B0604020202020204" pitchFamily="34" charset="0"/>
-              <a:buChar char="•"/>
-              <a:defRPr kumimoji="1" sz="1800" kern="1200">
-                <a:solidFill>
-                  <a:schemeClr val="tx1"/>
-                </a:solidFill>
-                <a:latin typeface="+mn-lt"/>
-                <a:ea typeface="+mn-ea"/>
-                <a:cs typeface="+mn-cs"/>
-              </a:defRPr>
-            </a:lvl9pPr>
-          </a:lstStyle>
-          <a:p>
-            <a:pPr marL="0" indent="0">
-              <a:buNone/>
-            </a:pPr>
-            <a:endParaRPr lang="en-US" altLang="ja-JP" sz="1500" dirty="0">
-              <a:solidFill>
-                <a:srgbClr val="FFFFFF"/>
-              </a:solidFill>
-            </a:endParaRPr>
-          </a:p>
-        </p:txBody>
-      </p:sp>
-      <p:sp>
-        <p:nvSpPr>
-          <p:cNvPr id="4" name="コンテンツ プレースホルダー 2">
-            <a:extLst>
-              <a:ext uri="{FF2B5EF4-FFF2-40B4-BE49-F238E27FC236}">
-                <a16:creationId xmlns:a16="http://schemas.microsoft.com/office/drawing/2014/main" id="{1A63E381-A3AC-83F2-C8AF-77D2A15DADDE}"/>
-              </a:ext>
-            </a:extLst>
-          </p:cNvPr>
-          <p:cNvSpPr txBox="1">
-            <a:spLocks/>
-          </p:cNvSpPr>
-          <p:nvPr/>
-        </p:nvSpPr>
-        <p:spPr>
-          <a:xfrm>
-            <a:off x="838200" y="3991086"/>
-            <a:ext cx="10515600" cy="4351338"/>
-          </a:xfrm>
-          <a:prstGeom prst="rect">
-            <a:avLst/>
-          </a:prstGeom>
-        </p:spPr>
-        <p:txBody>
-          <a:bodyPr vert="horz" lIns="91440" tIns="45720" rIns="91440" bIns="45720" rtlCol="0">
-            <a:normAutofit/>
-          </a:bodyPr>
-          <a:lstStyle>
-            <a:lvl1pPr marL="228600" indent="-228600" algn="l" defTabSz="914400" rtl="0" eaLnBrk="1" latinLnBrk="0" hangingPunct="1">
-              <a:lnSpc>
-                <a:spcPct val="90000"/>
-              </a:lnSpc>
-              <a:spcBef>
-                <a:spcPts val="1000"/>
-              </a:spcBef>
-              <a:buFont typeface="Arial" panose="020B0604020202020204" pitchFamily="34" charset="0"/>
-              <a:buChar char="•"/>
-              <a:defRPr kumimoji="1" sz="2800" kern="1200">
-                <a:solidFill>
-                  <a:schemeClr val="tx1"/>
-                </a:solidFill>
-                <a:latin typeface="+mn-lt"/>
-                <a:ea typeface="+mn-ea"/>
-                <a:cs typeface="+mn-cs"/>
-              </a:defRPr>
-            </a:lvl1pPr>
-            <a:lvl2pPr marL="685800" indent="-228600" algn="l" defTabSz="914400" rtl="0" eaLnBrk="1" latinLnBrk="0" hangingPunct="1">
-              <a:lnSpc>
-                <a:spcPct val="90000"/>
-              </a:lnSpc>
-              <a:spcBef>
-                <a:spcPts val="500"/>
-              </a:spcBef>
-              <a:buFont typeface="Arial" panose="020B0604020202020204" pitchFamily="34" charset="0"/>
-              <a:buChar char="•"/>
-              <a:defRPr kumimoji="1" sz="2400" kern="1200">
-                <a:solidFill>
-                  <a:schemeClr val="tx1"/>
-                </a:solidFill>
-                <a:latin typeface="+mn-lt"/>
-                <a:ea typeface="+mn-ea"/>
-                <a:cs typeface="+mn-cs"/>
-              </a:defRPr>
-            </a:lvl2pPr>
-            <a:lvl3pPr marL="1143000" indent="-228600" algn="l" defTabSz="914400" rtl="0" eaLnBrk="1" latinLnBrk="0" hangingPunct="1">
-              <a:lnSpc>
-                <a:spcPct val="90000"/>
-              </a:lnSpc>
-              <a:spcBef>
-                <a:spcPts val="500"/>
-              </a:spcBef>
-              <a:buFont typeface="Arial" panose="020B0604020202020204" pitchFamily="34" charset="0"/>
-              <a:buChar char="•"/>
-              <a:defRPr kumimoji="1" sz="2000" kern="1200">
-                <a:solidFill>
-                  <a:schemeClr val="tx1"/>
-                </a:solidFill>
-                <a:latin typeface="+mn-lt"/>
-                <a:ea typeface="+mn-ea"/>
-                <a:cs typeface="+mn-cs"/>
-              </a:defRPr>
-            </a:lvl3pPr>
-            <a:lvl4pPr marL="1600200" indent="-228600" algn="l" defTabSz="914400" rtl="0" eaLnBrk="1" latinLnBrk="0" hangingPunct="1">
-              <a:lnSpc>
-                <a:spcPct val="90000"/>
-              </a:lnSpc>
-              <a:spcBef>
-                <a:spcPts val="500"/>
-              </a:spcBef>
-              <a:buFont typeface="Arial" panose="020B0604020202020204" pitchFamily="34" charset="0"/>
-              <a:buChar char="•"/>
-              <a:defRPr kumimoji="1" sz="1800" kern="1200">
-                <a:solidFill>
-                  <a:schemeClr val="tx1"/>
-                </a:solidFill>
-                <a:latin typeface="+mn-lt"/>
-                <a:ea typeface="+mn-ea"/>
-                <a:cs typeface="+mn-cs"/>
-              </a:defRPr>
-            </a:lvl4pPr>
-            <a:lvl5pPr marL="2057400" indent="-228600" algn="l" defTabSz="914400" rtl="0" eaLnBrk="1" latinLnBrk="0" hangingPunct="1">
-              <a:lnSpc>
-                <a:spcPct val="90000"/>
-              </a:lnSpc>
-              <a:spcBef>
-                <a:spcPts val="500"/>
-              </a:spcBef>
-              <a:buFont typeface="Arial" panose="020B0604020202020204" pitchFamily="34" charset="0"/>
-              <a:buChar char="•"/>
-              <a:defRPr kumimoji="1" sz="1800" kern="1200">
-                <a:solidFill>
-                  <a:schemeClr val="tx1"/>
-                </a:solidFill>
-                <a:latin typeface="+mn-lt"/>
-                <a:ea typeface="+mn-ea"/>
-                <a:cs typeface="+mn-cs"/>
-              </a:defRPr>
-            </a:lvl5pPr>
-            <a:lvl6pPr marL="2514600" indent="-228600" algn="l" defTabSz="914400" rtl="0" eaLnBrk="1" latinLnBrk="0" hangingPunct="1">
-              <a:lnSpc>
-                <a:spcPct val="90000"/>
-              </a:lnSpc>
-              <a:spcBef>
-                <a:spcPts val="500"/>
-              </a:spcBef>
-              <a:buFont typeface="Arial" panose="020B0604020202020204" pitchFamily="34" charset="0"/>
-              <a:buChar char="•"/>
-              <a:defRPr kumimoji="1" sz="1800" kern="1200">
-                <a:solidFill>
-                  <a:schemeClr val="tx1"/>
-                </a:solidFill>
-                <a:latin typeface="+mn-lt"/>
-                <a:ea typeface="+mn-ea"/>
-                <a:cs typeface="+mn-cs"/>
-              </a:defRPr>
-            </a:lvl6pPr>
-            <a:lvl7pPr marL="2971800" indent="-228600" algn="l" defTabSz="914400" rtl="0" eaLnBrk="1" latinLnBrk="0" hangingPunct="1">
-              <a:lnSpc>
-                <a:spcPct val="90000"/>
-              </a:lnSpc>
-              <a:spcBef>
-                <a:spcPts val="500"/>
-              </a:spcBef>
-              <a:buFont typeface="Arial" panose="020B0604020202020204" pitchFamily="34" charset="0"/>
-              <a:buChar char="•"/>
-              <a:defRPr kumimoji="1" sz="1800" kern="1200">
-                <a:solidFill>
-                  <a:schemeClr val="tx1"/>
-                </a:solidFill>
-                <a:latin typeface="+mn-lt"/>
-                <a:ea typeface="+mn-ea"/>
-                <a:cs typeface="+mn-cs"/>
-              </a:defRPr>
-            </a:lvl7pPr>
-            <a:lvl8pPr marL="3429000" indent="-228600" algn="l" defTabSz="914400" rtl="0" eaLnBrk="1" latinLnBrk="0" hangingPunct="1">
-              <a:lnSpc>
-                <a:spcPct val="90000"/>
-              </a:lnSpc>
-              <a:spcBef>
-                <a:spcPts val="500"/>
-              </a:spcBef>
-              <a:buFont typeface="Arial" panose="020B0604020202020204" pitchFamily="34" charset="0"/>
-              <a:buChar char="•"/>
-              <a:defRPr kumimoji="1" sz="1800" kern="1200">
-                <a:solidFill>
-                  <a:schemeClr val="tx1"/>
-                </a:solidFill>
-                <a:latin typeface="+mn-lt"/>
-                <a:ea typeface="+mn-ea"/>
-                <a:cs typeface="+mn-cs"/>
-              </a:defRPr>
-            </a:lvl8pPr>
-            <a:lvl9pPr marL="3886200" indent="-228600" algn="l" defTabSz="914400" rtl="0" eaLnBrk="1" latinLnBrk="0" hangingPunct="1">
-              <a:lnSpc>
-                <a:spcPct val="90000"/>
-              </a:lnSpc>
-              <a:spcBef>
-                <a:spcPts val="500"/>
-              </a:spcBef>
-              <a:buFont typeface="Arial" panose="020B0604020202020204" pitchFamily="34" charset="0"/>
-              <a:buChar char="•"/>
-              <a:defRPr kumimoji="1" sz="1800" kern="1200">
-                <a:solidFill>
-                  <a:schemeClr val="tx1"/>
-                </a:solidFill>
-                <a:latin typeface="+mn-lt"/>
-                <a:ea typeface="+mn-ea"/>
-                <a:cs typeface="+mn-cs"/>
-              </a:defRPr>
-            </a:lvl9pPr>
-          </a:lstStyle>
-          <a:p>
-            <a:pPr marL="0" indent="0">
-              <a:buNone/>
-            </a:pPr>
-            <a:endParaRPr lang="en-US" altLang="ja-JP" sz="2000" dirty="0">
-              <a:highlight>
-                <a:srgbClr val="C0C0C0"/>
-              </a:highlight>
-            </a:endParaRPr>
-          </a:p>
-        </p:txBody>
-      </p:sp>
-      <p:pic>
-        <p:nvPicPr>
-          <p:cNvPr id="3" name="図 2" descr="グラフィカル ユーザー インターフェイス, アプリケーション&#10;&#10;自動的に生成された説明">
-            <a:extLst>
-              <a:ext uri="{FF2B5EF4-FFF2-40B4-BE49-F238E27FC236}">
-                <a16:creationId xmlns:a16="http://schemas.microsoft.com/office/drawing/2014/main" id="{D6A116AB-1955-4511-CE02-DB963B13D0F5}"/>
-              </a:ext>
-            </a:extLst>
-          </p:cNvPr>
-          <p:cNvPicPr>
-            <a:picLocks noChangeAspect="1"/>
-          </p:cNvPicPr>
-          <p:nvPr/>
-        </p:nvPicPr>
-        <p:blipFill>
-          <a:blip r:embed="rId3">
-            <a:extLst>
-              <a:ext uri="{28A0092B-C50C-407E-A947-70E740481C1C}">
-                <a14:useLocalDpi xmlns:a14="http://schemas.microsoft.com/office/drawing/2010/main" val="0"/>
-              </a:ext>
-            </a:extLst>
-          </a:blip>
-          <a:stretch>
-            <a:fillRect/>
-          </a:stretch>
-        </p:blipFill>
-        <p:spPr>
-          <a:xfrm>
-            <a:off x="6914865" y="1526953"/>
-            <a:ext cx="5123523" cy="5096586"/>
-          </a:xfrm>
-          <a:prstGeom prst="rect">
-            <a:avLst/>
-          </a:prstGeom>
-        </p:spPr>
-      </p:pic>
-      <p:sp>
-        <p:nvSpPr>
-          <p:cNvPr id="7" name="テキスト ボックス 6">
-            <a:extLst>
-              <a:ext uri="{FF2B5EF4-FFF2-40B4-BE49-F238E27FC236}">
-                <a16:creationId xmlns:a16="http://schemas.microsoft.com/office/drawing/2014/main" id="{2085B67A-BCEF-0111-F149-44D690AC5EEE}"/>
-              </a:ext>
-            </a:extLst>
-          </p:cNvPr>
-          <p:cNvSpPr txBox="1"/>
-          <p:nvPr/>
-        </p:nvSpPr>
-        <p:spPr>
-          <a:xfrm>
-            <a:off x="985620" y="2790315"/>
-            <a:ext cx="9815513" cy="1323439"/>
-          </a:xfrm>
-          <a:prstGeom prst="rect">
-            <a:avLst/>
-          </a:prstGeom>
-          <a:noFill/>
-        </p:spPr>
-        <p:txBody>
-          <a:bodyPr wrap="square" rtlCol="0">
-            <a:spAutoFit/>
-          </a:bodyPr>
-          <a:lstStyle/>
-          <a:p>
-            <a:r>
-              <a:rPr kumimoji="1" lang="en-US" altLang="ja-JP" sz="4000" dirty="0"/>
-              <a:t>vec2 </a:t>
-            </a:r>
-            <a:r>
-              <a:rPr kumimoji="1" lang="en-US" altLang="ja-JP" sz="4000" dirty="0" err="1"/>
-              <a:t>uv</a:t>
-            </a:r>
-            <a:r>
-              <a:rPr kumimoji="1" lang="en-US" altLang="ja-JP" sz="4000" dirty="0"/>
-              <a:t>=</a:t>
-            </a:r>
-            <a:r>
-              <a:rPr kumimoji="1" lang="en-US" altLang="ja-JP" sz="4000" dirty="0" err="1"/>
-              <a:t>FC.xy</a:t>
-            </a:r>
-            <a:r>
-              <a:rPr kumimoji="1" lang="en-US" altLang="ja-JP" sz="4000" dirty="0"/>
-              <a:t>/r;</a:t>
-            </a:r>
-          </a:p>
-          <a:p>
-            <a:r>
-              <a:rPr kumimoji="1" lang="en-US" altLang="ja-JP" sz="4000" dirty="0" err="1"/>
-              <a:t>o.rg</a:t>
-            </a:r>
-            <a:r>
-              <a:rPr kumimoji="1" lang="en-US" altLang="ja-JP" sz="4000" dirty="0"/>
-              <a:t>=</a:t>
-            </a:r>
-            <a:r>
-              <a:rPr kumimoji="1" lang="en-US" altLang="ja-JP" sz="4000" dirty="0" err="1"/>
-              <a:t>uv</a:t>
-            </a:r>
-            <a:r>
-              <a:rPr kumimoji="1" lang="en-US" altLang="ja-JP" sz="4000" dirty="0"/>
-              <a:t>;</a:t>
-            </a:r>
-            <a:endParaRPr kumimoji="1" lang="ja-JP" altLang="en-US" sz="4000" dirty="0"/>
-          </a:p>
-        </p:txBody>
-      </p:sp>
-      <p:cxnSp>
-        <p:nvCxnSpPr>
-          <p:cNvPr id="13" name="直線矢印コネクタ 12">
-            <a:extLst>
-              <a:ext uri="{FF2B5EF4-FFF2-40B4-BE49-F238E27FC236}">
-                <a16:creationId xmlns:a16="http://schemas.microsoft.com/office/drawing/2014/main" id="{50B0B36A-3135-CDD5-6BFF-B8870ECE9E38}"/>
-              </a:ext>
-            </a:extLst>
-          </p:cNvPr>
-          <p:cNvCxnSpPr>
-            <a:cxnSpLocks/>
-          </p:cNvCxnSpPr>
-          <p:nvPr/>
-        </p:nvCxnSpPr>
-        <p:spPr>
-          <a:xfrm flipV="1">
-            <a:off x="1272209" y="4108174"/>
-            <a:ext cx="265043" cy="1126435"/>
-          </a:xfrm>
-          <a:prstGeom prst="straightConnector1">
-            <a:avLst/>
-          </a:prstGeom>
-          <a:ln w="76200">
-            <a:solidFill>
-              <a:schemeClr val="tx1"/>
-            </a:solidFill>
-            <a:tailEnd type="triangle"/>
-          </a:ln>
-        </p:spPr>
-        <p:style>
-          <a:lnRef idx="1">
-            <a:schemeClr val="accent1"/>
-          </a:lnRef>
-          <a:fillRef idx="0">
-            <a:schemeClr val="accent1"/>
-          </a:fillRef>
-          <a:effectRef idx="0">
-            <a:schemeClr val="accent1"/>
-          </a:effectRef>
-          <a:fontRef idx="minor">
-            <a:schemeClr val="tx1"/>
-          </a:fontRef>
-        </p:style>
-      </p:cxnSp>
-      <p:sp>
-        <p:nvSpPr>
-          <p:cNvPr id="15" name="テキスト ボックス 14">
-            <a:extLst>
-              <a:ext uri="{FF2B5EF4-FFF2-40B4-BE49-F238E27FC236}">
-                <a16:creationId xmlns:a16="http://schemas.microsoft.com/office/drawing/2014/main" id="{D48F074B-D490-2DEF-EA2C-982505AE724D}"/>
-              </a:ext>
-            </a:extLst>
-          </p:cNvPr>
-          <p:cNvSpPr txBox="1"/>
-          <p:nvPr/>
-        </p:nvSpPr>
-        <p:spPr>
-          <a:xfrm>
-            <a:off x="838200" y="5367130"/>
-            <a:ext cx="5123523" cy="1077218"/>
-          </a:xfrm>
-          <a:prstGeom prst="rect">
-            <a:avLst/>
-          </a:prstGeom>
-          <a:noFill/>
-        </p:spPr>
-        <p:txBody>
-          <a:bodyPr wrap="square" rtlCol="0">
-            <a:spAutoFit/>
-          </a:bodyPr>
-          <a:lstStyle/>
-          <a:p>
-            <a:r>
-              <a:rPr kumimoji="1" lang="ja-JP" altLang="en-US" sz="2400" dirty="0"/>
-              <a:t>スウィズル演算子</a:t>
-            </a:r>
-            <a:r>
-              <a:rPr kumimoji="1" lang="en-US" altLang="ja-JP" sz="2400" dirty="0"/>
-              <a:t>:</a:t>
-            </a:r>
-          </a:p>
-          <a:p>
-            <a:r>
-              <a:rPr lang="en-US" altLang="ja-JP" sz="2000" dirty="0" err="1"/>
-              <a:t>Vec.xyz</a:t>
-            </a:r>
-            <a:r>
-              <a:rPr lang="en-US" altLang="ja-JP" sz="2000" dirty="0"/>
-              <a:t> , </a:t>
-            </a:r>
-            <a:r>
-              <a:rPr lang="en-US" altLang="ja-JP" sz="2000" dirty="0" err="1"/>
-              <a:t>Color.rgb</a:t>
-            </a:r>
-            <a:r>
-              <a:rPr lang="ja-JP" altLang="en-US" sz="2000" dirty="0"/>
-              <a:t>みたいに、各成分の集合にベクトルとしてアクセスできる</a:t>
-            </a:r>
-            <a:endParaRPr kumimoji="1" lang="en-US" altLang="ja-JP" sz="2000" dirty="0"/>
-          </a:p>
-        </p:txBody>
-      </p:sp>
-      <p:sp>
-        <p:nvSpPr>
-          <p:cNvPr id="2" name="コンテンツ プレースホルダー 2">
-            <a:extLst>
-              <a:ext uri="{FF2B5EF4-FFF2-40B4-BE49-F238E27FC236}">
-                <a16:creationId xmlns:a16="http://schemas.microsoft.com/office/drawing/2014/main" id="{7A668456-5EF1-944A-581F-95D8643B94E1}"/>
+                <a16:creationId xmlns:a16="http://schemas.microsoft.com/office/drawing/2014/main" id="{0B8F125D-032D-9846-52B7-5057FE04674A}"/>
               </a:ext>
             </a:extLst>
           </p:cNvPr>
@@ -10202,7 +9539,7 @@
         <p:spPr>
           <a:xfrm>
             <a:off x="838201" y="716635"/>
-            <a:ext cx="10515598" cy="810318"/>
+            <a:ext cx="10515598" cy="5848288"/>
           </a:xfrm>
         </p:spPr>
         <p:txBody>
@@ -10211,18 +9548,18 @@
           </a:bodyPr>
           <a:lstStyle/>
           <a:p>
-            <a:pPr marL="0" indent="0" algn="ctr">
+            <a:pPr marL="0" indent="0">
               <a:buNone/>
             </a:pPr>
             <a:r>
-              <a:rPr lang="en-US" altLang="ja-JP" sz="5400" dirty="0">
-                <a:solidFill>
-                  <a:srgbClr val="FFFFFF"/>
-                </a:solidFill>
-              </a:rPr>
-              <a:t>Hello World</a:t>
-            </a:r>
-            <a:endParaRPr lang="en-US" altLang="ja-JP" sz="1500" dirty="0">
+              <a:rPr kumimoji="1" lang="ja-JP" altLang="en-US" sz="4000" dirty="0">
+                <a:solidFill>
+                  <a:srgbClr val="FFFFFF"/>
+                </a:solidFill>
+              </a:rPr>
+              <a:t>ピクセル座標の変換</a:t>
+            </a:r>
+            <a:endParaRPr kumimoji="1" lang="en-US" altLang="ja-JP" sz="4000" dirty="0">
               <a:solidFill>
                 <a:srgbClr val="FFFFFF"/>
               </a:solidFill>
@@ -10238,12 +9575,1037 @@
               </a:solidFill>
             </a:endParaRPr>
           </a:p>
+          <a:p>
+            <a:pPr marL="0" indent="0">
+              <a:buNone/>
+            </a:pPr>
+            <a:endParaRPr lang="en-US" altLang="ja-JP" sz="1500" dirty="0">
+              <a:solidFill>
+                <a:srgbClr val="FFFFFF"/>
+              </a:solidFill>
+            </a:endParaRPr>
+          </a:p>
+          <a:p>
+            <a:pPr marL="0" indent="0">
+              <a:buNone/>
+            </a:pPr>
+            <a:endParaRPr kumimoji="1" lang="en-US" altLang="ja-JP" sz="1500" dirty="0">
+              <a:solidFill>
+                <a:srgbClr val="FFFFFF"/>
+              </a:solidFill>
+            </a:endParaRPr>
+          </a:p>
+          <a:p>
+            <a:pPr marL="0" indent="0">
+              <a:buNone/>
+            </a:pPr>
+            <a:endParaRPr lang="en-US" altLang="ja-JP" sz="1500" dirty="0">
+              <a:solidFill>
+                <a:srgbClr val="FFFFFF"/>
+              </a:solidFill>
+            </a:endParaRPr>
+          </a:p>
+          <a:p>
+            <a:pPr marL="0" indent="0">
+              <a:buNone/>
+            </a:pPr>
+            <a:endParaRPr lang="en-US" altLang="ja-JP" sz="1500" dirty="0">
+              <a:solidFill>
+                <a:srgbClr val="FFFFFF"/>
+              </a:solidFill>
+            </a:endParaRPr>
+          </a:p>
+          <a:p>
+            <a:pPr marL="0" indent="0">
+              <a:buNone/>
+            </a:pPr>
+            <a:r>
+              <a:rPr lang="ja-JP" altLang="en-US" sz="2000" dirty="0">
+                <a:solidFill>
+                  <a:srgbClr val="FFFFFF"/>
+                </a:solidFill>
+              </a:rPr>
+              <a:t>・</a:t>
+            </a:r>
+            <a:r>
+              <a:rPr lang="en-US" altLang="ja-JP" sz="2000" dirty="0">
+                <a:solidFill>
+                  <a:srgbClr val="FFFFFF"/>
+                </a:solidFill>
+              </a:rPr>
+              <a:t>(</a:t>
+            </a:r>
+            <a:r>
+              <a:rPr lang="ja-JP" altLang="en-US" sz="2000" dirty="0">
+                <a:solidFill>
+                  <a:srgbClr val="FFFFFF"/>
+                </a:solidFill>
+              </a:rPr>
+              <a:t>ピクセル座標を二倍し、解像度を引いたもの</a:t>
+            </a:r>
+            <a:r>
+              <a:rPr lang="en-US" altLang="ja-JP" sz="2000" dirty="0">
+                <a:solidFill>
+                  <a:srgbClr val="FFFFFF"/>
+                </a:solidFill>
+              </a:rPr>
+              <a:t>) / (</a:t>
+            </a:r>
+            <a:r>
+              <a:rPr lang="ja-JP" altLang="en-US" sz="2000" dirty="0">
+                <a:solidFill>
+                  <a:srgbClr val="FFFFFF"/>
+                </a:solidFill>
+              </a:rPr>
+              <a:t>解像度の縦横の大きい方</a:t>
+            </a:r>
+            <a:r>
+              <a:rPr lang="en-US" altLang="ja-JP" sz="2000" dirty="0">
+                <a:solidFill>
+                  <a:srgbClr val="FFFFFF"/>
+                </a:solidFill>
+              </a:rPr>
+              <a:t>)</a:t>
+            </a:r>
+          </a:p>
+          <a:p>
+            <a:pPr marL="0" indent="0">
+              <a:buNone/>
+            </a:pPr>
+            <a:endParaRPr lang="en-US" altLang="ja-JP" sz="2000" dirty="0">
+              <a:solidFill>
+                <a:srgbClr val="FFFFFF"/>
+              </a:solidFill>
+            </a:endParaRPr>
+          </a:p>
+          <a:p>
+            <a:pPr marL="0" indent="0">
+              <a:buNone/>
+            </a:pPr>
+            <a:r>
+              <a:rPr kumimoji="1" lang="ja-JP" altLang="en-US" sz="2000" dirty="0">
+                <a:solidFill>
+                  <a:schemeClr val="accent5"/>
+                </a:solidFill>
+              </a:rPr>
+              <a:t>・</a:t>
+            </a:r>
+            <a:r>
+              <a:rPr lang="ja-JP" altLang="en-US" sz="2000" dirty="0">
+                <a:solidFill>
+                  <a:schemeClr val="accent5"/>
+                </a:solidFill>
+              </a:rPr>
+              <a:t>解像度の横が縦より長い場合：</a:t>
+            </a:r>
+            <a:endParaRPr lang="en-US" altLang="ja-JP" sz="2000" dirty="0">
+              <a:solidFill>
+                <a:schemeClr val="accent5"/>
+              </a:solidFill>
+            </a:endParaRPr>
+          </a:p>
+          <a:p>
+            <a:pPr marL="0" indent="0">
+              <a:buNone/>
+            </a:pPr>
+            <a:r>
+              <a:rPr lang="ja-JP" altLang="en-US" sz="2000" dirty="0">
+                <a:solidFill>
+                  <a:srgbClr val="FFFFFF"/>
+                </a:solidFill>
+              </a:rPr>
+              <a:t>ピクセル座標の</a:t>
+            </a:r>
+            <a:r>
+              <a:rPr lang="en-US" altLang="ja-JP" sz="2000" dirty="0">
+                <a:solidFill>
+                  <a:srgbClr val="FFFFFF"/>
+                </a:solidFill>
+              </a:rPr>
+              <a:t>x</a:t>
+            </a:r>
+            <a:r>
+              <a:rPr lang="ja-JP" altLang="en-US" sz="2000" dirty="0">
+                <a:solidFill>
+                  <a:srgbClr val="FFFFFF"/>
+                </a:solidFill>
+              </a:rPr>
+              <a:t>は </a:t>
+            </a:r>
+            <a:r>
+              <a:rPr lang="en-US" altLang="ja-JP" sz="2000" dirty="0">
+                <a:solidFill>
+                  <a:srgbClr val="FFFFFF"/>
+                </a:solidFill>
+              </a:rPr>
+              <a:t>[0 ~ </a:t>
+            </a:r>
+            <a:r>
+              <a:rPr lang="en-US" altLang="ja-JP" sz="2000" dirty="0" err="1">
+                <a:solidFill>
+                  <a:srgbClr val="FFFFFF"/>
+                </a:solidFill>
+              </a:rPr>
+              <a:t>r.x</a:t>
+            </a:r>
+            <a:r>
+              <a:rPr lang="en-US" altLang="ja-JP" sz="2000" dirty="0">
+                <a:solidFill>
+                  <a:srgbClr val="FFFFFF"/>
+                </a:solidFill>
+              </a:rPr>
+              <a:t>]</a:t>
+            </a:r>
+            <a:r>
+              <a:rPr lang="ja-JP" altLang="en-US" sz="2000" dirty="0">
+                <a:solidFill>
+                  <a:srgbClr val="FFFFFF"/>
+                </a:solidFill>
+              </a:rPr>
+              <a:t>だったのが</a:t>
+            </a:r>
+            <a:r>
+              <a:rPr lang="en-US" altLang="ja-JP" sz="2000" dirty="0">
+                <a:solidFill>
+                  <a:srgbClr val="FFFFFF"/>
+                </a:solidFill>
+              </a:rPr>
+              <a:t>[-1 ~ 1]</a:t>
+            </a:r>
+            <a:r>
+              <a:rPr lang="ja-JP" altLang="en-US" sz="2000" dirty="0">
+                <a:solidFill>
+                  <a:srgbClr val="FFFFFF"/>
+                </a:solidFill>
+              </a:rPr>
+              <a:t>になり、</a:t>
+            </a:r>
+            <a:endParaRPr lang="en-US" altLang="ja-JP" sz="2000" dirty="0">
+              <a:solidFill>
+                <a:srgbClr val="FFFFFF"/>
+              </a:solidFill>
+            </a:endParaRPr>
+          </a:p>
+          <a:p>
+            <a:pPr marL="0" indent="0">
+              <a:buNone/>
+            </a:pPr>
+            <a:r>
+              <a:rPr lang="en-US" altLang="ja-JP" sz="2000" dirty="0">
+                <a:solidFill>
+                  <a:srgbClr val="FFFFFF"/>
+                </a:solidFill>
+              </a:rPr>
+              <a:t>y</a:t>
+            </a:r>
+            <a:r>
+              <a:rPr lang="ja-JP" altLang="en-US" sz="2000" dirty="0">
+                <a:solidFill>
+                  <a:srgbClr val="FFFFFF"/>
+                </a:solidFill>
+              </a:rPr>
+              <a:t>は </a:t>
+            </a:r>
+            <a:r>
+              <a:rPr lang="en-US" altLang="ja-JP" sz="2000" dirty="0">
+                <a:solidFill>
+                  <a:srgbClr val="FFFFFF"/>
+                </a:solidFill>
+              </a:rPr>
+              <a:t>[0 ~ </a:t>
+            </a:r>
+            <a:r>
+              <a:rPr lang="en-US" altLang="ja-JP" sz="2000" dirty="0" err="1">
+                <a:solidFill>
+                  <a:srgbClr val="FFFFFF"/>
+                </a:solidFill>
+              </a:rPr>
+              <a:t>r.y</a:t>
+            </a:r>
+            <a:r>
+              <a:rPr lang="en-US" altLang="ja-JP" sz="2000" dirty="0">
+                <a:solidFill>
+                  <a:srgbClr val="FFFFFF"/>
+                </a:solidFill>
+              </a:rPr>
+              <a:t>]</a:t>
+            </a:r>
+            <a:r>
+              <a:rPr lang="ja-JP" altLang="en-US" sz="2000" dirty="0">
+                <a:solidFill>
+                  <a:srgbClr val="FFFFFF"/>
+                </a:solidFill>
+              </a:rPr>
+              <a:t>だったのが</a:t>
+            </a:r>
+            <a:r>
+              <a:rPr lang="en-US" altLang="ja-JP" sz="2000" dirty="0">
+                <a:solidFill>
+                  <a:srgbClr val="FFFFFF"/>
+                </a:solidFill>
+              </a:rPr>
+              <a:t>[–</a:t>
+            </a:r>
+            <a:r>
+              <a:rPr lang="en-US" altLang="ja-JP" sz="2000" dirty="0" err="1">
+                <a:solidFill>
+                  <a:srgbClr val="FFFFFF"/>
+                </a:solidFill>
+              </a:rPr>
+              <a:t>r.y</a:t>
+            </a:r>
+            <a:r>
+              <a:rPr lang="en-US" altLang="ja-JP" sz="2000" dirty="0">
+                <a:solidFill>
+                  <a:srgbClr val="FFFFFF"/>
+                </a:solidFill>
+              </a:rPr>
+              <a:t>/</a:t>
+            </a:r>
+            <a:r>
+              <a:rPr lang="en-US" altLang="ja-JP" sz="2000" dirty="0" err="1">
+                <a:solidFill>
+                  <a:srgbClr val="FFFFFF"/>
+                </a:solidFill>
+              </a:rPr>
+              <a:t>r.x</a:t>
+            </a:r>
+            <a:r>
+              <a:rPr lang="en-US" altLang="ja-JP" sz="2000" dirty="0">
+                <a:solidFill>
+                  <a:srgbClr val="FFFFFF"/>
+                </a:solidFill>
+              </a:rPr>
+              <a:t> ~ </a:t>
+            </a:r>
+            <a:r>
+              <a:rPr lang="en-US" altLang="ja-JP" sz="2000" dirty="0" err="1">
+                <a:solidFill>
+                  <a:srgbClr val="FFFFFF"/>
+                </a:solidFill>
+              </a:rPr>
+              <a:t>r.y</a:t>
+            </a:r>
+            <a:r>
+              <a:rPr lang="en-US" altLang="ja-JP" sz="2000" dirty="0">
+                <a:solidFill>
+                  <a:srgbClr val="FFFFFF"/>
+                </a:solidFill>
+              </a:rPr>
+              <a:t>/</a:t>
+            </a:r>
+            <a:r>
+              <a:rPr lang="en-US" altLang="ja-JP" sz="2000" dirty="0" err="1">
+                <a:solidFill>
+                  <a:srgbClr val="FFFFFF"/>
+                </a:solidFill>
+              </a:rPr>
+              <a:t>r.x</a:t>
+            </a:r>
+            <a:r>
+              <a:rPr lang="en-US" altLang="ja-JP" sz="2000" dirty="0">
+                <a:solidFill>
+                  <a:srgbClr val="FFFFFF"/>
+                </a:solidFill>
+              </a:rPr>
+              <a:t>]</a:t>
+            </a:r>
+            <a:r>
+              <a:rPr lang="ja-JP" altLang="en-US" sz="2000" dirty="0">
+                <a:solidFill>
+                  <a:srgbClr val="FFFFFF"/>
+                </a:solidFill>
+              </a:rPr>
+              <a:t>になる</a:t>
+            </a:r>
+            <a:endParaRPr lang="en-US" altLang="ja-JP" sz="2000" dirty="0">
+              <a:solidFill>
+                <a:srgbClr val="FFFFFF"/>
+              </a:solidFill>
+            </a:endParaRPr>
+          </a:p>
+          <a:p>
+            <a:pPr marL="0" marR="0" lvl="0" indent="0" algn="l" defTabSz="914400" rtl="0" eaLnBrk="1" fontAlgn="auto" latinLnBrk="0" hangingPunct="1">
+              <a:lnSpc>
+                <a:spcPct val="90000"/>
+              </a:lnSpc>
+              <a:spcBef>
+                <a:spcPts val="1000"/>
+              </a:spcBef>
+              <a:spcAft>
+                <a:spcPts val="0"/>
+              </a:spcAft>
+              <a:buClrTx/>
+              <a:buSzTx/>
+              <a:buFont typeface="Arial" panose="020B0604020202020204" pitchFamily="34" charset="0"/>
+              <a:buNone/>
+              <a:tabLst/>
+              <a:defRPr/>
+            </a:pPr>
+            <a:endParaRPr kumimoji="1" lang="en-US" altLang="ja-JP" sz="2000" b="0" i="0" u="none" strike="noStrike" kern="1200" cap="none" spc="0" normalizeH="0" baseline="0" noProof="0" dirty="0">
+              <a:ln>
+                <a:noFill/>
+              </a:ln>
+              <a:solidFill>
+                <a:srgbClr val="FFFFFF"/>
+              </a:solidFill>
+              <a:effectLst/>
+              <a:uLnTx/>
+              <a:uFillTx/>
+              <a:latin typeface="メイリオ"/>
+              <a:ea typeface="メイリオ"/>
+              <a:cs typeface="+mn-cs"/>
+            </a:endParaRPr>
+          </a:p>
+          <a:p>
+            <a:pPr marL="0" marR="0" lvl="0" indent="0" algn="l" defTabSz="914400" rtl="0" eaLnBrk="1" fontAlgn="auto" latinLnBrk="0" hangingPunct="1">
+              <a:lnSpc>
+                <a:spcPct val="90000"/>
+              </a:lnSpc>
+              <a:spcBef>
+                <a:spcPts val="1000"/>
+              </a:spcBef>
+              <a:spcAft>
+                <a:spcPts val="0"/>
+              </a:spcAft>
+              <a:buClrTx/>
+              <a:buSzTx/>
+              <a:buFont typeface="Arial" panose="020B0604020202020204" pitchFamily="34" charset="0"/>
+              <a:buNone/>
+              <a:tabLst/>
+              <a:defRPr/>
+            </a:pPr>
+            <a:r>
+              <a:rPr kumimoji="1" lang="ja-JP" altLang="en-US" sz="2000" b="0" i="0" u="none" strike="noStrike" kern="1200" cap="none" spc="0" normalizeH="0" baseline="0" noProof="0" dirty="0">
+                <a:ln>
+                  <a:noFill/>
+                </a:ln>
+                <a:solidFill>
+                  <a:schemeClr val="accent6"/>
+                </a:solidFill>
+                <a:effectLst/>
+                <a:uLnTx/>
+                <a:uFillTx/>
+                <a:latin typeface="メイリオ"/>
+                <a:ea typeface="メイリオ"/>
+                <a:cs typeface="+mn-cs"/>
+              </a:rPr>
+              <a:t>・解像度の縦が</a:t>
+            </a:r>
+            <a:r>
+              <a:rPr lang="ja-JP" altLang="en-US" sz="2000" dirty="0">
+                <a:solidFill>
+                  <a:schemeClr val="accent6"/>
+                </a:solidFill>
+                <a:latin typeface="メイリオ"/>
+                <a:ea typeface="メイリオ"/>
+              </a:rPr>
+              <a:t>横</a:t>
+            </a:r>
+            <a:r>
+              <a:rPr kumimoji="1" lang="ja-JP" altLang="en-US" sz="2000" b="0" i="0" u="none" strike="noStrike" kern="1200" cap="none" spc="0" normalizeH="0" baseline="0" noProof="0" dirty="0">
+                <a:ln>
+                  <a:noFill/>
+                </a:ln>
+                <a:solidFill>
+                  <a:schemeClr val="accent6"/>
+                </a:solidFill>
+                <a:effectLst/>
+                <a:uLnTx/>
+                <a:uFillTx/>
+                <a:latin typeface="メイリオ"/>
+                <a:ea typeface="メイリオ"/>
+                <a:cs typeface="+mn-cs"/>
+              </a:rPr>
+              <a:t>より長い場合：</a:t>
+            </a:r>
+            <a:endParaRPr kumimoji="1" lang="en-US" altLang="ja-JP" sz="2000" b="0" i="0" u="none" strike="noStrike" kern="1200" cap="none" spc="0" normalizeH="0" baseline="0" noProof="0" dirty="0">
+              <a:ln>
+                <a:noFill/>
+              </a:ln>
+              <a:solidFill>
+                <a:schemeClr val="accent6"/>
+              </a:solidFill>
+              <a:effectLst/>
+              <a:uLnTx/>
+              <a:uFillTx/>
+              <a:latin typeface="メイリオ"/>
+              <a:ea typeface="メイリオ"/>
+              <a:cs typeface="+mn-cs"/>
+            </a:endParaRPr>
+          </a:p>
+          <a:p>
+            <a:pPr marL="0" marR="0" lvl="0" indent="0" algn="l" defTabSz="914400" rtl="0" eaLnBrk="1" fontAlgn="auto" latinLnBrk="0" hangingPunct="1">
+              <a:lnSpc>
+                <a:spcPct val="90000"/>
+              </a:lnSpc>
+              <a:spcBef>
+                <a:spcPts val="1000"/>
+              </a:spcBef>
+              <a:spcAft>
+                <a:spcPts val="0"/>
+              </a:spcAft>
+              <a:buClrTx/>
+              <a:buSzTx/>
+              <a:buFont typeface="Arial" panose="020B0604020202020204" pitchFamily="34" charset="0"/>
+              <a:buNone/>
+              <a:tabLst/>
+              <a:defRPr/>
+            </a:pPr>
+            <a:r>
+              <a:rPr kumimoji="1" lang="ja-JP" altLang="en-US" sz="2000" b="0" i="0" u="none" strike="noStrike" kern="1200" cap="none" spc="0" normalizeH="0" baseline="0" noProof="0" dirty="0">
+                <a:ln>
+                  <a:noFill/>
+                </a:ln>
+                <a:solidFill>
+                  <a:srgbClr val="FFFFFF"/>
+                </a:solidFill>
+                <a:effectLst/>
+                <a:uLnTx/>
+                <a:uFillTx/>
+                <a:latin typeface="メイリオ"/>
+                <a:ea typeface="メイリオ"/>
+                <a:cs typeface="+mn-cs"/>
+              </a:rPr>
+              <a:t>ピクセル座標の</a:t>
+            </a:r>
+            <a:r>
+              <a:rPr kumimoji="1" lang="en-US" altLang="ja-JP" sz="2000" b="0" i="0" u="none" strike="noStrike" kern="1200" cap="none" spc="0" normalizeH="0" baseline="0" noProof="0" dirty="0">
+                <a:ln>
+                  <a:noFill/>
+                </a:ln>
+                <a:solidFill>
+                  <a:srgbClr val="FFFFFF"/>
+                </a:solidFill>
+                <a:effectLst/>
+                <a:uLnTx/>
+                <a:uFillTx/>
+                <a:latin typeface="メイリオ"/>
+                <a:ea typeface="メイリオ"/>
+                <a:cs typeface="+mn-cs"/>
+              </a:rPr>
+              <a:t>x</a:t>
+            </a:r>
+            <a:r>
+              <a:rPr kumimoji="1" lang="ja-JP" altLang="en-US" sz="2000" b="0" i="0" u="none" strike="noStrike" kern="1200" cap="none" spc="0" normalizeH="0" baseline="0" noProof="0" dirty="0">
+                <a:ln>
+                  <a:noFill/>
+                </a:ln>
+                <a:solidFill>
+                  <a:srgbClr val="FFFFFF"/>
+                </a:solidFill>
+                <a:effectLst/>
+                <a:uLnTx/>
+                <a:uFillTx/>
+                <a:latin typeface="メイリオ"/>
+                <a:ea typeface="メイリオ"/>
+                <a:cs typeface="+mn-cs"/>
+              </a:rPr>
+              <a:t>は </a:t>
+            </a:r>
+            <a:r>
+              <a:rPr kumimoji="1" lang="en-US" altLang="ja-JP" sz="2000" b="0" i="0" u="none" strike="noStrike" kern="1200" cap="none" spc="0" normalizeH="0" baseline="0" noProof="0" dirty="0">
+                <a:ln>
+                  <a:noFill/>
+                </a:ln>
+                <a:solidFill>
+                  <a:srgbClr val="FFFFFF"/>
+                </a:solidFill>
+                <a:effectLst/>
+                <a:uLnTx/>
+                <a:uFillTx/>
+                <a:latin typeface="メイリオ"/>
+                <a:ea typeface="メイリオ"/>
+                <a:cs typeface="+mn-cs"/>
+              </a:rPr>
+              <a:t>[0 ~ </a:t>
+            </a:r>
+            <a:r>
+              <a:rPr kumimoji="1" lang="en-US" altLang="ja-JP" sz="2000" b="0" i="0" u="none" strike="noStrike" kern="1200" cap="none" spc="0" normalizeH="0" baseline="0" noProof="0" dirty="0" err="1">
+                <a:ln>
+                  <a:noFill/>
+                </a:ln>
+                <a:solidFill>
+                  <a:srgbClr val="FFFFFF"/>
+                </a:solidFill>
+                <a:effectLst/>
+                <a:uLnTx/>
+                <a:uFillTx/>
+                <a:latin typeface="メイリオ"/>
+                <a:ea typeface="メイリオ"/>
+                <a:cs typeface="+mn-cs"/>
+              </a:rPr>
+              <a:t>r.x</a:t>
+            </a:r>
+            <a:r>
+              <a:rPr kumimoji="1" lang="en-US" altLang="ja-JP" sz="2000" b="0" i="0" u="none" strike="noStrike" kern="1200" cap="none" spc="0" normalizeH="0" baseline="0" noProof="0" dirty="0">
+                <a:ln>
+                  <a:noFill/>
+                </a:ln>
+                <a:solidFill>
+                  <a:srgbClr val="FFFFFF"/>
+                </a:solidFill>
+                <a:effectLst/>
+                <a:uLnTx/>
+                <a:uFillTx/>
+                <a:latin typeface="メイリオ"/>
+                <a:ea typeface="メイリオ"/>
+                <a:cs typeface="+mn-cs"/>
+              </a:rPr>
+              <a:t>]</a:t>
+            </a:r>
+            <a:r>
+              <a:rPr kumimoji="1" lang="ja-JP" altLang="en-US" sz="2000" b="0" i="0" u="none" strike="noStrike" kern="1200" cap="none" spc="0" normalizeH="0" baseline="0" noProof="0" dirty="0">
+                <a:ln>
+                  <a:noFill/>
+                </a:ln>
+                <a:solidFill>
+                  <a:srgbClr val="FFFFFF"/>
+                </a:solidFill>
+                <a:effectLst/>
+                <a:uLnTx/>
+                <a:uFillTx/>
+                <a:latin typeface="メイリオ"/>
+                <a:ea typeface="メイリオ"/>
+                <a:cs typeface="+mn-cs"/>
+              </a:rPr>
+              <a:t>だったのが</a:t>
+            </a:r>
+            <a:r>
+              <a:rPr kumimoji="1" lang="en-US" altLang="ja-JP" sz="2000" b="0" i="0" u="none" strike="noStrike" kern="1200" cap="none" spc="0" normalizeH="0" baseline="0" noProof="0" dirty="0">
+                <a:ln>
+                  <a:noFill/>
+                </a:ln>
+                <a:solidFill>
+                  <a:srgbClr val="FFFFFF"/>
+                </a:solidFill>
+                <a:effectLst/>
+                <a:uLnTx/>
+                <a:uFillTx/>
+                <a:latin typeface="メイリオ"/>
+                <a:ea typeface="メイリオ"/>
+                <a:cs typeface="+mn-cs"/>
+              </a:rPr>
+              <a:t>[–</a:t>
+            </a:r>
+            <a:r>
+              <a:rPr kumimoji="1" lang="en-US" altLang="ja-JP" sz="2000" b="0" i="0" u="none" strike="noStrike" kern="1200" cap="none" spc="0" normalizeH="0" baseline="0" noProof="0" dirty="0" err="1">
+                <a:ln>
+                  <a:noFill/>
+                </a:ln>
+                <a:solidFill>
+                  <a:srgbClr val="FFFFFF"/>
+                </a:solidFill>
+                <a:effectLst/>
+                <a:uLnTx/>
+                <a:uFillTx/>
+                <a:latin typeface="メイリオ"/>
+                <a:ea typeface="メイリオ"/>
+                <a:cs typeface="+mn-cs"/>
+              </a:rPr>
+              <a:t>r.x</a:t>
+            </a:r>
+            <a:r>
+              <a:rPr kumimoji="1" lang="en-US" altLang="ja-JP" sz="2000" b="0" i="0" u="none" strike="noStrike" kern="1200" cap="none" spc="0" normalizeH="0" baseline="0" noProof="0" dirty="0">
+                <a:ln>
+                  <a:noFill/>
+                </a:ln>
+                <a:solidFill>
+                  <a:srgbClr val="FFFFFF"/>
+                </a:solidFill>
+                <a:effectLst/>
+                <a:uLnTx/>
+                <a:uFillTx/>
+                <a:latin typeface="メイリオ"/>
+                <a:ea typeface="メイリオ"/>
+                <a:cs typeface="+mn-cs"/>
+              </a:rPr>
+              <a:t>/</a:t>
+            </a:r>
+            <a:r>
+              <a:rPr kumimoji="1" lang="en-US" altLang="ja-JP" sz="2000" b="0" i="0" u="none" strike="noStrike" kern="1200" cap="none" spc="0" normalizeH="0" baseline="0" noProof="0" dirty="0" err="1">
+                <a:ln>
+                  <a:noFill/>
+                </a:ln>
+                <a:solidFill>
+                  <a:srgbClr val="FFFFFF"/>
+                </a:solidFill>
+                <a:effectLst/>
+                <a:uLnTx/>
+                <a:uFillTx/>
+                <a:latin typeface="メイリオ"/>
+                <a:ea typeface="メイリオ"/>
+                <a:cs typeface="+mn-cs"/>
+              </a:rPr>
+              <a:t>r.y</a:t>
+            </a:r>
+            <a:r>
+              <a:rPr kumimoji="1" lang="en-US" altLang="ja-JP" sz="2000" b="0" i="0" u="none" strike="noStrike" kern="1200" cap="none" spc="0" normalizeH="0" baseline="0" noProof="0" dirty="0">
+                <a:ln>
+                  <a:noFill/>
+                </a:ln>
+                <a:solidFill>
+                  <a:srgbClr val="FFFFFF"/>
+                </a:solidFill>
+                <a:effectLst/>
+                <a:uLnTx/>
+                <a:uFillTx/>
+                <a:latin typeface="メイリオ"/>
+                <a:ea typeface="メイリオ"/>
+                <a:cs typeface="+mn-cs"/>
+              </a:rPr>
+              <a:t> ~ </a:t>
+            </a:r>
+            <a:r>
+              <a:rPr kumimoji="1" lang="en-US" altLang="ja-JP" sz="2000" b="0" i="0" u="none" strike="noStrike" kern="1200" cap="none" spc="0" normalizeH="0" baseline="0" noProof="0" dirty="0" err="1">
+                <a:ln>
+                  <a:noFill/>
+                </a:ln>
+                <a:solidFill>
+                  <a:srgbClr val="FFFFFF"/>
+                </a:solidFill>
+                <a:effectLst/>
+                <a:uLnTx/>
+                <a:uFillTx/>
+                <a:latin typeface="メイリオ"/>
+                <a:ea typeface="メイリオ"/>
+                <a:cs typeface="+mn-cs"/>
+              </a:rPr>
+              <a:t>r.x</a:t>
+            </a:r>
+            <a:r>
+              <a:rPr kumimoji="1" lang="en-US" altLang="ja-JP" sz="2000" b="0" i="0" u="none" strike="noStrike" kern="1200" cap="none" spc="0" normalizeH="0" baseline="0" noProof="0" dirty="0">
+                <a:ln>
+                  <a:noFill/>
+                </a:ln>
+                <a:solidFill>
+                  <a:srgbClr val="FFFFFF"/>
+                </a:solidFill>
+                <a:effectLst/>
+                <a:uLnTx/>
+                <a:uFillTx/>
+                <a:latin typeface="メイリオ"/>
+                <a:ea typeface="メイリオ"/>
+                <a:cs typeface="+mn-cs"/>
+              </a:rPr>
+              <a:t>/</a:t>
+            </a:r>
+            <a:r>
+              <a:rPr kumimoji="1" lang="en-US" altLang="ja-JP" sz="2000" b="0" i="0" u="none" strike="noStrike" kern="1200" cap="none" spc="0" normalizeH="0" baseline="0" noProof="0" dirty="0" err="1">
+                <a:ln>
+                  <a:noFill/>
+                </a:ln>
+                <a:solidFill>
+                  <a:srgbClr val="FFFFFF"/>
+                </a:solidFill>
+                <a:effectLst/>
+                <a:uLnTx/>
+                <a:uFillTx/>
+                <a:latin typeface="メイリオ"/>
+                <a:ea typeface="メイリオ"/>
+                <a:cs typeface="+mn-cs"/>
+              </a:rPr>
+              <a:t>r.y</a:t>
+            </a:r>
+            <a:r>
+              <a:rPr kumimoji="1" lang="en-US" altLang="ja-JP" sz="2000" b="0" i="0" u="none" strike="noStrike" kern="1200" cap="none" spc="0" normalizeH="0" baseline="0" noProof="0" dirty="0">
+                <a:ln>
+                  <a:noFill/>
+                </a:ln>
+                <a:solidFill>
+                  <a:srgbClr val="FFFFFF"/>
+                </a:solidFill>
+                <a:effectLst/>
+                <a:uLnTx/>
+                <a:uFillTx/>
+                <a:latin typeface="メイリオ"/>
+                <a:ea typeface="メイリオ"/>
+                <a:cs typeface="+mn-cs"/>
+              </a:rPr>
+              <a:t>]</a:t>
+            </a:r>
+            <a:r>
+              <a:rPr kumimoji="1" lang="ja-JP" altLang="en-US" sz="2000" b="0" i="0" u="none" strike="noStrike" kern="1200" cap="none" spc="0" normalizeH="0" baseline="0" noProof="0" dirty="0">
+                <a:ln>
+                  <a:noFill/>
+                </a:ln>
+                <a:solidFill>
+                  <a:srgbClr val="FFFFFF"/>
+                </a:solidFill>
+                <a:effectLst/>
+                <a:uLnTx/>
+                <a:uFillTx/>
+                <a:latin typeface="メイリオ"/>
+                <a:ea typeface="メイリオ"/>
+                <a:cs typeface="+mn-cs"/>
+              </a:rPr>
+              <a:t>になり、</a:t>
+            </a:r>
+            <a:endParaRPr kumimoji="1" lang="en-US" altLang="ja-JP" sz="2000" b="0" i="0" u="none" strike="noStrike" kern="1200" cap="none" spc="0" normalizeH="0" baseline="0" noProof="0" dirty="0">
+              <a:ln>
+                <a:noFill/>
+              </a:ln>
+              <a:solidFill>
+                <a:srgbClr val="FFFFFF"/>
+              </a:solidFill>
+              <a:effectLst/>
+              <a:uLnTx/>
+              <a:uFillTx/>
+              <a:latin typeface="メイリオ"/>
+              <a:ea typeface="メイリオ"/>
+              <a:cs typeface="+mn-cs"/>
+            </a:endParaRPr>
+          </a:p>
+          <a:p>
+            <a:pPr marL="0" marR="0" lvl="0" indent="0" algn="l" defTabSz="914400" rtl="0" eaLnBrk="1" fontAlgn="auto" latinLnBrk="0" hangingPunct="1">
+              <a:lnSpc>
+                <a:spcPct val="90000"/>
+              </a:lnSpc>
+              <a:spcBef>
+                <a:spcPts val="1000"/>
+              </a:spcBef>
+              <a:spcAft>
+                <a:spcPts val="0"/>
+              </a:spcAft>
+              <a:buClrTx/>
+              <a:buSzTx/>
+              <a:buFont typeface="Arial" panose="020B0604020202020204" pitchFamily="34" charset="0"/>
+              <a:buNone/>
+              <a:tabLst/>
+              <a:defRPr/>
+            </a:pPr>
+            <a:r>
+              <a:rPr kumimoji="1" lang="en-US" altLang="ja-JP" sz="2000" b="0" i="0" u="none" strike="noStrike" kern="1200" cap="none" spc="0" normalizeH="0" baseline="0" noProof="0" dirty="0">
+                <a:ln>
+                  <a:noFill/>
+                </a:ln>
+                <a:solidFill>
+                  <a:srgbClr val="FFFFFF"/>
+                </a:solidFill>
+                <a:effectLst/>
+                <a:uLnTx/>
+                <a:uFillTx/>
+                <a:latin typeface="メイリオ"/>
+                <a:ea typeface="メイリオ"/>
+                <a:cs typeface="+mn-cs"/>
+              </a:rPr>
+              <a:t>y</a:t>
+            </a:r>
+            <a:r>
+              <a:rPr kumimoji="1" lang="ja-JP" altLang="en-US" sz="2000" b="0" i="0" u="none" strike="noStrike" kern="1200" cap="none" spc="0" normalizeH="0" baseline="0" noProof="0" dirty="0">
+                <a:ln>
+                  <a:noFill/>
+                </a:ln>
+                <a:solidFill>
+                  <a:srgbClr val="FFFFFF"/>
+                </a:solidFill>
+                <a:effectLst/>
+                <a:uLnTx/>
+                <a:uFillTx/>
+                <a:latin typeface="メイリオ"/>
+                <a:ea typeface="メイリオ"/>
+                <a:cs typeface="+mn-cs"/>
+              </a:rPr>
+              <a:t>は </a:t>
+            </a:r>
+            <a:r>
+              <a:rPr kumimoji="1" lang="en-US" altLang="ja-JP" sz="2000" b="0" i="0" u="none" strike="noStrike" kern="1200" cap="none" spc="0" normalizeH="0" baseline="0" noProof="0" dirty="0">
+                <a:ln>
+                  <a:noFill/>
+                </a:ln>
+                <a:solidFill>
+                  <a:srgbClr val="FFFFFF"/>
+                </a:solidFill>
+                <a:effectLst/>
+                <a:uLnTx/>
+                <a:uFillTx/>
+                <a:latin typeface="メイリオ"/>
+                <a:ea typeface="メイリオ"/>
+                <a:cs typeface="+mn-cs"/>
+              </a:rPr>
+              <a:t>[0 ~ </a:t>
+            </a:r>
+            <a:r>
+              <a:rPr kumimoji="1" lang="en-US" altLang="ja-JP" sz="2000" b="0" i="0" u="none" strike="noStrike" kern="1200" cap="none" spc="0" normalizeH="0" baseline="0" noProof="0" dirty="0" err="1">
+                <a:ln>
+                  <a:noFill/>
+                </a:ln>
+                <a:solidFill>
+                  <a:srgbClr val="FFFFFF"/>
+                </a:solidFill>
+                <a:effectLst/>
+                <a:uLnTx/>
+                <a:uFillTx/>
+                <a:latin typeface="メイリオ"/>
+                <a:ea typeface="メイリオ"/>
+                <a:cs typeface="+mn-cs"/>
+              </a:rPr>
+              <a:t>r.y</a:t>
+            </a:r>
+            <a:r>
+              <a:rPr kumimoji="1" lang="en-US" altLang="ja-JP" sz="2000" b="0" i="0" u="none" strike="noStrike" kern="1200" cap="none" spc="0" normalizeH="0" baseline="0" noProof="0" dirty="0">
+                <a:ln>
+                  <a:noFill/>
+                </a:ln>
+                <a:solidFill>
+                  <a:srgbClr val="FFFFFF"/>
+                </a:solidFill>
+                <a:effectLst/>
+                <a:uLnTx/>
+                <a:uFillTx/>
+                <a:latin typeface="メイリオ"/>
+                <a:ea typeface="メイリオ"/>
+                <a:cs typeface="+mn-cs"/>
+              </a:rPr>
+              <a:t>]</a:t>
+            </a:r>
+            <a:r>
+              <a:rPr kumimoji="1" lang="ja-JP" altLang="en-US" sz="2000" b="0" i="0" u="none" strike="noStrike" kern="1200" cap="none" spc="0" normalizeH="0" baseline="0" noProof="0" dirty="0">
+                <a:ln>
+                  <a:noFill/>
+                </a:ln>
+                <a:solidFill>
+                  <a:srgbClr val="FFFFFF"/>
+                </a:solidFill>
+                <a:effectLst/>
+                <a:uLnTx/>
+                <a:uFillTx/>
+                <a:latin typeface="メイリオ"/>
+                <a:ea typeface="メイリオ"/>
+                <a:cs typeface="+mn-cs"/>
+              </a:rPr>
+              <a:t>だったのが</a:t>
+            </a:r>
+            <a:r>
+              <a:rPr kumimoji="1" lang="en-US" altLang="ja-JP" sz="2000" b="0" i="0" u="none" strike="noStrike" kern="1200" cap="none" spc="0" normalizeH="0" baseline="0" noProof="0" dirty="0">
+                <a:ln>
+                  <a:noFill/>
+                </a:ln>
+                <a:solidFill>
+                  <a:srgbClr val="FFFFFF"/>
+                </a:solidFill>
+                <a:effectLst/>
+                <a:uLnTx/>
+                <a:uFillTx/>
+                <a:latin typeface="メイリオ"/>
+                <a:ea typeface="メイリオ"/>
+                <a:cs typeface="+mn-cs"/>
+              </a:rPr>
+              <a:t>[-1 ~ 1]</a:t>
+            </a:r>
+            <a:r>
+              <a:rPr kumimoji="1" lang="ja-JP" altLang="en-US" sz="2000" b="0" i="0" u="none" strike="noStrike" kern="1200" cap="none" spc="0" normalizeH="0" baseline="0" noProof="0" dirty="0">
+                <a:ln>
+                  <a:noFill/>
+                </a:ln>
+                <a:solidFill>
+                  <a:srgbClr val="FFFFFF"/>
+                </a:solidFill>
+                <a:effectLst/>
+                <a:uLnTx/>
+                <a:uFillTx/>
+                <a:latin typeface="メイリオ"/>
+                <a:ea typeface="メイリオ"/>
+                <a:cs typeface="+mn-cs"/>
+              </a:rPr>
+              <a:t>になる</a:t>
+            </a:r>
+            <a:endParaRPr kumimoji="1" lang="en-US" altLang="ja-JP" sz="2000" b="0" i="0" u="none" strike="noStrike" kern="1200" cap="none" spc="0" normalizeH="0" baseline="0" noProof="0" dirty="0">
+              <a:ln>
+                <a:noFill/>
+              </a:ln>
+              <a:solidFill>
+                <a:srgbClr val="FFFFFF"/>
+              </a:solidFill>
+              <a:effectLst/>
+              <a:uLnTx/>
+              <a:uFillTx/>
+              <a:latin typeface="メイリオ"/>
+              <a:ea typeface="メイリオ"/>
+              <a:cs typeface="+mn-cs"/>
+            </a:endParaRPr>
+          </a:p>
+          <a:p>
+            <a:pPr marL="0" indent="0">
+              <a:buNone/>
+            </a:pPr>
+            <a:endParaRPr kumimoji="1" lang="ja-JP" altLang="en-US" sz="1500" dirty="0">
+              <a:solidFill>
+                <a:srgbClr val="FFFFFF"/>
+              </a:solidFill>
+            </a:endParaRPr>
+          </a:p>
+        </p:txBody>
+      </p:sp>
+      <p:pic>
+        <p:nvPicPr>
+          <p:cNvPr id="4" name="図 3">
+            <a:extLst>
+              <a:ext uri="{FF2B5EF4-FFF2-40B4-BE49-F238E27FC236}">
+                <a16:creationId xmlns:a16="http://schemas.microsoft.com/office/drawing/2014/main" id="{DA2C750C-E064-0ADF-8027-BE4681C8452E}"/>
+              </a:ext>
+            </a:extLst>
+          </p:cNvPr>
+          <p:cNvPicPr>
+            <a:picLocks noChangeAspect="1"/>
+          </p:cNvPicPr>
+          <p:nvPr/>
+        </p:nvPicPr>
+        <p:blipFill>
+          <a:blip r:embed="rId3"/>
+          <a:stretch>
+            <a:fillRect/>
+          </a:stretch>
+        </p:blipFill>
+        <p:spPr>
+          <a:xfrm>
+            <a:off x="838201" y="1391509"/>
+            <a:ext cx="10270915" cy="1192270"/>
+          </a:xfrm>
+          <a:prstGeom prst="rect">
+            <a:avLst/>
+          </a:prstGeom>
+        </p:spPr>
+      </p:pic>
+      <p:sp>
+        <p:nvSpPr>
+          <p:cNvPr id="2" name="テキスト ボックス 1">
+            <a:extLst>
+              <a:ext uri="{FF2B5EF4-FFF2-40B4-BE49-F238E27FC236}">
+                <a16:creationId xmlns:a16="http://schemas.microsoft.com/office/drawing/2014/main" id="{D1ED546F-F469-B277-A52D-FB908E41425A}"/>
+              </a:ext>
+            </a:extLst>
+          </p:cNvPr>
+          <p:cNvSpPr txBox="1"/>
+          <p:nvPr/>
+        </p:nvSpPr>
+        <p:spPr>
+          <a:xfrm>
+            <a:off x="8168312" y="4158732"/>
+            <a:ext cx="3185487" cy="369332"/>
+          </a:xfrm>
+          <a:prstGeom prst="rect">
+            <a:avLst/>
+          </a:prstGeom>
+          <a:noFill/>
+        </p:spPr>
+        <p:txBody>
+          <a:bodyPr wrap="none" rtlCol="0">
+            <a:spAutoFit/>
+          </a:bodyPr>
+          <a:lstStyle/>
+          <a:p>
+            <a:r>
+              <a:rPr kumimoji="1" lang="ja-JP" altLang="en-US" dirty="0"/>
+              <a:t>ここら辺にわかりやすい画像</a:t>
+            </a:r>
+          </a:p>
         </p:txBody>
       </p:sp>
     </p:spTree>
     <p:extLst>
       <p:ext uri="{BB962C8B-B14F-4D97-AF65-F5344CB8AC3E}">
-        <p14:creationId xmlns:p14="http://schemas.microsoft.com/office/powerpoint/2010/main" val="983218441"/>
+        <p14:creationId xmlns:p14="http://schemas.microsoft.com/office/powerpoint/2010/main" val="3096134919"/>
       </p:ext>
     </p:extLst>
   </p:cSld>
@@ -10674,120 +11036,18 @@
           </a:bodyPr>
           <a:lstStyle/>
           <a:p>
-            <a:pPr marL="0" indent="0" algn="ctr">
+            <a:pPr marL="0" indent="0">
               <a:buNone/>
             </a:pPr>
             <a:r>
-              <a:rPr lang="ja-JP" altLang="en-US" sz="5400" dirty="0">
-                <a:solidFill>
-                  <a:srgbClr val="FFFFFF"/>
-                </a:solidFill>
-              </a:rPr>
-              <a:t>円を出してみる</a:t>
-            </a:r>
-            <a:endParaRPr kumimoji="1" lang="en-US" altLang="ja-JP" sz="5400" dirty="0">
-              <a:solidFill>
-                <a:srgbClr val="FFFFFF"/>
-              </a:solidFill>
-            </a:endParaRPr>
-          </a:p>
-          <a:p>
-            <a:pPr marL="0" indent="0">
-              <a:buNone/>
-            </a:pPr>
-            <a:endParaRPr kumimoji="1" lang="en-US" altLang="ja-JP" dirty="0">
-              <a:solidFill>
-                <a:srgbClr val="FFFFFF"/>
-              </a:solidFill>
-            </a:endParaRPr>
-          </a:p>
-          <a:p>
-            <a:pPr marL="0" indent="0">
-              <a:buNone/>
-            </a:pPr>
-            <a:endParaRPr lang="en-US" altLang="ja-JP" dirty="0">
-              <a:solidFill>
-                <a:srgbClr val="FFFFFF"/>
-              </a:solidFill>
-            </a:endParaRPr>
-          </a:p>
-          <a:p>
-            <a:pPr marL="0" indent="0">
-              <a:buNone/>
-            </a:pPr>
-            <a:endParaRPr kumimoji="1" lang="en-US" altLang="ja-JP" dirty="0">
-              <a:solidFill>
-                <a:srgbClr val="FFFFFF"/>
-              </a:solidFill>
-            </a:endParaRPr>
-          </a:p>
-          <a:p>
-            <a:pPr marL="0" indent="0">
-              <a:buNone/>
-            </a:pPr>
-            <a:r>
-              <a:rPr kumimoji="1" lang="ja-JP" altLang="en-US" dirty="0">
-                <a:solidFill>
-                  <a:srgbClr val="FFFFFF"/>
-                </a:solidFill>
-              </a:rPr>
-              <a:t>・ピクセル座標の変換</a:t>
-            </a:r>
-            <a:endParaRPr kumimoji="1" lang="en-US" altLang="ja-JP" dirty="0">
-              <a:solidFill>
-                <a:srgbClr val="FFFFFF"/>
-              </a:solidFill>
-            </a:endParaRPr>
-          </a:p>
-          <a:p>
-            <a:pPr marL="0" indent="0">
-              <a:buNone/>
-            </a:pPr>
-            <a:r>
-              <a:rPr lang="ja-JP" altLang="en-US" dirty="0">
-                <a:solidFill>
-                  <a:srgbClr val="FFFFFF"/>
-                </a:solidFill>
-              </a:rPr>
-              <a:t>・変換した座標を円の半径と比較</a:t>
-            </a:r>
-            <a:endParaRPr lang="en-US" altLang="ja-JP" dirty="0">
-              <a:solidFill>
-                <a:srgbClr val="FFFFFF"/>
-              </a:solidFill>
-            </a:endParaRPr>
-          </a:p>
-          <a:p>
-            <a:pPr marL="0" indent="0">
-              <a:buNone/>
-            </a:pPr>
-            <a:r>
-              <a:rPr kumimoji="1" lang="ja-JP" altLang="en-US" dirty="0">
-                <a:solidFill>
-                  <a:srgbClr val="FFFFFF"/>
-                </a:solidFill>
-              </a:rPr>
-              <a:t>・円の内部にある場合白を出力</a:t>
-            </a:r>
-            <a:endParaRPr kumimoji="1" lang="en-US" altLang="ja-JP" dirty="0">
-              <a:solidFill>
-                <a:srgbClr val="FFFFFF"/>
-              </a:solidFill>
-            </a:endParaRPr>
-          </a:p>
-          <a:p>
-            <a:pPr marL="0" indent="0">
-              <a:buNone/>
-            </a:pPr>
-            <a:r>
-              <a:rPr lang="ja-JP" altLang="en-US" dirty="0">
-                <a:solidFill>
-                  <a:srgbClr val="FFFFFF"/>
-                </a:solidFill>
-              </a:rPr>
-              <a:t>・円の外部にある場合黒を出力</a:t>
-            </a:r>
-            <a:endParaRPr kumimoji="1" lang="en-US" altLang="ja-JP" dirty="0">
+              <a:rPr kumimoji="1" lang="ja-JP" altLang="en-US" sz="4000" dirty="0">
+                <a:solidFill>
+                  <a:srgbClr val="FFFFFF"/>
+                </a:solidFill>
+              </a:rPr>
+              <a:t>円の半径との比較、色の出力</a:t>
+            </a:r>
+            <a:endParaRPr kumimoji="1" lang="en-US" altLang="ja-JP" sz="1500" dirty="0">
               <a:solidFill>
                 <a:srgbClr val="FFFFFF"/>
               </a:solidFill>
@@ -10813,14 +11073,312 @@
               </a:solidFill>
             </a:endParaRPr>
           </a:p>
+          <a:p>
+            <a:pPr marL="0" indent="0">
+              <a:buNone/>
+            </a:pPr>
+            <a:endParaRPr lang="en-US" altLang="ja-JP" sz="1500" dirty="0">
+              <a:solidFill>
+                <a:srgbClr val="FFFFFF"/>
+              </a:solidFill>
+            </a:endParaRPr>
+          </a:p>
+          <a:p>
+            <a:pPr marL="0" indent="0">
+              <a:buNone/>
+            </a:pPr>
+            <a:endParaRPr lang="en-US" altLang="ja-JP" sz="1500" dirty="0">
+              <a:solidFill>
+                <a:srgbClr val="FFFFFF"/>
+              </a:solidFill>
+            </a:endParaRPr>
+          </a:p>
+          <a:p>
+            <a:pPr marL="0" indent="0">
+              <a:buNone/>
+            </a:pPr>
+            <a:endParaRPr lang="en-US" altLang="ja-JP" sz="1500" dirty="0">
+              <a:solidFill>
+                <a:srgbClr val="FFFFFF"/>
+              </a:solidFill>
+            </a:endParaRPr>
+          </a:p>
+          <a:p>
+            <a:pPr marL="0" indent="0">
+              <a:buNone/>
+            </a:pPr>
+            <a:endParaRPr kumimoji="1" lang="en-US" altLang="ja-JP" sz="2000" dirty="0">
+              <a:solidFill>
+                <a:srgbClr val="FFFFFF"/>
+              </a:solidFill>
+            </a:endParaRPr>
+          </a:p>
+          <a:p>
+            <a:pPr marL="0" indent="0">
+              <a:buNone/>
+            </a:pPr>
+            <a:endParaRPr kumimoji="1" lang="en-US" altLang="ja-JP" sz="2000" dirty="0">
+              <a:solidFill>
+                <a:srgbClr val="FFFFFF"/>
+              </a:solidFill>
+            </a:endParaRPr>
+          </a:p>
+          <a:p>
+            <a:pPr marL="0" indent="0">
+              <a:buNone/>
+            </a:pPr>
+            <a:r>
+              <a:rPr kumimoji="1" lang="ja-JP" altLang="en-US" sz="2000" dirty="0">
+                <a:solidFill>
+                  <a:srgbClr val="FFFFFF"/>
+                </a:solidFill>
+              </a:rPr>
+              <a:t>・先ほどの座標系で</a:t>
+            </a:r>
+            <a:r>
+              <a:rPr lang="ja-JP" altLang="en-US" sz="2000" dirty="0">
+                <a:solidFill>
+                  <a:srgbClr val="FFFFFF"/>
+                </a:solidFill>
+              </a:rPr>
+              <a:t>原点からの距離を求める</a:t>
+            </a:r>
+            <a:endParaRPr lang="en-US" altLang="ja-JP" sz="2000" dirty="0">
+              <a:solidFill>
+                <a:srgbClr val="FFFFFF"/>
+              </a:solidFill>
+            </a:endParaRPr>
+          </a:p>
+          <a:p>
+            <a:pPr marL="0" indent="0">
+              <a:buNone/>
+            </a:pPr>
+            <a:r>
+              <a:rPr kumimoji="1" lang="ja-JP" altLang="en-US" sz="2000" dirty="0">
+                <a:solidFill>
+                  <a:srgbClr val="FFFFFF"/>
+                </a:solidFill>
+              </a:rPr>
+              <a:t>・求めた距離が</a:t>
+            </a:r>
+            <a:r>
+              <a:rPr kumimoji="1" lang="en-US" altLang="ja-JP" sz="2000" dirty="0">
+                <a:solidFill>
+                  <a:srgbClr val="FFFFFF"/>
+                </a:solidFill>
+              </a:rPr>
+              <a:t>0.5</a:t>
+            </a:r>
+            <a:r>
+              <a:rPr lang="ja-JP" altLang="en-US" sz="2000" dirty="0">
+                <a:solidFill>
+                  <a:srgbClr val="FFFFFF"/>
+                </a:solidFill>
+              </a:rPr>
+              <a:t>未満</a:t>
+            </a:r>
+            <a:r>
+              <a:rPr kumimoji="1" lang="ja-JP" altLang="en-US" sz="2000" dirty="0">
+                <a:solidFill>
+                  <a:srgbClr val="FFFFFF"/>
+                </a:solidFill>
+              </a:rPr>
+              <a:t>なら</a:t>
+            </a:r>
+            <a:r>
+              <a:rPr kumimoji="1" lang="en-US" altLang="ja-JP" sz="2000" dirty="0">
+                <a:solidFill>
+                  <a:srgbClr val="FFFFFF"/>
+                </a:solidFill>
+              </a:rPr>
+              <a:t>c</a:t>
+            </a:r>
+            <a:r>
+              <a:rPr kumimoji="1" lang="ja-JP" altLang="en-US" sz="2000" dirty="0">
+                <a:solidFill>
+                  <a:srgbClr val="FFFFFF"/>
+                </a:solidFill>
+              </a:rPr>
+              <a:t>に</a:t>
+            </a:r>
+            <a:r>
+              <a:rPr kumimoji="1" lang="en-US" altLang="ja-JP" sz="2000" dirty="0">
+                <a:solidFill>
+                  <a:srgbClr val="FFFFFF"/>
+                </a:solidFill>
+              </a:rPr>
+              <a:t>1.0</a:t>
+            </a:r>
+            <a:r>
+              <a:rPr kumimoji="1" lang="ja-JP" altLang="en-US" sz="2000" dirty="0">
+                <a:solidFill>
+                  <a:srgbClr val="FFFFFF"/>
+                </a:solidFill>
+              </a:rPr>
+              <a:t>を代入</a:t>
+            </a:r>
+            <a:endParaRPr kumimoji="1" lang="en-US" altLang="ja-JP" sz="2000" dirty="0">
+              <a:solidFill>
+                <a:srgbClr val="FFFFFF"/>
+              </a:solidFill>
+            </a:endParaRPr>
+          </a:p>
+          <a:p>
+            <a:pPr marL="0" indent="0">
+              <a:buNone/>
+            </a:pPr>
+            <a:r>
+              <a:rPr lang="ja-JP" altLang="en-US" sz="2000" dirty="0">
+                <a:solidFill>
+                  <a:srgbClr val="FFFFFF"/>
+                </a:solidFill>
+              </a:rPr>
+              <a:t>・求めた距離が</a:t>
+            </a:r>
+            <a:r>
+              <a:rPr lang="en-US" altLang="ja-JP" sz="2000" dirty="0">
+                <a:solidFill>
+                  <a:srgbClr val="FFFFFF"/>
+                </a:solidFill>
+              </a:rPr>
+              <a:t>0.5</a:t>
+            </a:r>
+            <a:r>
+              <a:rPr lang="ja-JP" altLang="en-US" sz="2000" dirty="0">
+                <a:solidFill>
+                  <a:srgbClr val="FFFFFF"/>
+                </a:solidFill>
+              </a:rPr>
+              <a:t>以上なら</a:t>
+            </a:r>
+            <a:r>
+              <a:rPr lang="en-US" altLang="ja-JP" sz="2000" dirty="0">
+                <a:solidFill>
+                  <a:srgbClr val="FFFFFF"/>
+                </a:solidFill>
+              </a:rPr>
+              <a:t>c</a:t>
+            </a:r>
+            <a:r>
+              <a:rPr lang="ja-JP" altLang="en-US" sz="2000" dirty="0">
+                <a:solidFill>
+                  <a:srgbClr val="FFFFFF"/>
+                </a:solidFill>
+              </a:rPr>
+              <a:t>に</a:t>
+            </a:r>
+            <a:r>
+              <a:rPr lang="en-US" altLang="ja-JP" sz="2000" dirty="0">
+                <a:solidFill>
+                  <a:srgbClr val="FFFFFF"/>
+                </a:solidFill>
+              </a:rPr>
+              <a:t>0.0</a:t>
+            </a:r>
+            <a:r>
+              <a:rPr lang="ja-JP" altLang="en-US" sz="2000" dirty="0">
+                <a:solidFill>
+                  <a:srgbClr val="FFFFFF"/>
+                </a:solidFill>
+              </a:rPr>
+              <a:t>を代入</a:t>
+            </a:r>
+            <a:endParaRPr kumimoji="1" lang="en-US" altLang="ja-JP" sz="2000" dirty="0">
+              <a:solidFill>
+                <a:srgbClr val="FFFFFF"/>
+              </a:solidFill>
+            </a:endParaRPr>
+          </a:p>
+          <a:p>
+            <a:pPr marL="0" indent="0">
+              <a:buNone/>
+            </a:pPr>
+            <a:r>
+              <a:rPr lang="ja-JP" altLang="en-US" sz="2000" dirty="0">
+                <a:solidFill>
+                  <a:srgbClr val="FFFFFF"/>
+                </a:solidFill>
+              </a:rPr>
+              <a:t>・</a:t>
+            </a:r>
+            <a:r>
+              <a:rPr lang="en-US" altLang="ja-JP" sz="2000" dirty="0">
+                <a:solidFill>
+                  <a:srgbClr val="FFFFFF"/>
+                </a:solidFill>
+              </a:rPr>
+              <a:t>o</a:t>
+            </a:r>
+            <a:r>
+              <a:rPr lang="ja-JP" altLang="en-US" sz="2000" dirty="0">
+                <a:solidFill>
+                  <a:srgbClr val="FFFFFF"/>
+                </a:solidFill>
+              </a:rPr>
+              <a:t>の</a:t>
+            </a:r>
+            <a:r>
+              <a:rPr lang="en-US" altLang="ja-JP" sz="2000" dirty="0" err="1">
+                <a:solidFill>
+                  <a:srgbClr val="FFFFFF"/>
+                </a:solidFill>
+              </a:rPr>
+              <a:t>rgb</a:t>
+            </a:r>
+            <a:r>
+              <a:rPr lang="ja-JP" altLang="en-US" sz="2000" dirty="0">
+                <a:solidFill>
+                  <a:srgbClr val="FFFFFF"/>
+                </a:solidFill>
+              </a:rPr>
+              <a:t>に</a:t>
+            </a:r>
+            <a:r>
+              <a:rPr lang="en-US" altLang="ja-JP" sz="2000" dirty="0">
+                <a:solidFill>
+                  <a:srgbClr val="FFFFFF"/>
+                </a:solidFill>
+              </a:rPr>
+              <a:t>(</a:t>
+            </a:r>
+            <a:r>
+              <a:rPr lang="en-US" altLang="ja-JP" sz="2000" dirty="0" err="1">
+                <a:solidFill>
+                  <a:srgbClr val="FFFFFF"/>
+                </a:solidFill>
+              </a:rPr>
+              <a:t>c,c,c</a:t>
+            </a:r>
+            <a:r>
+              <a:rPr lang="en-US" altLang="ja-JP" sz="2000" dirty="0">
+                <a:solidFill>
+                  <a:srgbClr val="FFFFFF"/>
+                </a:solidFill>
+              </a:rPr>
+              <a:t>)</a:t>
+            </a:r>
+            <a:r>
+              <a:rPr lang="ja-JP" altLang="en-US" sz="2000" dirty="0">
+                <a:solidFill>
+                  <a:srgbClr val="FFFFFF"/>
+                </a:solidFill>
+              </a:rPr>
+              <a:t>という色を代入</a:t>
+            </a:r>
+            <a:endParaRPr kumimoji="1" lang="ja-JP" altLang="en-US" sz="2000" dirty="0">
+              <a:solidFill>
+                <a:srgbClr val="FFFFFF"/>
+              </a:solidFill>
+            </a:endParaRPr>
+          </a:p>
         </p:txBody>
       </p:sp>
       <p:pic>
         <p:nvPicPr>
-          <p:cNvPr id="6" name="図 5">
+          <p:cNvPr id="9" name="図 8">
             <a:extLst>
               <a:ext uri="{FF2B5EF4-FFF2-40B4-BE49-F238E27FC236}">
-                <a16:creationId xmlns:a16="http://schemas.microsoft.com/office/drawing/2014/main" id="{6F85CC81-B0E5-00F3-D9BC-3D359DF1B824}"/>
+                <a16:creationId xmlns:a16="http://schemas.microsoft.com/office/drawing/2014/main" id="{BE40A8D9-0135-FEE7-7A4E-6D18D20BB9D2}"/>
               </a:ext>
             </a:extLst>
           </p:cNvPr>
@@ -10837,8 +11395,8 @@
         </p:blipFill>
         <p:spPr>
           <a:xfrm>
-            <a:off x="6660767" y="1617750"/>
-            <a:ext cx="5125987" cy="4947173"/>
+            <a:off x="838201" y="1358892"/>
+            <a:ext cx="9876691" cy="1525961"/>
           </a:xfrm>
           <a:prstGeom prst="rect">
             <a:avLst/>
@@ -10848,7 +11406,7 @@
     </p:spTree>
     <p:extLst>
       <p:ext uri="{BB962C8B-B14F-4D97-AF65-F5344CB8AC3E}">
-        <p14:creationId xmlns:p14="http://schemas.microsoft.com/office/powerpoint/2010/main" val="3452386226"/>
+        <p14:creationId xmlns:p14="http://schemas.microsoft.com/office/powerpoint/2010/main" val="1411802499"/>
       </p:ext>
     </p:extLst>
   </p:cSld>
@@ -11269,1074 +11827,79 @@
         </p:nvSpPr>
         <p:spPr>
           <a:xfrm>
-            <a:off x="838201" y="716635"/>
-            <a:ext cx="10515598" cy="5848288"/>
+            <a:off x="838201" y="3061251"/>
+            <a:ext cx="10515598" cy="732173"/>
           </a:xfrm>
         </p:spPr>
         <p:txBody>
           <a:bodyPr>
-            <a:normAutofit lnSpcReduction="10000"/>
+            <a:normAutofit fontScale="70000" lnSpcReduction="20000"/>
           </a:bodyPr>
           <a:lstStyle/>
           <a:p>
-            <a:pPr marL="0" indent="0">
+            <a:pPr marL="0" indent="0" algn="ctr">
               <a:buNone/>
             </a:pPr>
             <a:r>
-              <a:rPr kumimoji="1" lang="ja-JP" altLang="en-US" sz="4000" dirty="0">
-                <a:solidFill>
-                  <a:srgbClr val="FFFFFF"/>
-                </a:solidFill>
-              </a:rPr>
-              <a:t>ピクセル座標の変換</a:t>
-            </a:r>
-            <a:endParaRPr kumimoji="1" lang="en-US" altLang="ja-JP" sz="4000" dirty="0">
+              <a:rPr lang="ja-JP" altLang="en-US" sz="5400" dirty="0">
+                <a:solidFill>
+                  <a:srgbClr val="FFFFFF"/>
+                </a:solidFill>
+              </a:rPr>
+              <a:t>🎉つぶやき</a:t>
+            </a:r>
+            <a:r>
+              <a:rPr kumimoji="1" lang="en-US" altLang="ja-JP" sz="5400" dirty="0">
+                <a:solidFill>
+                  <a:srgbClr val="FFFFFF"/>
+                </a:solidFill>
+              </a:rPr>
+              <a:t>GLSL(</a:t>
+            </a:r>
+            <a:r>
+              <a:rPr kumimoji="1" lang="ja-JP" altLang="en-US" sz="5400" dirty="0">
+                <a:solidFill>
+                  <a:srgbClr val="FFFFFF"/>
+                </a:solidFill>
+              </a:rPr>
+              <a:t>の基礎</a:t>
+            </a:r>
+            <a:r>
+              <a:rPr kumimoji="1" lang="en-US" altLang="ja-JP" sz="5400" dirty="0">
+                <a:solidFill>
+                  <a:srgbClr val="FFFFFF"/>
+                </a:solidFill>
+              </a:rPr>
+              <a:t>)</a:t>
+            </a:r>
+            <a:r>
+              <a:rPr kumimoji="1" lang="ja-JP" altLang="en-US" sz="5400" dirty="0">
+                <a:solidFill>
+                  <a:srgbClr val="FFFFFF"/>
+                </a:solidFill>
+              </a:rPr>
+              <a:t>完全に理解した</a:t>
+            </a:r>
+            <a:r>
+              <a:rPr lang="ja-JP" altLang="en-US" sz="5400" dirty="0">
+                <a:solidFill>
+                  <a:srgbClr val="FFFFFF"/>
+                </a:solidFill>
+              </a:rPr>
+              <a:t>🎉</a:t>
+            </a:r>
+            <a:endParaRPr kumimoji="1" lang="ja-JP" altLang="en-US" sz="5400" dirty="0">
               <a:solidFill>
                 <a:srgbClr val="FFFFFF"/>
               </a:solidFill>
             </a:endParaRPr>
-          </a:p>
-          <a:p>
-            <a:pPr marL="0" indent="0">
-              <a:buNone/>
-            </a:pPr>
-            <a:endParaRPr kumimoji="1" lang="en-US" altLang="ja-JP" sz="1500" dirty="0">
-              <a:solidFill>
-                <a:srgbClr val="FFFFFF"/>
-              </a:solidFill>
-            </a:endParaRPr>
-          </a:p>
-          <a:p>
-            <a:pPr marL="0" indent="0">
-              <a:buNone/>
-            </a:pPr>
-            <a:endParaRPr lang="en-US" altLang="ja-JP" sz="1500" dirty="0">
-              <a:solidFill>
-                <a:srgbClr val="FFFFFF"/>
-              </a:solidFill>
-            </a:endParaRPr>
-          </a:p>
-          <a:p>
-            <a:pPr marL="0" indent="0">
-              <a:buNone/>
-            </a:pPr>
-            <a:endParaRPr kumimoji="1" lang="en-US" altLang="ja-JP" sz="1500" dirty="0">
-              <a:solidFill>
-                <a:srgbClr val="FFFFFF"/>
-              </a:solidFill>
-            </a:endParaRPr>
-          </a:p>
-          <a:p>
-            <a:pPr marL="0" indent="0">
-              <a:buNone/>
-            </a:pPr>
-            <a:endParaRPr lang="en-US" altLang="ja-JP" sz="1500" dirty="0">
-              <a:solidFill>
-                <a:srgbClr val="FFFFFF"/>
-              </a:solidFill>
-            </a:endParaRPr>
-          </a:p>
-          <a:p>
-            <a:pPr marL="0" indent="0">
-              <a:buNone/>
-            </a:pPr>
-            <a:endParaRPr lang="en-US" altLang="ja-JP" sz="1500" dirty="0">
-              <a:solidFill>
-                <a:srgbClr val="FFFFFF"/>
-              </a:solidFill>
-            </a:endParaRPr>
-          </a:p>
-          <a:p>
-            <a:pPr marL="0" indent="0">
-              <a:buNone/>
-            </a:pPr>
-            <a:r>
-              <a:rPr lang="ja-JP" altLang="en-US" sz="2000" dirty="0">
-                <a:solidFill>
-                  <a:srgbClr val="FFFFFF"/>
-                </a:solidFill>
-              </a:rPr>
-              <a:t>・</a:t>
-            </a:r>
-            <a:r>
-              <a:rPr lang="en-US" altLang="ja-JP" sz="2000" dirty="0">
-                <a:solidFill>
-                  <a:srgbClr val="FFFFFF"/>
-                </a:solidFill>
-              </a:rPr>
-              <a:t>(</a:t>
-            </a:r>
-            <a:r>
-              <a:rPr lang="ja-JP" altLang="en-US" sz="2000" dirty="0">
-                <a:solidFill>
-                  <a:srgbClr val="FFFFFF"/>
-                </a:solidFill>
-              </a:rPr>
-              <a:t>ピクセル座標を二倍し、解像度を引いたもの</a:t>
-            </a:r>
-            <a:r>
-              <a:rPr lang="en-US" altLang="ja-JP" sz="2000" dirty="0">
-                <a:solidFill>
-                  <a:srgbClr val="FFFFFF"/>
-                </a:solidFill>
-              </a:rPr>
-              <a:t>) / (</a:t>
-            </a:r>
-            <a:r>
-              <a:rPr lang="ja-JP" altLang="en-US" sz="2000" dirty="0">
-                <a:solidFill>
-                  <a:srgbClr val="FFFFFF"/>
-                </a:solidFill>
-              </a:rPr>
-              <a:t>解像度の縦横の大きい方</a:t>
-            </a:r>
-            <a:r>
-              <a:rPr lang="en-US" altLang="ja-JP" sz="2000" dirty="0">
-                <a:solidFill>
-                  <a:srgbClr val="FFFFFF"/>
-                </a:solidFill>
-              </a:rPr>
-              <a:t>)</a:t>
-            </a:r>
-          </a:p>
-          <a:p>
-            <a:pPr marL="0" indent="0">
-              <a:buNone/>
-            </a:pPr>
-            <a:endParaRPr lang="en-US" altLang="ja-JP" sz="2000" dirty="0">
-              <a:solidFill>
-                <a:srgbClr val="FFFFFF"/>
-              </a:solidFill>
-            </a:endParaRPr>
-          </a:p>
-          <a:p>
-            <a:pPr marL="0" indent="0">
-              <a:buNone/>
-            </a:pPr>
-            <a:r>
-              <a:rPr kumimoji="1" lang="ja-JP" altLang="en-US" sz="2000" dirty="0">
-                <a:solidFill>
-                  <a:schemeClr val="accent5"/>
-                </a:solidFill>
-              </a:rPr>
-              <a:t>・</a:t>
-            </a:r>
-            <a:r>
-              <a:rPr lang="ja-JP" altLang="en-US" sz="2000" dirty="0">
-                <a:solidFill>
-                  <a:schemeClr val="accent5"/>
-                </a:solidFill>
-              </a:rPr>
-              <a:t>解像度の横が縦より長い場合：</a:t>
-            </a:r>
-            <a:endParaRPr lang="en-US" altLang="ja-JP" sz="2000" dirty="0">
-              <a:solidFill>
-                <a:schemeClr val="accent5"/>
-              </a:solidFill>
-            </a:endParaRPr>
-          </a:p>
-          <a:p>
-            <a:pPr marL="0" indent="0">
-              <a:buNone/>
-            </a:pPr>
-            <a:r>
-              <a:rPr lang="ja-JP" altLang="en-US" sz="2000" dirty="0">
-                <a:solidFill>
-                  <a:srgbClr val="FFFFFF"/>
-                </a:solidFill>
-              </a:rPr>
-              <a:t>ピクセル座標の</a:t>
-            </a:r>
-            <a:r>
-              <a:rPr lang="en-US" altLang="ja-JP" sz="2000" dirty="0">
-                <a:solidFill>
-                  <a:srgbClr val="FFFFFF"/>
-                </a:solidFill>
-              </a:rPr>
-              <a:t>x</a:t>
-            </a:r>
-            <a:r>
-              <a:rPr lang="ja-JP" altLang="en-US" sz="2000" dirty="0">
-                <a:solidFill>
-                  <a:srgbClr val="FFFFFF"/>
-                </a:solidFill>
-              </a:rPr>
-              <a:t>は </a:t>
-            </a:r>
-            <a:r>
-              <a:rPr lang="en-US" altLang="ja-JP" sz="2000" dirty="0">
-                <a:solidFill>
-                  <a:srgbClr val="FFFFFF"/>
-                </a:solidFill>
-              </a:rPr>
-              <a:t>[0 ~ </a:t>
-            </a:r>
-            <a:r>
-              <a:rPr lang="en-US" altLang="ja-JP" sz="2000" dirty="0" err="1">
-                <a:solidFill>
-                  <a:srgbClr val="FFFFFF"/>
-                </a:solidFill>
-              </a:rPr>
-              <a:t>r.x</a:t>
-            </a:r>
-            <a:r>
-              <a:rPr lang="en-US" altLang="ja-JP" sz="2000" dirty="0">
-                <a:solidFill>
-                  <a:srgbClr val="FFFFFF"/>
-                </a:solidFill>
-              </a:rPr>
-              <a:t>]</a:t>
-            </a:r>
-            <a:r>
-              <a:rPr lang="ja-JP" altLang="en-US" sz="2000" dirty="0">
-                <a:solidFill>
-                  <a:srgbClr val="FFFFFF"/>
-                </a:solidFill>
-              </a:rPr>
-              <a:t>だったのが</a:t>
-            </a:r>
-            <a:r>
-              <a:rPr lang="en-US" altLang="ja-JP" sz="2000" dirty="0">
-                <a:solidFill>
-                  <a:srgbClr val="FFFFFF"/>
-                </a:solidFill>
-              </a:rPr>
-              <a:t>[-1 ~ 1]</a:t>
-            </a:r>
-            <a:r>
-              <a:rPr lang="ja-JP" altLang="en-US" sz="2000" dirty="0">
-                <a:solidFill>
-                  <a:srgbClr val="FFFFFF"/>
-                </a:solidFill>
-              </a:rPr>
-              <a:t>になり、</a:t>
-            </a:r>
-            <a:endParaRPr lang="en-US" altLang="ja-JP" sz="2000" dirty="0">
-              <a:solidFill>
-                <a:srgbClr val="FFFFFF"/>
-              </a:solidFill>
-            </a:endParaRPr>
-          </a:p>
-          <a:p>
-            <a:pPr marL="0" indent="0">
-              <a:buNone/>
-            </a:pPr>
-            <a:r>
-              <a:rPr lang="en-US" altLang="ja-JP" sz="2000" dirty="0">
-                <a:solidFill>
-                  <a:srgbClr val="FFFFFF"/>
-                </a:solidFill>
-              </a:rPr>
-              <a:t>y</a:t>
-            </a:r>
-            <a:r>
-              <a:rPr lang="ja-JP" altLang="en-US" sz="2000" dirty="0">
-                <a:solidFill>
-                  <a:srgbClr val="FFFFFF"/>
-                </a:solidFill>
-              </a:rPr>
-              <a:t>は </a:t>
-            </a:r>
-            <a:r>
-              <a:rPr lang="en-US" altLang="ja-JP" sz="2000" dirty="0">
-                <a:solidFill>
-                  <a:srgbClr val="FFFFFF"/>
-                </a:solidFill>
-              </a:rPr>
-              <a:t>[0 ~ </a:t>
-            </a:r>
-            <a:r>
-              <a:rPr lang="en-US" altLang="ja-JP" sz="2000" dirty="0" err="1">
-                <a:solidFill>
-                  <a:srgbClr val="FFFFFF"/>
-                </a:solidFill>
-              </a:rPr>
-              <a:t>r.y</a:t>
-            </a:r>
-            <a:r>
-              <a:rPr lang="en-US" altLang="ja-JP" sz="2000" dirty="0">
-                <a:solidFill>
-                  <a:srgbClr val="FFFFFF"/>
-                </a:solidFill>
-              </a:rPr>
-              <a:t>]</a:t>
-            </a:r>
-            <a:r>
-              <a:rPr lang="ja-JP" altLang="en-US" sz="2000" dirty="0">
-                <a:solidFill>
-                  <a:srgbClr val="FFFFFF"/>
-                </a:solidFill>
-              </a:rPr>
-              <a:t>だったのが</a:t>
-            </a:r>
-            <a:r>
-              <a:rPr lang="en-US" altLang="ja-JP" sz="2000" dirty="0">
-                <a:solidFill>
-                  <a:srgbClr val="FFFFFF"/>
-                </a:solidFill>
-              </a:rPr>
-              <a:t>[–</a:t>
-            </a:r>
-            <a:r>
-              <a:rPr lang="en-US" altLang="ja-JP" sz="2000" dirty="0" err="1">
-                <a:solidFill>
-                  <a:srgbClr val="FFFFFF"/>
-                </a:solidFill>
-              </a:rPr>
-              <a:t>r.y</a:t>
-            </a:r>
-            <a:r>
-              <a:rPr lang="en-US" altLang="ja-JP" sz="2000" dirty="0">
-                <a:solidFill>
-                  <a:srgbClr val="FFFFFF"/>
-                </a:solidFill>
-              </a:rPr>
-              <a:t>/</a:t>
-            </a:r>
-            <a:r>
-              <a:rPr lang="en-US" altLang="ja-JP" sz="2000" dirty="0" err="1">
-                <a:solidFill>
-                  <a:srgbClr val="FFFFFF"/>
-                </a:solidFill>
-              </a:rPr>
-              <a:t>r.x</a:t>
-            </a:r>
-            <a:r>
-              <a:rPr lang="en-US" altLang="ja-JP" sz="2000" dirty="0">
-                <a:solidFill>
-                  <a:srgbClr val="FFFFFF"/>
-                </a:solidFill>
-              </a:rPr>
-              <a:t> ~ </a:t>
-            </a:r>
-            <a:r>
-              <a:rPr lang="en-US" altLang="ja-JP" sz="2000" dirty="0" err="1">
-                <a:solidFill>
-                  <a:srgbClr val="FFFFFF"/>
-                </a:solidFill>
-              </a:rPr>
-              <a:t>r.y</a:t>
-            </a:r>
-            <a:r>
-              <a:rPr lang="en-US" altLang="ja-JP" sz="2000" dirty="0">
-                <a:solidFill>
-                  <a:srgbClr val="FFFFFF"/>
-                </a:solidFill>
-              </a:rPr>
-              <a:t>/</a:t>
-            </a:r>
-            <a:r>
-              <a:rPr lang="en-US" altLang="ja-JP" sz="2000" dirty="0" err="1">
-                <a:solidFill>
-                  <a:srgbClr val="FFFFFF"/>
-                </a:solidFill>
-              </a:rPr>
-              <a:t>r.x</a:t>
-            </a:r>
-            <a:r>
-              <a:rPr lang="en-US" altLang="ja-JP" sz="2000" dirty="0">
-                <a:solidFill>
-                  <a:srgbClr val="FFFFFF"/>
-                </a:solidFill>
-              </a:rPr>
-              <a:t>]</a:t>
-            </a:r>
-            <a:r>
-              <a:rPr lang="ja-JP" altLang="en-US" sz="2000" dirty="0">
-                <a:solidFill>
-                  <a:srgbClr val="FFFFFF"/>
-                </a:solidFill>
-              </a:rPr>
-              <a:t>になる</a:t>
-            </a:r>
-            <a:endParaRPr lang="en-US" altLang="ja-JP" sz="2000" dirty="0">
-              <a:solidFill>
-                <a:srgbClr val="FFFFFF"/>
-              </a:solidFill>
-            </a:endParaRPr>
-          </a:p>
-          <a:p>
-            <a:pPr marL="0" marR="0" lvl="0" indent="0" algn="l" defTabSz="914400" rtl="0" eaLnBrk="1" fontAlgn="auto" latinLnBrk="0" hangingPunct="1">
-              <a:lnSpc>
-                <a:spcPct val="90000"/>
-              </a:lnSpc>
-              <a:spcBef>
-                <a:spcPts val="1000"/>
-              </a:spcBef>
-              <a:spcAft>
-                <a:spcPts val="0"/>
-              </a:spcAft>
-              <a:buClrTx/>
-              <a:buSzTx/>
-              <a:buFont typeface="Arial" panose="020B0604020202020204" pitchFamily="34" charset="0"/>
-              <a:buNone/>
-              <a:tabLst/>
-              <a:defRPr/>
-            </a:pPr>
-            <a:endParaRPr kumimoji="1" lang="en-US" altLang="ja-JP" sz="2000" b="0" i="0" u="none" strike="noStrike" kern="1200" cap="none" spc="0" normalizeH="0" baseline="0" noProof="0" dirty="0">
-              <a:ln>
-                <a:noFill/>
-              </a:ln>
-              <a:solidFill>
-                <a:srgbClr val="FFFFFF"/>
-              </a:solidFill>
-              <a:effectLst/>
-              <a:uLnTx/>
-              <a:uFillTx/>
-              <a:latin typeface="メイリオ"/>
-              <a:ea typeface="メイリオ"/>
-              <a:cs typeface="+mn-cs"/>
-            </a:endParaRPr>
-          </a:p>
-          <a:p>
-            <a:pPr marL="0" marR="0" lvl="0" indent="0" algn="l" defTabSz="914400" rtl="0" eaLnBrk="1" fontAlgn="auto" latinLnBrk="0" hangingPunct="1">
-              <a:lnSpc>
-                <a:spcPct val="90000"/>
-              </a:lnSpc>
-              <a:spcBef>
-                <a:spcPts val="1000"/>
-              </a:spcBef>
-              <a:spcAft>
-                <a:spcPts val="0"/>
-              </a:spcAft>
-              <a:buClrTx/>
-              <a:buSzTx/>
-              <a:buFont typeface="Arial" panose="020B0604020202020204" pitchFamily="34" charset="0"/>
-              <a:buNone/>
-              <a:tabLst/>
-              <a:defRPr/>
-            </a:pPr>
-            <a:r>
-              <a:rPr kumimoji="1" lang="ja-JP" altLang="en-US" sz="2000" b="0" i="0" u="none" strike="noStrike" kern="1200" cap="none" spc="0" normalizeH="0" baseline="0" noProof="0" dirty="0">
-                <a:ln>
-                  <a:noFill/>
-                </a:ln>
-                <a:solidFill>
-                  <a:schemeClr val="accent6"/>
-                </a:solidFill>
-                <a:effectLst/>
-                <a:uLnTx/>
-                <a:uFillTx/>
-                <a:latin typeface="メイリオ"/>
-                <a:ea typeface="メイリオ"/>
-                <a:cs typeface="+mn-cs"/>
-              </a:rPr>
-              <a:t>・解像度の縦が</a:t>
-            </a:r>
-            <a:r>
-              <a:rPr lang="ja-JP" altLang="en-US" sz="2000" dirty="0">
-                <a:solidFill>
-                  <a:schemeClr val="accent6"/>
-                </a:solidFill>
-                <a:latin typeface="メイリオ"/>
-                <a:ea typeface="メイリオ"/>
-              </a:rPr>
-              <a:t>横</a:t>
-            </a:r>
-            <a:r>
-              <a:rPr kumimoji="1" lang="ja-JP" altLang="en-US" sz="2000" b="0" i="0" u="none" strike="noStrike" kern="1200" cap="none" spc="0" normalizeH="0" baseline="0" noProof="0" dirty="0">
-                <a:ln>
-                  <a:noFill/>
-                </a:ln>
-                <a:solidFill>
-                  <a:schemeClr val="accent6"/>
-                </a:solidFill>
-                <a:effectLst/>
-                <a:uLnTx/>
-                <a:uFillTx/>
-                <a:latin typeface="メイリオ"/>
-                <a:ea typeface="メイリオ"/>
-                <a:cs typeface="+mn-cs"/>
-              </a:rPr>
-              <a:t>より長い場合：</a:t>
-            </a:r>
-            <a:endParaRPr kumimoji="1" lang="en-US" altLang="ja-JP" sz="2000" b="0" i="0" u="none" strike="noStrike" kern="1200" cap="none" spc="0" normalizeH="0" baseline="0" noProof="0" dirty="0">
-              <a:ln>
-                <a:noFill/>
-              </a:ln>
-              <a:solidFill>
-                <a:schemeClr val="accent6"/>
-              </a:solidFill>
-              <a:effectLst/>
-              <a:uLnTx/>
-              <a:uFillTx/>
-              <a:latin typeface="メイリオ"/>
-              <a:ea typeface="メイリオ"/>
-              <a:cs typeface="+mn-cs"/>
-            </a:endParaRPr>
-          </a:p>
-          <a:p>
-            <a:pPr marL="0" marR="0" lvl="0" indent="0" algn="l" defTabSz="914400" rtl="0" eaLnBrk="1" fontAlgn="auto" latinLnBrk="0" hangingPunct="1">
-              <a:lnSpc>
-                <a:spcPct val="90000"/>
-              </a:lnSpc>
-              <a:spcBef>
-                <a:spcPts val="1000"/>
-              </a:spcBef>
-              <a:spcAft>
-                <a:spcPts val="0"/>
-              </a:spcAft>
-              <a:buClrTx/>
-              <a:buSzTx/>
-              <a:buFont typeface="Arial" panose="020B0604020202020204" pitchFamily="34" charset="0"/>
-              <a:buNone/>
-              <a:tabLst/>
-              <a:defRPr/>
-            </a:pPr>
-            <a:r>
-              <a:rPr kumimoji="1" lang="ja-JP" altLang="en-US" sz="2000" b="0" i="0" u="none" strike="noStrike" kern="1200" cap="none" spc="0" normalizeH="0" baseline="0" noProof="0" dirty="0">
-                <a:ln>
-                  <a:noFill/>
-                </a:ln>
-                <a:solidFill>
-                  <a:srgbClr val="FFFFFF"/>
-                </a:solidFill>
-                <a:effectLst/>
-                <a:uLnTx/>
-                <a:uFillTx/>
-                <a:latin typeface="メイリオ"/>
-                <a:ea typeface="メイリオ"/>
-                <a:cs typeface="+mn-cs"/>
-              </a:rPr>
-              <a:t>ピクセル座標の</a:t>
-            </a:r>
-            <a:r>
-              <a:rPr kumimoji="1" lang="en-US" altLang="ja-JP" sz="2000" b="0" i="0" u="none" strike="noStrike" kern="1200" cap="none" spc="0" normalizeH="0" baseline="0" noProof="0" dirty="0">
-                <a:ln>
-                  <a:noFill/>
-                </a:ln>
-                <a:solidFill>
-                  <a:srgbClr val="FFFFFF"/>
-                </a:solidFill>
-                <a:effectLst/>
-                <a:uLnTx/>
-                <a:uFillTx/>
-                <a:latin typeface="メイリオ"/>
-                <a:ea typeface="メイリオ"/>
-                <a:cs typeface="+mn-cs"/>
-              </a:rPr>
-              <a:t>x</a:t>
-            </a:r>
-            <a:r>
-              <a:rPr kumimoji="1" lang="ja-JP" altLang="en-US" sz="2000" b="0" i="0" u="none" strike="noStrike" kern="1200" cap="none" spc="0" normalizeH="0" baseline="0" noProof="0" dirty="0">
-                <a:ln>
-                  <a:noFill/>
-                </a:ln>
-                <a:solidFill>
-                  <a:srgbClr val="FFFFFF"/>
-                </a:solidFill>
-                <a:effectLst/>
-                <a:uLnTx/>
-                <a:uFillTx/>
-                <a:latin typeface="メイリオ"/>
-                <a:ea typeface="メイリオ"/>
-                <a:cs typeface="+mn-cs"/>
-              </a:rPr>
-              <a:t>は </a:t>
-            </a:r>
-            <a:r>
-              <a:rPr kumimoji="1" lang="en-US" altLang="ja-JP" sz="2000" b="0" i="0" u="none" strike="noStrike" kern="1200" cap="none" spc="0" normalizeH="0" baseline="0" noProof="0" dirty="0">
-                <a:ln>
-                  <a:noFill/>
-                </a:ln>
-                <a:solidFill>
-                  <a:srgbClr val="FFFFFF"/>
-                </a:solidFill>
-                <a:effectLst/>
-                <a:uLnTx/>
-                <a:uFillTx/>
-                <a:latin typeface="メイリオ"/>
-                <a:ea typeface="メイリオ"/>
-                <a:cs typeface="+mn-cs"/>
-              </a:rPr>
-              <a:t>[0 ~ </a:t>
-            </a:r>
-            <a:r>
-              <a:rPr kumimoji="1" lang="en-US" altLang="ja-JP" sz="2000" b="0" i="0" u="none" strike="noStrike" kern="1200" cap="none" spc="0" normalizeH="0" baseline="0" noProof="0" dirty="0" err="1">
-                <a:ln>
-                  <a:noFill/>
-                </a:ln>
-                <a:solidFill>
-                  <a:srgbClr val="FFFFFF"/>
-                </a:solidFill>
-                <a:effectLst/>
-                <a:uLnTx/>
-                <a:uFillTx/>
-                <a:latin typeface="メイリオ"/>
-                <a:ea typeface="メイリオ"/>
-                <a:cs typeface="+mn-cs"/>
-              </a:rPr>
-              <a:t>r.x</a:t>
-            </a:r>
-            <a:r>
-              <a:rPr kumimoji="1" lang="en-US" altLang="ja-JP" sz="2000" b="0" i="0" u="none" strike="noStrike" kern="1200" cap="none" spc="0" normalizeH="0" baseline="0" noProof="0" dirty="0">
-                <a:ln>
-                  <a:noFill/>
-                </a:ln>
-                <a:solidFill>
-                  <a:srgbClr val="FFFFFF"/>
-                </a:solidFill>
-                <a:effectLst/>
-                <a:uLnTx/>
-                <a:uFillTx/>
-                <a:latin typeface="メイリオ"/>
-                <a:ea typeface="メイリオ"/>
-                <a:cs typeface="+mn-cs"/>
-              </a:rPr>
-              <a:t>]</a:t>
-            </a:r>
-            <a:r>
-              <a:rPr kumimoji="1" lang="ja-JP" altLang="en-US" sz="2000" b="0" i="0" u="none" strike="noStrike" kern="1200" cap="none" spc="0" normalizeH="0" baseline="0" noProof="0" dirty="0">
-                <a:ln>
-                  <a:noFill/>
-                </a:ln>
-                <a:solidFill>
-                  <a:srgbClr val="FFFFFF"/>
-                </a:solidFill>
-                <a:effectLst/>
-                <a:uLnTx/>
-                <a:uFillTx/>
-                <a:latin typeface="メイリオ"/>
-                <a:ea typeface="メイリオ"/>
-                <a:cs typeface="+mn-cs"/>
-              </a:rPr>
-              <a:t>だったのが</a:t>
-            </a:r>
-            <a:r>
-              <a:rPr kumimoji="1" lang="en-US" altLang="ja-JP" sz="2000" b="0" i="0" u="none" strike="noStrike" kern="1200" cap="none" spc="0" normalizeH="0" baseline="0" noProof="0" dirty="0">
-                <a:ln>
-                  <a:noFill/>
-                </a:ln>
-                <a:solidFill>
-                  <a:srgbClr val="FFFFFF"/>
-                </a:solidFill>
-                <a:effectLst/>
-                <a:uLnTx/>
-                <a:uFillTx/>
-                <a:latin typeface="メイリオ"/>
-                <a:ea typeface="メイリオ"/>
-                <a:cs typeface="+mn-cs"/>
-              </a:rPr>
-              <a:t>[–</a:t>
-            </a:r>
-            <a:r>
-              <a:rPr kumimoji="1" lang="en-US" altLang="ja-JP" sz="2000" b="0" i="0" u="none" strike="noStrike" kern="1200" cap="none" spc="0" normalizeH="0" baseline="0" noProof="0" dirty="0" err="1">
-                <a:ln>
-                  <a:noFill/>
-                </a:ln>
-                <a:solidFill>
-                  <a:srgbClr val="FFFFFF"/>
-                </a:solidFill>
-                <a:effectLst/>
-                <a:uLnTx/>
-                <a:uFillTx/>
-                <a:latin typeface="メイリオ"/>
-                <a:ea typeface="メイリオ"/>
-                <a:cs typeface="+mn-cs"/>
-              </a:rPr>
-              <a:t>r.x</a:t>
-            </a:r>
-            <a:r>
-              <a:rPr kumimoji="1" lang="en-US" altLang="ja-JP" sz="2000" b="0" i="0" u="none" strike="noStrike" kern="1200" cap="none" spc="0" normalizeH="0" baseline="0" noProof="0" dirty="0">
-                <a:ln>
-                  <a:noFill/>
-                </a:ln>
-                <a:solidFill>
-                  <a:srgbClr val="FFFFFF"/>
-                </a:solidFill>
-                <a:effectLst/>
-                <a:uLnTx/>
-                <a:uFillTx/>
-                <a:latin typeface="メイリオ"/>
-                <a:ea typeface="メイリオ"/>
-                <a:cs typeface="+mn-cs"/>
-              </a:rPr>
-              <a:t>/</a:t>
-            </a:r>
-            <a:r>
-              <a:rPr kumimoji="1" lang="en-US" altLang="ja-JP" sz="2000" b="0" i="0" u="none" strike="noStrike" kern="1200" cap="none" spc="0" normalizeH="0" baseline="0" noProof="0" dirty="0" err="1">
-                <a:ln>
-                  <a:noFill/>
-                </a:ln>
-                <a:solidFill>
-                  <a:srgbClr val="FFFFFF"/>
-                </a:solidFill>
-                <a:effectLst/>
-                <a:uLnTx/>
-                <a:uFillTx/>
-                <a:latin typeface="メイリオ"/>
-                <a:ea typeface="メイリオ"/>
-                <a:cs typeface="+mn-cs"/>
-              </a:rPr>
-              <a:t>r.y</a:t>
-            </a:r>
-            <a:r>
-              <a:rPr kumimoji="1" lang="en-US" altLang="ja-JP" sz="2000" b="0" i="0" u="none" strike="noStrike" kern="1200" cap="none" spc="0" normalizeH="0" baseline="0" noProof="0" dirty="0">
-                <a:ln>
-                  <a:noFill/>
-                </a:ln>
-                <a:solidFill>
-                  <a:srgbClr val="FFFFFF"/>
-                </a:solidFill>
-                <a:effectLst/>
-                <a:uLnTx/>
-                <a:uFillTx/>
-                <a:latin typeface="メイリオ"/>
-                <a:ea typeface="メイリオ"/>
-                <a:cs typeface="+mn-cs"/>
-              </a:rPr>
-              <a:t> ~ </a:t>
-            </a:r>
-            <a:r>
-              <a:rPr kumimoji="1" lang="en-US" altLang="ja-JP" sz="2000" b="0" i="0" u="none" strike="noStrike" kern="1200" cap="none" spc="0" normalizeH="0" baseline="0" noProof="0" dirty="0" err="1">
-                <a:ln>
-                  <a:noFill/>
-                </a:ln>
-                <a:solidFill>
-                  <a:srgbClr val="FFFFFF"/>
-                </a:solidFill>
-                <a:effectLst/>
-                <a:uLnTx/>
-                <a:uFillTx/>
-                <a:latin typeface="メイリオ"/>
-                <a:ea typeface="メイリオ"/>
-                <a:cs typeface="+mn-cs"/>
-              </a:rPr>
-              <a:t>r.x</a:t>
-            </a:r>
-            <a:r>
-              <a:rPr kumimoji="1" lang="en-US" altLang="ja-JP" sz="2000" b="0" i="0" u="none" strike="noStrike" kern="1200" cap="none" spc="0" normalizeH="0" baseline="0" noProof="0" dirty="0">
-                <a:ln>
-                  <a:noFill/>
-                </a:ln>
-                <a:solidFill>
-                  <a:srgbClr val="FFFFFF"/>
-                </a:solidFill>
-                <a:effectLst/>
-                <a:uLnTx/>
-                <a:uFillTx/>
-                <a:latin typeface="メイリオ"/>
-                <a:ea typeface="メイリオ"/>
-                <a:cs typeface="+mn-cs"/>
-              </a:rPr>
-              <a:t>/</a:t>
-            </a:r>
-            <a:r>
-              <a:rPr kumimoji="1" lang="en-US" altLang="ja-JP" sz="2000" b="0" i="0" u="none" strike="noStrike" kern="1200" cap="none" spc="0" normalizeH="0" baseline="0" noProof="0" dirty="0" err="1">
-                <a:ln>
-                  <a:noFill/>
-                </a:ln>
-                <a:solidFill>
-                  <a:srgbClr val="FFFFFF"/>
-                </a:solidFill>
-                <a:effectLst/>
-                <a:uLnTx/>
-                <a:uFillTx/>
-                <a:latin typeface="メイリオ"/>
-                <a:ea typeface="メイリオ"/>
-                <a:cs typeface="+mn-cs"/>
-              </a:rPr>
-              <a:t>r.y</a:t>
-            </a:r>
-            <a:r>
-              <a:rPr kumimoji="1" lang="en-US" altLang="ja-JP" sz="2000" b="0" i="0" u="none" strike="noStrike" kern="1200" cap="none" spc="0" normalizeH="0" baseline="0" noProof="0" dirty="0">
-                <a:ln>
-                  <a:noFill/>
-                </a:ln>
-                <a:solidFill>
-                  <a:srgbClr val="FFFFFF"/>
-                </a:solidFill>
-                <a:effectLst/>
-                <a:uLnTx/>
-                <a:uFillTx/>
-                <a:latin typeface="メイリオ"/>
-                <a:ea typeface="メイリオ"/>
-                <a:cs typeface="+mn-cs"/>
-              </a:rPr>
-              <a:t>]</a:t>
-            </a:r>
-            <a:r>
-              <a:rPr kumimoji="1" lang="ja-JP" altLang="en-US" sz="2000" b="0" i="0" u="none" strike="noStrike" kern="1200" cap="none" spc="0" normalizeH="0" baseline="0" noProof="0" dirty="0">
-                <a:ln>
-                  <a:noFill/>
-                </a:ln>
-                <a:solidFill>
-                  <a:srgbClr val="FFFFFF"/>
-                </a:solidFill>
-                <a:effectLst/>
-                <a:uLnTx/>
-                <a:uFillTx/>
-                <a:latin typeface="メイリオ"/>
-                <a:ea typeface="メイリオ"/>
-                <a:cs typeface="+mn-cs"/>
-              </a:rPr>
-              <a:t>になり、</a:t>
-            </a:r>
-            <a:endParaRPr kumimoji="1" lang="en-US" altLang="ja-JP" sz="2000" b="0" i="0" u="none" strike="noStrike" kern="1200" cap="none" spc="0" normalizeH="0" baseline="0" noProof="0" dirty="0">
-              <a:ln>
-                <a:noFill/>
-              </a:ln>
-              <a:solidFill>
-                <a:srgbClr val="FFFFFF"/>
-              </a:solidFill>
-              <a:effectLst/>
-              <a:uLnTx/>
-              <a:uFillTx/>
-              <a:latin typeface="メイリオ"/>
-              <a:ea typeface="メイリオ"/>
-              <a:cs typeface="+mn-cs"/>
-            </a:endParaRPr>
-          </a:p>
-          <a:p>
-            <a:pPr marL="0" marR="0" lvl="0" indent="0" algn="l" defTabSz="914400" rtl="0" eaLnBrk="1" fontAlgn="auto" latinLnBrk="0" hangingPunct="1">
-              <a:lnSpc>
-                <a:spcPct val="90000"/>
-              </a:lnSpc>
-              <a:spcBef>
-                <a:spcPts val="1000"/>
-              </a:spcBef>
-              <a:spcAft>
-                <a:spcPts val="0"/>
-              </a:spcAft>
-              <a:buClrTx/>
-              <a:buSzTx/>
-              <a:buFont typeface="Arial" panose="020B0604020202020204" pitchFamily="34" charset="0"/>
-              <a:buNone/>
-              <a:tabLst/>
-              <a:defRPr/>
-            </a:pPr>
-            <a:r>
-              <a:rPr kumimoji="1" lang="en-US" altLang="ja-JP" sz="2000" b="0" i="0" u="none" strike="noStrike" kern="1200" cap="none" spc="0" normalizeH="0" baseline="0" noProof="0" dirty="0">
-                <a:ln>
-                  <a:noFill/>
-                </a:ln>
-                <a:solidFill>
-                  <a:srgbClr val="FFFFFF"/>
-                </a:solidFill>
-                <a:effectLst/>
-                <a:uLnTx/>
-                <a:uFillTx/>
-                <a:latin typeface="メイリオ"/>
-                <a:ea typeface="メイリオ"/>
-                <a:cs typeface="+mn-cs"/>
-              </a:rPr>
-              <a:t>y</a:t>
-            </a:r>
-            <a:r>
-              <a:rPr kumimoji="1" lang="ja-JP" altLang="en-US" sz="2000" b="0" i="0" u="none" strike="noStrike" kern="1200" cap="none" spc="0" normalizeH="0" baseline="0" noProof="0" dirty="0">
-                <a:ln>
-                  <a:noFill/>
-                </a:ln>
-                <a:solidFill>
-                  <a:srgbClr val="FFFFFF"/>
-                </a:solidFill>
-                <a:effectLst/>
-                <a:uLnTx/>
-                <a:uFillTx/>
-                <a:latin typeface="メイリオ"/>
-                <a:ea typeface="メイリオ"/>
-                <a:cs typeface="+mn-cs"/>
-              </a:rPr>
-              <a:t>は </a:t>
-            </a:r>
-            <a:r>
-              <a:rPr kumimoji="1" lang="en-US" altLang="ja-JP" sz="2000" b="0" i="0" u="none" strike="noStrike" kern="1200" cap="none" spc="0" normalizeH="0" baseline="0" noProof="0" dirty="0">
-                <a:ln>
-                  <a:noFill/>
-                </a:ln>
-                <a:solidFill>
-                  <a:srgbClr val="FFFFFF"/>
-                </a:solidFill>
-                <a:effectLst/>
-                <a:uLnTx/>
-                <a:uFillTx/>
-                <a:latin typeface="メイリオ"/>
-                <a:ea typeface="メイリオ"/>
-                <a:cs typeface="+mn-cs"/>
-              </a:rPr>
-              <a:t>[0 ~ </a:t>
-            </a:r>
-            <a:r>
-              <a:rPr kumimoji="1" lang="en-US" altLang="ja-JP" sz="2000" b="0" i="0" u="none" strike="noStrike" kern="1200" cap="none" spc="0" normalizeH="0" baseline="0" noProof="0" dirty="0" err="1">
-                <a:ln>
-                  <a:noFill/>
-                </a:ln>
-                <a:solidFill>
-                  <a:srgbClr val="FFFFFF"/>
-                </a:solidFill>
-                <a:effectLst/>
-                <a:uLnTx/>
-                <a:uFillTx/>
-                <a:latin typeface="メイリオ"/>
-                <a:ea typeface="メイリオ"/>
-                <a:cs typeface="+mn-cs"/>
-              </a:rPr>
-              <a:t>r.y</a:t>
-            </a:r>
-            <a:r>
-              <a:rPr kumimoji="1" lang="en-US" altLang="ja-JP" sz="2000" b="0" i="0" u="none" strike="noStrike" kern="1200" cap="none" spc="0" normalizeH="0" baseline="0" noProof="0" dirty="0">
-                <a:ln>
-                  <a:noFill/>
-                </a:ln>
-                <a:solidFill>
-                  <a:srgbClr val="FFFFFF"/>
-                </a:solidFill>
-                <a:effectLst/>
-                <a:uLnTx/>
-                <a:uFillTx/>
-                <a:latin typeface="メイリオ"/>
-                <a:ea typeface="メイリオ"/>
-                <a:cs typeface="+mn-cs"/>
-              </a:rPr>
-              <a:t>]</a:t>
-            </a:r>
-            <a:r>
-              <a:rPr kumimoji="1" lang="ja-JP" altLang="en-US" sz="2000" b="0" i="0" u="none" strike="noStrike" kern="1200" cap="none" spc="0" normalizeH="0" baseline="0" noProof="0" dirty="0">
-                <a:ln>
-                  <a:noFill/>
-                </a:ln>
-                <a:solidFill>
-                  <a:srgbClr val="FFFFFF"/>
-                </a:solidFill>
-                <a:effectLst/>
-                <a:uLnTx/>
-                <a:uFillTx/>
-                <a:latin typeface="メイリオ"/>
-                <a:ea typeface="メイリオ"/>
-                <a:cs typeface="+mn-cs"/>
-              </a:rPr>
-              <a:t>だったのが</a:t>
-            </a:r>
-            <a:r>
-              <a:rPr kumimoji="1" lang="en-US" altLang="ja-JP" sz="2000" b="0" i="0" u="none" strike="noStrike" kern="1200" cap="none" spc="0" normalizeH="0" baseline="0" noProof="0" dirty="0">
-                <a:ln>
-                  <a:noFill/>
-                </a:ln>
-                <a:solidFill>
-                  <a:srgbClr val="FFFFFF"/>
-                </a:solidFill>
-                <a:effectLst/>
-                <a:uLnTx/>
-                <a:uFillTx/>
-                <a:latin typeface="メイリオ"/>
-                <a:ea typeface="メイリオ"/>
-                <a:cs typeface="+mn-cs"/>
-              </a:rPr>
-              <a:t>[-1 ~ 1]</a:t>
-            </a:r>
-            <a:r>
-              <a:rPr kumimoji="1" lang="ja-JP" altLang="en-US" sz="2000" b="0" i="0" u="none" strike="noStrike" kern="1200" cap="none" spc="0" normalizeH="0" baseline="0" noProof="0" dirty="0">
-                <a:ln>
-                  <a:noFill/>
-                </a:ln>
-                <a:solidFill>
-                  <a:srgbClr val="FFFFFF"/>
-                </a:solidFill>
-                <a:effectLst/>
-                <a:uLnTx/>
-                <a:uFillTx/>
-                <a:latin typeface="メイリオ"/>
-                <a:ea typeface="メイリオ"/>
-                <a:cs typeface="+mn-cs"/>
-              </a:rPr>
-              <a:t>になる</a:t>
-            </a:r>
-            <a:endParaRPr kumimoji="1" lang="en-US" altLang="ja-JP" sz="2000" b="0" i="0" u="none" strike="noStrike" kern="1200" cap="none" spc="0" normalizeH="0" baseline="0" noProof="0" dirty="0">
-              <a:ln>
-                <a:noFill/>
-              </a:ln>
-              <a:solidFill>
-                <a:srgbClr val="FFFFFF"/>
-              </a:solidFill>
-              <a:effectLst/>
-              <a:uLnTx/>
-              <a:uFillTx/>
-              <a:latin typeface="メイリオ"/>
-              <a:ea typeface="メイリオ"/>
-              <a:cs typeface="+mn-cs"/>
-            </a:endParaRPr>
-          </a:p>
-          <a:p>
-            <a:pPr marL="0" indent="0">
-              <a:buNone/>
-            </a:pPr>
-            <a:endParaRPr kumimoji="1" lang="ja-JP" altLang="en-US" sz="1500" dirty="0">
-              <a:solidFill>
-                <a:srgbClr val="FFFFFF"/>
-              </a:solidFill>
-            </a:endParaRPr>
-          </a:p>
-        </p:txBody>
-      </p:sp>
-      <p:pic>
-        <p:nvPicPr>
-          <p:cNvPr id="4" name="図 3">
-            <a:extLst>
-              <a:ext uri="{FF2B5EF4-FFF2-40B4-BE49-F238E27FC236}">
-                <a16:creationId xmlns:a16="http://schemas.microsoft.com/office/drawing/2014/main" id="{DA2C750C-E064-0ADF-8027-BE4681C8452E}"/>
-              </a:ext>
-            </a:extLst>
-          </p:cNvPr>
-          <p:cNvPicPr>
-            <a:picLocks noChangeAspect="1"/>
-          </p:cNvPicPr>
-          <p:nvPr/>
-        </p:nvPicPr>
-        <p:blipFill>
-          <a:blip r:embed="rId3"/>
-          <a:stretch>
-            <a:fillRect/>
-          </a:stretch>
-        </p:blipFill>
-        <p:spPr>
-          <a:xfrm>
-            <a:off x="838201" y="1391509"/>
-            <a:ext cx="10270915" cy="1192270"/>
-          </a:xfrm>
-          <a:prstGeom prst="rect">
-            <a:avLst/>
-          </a:prstGeom>
-        </p:spPr>
-      </p:pic>
-      <p:sp>
-        <p:nvSpPr>
-          <p:cNvPr id="2" name="テキスト ボックス 1">
-            <a:extLst>
-              <a:ext uri="{FF2B5EF4-FFF2-40B4-BE49-F238E27FC236}">
-                <a16:creationId xmlns:a16="http://schemas.microsoft.com/office/drawing/2014/main" id="{D1ED546F-F469-B277-A52D-FB908E41425A}"/>
-              </a:ext>
-            </a:extLst>
-          </p:cNvPr>
-          <p:cNvSpPr txBox="1"/>
-          <p:nvPr/>
-        </p:nvSpPr>
-        <p:spPr>
-          <a:xfrm>
-            <a:off x="8168312" y="4158732"/>
-            <a:ext cx="3185487" cy="369332"/>
-          </a:xfrm>
-          <a:prstGeom prst="rect">
-            <a:avLst/>
-          </a:prstGeom>
-          <a:noFill/>
-        </p:spPr>
-        <p:txBody>
-          <a:bodyPr wrap="none" rtlCol="0">
-            <a:spAutoFit/>
-          </a:bodyPr>
-          <a:lstStyle/>
-          <a:p>
-            <a:r>
-              <a:rPr kumimoji="1" lang="ja-JP" altLang="en-US" dirty="0"/>
-              <a:t>ここら辺にわかりやすい画像</a:t>
-            </a:r>
           </a:p>
         </p:txBody>
       </p:sp>
     </p:spTree>
     <p:extLst>
       <p:ext uri="{BB962C8B-B14F-4D97-AF65-F5344CB8AC3E}">
-        <p14:creationId xmlns:p14="http://schemas.microsoft.com/office/powerpoint/2010/main" val="3096134919"/>
+        <p14:creationId xmlns:p14="http://schemas.microsoft.com/office/powerpoint/2010/main" val="1770934230"/>
       </p:ext>
     </p:extLst>
   </p:cSld>
@@ -12757,8 +12320,8 @@
         </p:nvSpPr>
         <p:spPr>
           <a:xfrm>
-            <a:off x="838201" y="716635"/>
-            <a:ext cx="10515598" cy="5848288"/>
+            <a:off x="838201" y="2559830"/>
+            <a:ext cx="10515598" cy="1735016"/>
           </a:xfrm>
         </p:spPr>
         <p:txBody>
@@ -12767,28 +12330,52 @@
           </a:bodyPr>
           <a:lstStyle/>
           <a:p>
-            <a:pPr marL="0" indent="0">
+            <a:pPr marL="0" indent="0" algn="ctr">
               <a:buNone/>
             </a:pPr>
             <a:r>
-              <a:rPr kumimoji="1" lang="ja-JP" altLang="en-US" sz="4000" dirty="0">
-                <a:solidFill>
-                  <a:srgbClr val="FFFFFF"/>
-                </a:solidFill>
-              </a:rPr>
-              <a:t>円の半径との比較、色の出力</a:t>
-            </a:r>
-            <a:endParaRPr kumimoji="1" lang="en-US" altLang="ja-JP" sz="1500" dirty="0">
+              <a:rPr kumimoji="1" lang="ja-JP" altLang="en-US" sz="5000" dirty="0">
+                <a:solidFill>
+                  <a:srgbClr val="FFFFFF"/>
+                </a:solidFill>
+              </a:rPr>
+              <a:t>つぶやき</a:t>
+            </a:r>
+            <a:r>
+              <a:rPr kumimoji="1" lang="en-US" altLang="ja-JP" sz="5000" dirty="0">
+                <a:solidFill>
+                  <a:srgbClr val="FFFFFF"/>
+                </a:solidFill>
+              </a:rPr>
+              <a:t>GLSL</a:t>
+            </a:r>
+            <a:r>
+              <a:rPr kumimoji="1" lang="ja-JP" altLang="en-US" sz="5000" dirty="0">
+                <a:solidFill>
+                  <a:srgbClr val="FFFFFF"/>
+                </a:solidFill>
+              </a:rPr>
+              <a:t>のテクニックは</a:t>
+            </a:r>
+            <a:endParaRPr kumimoji="1" lang="en-US" altLang="ja-JP" sz="5000" dirty="0">
               <a:solidFill>
                 <a:srgbClr val="FFFFFF"/>
               </a:solidFill>
             </a:endParaRPr>
           </a:p>
           <a:p>
-            <a:pPr marL="0" indent="0">
+            <a:pPr marL="0" indent="0" algn="ctr">
               <a:buNone/>
             </a:pPr>
-            <a:endParaRPr lang="en-US" altLang="ja-JP" sz="1500" dirty="0">
+            <a:r>
+              <a:rPr kumimoji="1" lang="ja-JP" altLang="en-US" sz="5000" dirty="0">
+                <a:solidFill>
+                  <a:srgbClr val="FFFFFF"/>
+                </a:solidFill>
+              </a:rPr>
+              <a:t>二種類に分かれる</a:t>
+            </a:r>
+            <a:endParaRPr kumimoji="1" lang="en-US" altLang="ja-JP" sz="5000" dirty="0">
               <a:solidFill>
                 <a:srgbClr val="FFFFFF"/>
               </a:solidFill>
@@ -12798,346 +12385,18 @@
             <a:pPr marL="0" indent="0">
               <a:buNone/>
             </a:pPr>
-            <a:endParaRPr kumimoji="1" lang="en-US" altLang="ja-JP" sz="1500" dirty="0">
+            <a:endParaRPr kumimoji="1" lang="ja-JP" altLang="en-US" sz="5000" dirty="0">
               <a:solidFill>
                 <a:srgbClr val="FFFFFF"/>
               </a:solidFill>
             </a:endParaRPr>
           </a:p>
-          <a:p>
-            <a:pPr marL="0" indent="0">
-              <a:buNone/>
-            </a:pPr>
-            <a:endParaRPr lang="en-US" altLang="ja-JP" sz="1500" dirty="0">
-              <a:solidFill>
-                <a:srgbClr val="FFFFFF"/>
-              </a:solidFill>
-            </a:endParaRPr>
-          </a:p>
-          <a:p>
-            <a:pPr marL="0" indent="0">
-              <a:buNone/>
-            </a:pPr>
-            <a:endParaRPr lang="en-US" altLang="ja-JP" sz="1500" dirty="0">
-              <a:solidFill>
-                <a:srgbClr val="FFFFFF"/>
-              </a:solidFill>
-            </a:endParaRPr>
-          </a:p>
-          <a:p>
-            <a:pPr marL="0" indent="0">
-              <a:buNone/>
-            </a:pPr>
-            <a:endParaRPr lang="en-US" altLang="ja-JP" sz="1500" dirty="0">
-              <a:solidFill>
-                <a:srgbClr val="FFFFFF"/>
-              </a:solidFill>
-            </a:endParaRPr>
-          </a:p>
-          <a:p>
-            <a:pPr marL="0" indent="0">
-              <a:buNone/>
-            </a:pPr>
-            <a:endParaRPr kumimoji="1" lang="en-US" altLang="ja-JP" sz="2000" dirty="0">
-              <a:solidFill>
-                <a:srgbClr val="FFFFFF"/>
-              </a:solidFill>
-            </a:endParaRPr>
-          </a:p>
-          <a:p>
-            <a:pPr marL="0" indent="0">
-              <a:buNone/>
-            </a:pPr>
-            <a:endParaRPr kumimoji="1" lang="en-US" altLang="ja-JP" sz="2000" dirty="0">
-              <a:solidFill>
-                <a:srgbClr val="FFFFFF"/>
-              </a:solidFill>
-            </a:endParaRPr>
-          </a:p>
-          <a:p>
-            <a:pPr marL="0" indent="0">
-              <a:buNone/>
-            </a:pPr>
-            <a:r>
-              <a:rPr kumimoji="1" lang="ja-JP" altLang="en-US" sz="2000" dirty="0">
-                <a:solidFill>
-                  <a:srgbClr val="FFFFFF"/>
-                </a:solidFill>
-              </a:rPr>
-              <a:t>・先ほどの座標系で</a:t>
-            </a:r>
-            <a:r>
-              <a:rPr lang="ja-JP" altLang="en-US" sz="2000" dirty="0">
-                <a:solidFill>
-                  <a:srgbClr val="FFFFFF"/>
-                </a:solidFill>
-              </a:rPr>
-              <a:t>原点からの距離を求める</a:t>
-            </a:r>
-            <a:endParaRPr lang="en-US" altLang="ja-JP" sz="2000" dirty="0">
-              <a:solidFill>
-                <a:srgbClr val="FFFFFF"/>
-              </a:solidFill>
-            </a:endParaRPr>
-          </a:p>
-          <a:p>
-            <a:pPr marL="0" indent="0">
-              <a:buNone/>
-            </a:pPr>
-            <a:r>
-              <a:rPr kumimoji="1" lang="ja-JP" altLang="en-US" sz="2000" dirty="0">
-                <a:solidFill>
-                  <a:srgbClr val="FFFFFF"/>
-                </a:solidFill>
-              </a:rPr>
-              <a:t>・求めた距離が</a:t>
-            </a:r>
-            <a:r>
-              <a:rPr kumimoji="1" lang="en-US" altLang="ja-JP" sz="2000" dirty="0">
-                <a:solidFill>
-                  <a:srgbClr val="FFFFFF"/>
-                </a:solidFill>
-              </a:rPr>
-              <a:t>0.5</a:t>
-            </a:r>
-            <a:r>
-              <a:rPr lang="ja-JP" altLang="en-US" sz="2000" dirty="0">
-                <a:solidFill>
-                  <a:srgbClr val="FFFFFF"/>
-                </a:solidFill>
-              </a:rPr>
-              <a:t>未満</a:t>
-            </a:r>
-            <a:r>
-              <a:rPr kumimoji="1" lang="ja-JP" altLang="en-US" sz="2000" dirty="0">
-                <a:solidFill>
-                  <a:srgbClr val="FFFFFF"/>
-                </a:solidFill>
-              </a:rPr>
-              <a:t>なら</a:t>
-            </a:r>
-            <a:r>
-              <a:rPr kumimoji="1" lang="en-US" altLang="ja-JP" sz="2000" dirty="0">
-                <a:solidFill>
-                  <a:srgbClr val="FFFFFF"/>
-                </a:solidFill>
-              </a:rPr>
-              <a:t>c</a:t>
-            </a:r>
-            <a:r>
-              <a:rPr kumimoji="1" lang="ja-JP" altLang="en-US" sz="2000" dirty="0">
-                <a:solidFill>
-                  <a:srgbClr val="FFFFFF"/>
-                </a:solidFill>
-              </a:rPr>
-              <a:t>に</a:t>
-            </a:r>
-            <a:r>
-              <a:rPr kumimoji="1" lang="en-US" altLang="ja-JP" sz="2000" dirty="0">
-                <a:solidFill>
-                  <a:srgbClr val="FFFFFF"/>
-                </a:solidFill>
-              </a:rPr>
-              <a:t>1.0</a:t>
-            </a:r>
-            <a:r>
-              <a:rPr kumimoji="1" lang="ja-JP" altLang="en-US" sz="2000" dirty="0">
-                <a:solidFill>
-                  <a:srgbClr val="FFFFFF"/>
-                </a:solidFill>
-              </a:rPr>
-              <a:t>を代入</a:t>
-            </a:r>
-            <a:endParaRPr kumimoji="1" lang="en-US" altLang="ja-JP" sz="2000" dirty="0">
-              <a:solidFill>
-                <a:srgbClr val="FFFFFF"/>
-              </a:solidFill>
-            </a:endParaRPr>
-          </a:p>
-          <a:p>
-            <a:pPr marL="0" indent="0">
-              <a:buNone/>
-            </a:pPr>
-            <a:r>
-              <a:rPr lang="ja-JP" altLang="en-US" sz="2000" dirty="0">
-                <a:solidFill>
-                  <a:srgbClr val="FFFFFF"/>
-                </a:solidFill>
-              </a:rPr>
-              <a:t>・求めた距離が</a:t>
-            </a:r>
-            <a:r>
-              <a:rPr lang="en-US" altLang="ja-JP" sz="2000" dirty="0">
-                <a:solidFill>
-                  <a:srgbClr val="FFFFFF"/>
-                </a:solidFill>
-              </a:rPr>
-              <a:t>0.5</a:t>
-            </a:r>
-            <a:r>
-              <a:rPr lang="ja-JP" altLang="en-US" sz="2000" dirty="0">
-                <a:solidFill>
-                  <a:srgbClr val="FFFFFF"/>
-                </a:solidFill>
-              </a:rPr>
-              <a:t>以上なら</a:t>
-            </a:r>
-            <a:r>
-              <a:rPr lang="en-US" altLang="ja-JP" sz="2000" dirty="0">
-                <a:solidFill>
-                  <a:srgbClr val="FFFFFF"/>
-                </a:solidFill>
-              </a:rPr>
-              <a:t>c</a:t>
-            </a:r>
-            <a:r>
-              <a:rPr lang="ja-JP" altLang="en-US" sz="2000" dirty="0">
-                <a:solidFill>
-                  <a:srgbClr val="FFFFFF"/>
-                </a:solidFill>
-              </a:rPr>
-              <a:t>に</a:t>
-            </a:r>
-            <a:r>
-              <a:rPr lang="en-US" altLang="ja-JP" sz="2000" dirty="0">
-                <a:solidFill>
-                  <a:srgbClr val="FFFFFF"/>
-                </a:solidFill>
-              </a:rPr>
-              <a:t>0.0</a:t>
-            </a:r>
-            <a:r>
-              <a:rPr lang="ja-JP" altLang="en-US" sz="2000" dirty="0">
-                <a:solidFill>
-                  <a:srgbClr val="FFFFFF"/>
-                </a:solidFill>
-              </a:rPr>
-              <a:t>を代入</a:t>
-            </a:r>
-            <a:endParaRPr kumimoji="1" lang="en-US" altLang="ja-JP" sz="2000" dirty="0">
-              <a:solidFill>
-                <a:srgbClr val="FFFFFF"/>
-              </a:solidFill>
-            </a:endParaRPr>
-          </a:p>
-          <a:p>
-            <a:pPr marL="0" indent="0">
-              <a:buNone/>
-            </a:pPr>
-            <a:r>
-              <a:rPr lang="ja-JP" altLang="en-US" sz="2000" dirty="0">
-                <a:solidFill>
-                  <a:srgbClr val="FFFFFF"/>
-                </a:solidFill>
-              </a:rPr>
-              <a:t>・</a:t>
-            </a:r>
-            <a:r>
-              <a:rPr lang="en-US" altLang="ja-JP" sz="2000" dirty="0">
-                <a:solidFill>
-                  <a:srgbClr val="FFFFFF"/>
-                </a:solidFill>
-              </a:rPr>
-              <a:t>o</a:t>
-            </a:r>
-            <a:r>
-              <a:rPr lang="ja-JP" altLang="en-US" sz="2000" dirty="0">
-                <a:solidFill>
-                  <a:srgbClr val="FFFFFF"/>
-                </a:solidFill>
-              </a:rPr>
-              <a:t>の</a:t>
-            </a:r>
-            <a:r>
-              <a:rPr lang="en-US" altLang="ja-JP" sz="2000" dirty="0" err="1">
-                <a:solidFill>
-                  <a:srgbClr val="FFFFFF"/>
-                </a:solidFill>
-              </a:rPr>
-              <a:t>rgb</a:t>
-            </a:r>
-            <a:r>
-              <a:rPr lang="ja-JP" altLang="en-US" sz="2000" dirty="0">
-                <a:solidFill>
-                  <a:srgbClr val="FFFFFF"/>
-                </a:solidFill>
-              </a:rPr>
-              <a:t>に</a:t>
-            </a:r>
-            <a:r>
-              <a:rPr lang="en-US" altLang="ja-JP" sz="2000" dirty="0">
-                <a:solidFill>
-                  <a:srgbClr val="FFFFFF"/>
-                </a:solidFill>
-              </a:rPr>
-              <a:t>(</a:t>
-            </a:r>
-            <a:r>
-              <a:rPr lang="en-US" altLang="ja-JP" sz="2000" dirty="0" err="1">
-                <a:solidFill>
-                  <a:srgbClr val="FFFFFF"/>
-                </a:solidFill>
-              </a:rPr>
-              <a:t>c,c,c</a:t>
-            </a:r>
-            <a:r>
-              <a:rPr lang="en-US" altLang="ja-JP" sz="2000" dirty="0">
-                <a:solidFill>
-                  <a:srgbClr val="FFFFFF"/>
-                </a:solidFill>
-              </a:rPr>
-              <a:t>)</a:t>
-            </a:r>
-            <a:r>
-              <a:rPr lang="ja-JP" altLang="en-US" sz="2000" dirty="0">
-                <a:solidFill>
-                  <a:srgbClr val="FFFFFF"/>
-                </a:solidFill>
-              </a:rPr>
-              <a:t>という色を代入</a:t>
-            </a:r>
-            <a:endParaRPr kumimoji="1" lang="ja-JP" altLang="en-US" sz="2000" dirty="0">
-              <a:solidFill>
-                <a:srgbClr val="FFFFFF"/>
-              </a:solidFill>
-            </a:endParaRPr>
-          </a:p>
         </p:txBody>
       </p:sp>
-      <p:pic>
-        <p:nvPicPr>
-          <p:cNvPr id="9" name="図 8">
-            <a:extLst>
-              <a:ext uri="{FF2B5EF4-FFF2-40B4-BE49-F238E27FC236}">
-                <a16:creationId xmlns:a16="http://schemas.microsoft.com/office/drawing/2014/main" id="{BE40A8D9-0135-FEE7-7A4E-6D18D20BB9D2}"/>
-              </a:ext>
-            </a:extLst>
-          </p:cNvPr>
-          <p:cNvPicPr>
-            <a:picLocks noChangeAspect="1"/>
-          </p:cNvPicPr>
-          <p:nvPr/>
-        </p:nvPicPr>
-        <p:blipFill>
-          <a:blip r:embed="rId3"/>
-          <a:stretch>
-            <a:fillRect/>
-          </a:stretch>
-        </p:blipFill>
-        <p:spPr>
-          <a:xfrm>
-            <a:off x="838201" y="1358892"/>
-            <a:ext cx="9876691" cy="1525961"/>
-          </a:xfrm>
-          <a:prstGeom prst="rect">
-            <a:avLst/>
-          </a:prstGeom>
-        </p:spPr>
-      </p:pic>
     </p:spTree>
     <p:extLst>
       <p:ext uri="{BB962C8B-B14F-4D97-AF65-F5344CB8AC3E}">
-        <p14:creationId xmlns:p14="http://schemas.microsoft.com/office/powerpoint/2010/main" val="1411802499"/>
+        <p14:creationId xmlns:p14="http://schemas.microsoft.com/office/powerpoint/2010/main" val="2094650982"/>
       </p:ext>
     </p:extLst>
   </p:cSld>
@@ -13558,79 +12817,414 @@
         </p:nvSpPr>
         <p:spPr>
           <a:xfrm>
-            <a:off x="838201" y="3061251"/>
-            <a:ext cx="10515598" cy="732173"/>
+            <a:off x="838201" y="949569"/>
+            <a:ext cx="10515598" cy="5580185"/>
           </a:xfrm>
         </p:spPr>
         <p:txBody>
           <a:bodyPr>
-            <a:normAutofit fontScale="70000" lnSpcReduction="20000"/>
+            <a:normAutofit/>
           </a:bodyPr>
           <a:lstStyle/>
           <a:p>
-            <a:pPr marL="0" indent="0" algn="ctr">
+            <a:pPr marL="0" indent="0">
               <a:buNone/>
             </a:pPr>
             <a:r>
-              <a:rPr lang="ja-JP" altLang="en-US" sz="5400" dirty="0">
-                <a:solidFill>
-                  <a:srgbClr val="FFFFFF"/>
-                </a:solidFill>
-              </a:rPr>
-              <a:t>🎉つぶやき</a:t>
-            </a:r>
-            <a:r>
-              <a:rPr kumimoji="1" lang="en-US" altLang="ja-JP" sz="5400" dirty="0">
-                <a:solidFill>
-                  <a:srgbClr val="FFFFFF"/>
-                </a:solidFill>
-              </a:rPr>
-              <a:t>GLSL(</a:t>
-            </a:r>
-            <a:r>
-              <a:rPr kumimoji="1" lang="ja-JP" altLang="en-US" sz="5400" dirty="0">
-                <a:solidFill>
-                  <a:srgbClr val="FFFFFF"/>
-                </a:solidFill>
-              </a:rPr>
-              <a:t>の基礎</a:t>
-            </a:r>
-            <a:r>
-              <a:rPr kumimoji="1" lang="en-US" altLang="ja-JP" sz="5400" dirty="0">
-                <a:solidFill>
-                  <a:srgbClr val="FFFFFF"/>
-                </a:solidFill>
-              </a:rPr>
-              <a:t>)</a:t>
-            </a:r>
-            <a:r>
-              <a:rPr kumimoji="1" lang="ja-JP" altLang="en-US" sz="5400" dirty="0">
-                <a:solidFill>
-                  <a:srgbClr val="FFFFFF"/>
-                </a:solidFill>
-              </a:rPr>
-              <a:t>完全に理解した</a:t>
-            </a:r>
-            <a:r>
-              <a:rPr lang="ja-JP" altLang="en-US" sz="5400" dirty="0">
-                <a:solidFill>
-                  <a:srgbClr val="FFFFFF"/>
-                </a:solidFill>
-              </a:rPr>
-              <a:t>🎉</a:t>
-            </a:r>
-            <a:endParaRPr kumimoji="1" lang="ja-JP" altLang="en-US" sz="5400" dirty="0">
+              <a:rPr kumimoji="1" lang="ja-JP" altLang="en-US" sz="4000" dirty="0">
+                <a:solidFill>
+                  <a:srgbClr val="FFFFFF"/>
+                </a:solidFill>
+              </a:rPr>
+              <a:t>絵作りのテクニック</a:t>
+            </a:r>
+            <a:endParaRPr kumimoji="1" lang="en-US" altLang="ja-JP" sz="4000" dirty="0">
               <a:solidFill>
                 <a:srgbClr val="FFFFFF"/>
               </a:solidFill>
             </a:endParaRPr>
           </a:p>
+          <a:p>
+            <a:pPr marL="0" indent="0">
+              <a:buNone/>
+            </a:pPr>
+            <a:r>
+              <a:rPr kumimoji="1" lang="ja-JP" altLang="en-US" sz="2000" dirty="0">
+                <a:solidFill>
+                  <a:srgbClr val="FFFFFF"/>
+                </a:solidFill>
+              </a:rPr>
+              <a:t>・レイマーチング法</a:t>
+            </a:r>
+            <a:endParaRPr kumimoji="1" lang="en-US" altLang="ja-JP" sz="2000" dirty="0">
+              <a:solidFill>
+                <a:srgbClr val="FFFFFF"/>
+              </a:solidFill>
+            </a:endParaRPr>
+          </a:p>
+          <a:p>
+            <a:pPr marL="0" indent="0">
+              <a:buNone/>
+            </a:pPr>
+            <a:r>
+              <a:rPr lang="ja-JP" altLang="en-US" sz="2000" dirty="0">
+                <a:solidFill>
+                  <a:srgbClr val="FFFFFF"/>
+                </a:solidFill>
+              </a:rPr>
+              <a:t>・</a:t>
+            </a:r>
+            <a:r>
+              <a:rPr lang="en-US" altLang="ja-JP" sz="2000" dirty="0" err="1">
+                <a:solidFill>
+                  <a:srgbClr val="FFFFFF"/>
+                </a:solidFill>
+              </a:rPr>
+              <a:t>DistanceField</a:t>
+            </a:r>
+            <a:endParaRPr lang="en-US" altLang="ja-JP" sz="2000" dirty="0">
+              <a:solidFill>
+                <a:srgbClr val="FFFFFF"/>
+              </a:solidFill>
+            </a:endParaRPr>
+          </a:p>
+          <a:p>
+            <a:pPr marL="0" indent="0">
+              <a:buNone/>
+            </a:pPr>
+            <a:r>
+              <a:rPr kumimoji="1" lang="ja-JP" altLang="en-US" sz="2000" dirty="0">
+                <a:solidFill>
+                  <a:srgbClr val="FFFFFF"/>
+                </a:solidFill>
+              </a:rPr>
+              <a:t>・ノイズ</a:t>
+            </a:r>
+            <a:endParaRPr kumimoji="1" lang="en-US" altLang="ja-JP" sz="2000" dirty="0">
+              <a:solidFill>
+                <a:srgbClr val="FFFFFF"/>
+              </a:solidFill>
+            </a:endParaRPr>
+          </a:p>
+          <a:p>
+            <a:pPr marL="0" indent="0">
+              <a:buNone/>
+            </a:pPr>
+            <a:r>
+              <a:rPr lang="ja-JP" altLang="en-US" sz="2000" dirty="0">
+                <a:solidFill>
+                  <a:srgbClr val="FFFFFF"/>
+                </a:solidFill>
+              </a:rPr>
+              <a:t>・フレームバッファ</a:t>
+            </a:r>
+            <a:endParaRPr lang="en-US" altLang="ja-JP" sz="2000" dirty="0">
+              <a:solidFill>
+                <a:srgbClr val="FFFFFF"/>
+              </a:solidFill>
+            </a:endParaRPr>
+          </a:p>
+          <a:p>
+            <a:pPr marL="0" indent="0">
+              <a:buNone/>
+            </a:pPr>
+            <a:r>
+              <a:rPr kumimoji="1" lang="ja-JP" altLang="en-US" sz="2000" dirty="0">
+                <a:solidFill>
+                  <a:srgbClr val="FFFFFF"/>
+                </a:solidFill>
+              </a:rPr>
+              <a:t>・</a:t>
+            </a:r>
+            <a:r>
+              <a:rPr kumimoji="1" lang="en-US" altLang="ja-JP" sz="2000" dirty="0" err="1">
+                <a:solidFill>
+                  <a:srgbClr val="FFFFFF"/>
+                </a:solidFill>
+              </a:rPr>
+              <a:t>etc</a:t>
+            </a:r>
+            <a:r>
+              <a:rPr kumimoji="1" lang="en-US" altLang="ja-JP" sz="2000" dirty="0">
+                <a:solidFill>
+                  <a:srgbClr val="FFFFFF"/>
+                </a:solidFill>
+              </a:rPr>
+              <a:t>…</a:t>
+            </a:r>
+          </a:p>
+          <a:p>
+            <a:pPr marL="0" indent="0">
+              <a:buNone/>
+            </a:pPr>
+            <a:endParaRPr lang="en-US" altLang="ja-JP" sz="2000" dirty="0">
+              <a:solidFill>
+                <a:srgbClr val="FFFFFF"/>
+              </a:solidFill>
+            </a:endParaRPr>
+          </a:p>
+          <a:p>
+            <a:pPr marL="0" indent="0">
+              <a:buNone/>
+            </a:pPr>
+            <a:r>
+              <a:rPr kumimoji="1" lang="ja-JP" altLang="en-US" sz="4000" dirty="0">
+                <a:solidFill>
+                  <a:srgbClr val="FFFFFF"/>
+                </a:solidFill>
+              </a:rPr>
+              <a:t>コード短縮のテクニック</a:t>
+            </a:r>
+            <a:endParaRPr kumimoji="1" lang="en-US" altLang="ja-JP" sz="4000" dirty="0">
+              <a:solidFill>
+                <a:srgbClr val="FFFFFF"/>
+              </a:solidFill>
+            </a:endParaRPr>
+          </a:p>
+          <a:p>
+            <a:pPr marL="0" indent="0">
+              <a:buNone/>
+            </a:pPr>
+            <a:r>
+              <a:rPr kumimoji="1" lang="ja-JP" altLang="en-US" sz="2000" dirty="0">
+                <a:solidFill>
+                  <a:srgbClr val="FFFFFF"/>
+                </a:solidFill>
+              </a:rPr>
+              <a:t>・</a:t>
+            </a:r>
+            <a:r>
+              <a:rPr kumimoji="1" lang="en-US" altLang="ja-JP" sz="2000" dirty="0">
+                <a:solidFill>
+                  <a:srgbClr val="FFFFFF"/>
+                </a:solidFill>
+              </a:rPr>
+              <a:t>#define</a:t>
+            </a:r>
+            <a:r>
+              <a:rPr kumimoji="1" lang="ja-JP" altLang="en-US" sz="2000" dirty="0">
+                <a:solidFill>
+                  <a:srgbClr val="FFFFFF"/>
+                </a:solidFill>
+              </a:rPr>
+              <a:t>の活用</a:t>
+            </a:r>
+            <a:endParaRPr kumimoji="1" lang="en-US" altLang="ja-JP" sz="2000" dirty="0">
+              <a:solidFill>
+                <a:srgbClr val="FFFFFF"/>
+              </a:solidFill>
+            </a:endParaRPr>
+          </a:p>
+          <a:p>
+            <a:pPr marL="0" indent="0">
+              <a:buNone/>
+            </a:pPr>
+            <a:r>
+              <a:rPr lang="ja-JP" altLang="en-US" sz="2000" dirty="0">
+                <a:solidFill>
+                  <a:srgbClr val="FFFFFF"/>
+                </a:solidFill>
+              </a:rPr>
+              <a:t>・式の展開</a:t>
+            </a:r>
+            <a:endParaRPr lang="en-US" altLang="ja-JP" sz="2000" dirty="0">
+              <a:solidFill>
+                <a:srgbClr val="FFFFFF"/>
+              </a:solidFill>
+            </a:endParaRPr>
+          </a:p>
+          <a:p>
+            <a:pPr marL="0" indent="0">
+              <a:buNone/>
+            </a:pPr>
+            <a:r>
+              <a:rPr kumimoji="1" lang="ja-JP" altLang="en-US" sz="2000" dirty="0">
+                <a:solidFill>
+                  <a:srgbClr val="FFFFFF"/>
+                </a:solidFill>
+              </a:rPr>
+              <a:t>・算術演算子による型のキャスト</a:t>
+            </a:r>
+            <a:endParaRPr kumimoji="1" lang="en-US" altLang="ja-JP" sz="2000" dirty="0">
+              <a:solidFill>
+                <a:srgbClr val="FFFFFF"/>
+              </a:solidFill>
+            </a:endParaRPr>
+          </a:p>
+          <a:p>
+            <a:pPr marL="0" indent="0">
+              <a:buNone/>
+            </a:pPr>
+            <a:r>
+              <a:rPr lang="ja-JP" altLang="en-US" sz="2000" dirty="0">
+                <a:solidFill>
+                  <a:srgbClr val="FFFFFF"/>
+                </a:solidFill>
+              </a:rPr>
+              <a:t>・</a:t>
+            </a:r>
+            <a:r>
+              <a:rPr lang="en-US" altLang="ja-JP" sz="2000" dirty="0" err="1">
+                <a:solidFill>
+                  <a:srgbClr val="FFFFFF"/>
+                </a:solidFill>
+              </a:rPr>
+              <a:t>etc</a:t>
+            </a:r>
+            <a:r>
+              <a:rPr lang="en-US" altLang="ja-JP" sz="2000" dirty="0">
+                <a:solidFill>
+                  <a:srgbClr val="FFFFFF"/>
+                </a:solidFill>
+              </a:rPr>
+              <a:t>…</a:t>
+            </a:r>
+            <a:endParaRPr kumimoji="1" lang="ja-JP" altLang="en-US" sz="2000" dirty="0">
+              <a:solidFill>
+                <a:srgbClr val="FFFFFF"/>
+              </a:solidFill>
+            </a:endParaRPr>
+          </a:p>
         </p:txBody>
       </p:sp>
+      <p:pic>
+        <p:nvPicPr>
+          <p:cNvPr id="4" name="図 3">
+            <a:extLst>
+              <a:ext uri="{FF2B5EF4-FFF2-40B4-BE49-F238E27FC236}">
+                <a16:creationId xmlns:a16="http://schemas.microsoft.com/office/drawing/2014/main" id="{56FAA8C8-8B37-D0DD-3E93-B6426EA97101}"/>
+              </a:ext>
+            </a:extLst>
+          </p:cNvPr>
+          <p:cNvPicPr>
+            <a:picLocks noChangeAspect="1"/>
+          </p:cNvPicPr>
+          <p:nvPr/>
+        </p:nvPicPr>
+        <p:blipFill>
+          <a:blip r:embed="rId3"/>
+          <a:stretch>
+            <a:fillRect/>
+          </a:stretch>
+        </p:blipFill>
+        <p:spPr>
+          <a:xfrm>
+            <a:off x="7775482" y="683460"/>
+            <a:ext cx="3088664" cy="3056201"/>
+          </a:xfrm>
+          <a:prstGeom prst="rect">
+            <a:avLst/>
+          </a:prstGeom>
+        </p:spPr>
+      </p:pic>
+      <p:pic>
+        <p:nvPicPr>
+          <p:cNvPr id="6" name="図 5">
+            <a:extLst>
+              <a:ext uri="{FF2B5EF4-FFF2-40B4-BE49-F238E27FC236}">
+                <a16:creationId xmlns:a16="http://schemas.microsoft.com/office/drawing/2014/main" id="{94ABF7EC-6642-5224-4602-9CBC2A9DB6B6}"/>
+              </a:ext>
+            </a:extLst>
+          </p:cNvPr>
+          <p:cNvPicPr>
+            <a:picLocks noChangeAspect="1"/>
+          </p:cNvPicPr>
+          <p:nvPr/>
+        </p:nvPicPr>
+        <p:blipFill>
+          <a:blip r:embed="rId4"/>
+          <a:stretch>
+            <a:fillRect/>
+          </a:stretch>
+        </p:blipFill>
+        <p:spPr>
+          <a:xfrm>
+            <a:off x="7012393" y="4320133"/>
+            <a:ext cx="4614837" cy="844970"/>
+          </a:xfrm>
+          <a:prstGeom prst="rect">
+            <a:avLst/>
+          </a:prstGeom>
+        </p:spPr>
+      </p:pic>
+      <p:pic>
+        <p:nvPicPr>
+          <p:cNvPr id="9" name="図 8">
+            <a:extLst>
+              <a:ext uri="{FF2B5EF4-FFF2-40B4-BE49-F238E27FC236}">
+                <a16:creationId xmlns:a16="http://schemas.microsoft.com/office/drawing/2014/main" id="{5B469AE7-73C9-15AB-DC0C-3843088005DE}"/>
+              </a:ext>
+            </a:extLst>
+          </p:cNvPr>
+          <p:cNvPicPr>
+            <a:picLocks noChangeAspect="1"/>
+          </p:cNvPicPr>
+          <p:nvPr/>
+        </p:nvPicPr>
+        <p:blipFill>
+          <a:blip r:embed="rId5"/>
+          <a:stretch>
+            <a:fillRect/>
+          </a:stretch>
+        </p:blipFill>
+        <p:spPr>
+          <a:xfrm>
+            <a:off x="6542741" y="5788226"/>
+            <a:ext cx="5554139" cy="511118"/>
+          </a:xfrm>
+          <a:prstGeom prst="rect">
+            <a:avLst/>
+          </a:prstGeom>
+        </p:spPr>
+      </p:pic>
+      <p:cxnSp>
+        <p:nvCxnSpPr>
+          <p:cNvPr id="13" name="直線矢印コネクタ 12">
+            <a:extLst>
+              <a:ext uri="{FF2B5EF4-FFF2-40B4-BE49-F238E27FC236}">
+                <a16:creationId xmlns:a16="http://schemas.microsoft.com/office/drawing/2014/main" id="{DACF9A58-C653-A0DA-0B04-573010930A35}"/>
+              </a:ext>
+            </a:extLst>
+          </p:cNvPr>
+          <p:cNvCxnSpPr>
+            <a:cxnSpLocks/>
+          </p:cNvCxnSpPr>
+          <p:nvPr/>
+        </p:nvCxnSpPr>
+        <p:spPr>
+          <a:xfrm flipH="1">
+            <a:off x="9319810" y="5263281"/>
+            <a:ext cx="1" cy="426766"/>
+          </a:xfrm>
+          <a:prstGeom prst="straightConnector1">
+            <a:avLst/>
+          </a:prstGeom>
+          <a:ln w="57150">
+            <a:solidFill>
+              <a:schemeClr val="tx1"/>
+            </a:solidFill>
+            <a:tailEnd type="triangle"/>
+          </a:ln>
+        </p:spPr>
+        <p:style>
+          <a:lnRef idx="1">
+            <a:schemeClr val="accent1"/>
+          </a:lnRef>
+          <a:fillRef idx="0">
+            <a:schemeClr val="accent1"/>
+          </a:fillRef>
+          <a:effectRef idx="0">
+            <a:schemeClr val="accent1"/>
+          </a:effectRef>
+          <a:fontRef idx="minor">
+            <a:schemeClr val="tx1"/>
+          </a:fontRef>
+        </p:style>
+      </p:cxnSp>
     </p:spTree>
     <p:extLst>
       <p:ext uri="{BB962C8B-B14F-4D97-AF65-F5344CB8AC3E}">
-        <p14:creationId xmlns:p14="http://schemas.microsoft.com/office/powerpoint/2010/main" val="1770934230"/>
+        <p14:creationId xmlns:p14="http://schemas.microsoft.com/office/powerpoint/2010/main" val="3426547557"/>
       </p:ext>
     </p:extLst>
   </p:cSld>
@@ -14051,8 +13645,8 @@
         </p:nvSpPr>
         <p:spPr>
           <a:xfrm>
-            <a:off x="838201" y="2559830"/>
-            <a:ext cx="10515598" cy="1735016"/>
+            <a:off x="838201" y="949569"/>
+            <a:ext cx="10515598" cy="5685693"/>
           </a:xfrm>
         </p:spPr>
         <p:txBody>
@@ -14061,7 +13655,7 @@
           </a:bodyPr>
           <a:lstStyle/>
           <a:p>
-            <a:pPr marL="0" indent="0" algn="ctr">
+            <a:pPr marL="0" indent="0">
               <a:buNone/>
             </a:pPr>
             <a:r>
@@ -14070,7 +13664,7 @@
                   <a:srgbClr val="FFFFFF"/>
                 </a:solidFill>
               </a:rPr>
-              <a:t>つぶやき</a:t>
+              <a:t>絵作りのテクニック </a:t>
             </a:r>
             <a:r>
               <a:rPr kumimoji="1" lang="en-US" altLang="ja-JP" sz="5000" dirty="0">
@@ -14078,7 +13672,7 @@
                   <a:srgbClr val="FFFFFF"/>
                 </a:solidFill>
               </a:rPr>
-              <a:t>GLSL</a:t>
+              <a:t>- mod</a:t>
             </a:r>
             <a:r>
               <a:rPr kumimoji="1" lang="ja-JP" altLang="en-US" sz="5000" dirty="0">
@@ -14086,7 +13680,7 @@
                   <a:srgbClr val="FFFFFF"/>
                 </a:solidFill>
               </a:rPr>
-              <a:t>のテクニックは</a:t>
+              <a:t>で複製</a:t>
             </a:r>
             <a:endParaRPr kumimoji="1" lang="en-US" altLang="ja-JP" sz="5000" dirty="0">
               <a:solidFill>
@@ -14095,18 +13689,10 @@
             </a:endParaRPr>
           </a:p>
           <a:p>
-            <a:pPr marL="0" indent="0" algn="ctr">
+            <a:pPr marL="0" indent="0">
               <a:buNone/>
             </a:pPr>
-            <a:r>
-              <a:rPr kumimoji="1" lang="ja-JP" altLang="en-US" sz="5000" dirty="0">
-                <a:solidFill>
-                  <a:srgbClr val="FFFFFF"/>
-                </a:solidFill>
-              </a:rPr>
-              <a:t>二種類に分かれる</a:t>
-            </a:r>
-            <a:endParaRPr kumimoji="1" lang="en-US" altLang="ja-JP" sz="5000" dirty="0">
+            <a:endParaRPr kumimoji="1" lang="en-US" altLang="ja-JP" sz="2000" dirty="0">
               <a:solidFill>
                 <a:srgbClr val="FFFFFF"/>
               </a:solidFill>
@@ -14116,18 +13702,419 @@
             <a:pPr marL="0" indent="0">
               <a:buNone/>
             </a:pPr>
-            <a:endParaRPr kumimoji="1" lang="ja-JP" altLang="en-US" sz="5000" dirty="0">
+            <a:r>
+              <a:rPr kumimoji="1" lang="ja-JP" altLang="en-US" sz="2000" dirty="0">
+                <a:solidFill>
+                  <a:srgbClr val="FFFFFF"/>
+                </a:solidFill>
+              </a:rPr>
+              <a:t>・</a:t>
+            </a:r>
+            <a:r>
+              <a:rPr kumimoji="1" lang="en-US" altLang="ja-JP" sz="2000" dirty="0">
+                <a:solidFill>
+                  <a:srgbClr val="FFFFFF"/>
+                </a:solidFill>
+              </a:rPr>
+              <a:t>mod</a:t>
+            </a:r>
+            <a:r>
+              <a:rPr kumimoji="1" lang="ja-JP" altLang="en-US" sz="2000" dirty="0">
+                <a:solidFill>
+                  <a:srgbClr val="FFFFFF"/>
+                </a:solidFill>
+              </a:rPr>
+              <a:t>を用いて座標変換することで</a:t>
+            </a:r>
+            <a:endParaRPr kumimoji="1" lang="en-US" altLang="ja-JP" sz="2000" dirty="0">
               <a:solidFill>
                 <a:srgbClr val="FFFFFF"/>
               </a:solidFill>
             </a:endParaRPr>
+          </a:p>
+          <a:p>
+            <a:pPr marL="0" indent="0">
+              <a:buNone/>
+            </a:pPr>
+            <a:r>
+              <a:rPr kumimoji="1" lang="ja-JP" altLang="en-US" sz="2000" dirty="0">
+                <a:solidFill>
+                  <a:srgbClr val="FFFFFF"/>
+                </a:solidFill>
+              </a:rPr>
+              <a:t>元の図を複製できる</a:t>
+            </a:r>
+            <a:endParaRPr kumimoji="1" lang="en-US" altLang="ja-JP" sz="2000" dirty="0">
+              <a:solidFill>
+                <a:srgbClr val="FFFFFF"/>
+              </a:solidFill>
+            </a:endParaRPr>
+          </a:p>
+          <a:p>
+            <a:pPr marL="0" indent="0">
+              <a:buNone/>
+            </a:pPr>
+            <a:r>
+              <a:rPr lang="ja-JP" altLang="en-US" sz="2000" dirty="0">
+                <a:solidFill>
+                  <a:srgbClr val="FFFFFF"/>
+                </a:solidFill>
+              </a:rPr>
+              <a:t>・</a:t>
+            </a:r>
+            <a:r>
+              <a:rPr lang="en-US" altLang="ja-JP" sz="2000" dirty="0">
+                <a:solidFill>
+                  <a:srgbClr val="FFFFFF"/>
+                </a:solidFill>
+              </a:rPr>
+              <a:t>mod</a:t>
+            </a:r>
+            <a:r>
+              <a:rPr lang="ja-JP" altLang="en-US" sz="2000" dirty="0">
+                <a:solidFill>
+                  <a:srgbClr val="FFFFFF"/>
+                </a:solidFill>
+              </a:rPr>
+              <a:t>は余りの演算：</a:t>
+            </a:r>
+            <a:endParaRPr lang="en-US" altLang="ja-JP" sz="2000" dirty="0">
+              <a:solidFill>
+                <a:srgbClr val="FFFFFF"/>
+              </a:solidFill>
+            </a:endParaRPr>
+          </a:p>
+          <a:p>
+            <a:pPr marL="0" indent="0">
+              <a:buNone/>
+            </a:pPr>
+            <a:r>
+              <a:rPr lang="en-US" altLang="ja-JP" sz="2000" dirty="0">
+                <a:solidFill>
+                  <a:srgbClr val="FFFFFF"/>
+                </a:solidFill>
+              </a:rPr>
+              <a:t>m</a:t>
+            </a:r>
+            <a:r>
+              <a:rPr kumimoji="1" lang="en-US" altLang="ja-JP" sz="2000" dirty="0">
+                <a:solidFill>
+                  <a:srgbClr val="FFFFFF"/>
+                </a:solidFill>
+              </a:rPr>
+              <a:t>od(vec2(-3.0),2.0)=vec2(1.0)</a:t>
+            </a:r>
+          </a:p>
+          <a:p>
+            <a:pPr marL="0" indent="0">
+              <a:buNone/>
+            </a:pPr>
+            <a:endParaRPr lang="en-US" altLang="ja-JP" sz="2000" dirty="0">
+              <a:solidFill>
+                <a:srgbClr val="FFFFFF"/>
+              </a:solidFill>
+            </a:endParaRPr>
+          </a:p>
+          <a:p>
+            <a:pPr marL="0" indent="0">
+              <a:buNone/>
+            </a:pPr>
+            <a:r>
+              <a:rPr kumimoji="1" lang="ja-JP" altLang="en-US" sz="2000" dirty="0">
+                <a:solidFill>
+                  <a:schemeClr val="accent6"/>
+                </a:solidFill>
+              </a:rPr>
+              <a:t>・先ほどのピクセル座標を</a:t>
+            </a:r>
+            <a:r>
+              <a:rPr kumimoji="1" lang="en-US" altLang="ja-JP" sz="2000" dirty="0">
+                <a:solidFill>
+                  <a:schemeClr val="accent6"/>
+                </a:solidFill>
+              </a:rPr>
+              <a:t>10</a:t>
+            </a:r>
+            <a:r>
+              <a:rPr kumimoji="1" lang="ja-JP" altLang="en-US" sz="2000" dirty="0">
+                <a:solidFill>
+                  <a:schemeClr val="accent6"/>
+                </a:solidFill>
+              </a:rPr>
+              <a:t>倍する：</a:t>
+            </a:r>
+            <a:endParaRPr kumimoji="1" lang="en-US" altLang="ja-JP" sz="2000" dirty="0">
+              <a:solidFill>
+                <a:schemeClr val="accent6"/>
+              </a:solidFill>
+            </a:endParaRPr>
+          </a:p>
+          <a:p>
+            <a:pPr marL="0" indent="0">
+              <a:buNone/>
+            </a:pPr>
+            <a:r>
+              <a:rPr lang="en-US" altLang="ja-JP" sz="2000" dirty="0">
+                <a:solidFill>
+                  <a:srgbClr val="FFFFFF"/>
+                </a:solidFill>
+              </a:rPr>
+              <a:t>p</a:t>
+            </a:r>
+            <a:r>
+              <a:rPr lang="ja-JP" altLang="en-US" sz="2000" dirty="0">
+                <a:solidFill>
+                  <a:srgbClr val="FFFFFF"/>
+                </a:solidFill>
+              </a:rPr>
+              <a:t>は</a:t>
+            </a:r>
+            <a:r>
+              <a:rPr lang="en-US" altLang="ja-JP" sz="2000" dirty="0">
+                <a:solidFill>
+                  <a:srgbClr val="FFFFFF"/>
+                </a:solidFill>
+              </a:rPr>
+              <a:t>[vec2(-10.0)~vec2(10.0)]</a:t>
+            </a:r>
+            <a:r>
+              <a:rPr lang="ja-JP" altLang="en-US" sz="2000" dirty="0">
+                <a:solidFill>
+                  <a:srgbClr val="FFFFFF"/>
+                </a:solidFill>
+              </a:rPr>
+              <a:t>になる</a:t>
+            </a:r>
+            <a:endParaRPr lang="en-US" altLang="ja-JP" sz="2000" dirty="0">
+              <a:solidFill>
+                <a:srgbClr val="FFFFFF"/>
+              </a:solidFill>
+            </a:endParaRPr>
+          </a:p>
+          <a:p>
+            <a:pPr marL="0" indent="0">
+              <a:buNone/>
+            </a:pPr>
+            <a:r>
+              <a:rPr kumimoji="1" lang="ja-JP" altLang="en-US" sz="2000" dirty="0">
+                <a:solidFill>
+                  <a:schemeClr val="accent6"/>
+                </a:solidFill>
+              </a:rPr>
+              <a:t>・</a:t>
+            </a:r>
+            <a:r>
+              <a:rPr kumimoji="1" lang="en-US" altLang="ja-JP" sz="2000" dirty="0">
+                <a:solidFill>
+                  <a:schemeClr val="accent6"/>
+                </a:solidFill>
+              </a:rPr>
+              <a:t>mod 2.0</a:t>
+            </a:r>
+            <a:r>
+              <a:rPr kumimoji="1" lang="ja-JP" altLang="en-US" sz="2000" dirty="0">
+                <a:solidFill>
+                  <a:schemeClr val="accent6"/>
+                </a:solidFill>
+              </a:rPr>
+              <a:t>をする：</a:t>
+            </a:r>
+            <a:endParaRPr kumimoji="1" lang="en-US" altLang="ja-JP" sz="2000" dirty="0">
+              <a:solidFill>
+                <a:schemeClr val="accent6"/>
+              </a:solidFill>
+            </a:endParaRPr>
+          </a:p>
+          <a:p>
+            <a:pPr marL="0" indent="0">
+              <a:buNone/>
+            </a:pPr>
+            <a:r>
+              <a:rPr kumimoji="1" lang="en-US" altLang="ja-JP" sz="2000" dirty="0">
+                <a:solidFill>
+                  <a:srgbClr val="FFFFFF"/>
+                </a:solidFill>
+              </a:rPr>
+              <a:t>p</a:t>
+            </a:r>
+            <a:r>
+              <a:rPr kumimoji="1" lang="ja-JP" altLang="en-US" sz="2000" dirty="0">
+                <a:solidFill>
+                  <a:srgbClr val="FFFFFF"/>
+                </a:solidFill>
+              </a:rPr>
+              <a:t>は</a:t>
+            </a:r>
+            <a:r>
+              <a:rPr kumimoji="1" lang="en-US" altLang="ja-JP" sz="2000" dirty="0">
+                <a:solidFill>
+                  <a:srgbClr val="FFFFFF"/>
+                </a:solidFill>
+              </a:rPr>
+              <a:t>[vec2(0.0)~vec2(2.0)]</a:t>
+            </a:r>
+            <a:r>
+              <a:rPr kumimoji="1" lang="ja-JP" altLang="en-US" sz="2000" dirty="0">
+                <a:solidFill>
+                  <a:srgbClr val="FFFFFF"/>
+                </a:solidFill>
+              </a:rPr>
+              <a:t>の繰り返しになる</a:t>
+            </a:r>
+            <a:endParaRPr kumimoji="1" lang="en-US" altLang="ja-JP" sz="2000" dirty="0">
+              <a:solidFill>
+                <a:srgbClr val="FFFFFF"/>
+              </a:solidFill>
+            </a:endParaRPr>
+          </a:p>
+          <a:p>
+            <a:pPr marL="0" indent="0">
+              <a:buNone/>
+            </a:pPr>
+            <a:r>
+              <a:rPr lang="ja-JP" altLang="en-US" sz="2000" dirty="0">
+                <a:solidFill>
+                  <a:schemeClr val="accent6"/>
+                </a:solidFill>
+              </a:rPr>
+              <a:t>・</a:t>
+            </a:r>
+            <a:r>
+              <a:rPr lang="en-US" altLang="ja-JP" sz="2000" dirty="0">
+                <a:solidFill>
+                  <a:schemeClr val="accent6"/>
+                </a:solidFill>
+              </a:rPr>
+              <a:t>1.0</a:t>
+            </a:r>
+            <a:r>
+              <a:rPr lang="ja-JP" altLang="en-US" sz="2000" dirty="0">
+                <a:solidFill>
+                  <a:schemeClr val="accent6"/>
+                </a:solidFill>
+              </a:rPr>
+              <a:t>を引く：</a:t>
+            </a:r>
+            <a:endParaRPr lang="en-US" altLang="ja-JP" sz="2000" dirty="0">
+              <a:solidFill>
+                <a:schemeClr val="accent6"/>
+              </a:solidFill>
+            </a:endParaRPr>
+          </a:p>
+          <a:p>
+            <a:pPr marL="0" indent="0">
+              <a:buNone/>
+            </a:pPr>
+            <a:r>
+              <a:rPr kumimoji="1" lang="en-US" altLang="ja-JP" sz="2000" dirty="0">
+                <a:solidFill>
+                  <a:srgbClr val="FFFFFF"/>
+                </a:solidFill>
+              </a:rPr>
+              <a:t>p</a:t>
+            </a:r>
+            <a:r>
+              <a:rPr kumimoji="1" lang="ja-JP" altLang="en-US" sz="2000" dirty="0">
+                <a:solidFill>
+                  <a:srgbClr val="FFFFFF"/>
+                </a:solidFill>
+              </a:rPr>
+              <a:t>は</a:t>
+            </a:r>
+            <a:r>
+              <a:rPr kumimoji="1" lang="en-US" altLang="ja-JP" sz="2000" dirty="0">
+                <a:solidFill>
+                  <a:srgbClr val="FFFFFF"/>
+                </a:solidFill>
+              </a:rPr>
+              <a:t>[vec2(-1.0)~vec2(1.0)]</a:t>
+            </a:r>
+            <a:r>
+              <a:rPr kumimoji="1" lang="ja-JP" altLang="en-US" sz="2000" dirty="0">
+                <a:solidFill>
+                  <a:srgbClr val="FFFFFF"/>
+                </a:solidFill>
+              </a:rPr>
+              <a:t>の繰り返しになる</a:t>
+            </a:r>
+            <a:endParaRPr kumimoji="1" lang="en-US" altLang="ja-JP" sz="2000" dirty="0">
+              <a:solidFill>
+                <a:srgbClr val="FFFFFF"/>
+              </a:solidFill>
+            </a:endParaRPr>
+          </a:p>
+        </p:txBody>
+      </p:sp>
+      <p:pic>
+        <p:nvPicPr>
+          <p:cNvPr id="5" name="図 4">
+            <a:extLst>
+              <a:ext uri="{FF2B5EF4-FFF2-40B4-BE49-F238E27FC236}">
+                <a16:creationId xmlns:a16="http://schemas.microsoft.com/office/drawing/2014/main" id="{BD08429F-FBE5-BA7F-ACB9-E9B11DAC4EDC}"/>
+              </a:ext>
+            </a:extLst>
+          </p:cNvPr>
+          <p:cNvPicPr>
+            <a:picLocks noChangeAspect="1"/>
+          </p:cNvPicPr>
+          <p:nvPr/>
+        </p:nvPicPr>
+        <p:blipFill>
+          <a:blip r:embed="rId3"/>
+          <a:stretch>
+            <a:fillRect/>
+          </a:stretch>
+        </p:blipFill>
+        <p:spPr>
+          <a:xfrm>
+            <a:off x="6364682" y="2069604"/>
+            <a:ext cx="4989117" cy="4460150"/>
+          </a:xfrm>
+          <a:prstGeom prst="rect">
+            <a:avLst/>
+          </a:prstGeom>
+        </p:spPr>
+      </p:pic>
+      <p:sp>
+        <p:nvSpPr>
+          <p:cNvPr id="2" name="テキスト ボックス 1">
+            <a:extLst>
+              <a:ext uri="{FF2B5EF4-FFF2-40B4-BE49-F238E27FC236}">
+                <a16:creationId xmlns:a16="http://schemas.microsoft.com/office/drawing/2014/main" id="{CAC881EB-9CBD-229E-7D0F-BE223402B37D}"/>
+              </a:ext>
+            </a:extLst>
+          </p:cNvPr>
+          <p:cNvSpPr txBox="1"/>
+          <p:nvPr/>
+        </p:nvSpPr>
+        <p:spPr>
+          <a:xfrm>
+            <a:off x="1653886" y="2861391"/>
+            <a:ext cx="8478981" cy="1862048"/>
+          </a:xfrm>
+          <a:prstGeom prst="rect">
+            <a:avLst/>
+          </a:prstGeom>
+          <a:noFill/>
+        </p:spPr>
+        <p:txBody>
+          <a:bodyPr wrap="square" rtlCol="0">
+            <a:spAutoFit/>
+          </a:bodyPr>
+          <a:lstStyle/>
+          <a:p>
+            <a:pPr algn="ctr"/>
+            <a:r>
+              <a:rPr kumimoji="1" lang="ja-JP" altLang="en-US" sz="11500" dirty="0"/>
+              <a:t>消す</a:t>
+            </a:r>
           </a:p>
         </p:txBody>
       </p:sp>
     </p:spTree>
     <p:extLst>
       <p:ext uri="{BB962C8B-B14F-4D97-AF65-F5344CB8AC3E}">
-        <p14:creationId xmlns:p14="http://schemas.microsoft.com/office/powerpoint/2010/main" val="2094650982"/>
+        <p14:creationId xmlns:p14="http://schemas.microsoft.com/office/powerpoint/2010/main" val="4204980391"/>
       </p:ext>
     </p:extLst>
   </p:cSld>
@@ -14137,7 +14124,7 @@
 </p:sld>
 </file>
 
-<file path=ppt/slides/slide19.xml><?xml version="1.0" encoding="utf-8"?>
+<file path=ppt/slides/slide2.xml><?xml version="1.0" encoding="utf-8"?>
 <p:sld xmlns:a="http://schemas.openxmlformats.org/drawingml/2006/main" xmlns:r="http://schemas.openxmlformats.org/officeDocument/2006/relationships" xmlns:p="http://schemas.openxmlformats.org/presentationml/2006/main">
   <p:cSld>
     <p:bg>
@@ -14220,37 +14207,8 @@
           <a:bodyPr rtlCol="0" anchor="ctr"/>
           <a:lstStyle/>
           <a:p>
-            <a:pPr marL="0" marR="0" lvl="0" indent="0" algn="ctr" defTabSz="914400" rtl="0" eaLnBrk="1" fontAlgn="auto" latinLnBrk="0" hangingPunct="1">
-              <a:lnSpc>
-                <a:spcPct val="100000"/>
-              </a:lnSpc>
-              <a:spcBef>
-                <a:spcPts val="0"/>
-              </a:spcBef>
-              <a:spcAft>
-                <a:spcPts val="0"/>
-              </a:spcAft>
-              <a:buClrTx/>
-              <a:buSzTx/>
-              <a:buFontTx/>
-              <a:buNone/>
-              <a:tabLst/>
-              <a:defRPr/>
-            </a:pPr>
-            <a:endParaRPr kumimoji="1" lang="en-US" sz="1800" b="0" i="0" u="none" strike="noStrike" kern="1200" cap="none" spc="0" normalizeH="0" baseline="0" noProof="0">
-              <a:ln>
-                <a:noFill/>
-              </a:ln>
-              <a:solidFill>
-                <a:prstClr val="white"/>
-              </a:solidFill>
-              <a:effectLst/>
-              <a:uLnTx/>
-              <a:uFillTx/>
-              <a:latin typeface="游ゴシック" panose="020F0502020204030204"/>
-              <a:ea typeface="+mn-ea"/>
-              <a:cs typeface="+mn-cs"/>
-            </a:endParaRPr>
+            <a:pPr algn="ctr"/>
+            <a:endParaRPr lang="en-US"/>
           </a:p>
         </p:txBody>
       </p:sp>
@@ -14357,37 +14315,8 @@
           <a:bodyPr rtlCol="0" anchor="ctr"/>
           <a:lstStyle/>
           <a:p>
-            <a:pPr marL="0" marR="0" lvl="0" indent="0" algn="ctr" defTabSz="914400" rtl="0" eaLnBrk="1" fontAlgn="auto" latinLnBrk="0" hangingPunct="1">
-              <a:lnSpc>
-                <a:spcPct val="100000"/>
-              </a:lnSpc>
-              <a:spcBef>
-                <a:spcPts val="0"/>
-              </a:spcBef>
-              <a:spcAft>
-                <a:spcPts val="0"/>
-              </a:spcAft>
-              <a:buClrTx/>
-              <a:buSzTx/>
-              <a:buFontTx/>
-              <a:buNone/>
-              <a:tabLst/>
-              <a:defRPr/>
-            </a:pPr>
-            <a:endParaRPr kumimoji="1" lang="en-US" sz="1800" b="0" i="0" u="none" strike="noStrike" kern="1200" cap="none" spc="0" normalizeH="0" baseline="0" noProof="0">
-              <a:ln>
-                <a:noFill/>
-              </a:ln>
-              <a:solidFill>
-                <a:prstClr val="white"/>
-              </a:solidFill>
-              <a:effectLst/>
-              <a:uLnTx/>
-              <a:uFillTx/>
-              <a:latin typeface="游ゴシック" panose="020F0502020204030204"/>
-              <a:ea typeface="+mn-ea"/>
-              <a:cs typeface="+mn-cs"/>
-            </a:endParaRPr>
+            <a:pPr algn="ctr"/>
+            <a:endParaRPr lang="en-US"/>
           </a:p>
         </p:txBody>
       </p:sp>
@@ -14496,776 +14425,6 @@
           </a:bodyPr>
           <a:lstStyle/>
           <a:p>
-            <a:pPr marL="0" marR="0" lvl="0" indent="0" algn="ctr" defTabSz="914400" rtl="0" eaLnBrk="1" fontAlgn="auto" latinLnBrk="0" hangingPunct="1">
-              <a:lnSpc>
-                <a:spcPct val="100000"/>
-              </a:lnSpc>
-              <a:spcBef>
-                <a:spcPts val="0"/>
-              </a:spcBef>
-              <a:spcAft>
-                <a:spcPts val="0"/>
-              </a:spcAft>
-              <a:buClrTx/>
-              <a:buSzTx/>
-              <a:buFontTx/>
-              <a:buNone/>
-              <a:tabLst/>
-              <a:defRPr/>
-            </a:pPr>
-            <a:endParaRPr kumimoji="1" lang="en-US" sz="1800" b="0" i="0" u="none" strike="noStrike" kern="1200" cap="none" spc="0" normalizeH="0" baseline="0" noProof="0">
-              <a:ln>
-                <a:noFill/>
-              </a:ln>
-              <a:solidFill>
-                <a:prstClr val="white"/>
-              </a:solidFill>
-              <a:effectLst/>
-              <a:uLnTx/>
-              <a:uFillTx/>
-              <a:latin typeface="游ゴシック" panose="020F0502020204030204"/>
-              <a:ea typeface="+mn-ea"/>
-              <a:cs typeface="+mn-cs"/>
-            </a:endParaRPr>
-          </a:p>
-        </p:txBody>
-      </p:sp>
-      <p:sp>
-        <p:nvSpPr>
-          <p:cNvPr id="3" name="コンテンツ プレースホルダー 2">
-            <a:extLst>
-              <a:ext uri="{FF2B5EF4-FFF2-40B4-BE49-F238E27FC236}">
-                <a16:creationId xmlns:a16="http://schemas.microsoft.com/office/drawing/2014/main" id="{0B8F125D-032D-9846-52B7-5057FE04674A}"/>
-              </a:ext>
-            </a:extLst>
-          </p:cNvPr>
-          <p:cNvSpPr>
-            <a:spLocks noGrp="1"/>
-          </p:cNvSpPr>
-          <p:nvPr>
-            <p:ph idx="1"/>
-          </p:nvPr>
-        </p:nvSpPr>
-        <p:spPr>
-          <a:xfrm>
-            <a:off x="838201" y="949569"/>
-            <a:ext cx="10515598" cy="5580185"/>
-          </a:xfrm>
-        </p:spPr>
-        <p:txBody>
-          <a:bodyPr>
-            <a:normAutofit/>
-          </a:bodyPr>
-          <a:lstStyle/>
-          <a:p>
-            <a:pPr marL="0" indent="0">
-              <a:buNone/>
-            </a:pPr>
-            <a:r>
-              <a:rPr kumimoji="1" lang="ja-JP" altLang="en-US" sz="4000" dirty="0">
-                <a:solidFill>
-                  <a:srgbClr val="FFFFFF"/>
-                </a:solidFill>
-              </a:rPr>
-              <a:t>絵作りのテクニック</a:t>
-            </a:r>
-            <a:endParaRPr kumimoji="1" lang="en-US" altLang="ja-JP" sz="4000" dirty="0">
-              <a:solidFill>
-                <a:srgbClr val="FFFFFF"/>
-              </a:solidFill>
-            </a:endParaRPr>
-          </a:p>
-          <a:p>
-            <a:pPr marL="0" indent="0">
-              <a:buNone/>
-            </a:pPr>
-            <a:r>
-              <a:rPr kumimoji="1" lang="ja-JP" altLang="en-US" sz="2000" dirty="0">
-                <a:solidFill>
-                  <a:srgbClr val="FFFFFF"/>
-                </a:solidFill>
-              </a:rPr>
-              <a:t>・レイマーチング法</a:t>
-            </a:r>
-            <a:endParaRPr kumimoji="1" lang="en-US" altLang="ja-JP" sz="2000" dirty="0">
-              <a:solidFill>
-                <a:srgbClr val="FFFFFF"/>
-              </a:solidFill>
-            </a:endParaRPr>
-          </a:p>
-          <a:p>
-            <a:pPr marL="0" indent="0">
-              <a:buNone/>
-            </a:pPr>
-            <a:r>
-              <a:rPr lang="ja-JP" altLang="en-US" sz="2000" dirty="0">
-                <a:solidFill>
-                  <a:srgbClr val="FFFFFF"/>
-                </a:solidFill>
-              </a:rPr>
-              <a:t>・</a:t>
-            </a:r>
-            <a:r>
-              <a:rPr lang="en-US" altLang="ja-JP" sz="2000" dirty="0" err="1">
-                <a:solidFill>
-                  <a:srgbClr val="FFFFFF"/>
-                </a:solidFill>
-              </a:rPr>
-              <a:t>DistanceField</a:t>
-            </a:r>
-            <a:endParaRPr lang="en-US" altLang="ja-JP" sz="2000" dirty="0">
-              <a:solidFill>
-                <a:srgbClr val="FFFFFF"/>
-              </a:solidFill>
-            </a:endParaRPr>
-          </a:p>
-          <a:p>
-            <a:pPr marL="0" indent="0">
-              <a:buNone/>
-            </a:pPr>
-            <a:r>
-              <a:rPr kumimoji="1" lang="ja-JP" altLang="en-US" sz="2000" dirty="0">
-                <a:solidFill>
-                  <a:srgbClr val="FFFFFF"/>
-                </a:solidFill>
-              </a:rPr>
-              <a:t>・ノイズ</a:t>
-            </a:r>
-            <a:endParaRPr kumimoji="1" lang="en-US" altLang="ja-JP" sz="2000" dirty="0">
-              <a:solidFill>
-                <a:srgbClr val="FFFFFF"/>
-              </a:solidFill>
-            </a:endParaRPr>
-          </a:p>
-          <a:p>
-            <a:pPr marL="0" indent="0">
-              <a:buNone/>
-            </a:pPr>
-            <a:r>
-              <a:rPr lang="ja-JP" altLang="en-US" sz="2000" dirty="0">
-                <a:solidFill>
-                  <a:srgbClr val="FFFFFF"/>
-                </a:solidFill>
-              </a:rPr>
-              <a:t>・フレームバッファ</a:t>
-            </a:r>
-            <a:endParaRPr lang="en-US" altLang="ja-JP" sz="2000" dirty="0">
-              <a:solidFill>
-                <a:srgbClr val="FFFFFF"/>
-              </a:solidFill>
-            </a:endParaRPr>
-          </a:p>
-          <a:p>
-            <a:pPr marL="0" indent="0">
-              <a:buNone/>
-            </a:pPr>
-            <a:r>
-              <a:rPr kumimoji="1" lang="ja-JP" altLang="en-US" sz="2000" dirty="0">
-                <a:solidFill>
-                  <a:srgbClr val="FFFFFF"/>
-                </a:solidFill>
-              </a:rPr>
-              <a:t>・</a:t>
-            </a:r>
-            <a:r>
-              <a:rPr kumimoji="1" lang="en-US" altLang="ja-JP" sz="2000" dirty="0" err="1">
-                <a:solidFill>
-                  <a:srgbClr val="FFFFFF"/>
-                </a:solidFill>
-              </a:rPr>
-              <a:t>etc</a:t>
-            </a:r>
-            <a:r>
-              <a:rPr kumimoji="1" lang="en-US" altLang="ja-JP" sz="2000" dirty="0">
-                <a:solidFill>
-                  <a:srgbClr val="FFFFFF"/>
-                </a:solidFill>
-              </a:rPr>
-              <a:t>…</a:t>
-            </a:r>
-          </a:p>
-          <a:p>
-            <a:pPr marL="0" indent="0">
-              <a:buNone/>
-            </a:pPr>
-            <a:endParaRPr lang="en-US" altLang="ja-JP" sz="2000" dirty="0">
-              <a:solidFill>
-                <a:srgbClr val="FFFFFF"/>
-              </a:solidFill>
-            </a:endParaRPr>
-          </a:p>
-          <a:p>
-            <a:pPr marL="0" indent="0">
-              <a:buNone/>
-            </a:pPr>
-            <a:r>
-              <a:rPr kumimoji="1" lang="ja-JP" altLang="en-US" sz="4000" dirty="0">
-                <a:solidFill>
-                  <a:srgbClr val="FFFFFF"/>
-                </a:solidFill>
-              </a:rPr>
-              <a:t>コード短縮のテクニック</a:t>
-            </a:r>
-            <a:endParaRPr kumimoji="1" lang="en-US" altLang="ja-JP" sz="4000" dirty="0">
-              <a:solidFill>
-                <a:srgbClr val="FFFFFF"/>
-              </a:solidFill>
-            </a:endParaRPr>
-          </a:p>
-          <a:p>
-            <a:pPr marL="0" indent="0">
-              <a:buNone/>
-            </a:pPr>
-            <a:r>
-              <a:rPr kumimoji="1" lang="ja-JP" altLang="en-US" sz="2000" dirty="0">
-                <a:solidFill>
-                  <a:srgbClr val="FFFFFF"/>
-                </a:solidFill>
-              </a:rPr>
-              <a:t>・</a:t>
-            </a:r>
-            <a:r>
-              <a:rPr kumimoji="1" lang="en-US" altLang="ja-JP" sz="2000" dirty="0">
-                <a:solidFill>
-                  <a:srgbClr val="FFFFFF"/>
-                </a:solidFill>
-              </a:rPr>
-              <a:t>#define</a:t>
-            </a:r>
-            <a:r>
-              <a:rPr kumimoji="1" lang="ja-JP" altLang="en-US" sz="2000" dirty="0">
-                <a:solidFill>
-                  <a:srgbClr val="FFFFFF"/>
-                </a:solidFill>
-              </a:rPr>
-              <a:t>の活用</a:t>
-            </a:r>
-            <a:endParaRPr kumimoji="1" lang="en-US" altLang="ja-JP" sz="2000" dirty="0">
-              <a:solidFill>
-                <a:srgbClr val="FFFFFF"/>
-              </a:solidFill>
-            </a:endParaRPr>
-          </a:p>
-          <a:p>
-            <a:pPr marL="0" indent="0">
-              <a:buNone/>
-            </a:pPr>
-            <a:r>
-              <a:rPr lang="ja-JP" altLang="en-US" sz="2000" dirty="0">
-                <a:solidFill>
-                  <a:srgbClr val="FFFFFF"/>
-                </a:solidFill>
-              </a:rPr>
-              <a:t>・式の展開</a:t>
-            </a:r>
-            <a:endParaRPr lang="en-US" altLang="ja-JP" sz="2000" dirty="0">
-              <a:solidFill>
-                <a:srgbClr val="FFFFFF"/>
-              </a:solidFill>
-            </a:endParaRPr>
-          </a:p>
-          <a:p>
-            <a:pPr marL="0" indent="0">
-              <a:buNone/>
-            </a:pPr>
-            <a:r>
-              <a:rPr kumimoji="1" lang="ja-JP" altLang="en-US" sz="2000" dirty="0">
-                <a:solidFill>
-                  <a:srgbClr val="FFFFFF"/>
-                </a:solidFill>
-              </a:rPr>
-              <a:t>・算術演算子による型のキャスト</a:t>
-            </a:r>
-            <a:endParaRPr kumimoji="1" lang="en-US" altLang="ja-JP" sz="2000" dirty="0">
-              <a:solidFill>
-                <a:srgbClr val="FFFFFF"/>
-              </a:solidFill>
-            </a:endParaRPr>
-          </a:p>
-          <a:p>
-            <a:pPr marL="0" indent="0">
-              <a:buNone/>
-            </a:pPr>
-            <a:r>
-              <a:rPr lang="ja-JP" altLang="en-US" sz="2000" dirty="0">
-                <a:solidFill>
-                  <a:srgbClr val="FFFFFF"/>
-                </a:solidFill>
-              </a:rPr>
-              <a:t>・</a:t>
-            </a:r>
-            <a:r>
-              <a:rPr lang="en-US" altLang="ja-JP" sz="2000" dirty="0" err="1">
-                <a:solidFill>
-                  <a:srgbClr val="FFFFFF"/>
-                </a:solidFill>
-              </a:rPr>
-              <a:t>etc</a:t>
-            </a:r>
-            <a:r>
-              <a:rPr lang="en-US" altLang="ja-JP" sz="2000" dirty="0">
-                <a:solidFill>
-                  <a:srgbClr val="FFFFFF"/>
-                </a:solidFill>
-              </a:rPr>
-              <a:t>…</a:t>
-            </a:r>
-            <a:endParaRPr kumimoji="1" lang="ja-JP" altLang="en-US" sz="2000" dirty="0">
-              <a:solidFill>
-                <a:srgbClr val="FFFFFF"/>
-              </a:solidFill>
-            </a:endParaRPr>
-          </a:p>
-        </p:txBody>
-      </p:sp>
-      <p:pic>
-        <p:nvPicPr>
-          <p:cNvPr id="4" name="図 3">
-            <a:extLst>
-              <a:ext uri="{FF2B5EF4-FFF2-40B4-BE49-F238E27FC236}">
-                <a16:creationId xmlns:a16="http://schemas.microsoft.com/office/drawing/2014/main" id="{56FAA8C8-8B37-D0DD-3E93-B6426EA97101}"/>
-              </a:ext>
-            </a:extLst>
-          </p:cNvPr>
-          <p:cNvPicPr>
-            <a:picLocks noChangeAspect="1"/>
-          </p:cNvPicPr>
-          <p:nvPr/>
-        </p:nvPicPr>
-        <p:blipFill>
-          <a:blip r:embed="rId3"/>
-          <a:stretch>
-            <a:fillRect/>
-          </a:stretch>
-        </p:blipFill>
-        <p:spPr>
-          <a:xfrm>
-            <a:off x="7775482" y="683460"/>
-            <a:ext cx="3088664" cy="3056201"/>
-          </a:xfrm>
-          <a:prstGeom prst="rect">
-            <a:avLst/>
-          </a:prstGeom>
-        </p:spPr>
-      </p:pic>
-      <p:pic>
-        <p:nvPicPr>
-          <p:cNvPr id="6" name="図 5">
-            <a:extLst>
-              <a:ext uri="{FF2B5EF4-FFF2-40B4-BE49-F238E27FC236}">
-                <a16:creationId xmlns:a16="http://schemas.microsoft.com/office/drawing/2014/main" id="{94ABF7EC-6642-5224-4602-9CBC2A9DB6B6}"/>
-              </a:ext>
-            </a:extLst>
-          </p:cNvPr>
-          <p:cNvPicPr>
-            <a:picLocks noChangeAspect="1"/>
-          </p:cNvPicPr>
-          <p:nvPr/>
-        </p:nvPicPr>
-        <p:blipFill>
-          <a:blip r:embed="rId4"/>
-          <a:stretch>
-            <a:fillRect/>
-          </a:stretch>
-        </p:blipFill>
-        <p:spPr>
-          <a:xfrm>
-            <a:off x="7012393" y="4320133"/>
-            <a:ext cx="4614837" cy="844970"/>
-          </a:xfrm>
-          <a:prstGeom prst="rect">
-            <a:avLst/>
-          </a:prstGeom>
-        </p:spPr>
-      </p:pic>
-      <p:pic>
-        <p:nvPicPr>
-          <p:cNvPr id="9" name="図 8">
-            <a:extLst>
-              <a:ext uri="{FF2B5EF4-FFF2-40B4-BE49-F238E27FC236}">
-                <a16:creationId xmlns:a16="http://schemas.microsoft.com/office/drawing/2014/main" id="{5B469AE7-73C9-15AB-DC0C-3843088005DE}"/>
-              </a:ext>
-            </a:extLst>
-          </p:cNvPr>
-          <p:cNvPicPr>
-            <a:picLocks noChangeAspect="1"/>
-          </p:cNvPicPr>
-          <p:nvPr/>
-        </p:nvPicPr>
-        <p:blipFill>
-          <a:blip r:embed="rId5"/>
-          <a:stretch>
-            <a:fillRect/>
-          </a:stretch>
-        </p:blipFill>
-        <p:spPr>
-          <a:xfrm>
-            <a:off x="6542741" y="5788226"/>
-            <a:ext cx="5554139" cy="511118"/>
-          </a:xfrm>
-          <a:prstGeom prst="rect">
-            <a:avLst/>
-          </a:prstGeom>
-        </p:spPr>
-      </p:pic>
-      <p:cxnSp>
-        <p:nvCxnSpPr>
-          <p:cNvPr id="13" name="直線矢印コネクタ 12">
-            <a:extLst>
-              <a:ext uri="{FF2B5EF4-FFF2-40B4-BE49-F238E27FC236}">
-                <a16:creationId xmlns:a16="http://schemas.microsoft.com/office/drawing/2014/main" id="{DACF9A58-C653-A0DA-0B04-573010930A35}"/>
-              </a:ext>
-            </a:extLst>
-          </p:cNvPr>
-          <p:cNvCxnSpPr>
-            <a:cxnSpLocks/>
-          </p:cNvCxnSpPr>
-          <p:nvPr/>
-        </p:nvCxnSpPr>
-        <p:spPr>
-          <a:xfrm flipH="1">
-            <a:off x="9319810" y="5263281"/>
-            <a:ext cx="1" cy="426766"/>
-          </a:xfrm>
-          <a:prstGeom prst="straightConnector1">
-            <a:avLst/>
-          </a:prstGeom>
-          <a:ln w="57150">
-            <a:solidFill>
-              <a:schemeClr val="tx1"/>
-            </a:solidFill>
-            <a:tailEnd type="triangle"/>
-          </a:ln>
-        </p:spPr>
-        <p:style>
-          <a:lnRef idx="1">
-            <a:schemeClr val="accent1"/>
-          </a:lnRef>
-          <a:fillRef idx="0">
-            <a:schemeClr val="accent1"/>
-          </a:fillRef>
-          <a:effectRef idx="0">
-            <a:schemeClr val="accent1"/>
-          </a:effectRef>
-          <a:fontRef idx="minor">
-            <a:schemeClr val="tx1"/>
-          </a:fontRef>
-        </p:style>
-      </p:cxnSp>
-    </p:spTree>
-    <p:extLst>
-      <p:ext uri="{BB962C8B-B14F-4D97-AF65-F5344CB8AC3E}">
-        <p14:creationId xmlns:p14="http://schemas.microsoft.com/office/powerpoint/2010/main" val="3426547557"/>
-      </p:ext>
-    </p:extLst>
-  </p:cSld>
-  <p:clrMapOvr>
-    <a:overrideClrMapping bg1="dk1" tx1="lt1" bg2="dk2" tx2="lt2" accent1="accent1" accent2="accent2" accent3="accent3" accent4="accent4" accent5="accent5" accent6="accent6" hlink="hlink" folHlink="folHlink"/>
-  </p:clrMapOvr>
-</p:sld>
-</file>
-
-<file path=ppt/slides/slide2.xml><?xml version="1.0" encoding="utf-8"?>
-<p:sld xmlns:a="http://schemas.openxmlformats.org/drawingml/2006/main" xmlns:r="http://schemas.openxmlformats.org/officeDocument/2006/relationships" xmlns:p="http://schemas.openxmlformats.org/presentationml/2006/main">
-  <p:cSld>
-    <p:bg>
-      <p:bgPr>
-        <a:solidFill>
-          <a:srgbClr val="404040"/>
-        </a:solidFill>
-        <a:effectLst/>
-      </p:bgPr>
-    </p:bg>
-    <p:spTree>
-      <p:nvGrpSpPr>
-        <p:cNvPr id="1" name=""/>
-        <p:cNvGrpSpPr/>
-        <p:nvPr/>
-      </p:nvGrpSpPr>
-      <p:grpSpPr>
-        <a:xfrm>
-          <a:off x="0" y="0"/>
-          <a:ext cx="0" cy="0"/>
-          <a:chOff x="0" y="0"/>
-          <a:chExt cx="0" cy="0"/>
-        </a:xfrm>
-      </p:grpSpPr>
-      <p:sp>
-        <p:nvSpPr>
-          <p:cNvPr id="8" name="Rectangle 7">
-            <a:extLst>
-              <a:ext uri="{FF2B5EF4-FFF2-40B4-BE49-F238E27FC236}">
-                <a16:creationId xmlns:a16="http://schemas.microsoft.com/office/drawing/2014/main" id="{EA67B5B4-3A24-436E-B663-1B2EBFF8A0CD}"/>
-              </a:ext>
-              <a:ext uri="{C183D7F6-B498-43B3-948B-1728B52AA6E4}">
-                <adec:decorative xmlns:adec="http://schemas.microsoft.com/office/drawing/2017/decorative" val="1"/>
-              </a:ext>
-            </a:extLst>
-          </p:cNvPr>
-          <p:cNvSpPr>
-            <a:spLocks noGrp="1" noRot="1" noChangeAspect="1" noMove="1" noResize="1" noEditPoints="1" noAdjustHandles="1" noChangeArrowheads="1" noChangeShapeType="1" noTextEdit="1"/>
-          </p:cNvSpPr>
-          <p:nvPr>
-            <p:extLst>
-              <p:ext uri="{386F3935-93C4-4BCD-93E2-E3B085C9AB24}">
-                <p16:designElem xmlns:p16="http://schemas.microsoft.com/office/powerpoint/2015/main" val="1"/>
-              </p:ext>
-            </p:extLst>
-          </p:nvPr>
-        </p:nvSpPr>
-        <p:spPr>
-          <a:xfrm>
-            <a:off x="0" y="-3324"/>
-            <a:ext cx="12192000" cy="6861324"/>
-          </a:xfrm>
-          <a:prstGeom prst="rect">
-            <a:avLst/>
-          </a:prstGeom>
-          <a:solidFill>
-            <a:srgbClr val="404040"/>
-          </a:solidFill>
-          <a:ln>
-            <a:noFill/>
-          </a:ln>
-        </p:spPr>
-        <p:style>
-          <a:lnRef idx="2">
-            <a:schemeClr val="accent1">
-              <a:shade val="50000"/>
-            </a:schemeClr>
-          </a:lnRef>
-          <a:fillRef idx="1">
-            <a:schemeClr val="accent1"/>
-          </a:fillRef>
-          <a:effectRef idx="0">
-            <a:schemeClr val="accent1"/>
-          </a:effectRef>
-          <a:fontRef idx="minor">
-            <a:schemeClr val="lt1"/>
-          </a:fontRef>
-        </p:style>
-        <p:txBody>
-          <a:bodyPr rtlCol="0" anchor="ctr"/>
-          <a:lstStyle/>
-          <a:p>
-            <a:pPr algn="ctr"/>
-            <a:endParaRPr lang="en-US"/>
-          </a:p>
-        </p:txBody>
-      </p:sp>
-      <p:sp>
-        <p:nvSpPr>
-          <p:cNvPr id="10" name="Freeform 13">
-            <a:extLst>
-              <a:ext uri="{FF2B5EF4-FFF2-40B4-BE49-F238E27FC236}">
-                <a16:creationId xmlns:a16="http://schemas.microsoft.com/office/drawing/2014/main" id="{987FDF89-C993-41F4-A1B8-DBAFF16008A9}"/>
-              </a:ext>
-              <a:ext uri="{C183D7F6-B498-43B3-948B-1728B52AA6E4}">
-                <adec:decorative xmlns:adec="http://schemas.microsoft.com/office/drawing/2017/decorative" val="1"/>
-              </a:ext>
-            </a:extLst>
-          </p:cNvPr>
-          <p:cNvSpPr>
-            <a:spLocks noGrp="1" noRot="1" noChangeAspect="1" noMove="1" noResize="1" noEditPoints="1" noAdjustHandles="1" noChangeArrowheads="1" noChangeShapeType="1" noTextEdit="1"/>
-          </p:cNvSpPr>
-          <p:nvPr>
-            <p:extLst>
-              <p:ext uri="{386F3935-93C4-4BCD-93E2-E3B085C9AB24}">
-                <p16:designElem xmlns:p16="http://schemas.microsoft.com/office/powerpoint/2015/main" val="1"/>
-              </p:ext>
-            </p:extLst>
-          </p:nvPr>
-        </p:nvSpPr>
-        <p:spPr>
-          <a:xfrm>
-            <a:off x="0" y="0"/>
-            <a:ext cx="11786754" cy="6858000"/>
-          </a:xfrm>
-          <a:custGeom>
-            <a:avLst/>
-            <a:gdLst>
-              <a:gd name="connsiteX0" fmla="*/ 0 w 11786754"/>
-              <a:gd name="connsiteY0" fmla="*/ 0 h 6858000"/>
-              <a:gd name="connsiteX1" fmla="*/ 8610600 w 11786754"/>
-              <a:gd name="connsiteY1" fmla="*/ 0 h 6858000"/>
-              <a:gd name="connsiteX2" fmla="*/ 11786754 w 11786754"/>
-              <a:gd name="connsiteY2" fmla="*/ 6858000 h 6858000"/>
-              <a:gd name="connsiteX3" fmla="*/ 0 w 11786754"/>
-              <a:gd name="connsiteY3" fmla="*/ 6858000 h 6858000"/>
-            </a:gdLst>
-            <a:ahLst/>
-            <a:cxnLst>
-              <a:cxn ang="0">
-                <a:pos x="connsiteX0" y="connsiteY0"/>
-              </a:cxn>
-              <a:cxn ang="0">
-                <a:pos x="connsiteX1" y="connsiteY1"/>
-              </a:cxn>
-              <a:cxn ang="0">
-                <a:pos x="connsiteX2" y="connsiteY2"/>
-              </a:cxn>
-              <a:cxn ang="0">
-                <a:pos x="connsiteX3" y="connsiteY3"/>
-              </a:cxn>
-            </a:cxnLst>
-            <a:rect l="l" t="t" r="r" b="b"/>
-            <a:pathLst>
-              <a:path w="11786754" h="6858000">
-                <a:moveTo>
-                  <a:pt x="0" y="0"/>
-                </a:moveTo>
-                <a:lnTo>
-                  <a:pt x="8610600" y="0"/>
-                </a:lnTo>
-                <a:lnTo>
-                  <a:pt x="11786754" y="6858000"/>
-                </a:lnTo>
-                <a:lnTo>
-                  <a:pt x="0" y="6858000"/>
-                </a:lnTo>
-                <a:close/>
-              </a:path>
-            </a:pathLst>
-          </a:custGeom>
-          <a:solidFill>
-            <a:srgbClr val="000000">
-              <a:alpha val="29804"/>
-            </a:srgbClr>
-          </a:solidFill>
-          <a:ln>
-            <a:noFill/>
-          </a:ln>
-        </p:spPr>
-        <p:style>
-          <a:lnRef idx="2">
-            <a:schemeClr val="accent1">
-              <a:shade val="50000"/>
-            </a:schemeClr>
-          </a:lnRef>
-          <a:fillRef idx="1">
-            <a:schemeClr val="accent1"/>
-          </a:fillRef>
-          <a:effectRef idx="0">
-            <a:schemeClr val="accent1"/>
-          </a:effectRef>
-          <a:fontRef idx="minor">
-            <a:schemeClr val="lt1"/>
-          </a:fontRef>
-        </p:style>
-        <p:txBody>
-          <a:bodyPr rtlCol="0" anchor="ctr"/>
-          <a:lstStyle/>
-          <a:p>
-            <a:pPr algn="ctr"/>
-            <a:endParaRPr lang="en-US"/>
-          </a:p>
-        </p:txBody>
-      </p:sp>
-      <p:sp>
-        <p:nvSpPr>
-          <p:cNvPr id="12" name="Freeform 11">
-            <a:extLst>
-              <a:ext uri="{FF2B5EF4-FFF2-40B4-BE49-F238E27FC236}">
-                <a16:creationId xmlns:a16="http://schemas.microsoft.com/office/drawing/2014/main" id="{64E585EA-75FD-4025-8270-F66A58A15CDA}"/>
-              </a:ext>
-              <a:ext uri="{C183D7F6-B498-43B3-948B-1728B52AA6E4}">
-                <adec:decorative xmlns:adec="http://schemas.microsoft.com/office/drawing/2017/decorative" val="1"/>
-              </a:ext>
-            </a:extLst>
-          </p:cNvPr>
-          <p:cNvSpPr>
-            <a:spLocks noGrp="1" noRot="1" noChangeAspect="1" noMove="1" noResize="1" noEditPoints="1" noAdjustHandles="1" noChangeArrowheads="1" noChangeShapeType="1" noTextEdit="1"/>
-          </p:cNvSpPr>
-          <p:nvPr>
-            <p:extLst>
-              <p:ext uri="{386F3935-93C4-4BCD-93E2-E3B085C9AB24}">
-                <p16:designElem xmlns:p16="http://schemas.microsoft.com/office/powerpoint/2015/main" val="1"/>
-              </p:ext>
-            </p:extLst>
-          </p:nvPr>
-        </p:nvSpPr>
-        <p:spPr>
-          <a:xfrm>
-            <a:off x="0" y="0"/>
-            <a:ext cx="3581400" cy="6858000"/>
-          </a:xfrm>
-          <a:custGeom>
-            <a:avLst/>
-            <a:gdLst>
-              <a:gd name="connsiteX0" fmla="*/ 0 w 3581400"/>
-              <a:gd name="connsiteY0" fmla="*/ 0 h 6858000"/>
-              <a:gd name="connsiteX1" fmla="*/ 405246 w 3581400"/>
-              <a:gd name="connsiteY1" fmla="*/ 0 h 6858000"/>
-              <a:gd name="connsiteX2" fmla="*/ 3581400 w 3581400"/>
-              <a:gd name="connsiteY2" fmla="*/ 6858000 h 6858000"/>
-              <a:gd name="connsiteX3" fmla="*/ 0 w 3581400"/>
-              <a:gd name="connsiteY3" fmla="*/ 6858000 h 6858000"/>
-            </a:gdLst>
-            <a:ahLst/>
-            <a:cxnLst>
-              <a:cxn ang="0">
-                <a:pos x="connsiteX0" y="connsiteY0"/>
-              </a:cxn>
-              <a:cxn ang="0">
-                <a:pos x="connsiteX1" y="connsiteY1"/>
-              </a:cxn>
-              <a:cxn ang="0">
-                <a:pos x="connsiteX2" y="connsiteY2"/>
-              </a:cxn>
-              <a:cxn ang="0">
-                <a:pos x="connsiteX3" y="connsiteY3"/>
-              </a:cxn>
-            </a:cxnLst>
-            <a:rect l="l" t="t" r="r" b="b"/>
-            <a:pathLst>
-              <a:path w="3581400" h="6858000">
-                <a:moveTo>
-                  <a:pt x="0" y="0"/>
-                </a:moveTo>
-                <a:lnTo>
-                  <a:pt x="405246" y="0"/>
-                </a:lnTo>
-                <a:lnTo>
-                  <a:pt x="3581400" y="6858000"/>
-                </a:lnTo>
-                <a:lnTo>
-                  <a:pt x="0" y="6858000"/>
-                </a:lnTo>
-                <a:close/>
-              </a:path>
-            </a:pathLst>
-          </a:custGeom>
-          <a:solidFill>
-            <a:srgbClr val="000000">
-              <a:alpha val="29804"/>
-            </a:srgbClr>
-          </a:solidFill>
-          <a:ln>
-            <a:noFill/>
-          </a:ln>
-        </p:spPr>
-        <p:style>
-          <a:lnRef idx="2">
-            <a:schemeClr val="accent1">
-              <a:shade val="50000"/>
-            </a:schemeClr>
-          </a:lnRef>
-          <a:fillRef idx="1">
-            <a:schemeClr val="accent1"/>
-          </a:fillRef>
-          <a:effectRef idx="0">
-            <a:schemeClr val="accent1"/>
-          </a:effectRef>
-          <a:fontRef idx="minor">
-            <a:schemeClr val="lt1"/>
-          </a:fontRef>
-        </p:style>
-        <p:txBody>
-          <a:bodyPr wrap="square" rtlCol="0" anchor="ctr">
-            <a:noAutofit/>
-          </a:bodyPr>
-          <a:lstStyle/>
-          <a:p>
             <a:pPr algn="ctr"/>
             <a:endParaRPr lang="en-US"/>
           </a:p>
@@ -15755,860 +14914,6 @@
     <p:extLst>
       <p:ext uri="{BB962C8B-B14F-4D97-AF65-F5344CB8AC3E}">
         <p14:creationId xmlns:p14="http://schemas.microsoft.com/office/powerpoint/2010/main" val="2011662562"/>
-      </p:ext>
-    </p:extLst>
-  </p:cSld>
-  <p:clrMapOvr>
-    <a:overrideClrMapping bg1="dk1" tx1="lt1" bg2="dk2" tx2="lt2" accent1="accent1" accent2="accent2" accent3="accent3" accent4="accent4" accent5="accent5" accent6="accent6" hlink="hlink" folHlink="folHlink"/>
-  </p:clrMapOvr>
-</p:sld>
-</file>
-
-<file path=ppt/slides/slide20.xml><?xml version="1.0" encoding="utf-8"?>
-<p:sld xmlns:a="http://schemas.openxmlformats.org/drawingml/2006/main" xmlns:r="http://schemas.openxmlformats.org/officeDocument/2006/relationships" xmlns:p="http://schemas.openxmlformats.org/presentationml/2006/main">
-  <p:cSld>
-    <p:bg>
-      <p:bgPr>
-        <a:solidFill>
-          <a:srgbClr val="404040"/>
-        </a:solidFill>
-        <a:effectLst/>
-      </p:bgPr>
-    </p:bg>
-    <p:spTree>
-      <p:nvGrpSpPr>
-        <p:cNvPr id="1" name=""/>
-        <p:cNvGrpSpPr/>
-        <p:nvPr/>
-      </p:nvGrpSpPr>
-      <p:grpSpPr>
-        <a:xfrm>
-          <a:off x="0" y="0"/>
-          <a:ext cx="0" cy="0"/>
-          <a:chOff x="0" y="0"/>
-          <a:chExt cx="0" cy="0"/>
-        </a:xfrm>
-      </p:grpSpPr>
-      <p:sp>
-        <p:nvSpPr>
-          <p:cNvPr id="8" name="Rectangle 7">
-            <a:extLst>
-              <a:ext uri="{FF2B5EF4-FFF2-40B4-BE49-F238E27FC236}">
-                <a16:creationId xmlns:a16="http://schemas.microsoft.com/office/drawing/2014/main" id="{EA67B5B4-3A24-436E-B663-1B2EBFF8A0CD}"/>
-              </a:ext>
-              <a:ext uri="{C183D7F6-B498-43B3-948B-1728B52AA6E4}">
-                <adec:decorative xmlns:adec="http://schemas.microsoft.com/office/drawing/2017/decorative" val="1"/>
-              </a:ext>
-            </a:extLst>
-          </p:cNvPr>
-          <p:cNvSpPr>
-            <a:spLocks noGrp="1" noRot="1" noChangeAspect="1" noMove="1" noResize="1" noEditPoints="1" noAdjustHandles="1" noChangeArrowheads="1" noChangeShapeType="1" noTextEdit="1"/>
-          </p:cNvSpPr>
-          <p:nvPr>
-            <p:extLst>
-              <p:ext uri="{386F3935-93C4-4BCD-93E2-E3B085C9AB24}">
-                <p16:designElem xmlns:p16="http://schemas.microsoft.com/office/powerpoint/2015/main" val="1"/>
-              </p:ext>
-            </p:extLst>
-          </p:nvPr>
-        </p:nvSpPr>
-        <p:spPr>
-          <a:xfrm>
-            <a:off x="0" y="-3324"/>
-            <a:ext cx="12192000" cy="6861324"/>
-          </a:xfrm>
-          <a:prstGeom prst="rect">
-            <a:avLst/>
-          </a:prstGeom>
-          <a:solidFill>
-            <a:srgbClr val="404040"/>
-          </a:solidFill>
-          <a:ln>
-            <a:noFill/>
-          </a:ln>
-        </p:spPr>
-        <p:style>
-          <a:lnRef idx="2">
-            <a:schemeClr val="accent1">
-              <a:shade val="50000"/>
-            </a:schemeClr>
-          </a:lnRef>
-          <a:fillRef idx="1">
-            <a:schemeClr val="accent1"/>
-          </a:fillRef>
-          <a:effectRef idx="0">
-            <a:schemeClr val="accent1"/>
-          </a:effectRef>
-          <a:fontRef idx="minor">
-            <a:schemeClr val="lt1"/>
-          </a:fontRef>
-        </p:style>
-        <p:txBody>
-          <a:bodyPr rtlCol="0" anchor="ctr"/>
-          <a:lstStyle/>
-          <a:p>
-            <a:pPr marL="0" marR="0" lvl="0" indent="0" algn="ctr" defTabSz="914400" rtl="0" eaLnBrk="1" fontAlgn="auto" latinLnBrk="0" hangingPunct="1">
-              <a:lnSpc>
-                <a:spcPct val="100000"/>
-              </a:lnSpc>
-              <a:spcBef>
-                <a:spcPts val="0"/>
-              </a:spcBef>
-              <a:spcAft>
-                <a:spcPts val="0"/>
-              </a:spcAft>
-              <a:buClrTx/>
-              <a:buSzTx/>
-              <a:buFontTx/>
-              <a:buNone/>
-              <a:tabLst/>
-              <a:defRPr/>
-            </a:pPr>
-            <a:endParaRPr kumimoji="1" lang="en-US" sz="1800" b="0" i="0" u="none" strike="noStrike" kern="1200" cap="none" spc="0" normalizeH="0" baseline="0" noProof="0">
-              <a:ln>
-                <a:noFill/>
-              </a:ln>
-              <a:solidFill>
-                <a:prstClr val="white"/>
-              </a:solidFill>
-              <a:effectLst/>
-              <a:uLnTx/>
-              <a:uFillTx/>
-              <a:latin typeface="游ゴシック" panose="020F0502020204030204"/>
-              <a:ea typeface="+mn-ea"/>
-              <a:cs typeface="+mn-cs"/>
-            </a:endParaRPr>
-          </a:p>
-        </p:txBody>
-      </p:sp>
-      <p:sp>
-        <p:nvSpPr>
-          <p:cNvPr id="10" name="Freeform 13">
-            <a:extLst>
-              <a:ext uri="{FF2B5EF4-FFF2-40B4-BE49-F238E27FC236}">
-                <a16:creationId xmlns:a16="http://schemas.microsoft.com/office/drawing/2014/main" id="{987FDF89-C993-41F4-A1B8-DBAFF16008A9}"/>
-              </a:ext>
-              <a:ext uri="{C183D7F6-B498-43B3-948B-1728B52AA6E4}">
-                <adec:decorative xmlns:adec="http://schemas.microsoft.com/office/drawing/2017/decorative" val="1"/>
-              </a:ext>
-            </a:extLst>
-          </p:cNvPr>
-          <p:cNvSpPr>
-            <a:spLocks noGrp="1" noRot="1" noChangeAspect="1" noMove="1" noResize="1" noEditPoints="1" noAdjustHandles="1" noChangeArrowheads="1" noChangeShapeType="1" noTextEdit="1"/>
-          </p:cNvSpPr>
-          <p:nvPr>
-            <p:extLst>
-              <p:ext uri="{386F3935-93C4-4BCD-93E2-E3B085C9AB24}">
-                <p16:designElem xmlns:p16="http://schemas.microsoft.com/office/powerpoint/2015/main" val="1"/>
-              </p:ext>
-            </p:extLst>
-          </p:nvPr>
-        </p:nvSpPr>
-        <p:spPr>
-          <a:xfrm>
-            <a:off x="0" y="0"/>
-            <a:ext cx="11786754" cy="6858000"/>
-          </a:xfrm>
-          <a:custGeom>
-            <a:avLst/>
-            <a:gdLst>
-              <a:gd name="connsiteX0" fmla="*/ 0 w 11786754"/>
-              <a:gd name="connsiteY0" fmla="*/ 0 h 6858000"/>
-              <a:gd name="connsiteX1" fmla="*/ 8610600 w 11786754"/>
-              <a:gd name="connsiteY1" fmla="*/ 0 h 6858000"/>
-              <a:gd name="connsiteX2" fmla="*/ 11786754 w 11786754"/>
-              <a:gd name="connsiteY2" fmla="*/ 6858000 h 6858000"/>
-              <a:gd name="connsiteX3" fmla="*/ 0 w 11786754"/>
-              <a:gd name="connsiteY3" fmla="*/ 6858000 h 6858000"/>
-            </a:gdLst>
-            <a:ahLst/>
-            <a:cxnLst>
-              <a:cxn ang="0">
-                <a:pos x="connsiteX0" y="connsiteY0"/>
-              </a:cxn>
-              <a:cxn ang="0">
-                <a:pos x="connsiteX1" y="connsiteY1"/>
-              </a:cxn>
-              <a:cxn ang="0">
-                <a:pos x="connsiteX2" y="connsiteY2"/>
-              </a:cxn>
-              <a:cxn ang="0">
-                <a:pos x="connsiteX3" y="connsiteY3"/>
-              </a:cxn>
-            </a:cxnLst>
-            <a:rect l="l" t="t" r="r" b="b"/>
-            <a:pathLst>
-              <a:path w="11786754" h="6858000">
-                <a:moveTo>
-                  <a:pt x="0" y="0"/>
-                </a:moveTo>
-                <a:lnTo>
-                  <a:pt x="8610600" y="0"/>
-                </a:lnTo>
-                <a:lnTo>
-                  <a:pt x="11786754" y="6858000"/>
-                </a:lnTo>
-                <a:lnTo>
-                  <a:pt x="0" y="6858000"/>
-                </a:lnTo>
-                <a:close/>
-              </a:path>
-            </a:pathLst>
-          </a:custGeom>
-          <a:solidFill>
-            <a:srgbClr val="000000">
-              <a:alpha val="29804"/>
-            </a:srgbClr>
-          </a:solidFill>
-          <a:ln>
-            <a:noFill/>
-          </a:ln>
-        </p:spPr>
-        <p:style>
-          <a:lnRef idx="2">
-            <a:schemeClr val="accent1">
-              <a:shade val="50000"/>
-            </a:schemeClr>
-          </a:lnRef>
-          <a:fillRef idx="1">
-            <a:schemeClr val="accent1"/>
-          </a:fillRef>
-          <a:effectRef idx="0">
-            <a:schemeClr val="accent1"/>
-          </a:effectRef>
-          <a:fontRef idx="minor">
-            <a:schemeClr val="lt1"/>
-          </a:fontRef>
-        </p:style>
-        <p:txBody>
-          <a:bodyPr rtlCol="0" anchor="ctr"/>
-          <a:lstStyle/>
-          <a:p>
-            <a:pPr marL="0" marR="0" lvl="0" indent="0" algn="ctr" defTabSz="914400" rtl="0" eaLnBrk="1" fontAlgn="auto" latinLnBrk="0" hangingPunct="1">
-              <a:lnSpc>
-                <a:spcPct val="100000"/>
-              </a:lnSpc>
-              <a:spcBef>
-                <a:spcPts val="0"/>
-              </a:spcBef>
-              <a:spcAft>
-                <a:spcPts val="0"/>
-              </a:spcAft>
-              <a:buClrTx/>
-              <a:buSzTx/>
-              <a:buFontTx/>
-              <a:buNone/>
-              <a:tabLst/>
-              <a:defRPr/>
-            </a:pPr>
-            <a:endParaRPr kumimoji="1" lang="en-US" sz="1800" b="0" i="0" u="none" strike="noStrike" kern="1200" cap="none" spc="0" normalizeH="0" baseline="0" noProof="0">
-              <a:ln>
-                <a:noFill/>
-              </a:ln>
-              <a:solidFill>
-                <a:prstClr val="white"/>
-              </a:solidFill>
-              <a:effectLst/>
-              <a:uLnTx/>
-              <a:uFillTx/>
-              <a:latin typeface="游ゴシック" panose="020F0502020204030204"/>
-              <a:ea typeface="+mn-ea"/>
-              <a:cs typeface="+mn-cs"/>
-            </a:endParaRPr>
-          </a:p>
-        </p:txBody>
-      </p:sp>
-      <p:sp>
-        <p:nvSpPr>
-          <p:cNvPr id="12" name="Freeform 11">
-            <a:extLst>
-              <a:ext uri="{FF2B5EF4-FFF2-40B4-BE49-F238E27FC236}">
-                <a16:creationId xmlns:a16="http://schemas.microsoft.com/office/drawing/2014/main" id="{64E585EA-75FD-4025-8270-F66A58A15CDA}"/>
-              </a:ext>
-              <a:ext uri="{C183D7F6-B498-43B3-948B-1728B52AA6E4}">
-                <adec:decorative xmlns:adec="http://schemas.microsoft.com/office/drawing/2017/decorative" val="1"/>
-              </a:ext>
-            </a:extLst>
-          </p:cNvPr>
-          <p:cNvSpPr>
-            <a:spLocks noGrp="1" noRot="1" noChangeAspect="1" noMove="1" noResize="1" noEditPoints="1" noAdjustHandles="1" noChangeArrowheads="1" noChangeShapeType="1" noTextEdit="1"/>
-          </p:cNvSpPr>
-          <p:nvPr>
-            <p:extLst>
-              <p:ext uri="{386F3935-93C4-4BCD-93E2-E3B085C9AB24}">
-                <p16:designElem xmlns:p16="http://schemas.microsoft.com/office/powerpoint/2015/main" val="1"/>
-              </p:ext>
-            </p:extLst>
-          </p:nvPr>
-        </p:nvSpPr>
-        <p:spPr>
-          <a:xfrm>
-            <a:off x="0" y="0"/>
-            <a:ext cx="3581400" cy="6858000"/>
-          </a:xfrm>
-          <a:custGeom>
-            <a:avLst/>
-            <a:gdLst>
-              <a:gd name="connsiteX0" fmla="*/ 0 w 3581400"/>
-              <a:gd name="connsiteY0" fmla="*/ 0 h 6858000"/>
-              <a:gd name="connsiteX1" fmla="*/ 405246 w 3581400"/>
-              <a:gd name="connsiteY1" fmla="*/ 0 h 6858000"/>
-              <a:gd name="connsiteX2" fmla="*/ 3581400 w 3581400"/>
-              <a:gd name="connsiteY2" fmla="*/ 6858000 h 6858000"/>
-              <a:gd name="connsiteX3" fmla="*/ 0 w 3581400"/>
-              <a:gd name="connsiteY3" fmla="*/ 6858000 h 6858000"/>
-            </a:gdLst>
-            <a:ahLst/>
-            <a:cxnLst>
-              <a:cxn ang="0">
-                <a:pos x="connsiteX0" y="connsiteY0"/>
-              </a:cxn>
-              <a:cxn ang="0">
-                <a:pos x="connsiteX1" y="connsiteY1"/>
-              </a:cxn>
-              <a:cxn ang="0">
-                <a:pos x="connsiteX2" y="connsiteY2"/>
-              </a:cxn>
-              <a:cxn ang="0">
-                <a:pos x="connsiteX3" y="connsiteY3"/>
-              </a:cxn>
-            </a:cxnLst>
-            <a:rect l="l" t="t" r="r" b="b"/>
-            <a:pathLst>
-              <a:path w="3581400" h="6858000">
-                <a:moveTo>
-                  <a:pt x="0" y="0"/>
-                </a:moveTo>
-                <a:lnTo>
-                  <a:pt x="405246" y="0"/>
-                </a:lnTo>
-                <a:lnTo>
-                  <a:pt x="3581400" y="6858000"/>
-                </a:lnTo>
-                <a:lnTo>
-                  <a:pt x="0" y="6858000"/>
-                </a:lnTo>
-                <a:close/>
-              </a:path>
-            </a:pathLst>
-          </a:custGeom>
-          <a:solidFill>
-            <a:srgbClr val="000000">
-              <a:alpha val="29804"/>
-            </a:srgbClr>
-          </a:solidFill>
-          <a:ln>
-            <a:noFill/>
-          </a:ln>
-        </p:spPr>
-        <p:style>
-          <a:lnRef idx="2">
-            <a:schemeClr val="accent1">
-              <a:shade val="50000"/>
-            </a:schemeClr>
-          </a:lnRef>
-          <a:fillRef idx="1">
-            <a:schemeClr val="accent1"/>
-          </a:fillRef>
-          <a:effectRef idx="0">
-            <a:schemeClr val="accent1"/>
-          </a:effectRef>
-          <a:fontRef idx="minor">
-            <a:schemeClr val="lt1"/>
-          </a:fontRef>
-        </p:style>
-        <p:txBody>
-          <a:bodyPr wrap="square" rtlCol="0" anchor="ctr">
-            <a:noAutofit/>
-          </a:bodyPr>
-          <a:lstStyle/>
-          <a:p>
-            <a:pPr marL="0" marR="0" lvl="0" indent="0" algn="ctr" defTabSz="914400" rtl="0" eaLnBrk="1" fontAlgn="auto" latinLnBrk="0" hangingPunct="1">
-              <a:lnSpc>
-                <a:spcPct val="100000"/>
-              </a:lnSpc>
-              <a:spcBef>
-                <a:spcPts val="0"/>
-              </a:spcBef>
-              <a:spcAft>
-                <a:spcPts val="0"/>
-              </a:spcAft>
-              <a:buClrTx/>
-              <a:buSzTx/>
-              <a:buFontTx/>
-              <a:buNone/>
-              <a:tabLst/>
-              <a:defRPr/>
-            </a:pPr>
-            <a:endParaRPr kumimoji="1" lang="en-US" sz="1800" b="0" i="0" u="none" strike="noStrike" kern="1200" cap="none" spc="0" normalizeH="0" baseline="0" noProof="0">
-              <a:ln>
-                <a:noFill/>
-              </a:ln>
-              <a:solidFill>
-                <a:prstClr val="white"/>
-              </a:solidFill>
-              <a:effectLst/>
-              <a:uLnTx/>
-              <a:uFillTx/>
-              <a:latin typeface="游ゴシック" panose="020F0502020204030204"/>
-              <a:ea typeface="+mn-ea"/>
-              <a:cs typeface="+mn-cs"/>
-            </a:endParaRPr>
-          </a:p>
-        </p:txBody>
-      </p:sp>
-      <p:sp>
-        <p:nvSpPr>
-          <p:cNvPr id="3" name="コンテンツ プレースホルダー 2">
-            <a:extLst>
-              <a:ext uri="{FF2B5EF4-FFF2-40B4-BE49-F238E27FC236}">
-                <a16:creationId xmlns:a16="http://schemas.microsoft.com/office/drawing/2014/main" id="{0B8F125D-032D-9846-52B7-5057FE04674A}"/>
-              </a:ext>
-            </a:extLst>
-          </p:cNvPr>
-          <p:cNvSpPr>
-            <a:spLocks noGrp="1"/>
-          </p:cNvSpPr>
-          <p:nvPr>
-            <p:ph idx="1"/>
-          </p:nvPr>
-        </p:nvSpPr>
-        <p:spPr>
-          <a:xfrm>
-            <a:off x="838201" y="949569"/>
-            <a:ext cx="10515598" cy="5685693"/>
-          </a:xfrm>
-        </p:spPr>
-        <p:txBody>
-          <a:bodyPr>
-            <a:normAutofit/>
-          </a:bodyPr>
-          <a:lstStyle/>
-          <a:p>
-            <a:pPr marL="0" indent="0">
-              <a:buNone/>
-            </a:pPr>
-            <a:r>
-              <a:rPr kumimoji="1" lang="ja-JP" altLang="en-US" sz="5000" dirty="0">
-                <a:solidFill>
-                  <a:srgbClr val="FFFFFF"/>
-                </a:solidFill>
-              </a:rPr>
-              <a:t>絵作りのテクニック </a:t>
-            </a:r>
-            <a:r>
-              <a:rPr kumimoji="1" lang="en-US" altLang="ja-JP" sz="5000" dirty="0">
-                <a:solidFill>
-                  <a:srgbClr val="FFFFFF"/>
-                </a:solidFill>
-              </a:rPr>
-              <a:t>- mod</a:t>
-            </a:r>
-            <a:r>
-              <a:rPr kumimoji="1" lang="ja-JP" altLang="en-US" sz="5000" dirty="0">
-                <a:solidFill>
-                  <a:srgbClr val="FFFFFF"/>
-                </a:solidFill>
-              </a:rPr>
-              <a:t>で複製</a:t>
-            </a:r>
-            <a:endParaRPr kumimoji="1" lang="en-US" altLang="ja-JP" sz="5000" dirty="0">
-              <a:solidFill>
-                <a:srgbClr val="FFFFFF"/>
-              </a:solidFill>
-            </a:endParaRPr>
-          </a:p>
-          <a:p>
-            <a:pPr marL="0" indent="0">
-              <a:buNone/>
-            </a:pPr>
-            <a:endParaRPr kumimoji="1" lang="en-US" altLang="ja-JP" sz="2000" dirty="0">
-              <a:solidFill>
-                <a:srgbClr val="FFFFFF"/>
-              </a:solidFill>
-            </a:endParaRPr>
-          </a:p>
-          <a:p>
-            <a:pPr marL="0" indent="0">
-              <a:buNone/>
-            </a:pPr>
-            <a:r>
-              <a:rPr kumimoji="1" lang="ja-JP" altLang="en-US" sz="2000" dirty="0">
-                <a:solidFill>
-                  <a:srgbClr val="FFFFFF"/>
-                </a:solidFill>
-              </a:rPr>
-              <a:t>・</a:t>
-            </a:r>
-            <a:r>
-              <a:rPr kumimoji="1" lang="en-US" altLang="ja-JP" sz="2000" dirty="0">
-                <a:solidFill>
-                  <a:srgbClr val="FFFFFF"/>
-                </a:solidFill>
-              </a:rPr>
-              <a:t>mod</a:t>
-            </a:r>
-            <a:r>
-              <a:rPr kumimoji="1" lang="ja-JP" altLang="en-US" sz="2000" dirty="0">
-                <a:solidFill>
-                  <a:srgbClr val="FFFFFF"/>
-                </a:solidFill>
-              </a:rPr>
-              <a:t>を用いて座標変換することで</a:t>
-            </a:r>
-            <a:endParaRPr kumimoji="1" lang="en-US" altLang="ja-JP" sz="2000" dirty="0">
-              <a:solidFill>
-                <a:srgbClr val="FFFFFF"/>
-              </a:solidFill>
-            </a:endParaRPr>
-          </a:p>
-          <a:p>
-            <a:pPr marL="0" indent="0">
-              <a:buNone/>
-            </a:pPr>
-            <a:r>
-              <a:rPr kumimoji="1" lang="ja-JP" altLang="en-US" sz="2000" dirty="0">
-                <a:solidFill>
-                  <a:srgbClr val="FFFFFF"/>
-                </a:solidFill>
-              </a:rPr>
-              <a:t>元の図を複製できる</a:t>
-            </a:r>
-            <a:endParaRPr kumimoji="1" lang="en-US" altLang="ja-JP" sz="2000" dirty="0">
-              <a:solidFill>
-                <a:srgbClr val="FFFFFF"/>
-              </a:solidFill>
-            </a:endParaRPr>
-          </a:p>
-          <a:p>
-            <a:pPr marL="0" indent="0">
-              <a:buNone/>
-            </a:pPr>
-            <a:r>
-              <a:rPr lang="ja-JP" altLang="en-US" sz="2000" dirty="0">
-                <a:solidFill>
-                  <a:srgbClr val="FFFFFF"/>
-                </a:solidFill>
-              </a:rPr>
-              <a:t>・</a:t>
-            </a:r>
-            <a:r>
-              <a:rPr lang="en-US" altLang="ja-JP" sz="2000" dirty="0">
-                <a:solidFill>
-                  <a:srgbClr val="FFFFFF"/>
-                </a:solidFill>
-              </a:rPr>
-              <a:t>mod</a:t>
-            </a:r>
-            <a:r>
-              <a:rPr lang="ja-JP" altLang="en-US" sz="2000" dirty="0">
-                <a:solidFill>
-                  <a:srgbClr val="FFFFFF"/>
-                </a:solidFill>
-              </a:rPr>
-              <a:t>は余りの演算：</a:t>
-            </a:r>
-            <a:endParaRPr lang="en-US" altLang="ja-JP" sz="2000" dirty="0">
-              <a:solidFill>
-                <a:srgbClr val="FFFFFF"/>
-              </a:solidFill>
-            </a:endParaRPr>
-          </a:p>
-          <a:p>
-            <a:pPr marL="0" indent="0">
-              <a:buNone/>
-            </a:pPr>
-            <a:r>
-              <a:rPr lang="en-US" altLang="ja-JP" sz="2000" dirty="0">
-                <a:solidFill>
-                  <a:srgbClr val="FFFFFF"/>
-                </a:solidFill>
-              </a:rPr>
-              <a:t>m</a:t>
-            </a:r>
-            <a:r>
-              <a:rPr kumimoji="1" lang="en-US" altLang="ja-JP" sz="2000" dirty="0">
-                <a:solidFill>
-                  <a:srgbClr val="FFFFFF"/>
-                </a:solidFill>
-              </a:rPr>
-              <a:t>od(vec2(-3.0),2.0)=vec2(1.0)</a:t>
-            </a:r>
-          </a:p>
-          <a:p>
-            <a:pPr marL="0" indent="0">
-              <a:buNone/>
-            </a:pPr>
-            <a:endParaRPr lang="en-US" altLang="ja-JP" sz="2000" dirty="0">
-              <a:solidFill>
-                <a:srgbClr val="FFFFFF"/>
-              </a:solidFill>
-            </a:endParaRPr>
-          </a:p>
-          <a:p>
-            <a:pPr marL="0" indent="0">
-              <a:buNone/>
-            </a:pPr>
-            <a:r>
-              <a:rPr kumimoji="1" lang="ja-JP" altLang="en-US" sz="2000" dirty="0">
-                <a:solidFill>
-                  <a:schemeClr val="accent6"/>
-                </a:solidFill>
-              </a:rPr>
-              <a:t>・先ほどのピクセル座標を</a:t>
-            </a:r>
-            <a:r>
-              <a:rPr kumimoji="1" lang="en-US" altLang="ja-JP" sz="2000" dirty="0">
-                <a:solidFill>
-                  <a:schemeClr val="accent6"/>
-                </a:solidFill>
-              </a:rPr>
-              <a:t>10</a:t>
-            </a:r>
-            <a:r>
-              <a:rPr kumimoji="1" lang="ja-JP" altLang="en-US" sz="2000" dirty="0">
-                <a:solidFill>
-                  <a:schemeClr val="accent6"/>
-                </a:solidFill>
-              </a:rPr>
-              <a:t>倍する：</a:t>
-            </a:r>
-            <a:endParaRPr kumimoji="1" lang="en-US" altLang="ja-JP" sz="2000" dirty="0">
-              <a:solidFill>
-                <a:schemeClr val="accent6"/>
-              </a:solidFill>
-            </a:endParaRPr>
-          </a:p>
-          <a:p>
-            <a:pPr marL="0" indent="0">
-              <a:buNone/>
-            </a:pPr>
-            <a:r>
-              <a:rPr lang="en-US" altLang="ja-JP" sz="2000" dirty="0">
-                <a:solidFill>
-                  <a:srgbClr val="FFFFFF"/>
-                </a:solidFill>
-              </a:rPr>
-              <a:t>p</a:t>
-            </a:r>
-            <a:r>
-              <a:rPr lang="ja-JP" altLang="en-US" sz="2000" dirty="0">
-                <a:solidFill>
-                  <a:srgbClr val="FFFFFF"/>
-                </a:solidFill>
-              </a:rPr>
-              <a:t>は</a:t>
-            </a:r>
-            <a:r>
-              <a:rPr lang="en-US" altLang="ja-JP" sz="2000" dirty="0">
-                <a:solidFill>
-                  <a:srgbClr val="FFFFFF"/>
-                </a:solidFill>
-              </a:rPr>
-              <a:t>[vec2(-10.0)~vec2(10.0)]</a:t>
-            </a:r>
-            <a:r>
-              <a:rPr lang="ja-JP" altLang="en-US" sz="2000" dirty="0">
-                <a:solidFill>
-                  <a:srgbClr val="FFFFFF"/>
-                </a:solidFill>
-              </a:rPr>
-              <a:t>になる</a:t>
-            </a:r>
-            <a:endParaRPr lang="en-US" altLang="ja-JP" sz="2000" dirty="0">
-              <a:solidFill>
-                <a:srgbClr val="FFFFFF"/>
-              </a:solidFill>
-            </a:endParaRPr>
-          </a:p>
-          <a:p>
-            <a:pPr marL="0" indent="0">
-              <a:buNone/>
-            </a:pPr>
-            <a:r>
-              <a:rPr kumimoji="1" lang="ja-JP" altLang="en-US" sz="2000" dirty="0">
-                <a:solidFill>
-                  <a:schemeClr val="accent6"/>
-                </a:solidFill>
-              </a:rPr>
-              <a:t>・</a:t>
-            </a:r>
-            <a:r>
-              <a:rPr kumimoji="1" lang="en-US" altLang="ja-JP" sz="2000" dirty="0">
-                <a:solidFill>
-                  <a:schemeClr val="accent6"/>
-                </a:solidFill>
-              </a:rPr>
-              <a:t>mod 2.0</a:t>
-            </a:r>
-            <a:r>
-              <a:rPr kumimoji="1" lang="ja-JP" altLang="en-US" sz="2000" dirty="0">
-                <a:solidFill>
-                  <a:schemeClr val="accent6"/>
-                </a:solidFill>
-              </a:rPr>
-              <a:t>をする：</a:t>
-            </a:r>
-            <a:endParaRPr kumimoji="1" lang="en-US" altLang="ja-JP" sz="2000" dirty="0">
-              <a:solidFill>
-                <a:schemeClr val="accent6"/>
-              </a:solidFill>
-            </a:endParaRPr>
-          </a:p>
-          <a:p>
-            <a:pPr marL="0" indent="0">
-              <a:buNone/>
-            </a:pPr>
-            <a:r>
-              <a:rPr kumimoji="1" lang="en-US" altLang="ja-JP" sz="2000" dirty="0">
-                <a:solidFill>
-                  <a:srgbClr val="FFFFFF"/>
-                </a:solidFill>
-              </a:rPr>
-              <a:t>p</a:t>
-            </a:r>
-            <a:r>
-              <a:rPr kumimoji="1" lang="ja-JP" altLang="en-US" sz="2000" dirty="0">
-                <a:solidFill>
-                  <a:srgbClr val="FFFFFF"/>
-                </a:solidFill>
-              </a:rPr>
-              <a:t>は</a:t>
-            </a:r>
-            <a:r>
-              <a:rPr kumimoji="1" lang="en-US" altLang="ja-JP" sz="2000" dirty="0">
-                <a:solidFill>
-                  <a:srgbClr val="FFFFFF"/>
-                </a:solidFill>
-              </a:rPr>
-              <a:t>[vec2(0.0)~vec2(2.0)]</a:t>
-            </a:r>
-            <a:r>
-              <a:rPr kumimoji="1" lang="ja-JP" altLang="en-US" sz="2000" dirty="0">
-                <a:solidFill>
-                  <a:srgbClr val="FFFFFF"/>
-                </a:solidFill>
-              </a:rPr>
-              <a:t>の繰り返しになる</a:t>
-            </a:r>
-            <a:endParaRPr kumimoji="1" lang="en-US" altLang="ja-JP" sz="2000" dirty="0">
-              <a:solidFill>
-                <a:srgbClr val="FFFFFF"/>
-              </a:solidFill>
-            </a:endParaRPr>
-          </a:p>
-          <a:p>
-            <a:pPr marL="0" indent="0">
-              <a:buNone/>
-            </a:pPr>
-            <a:r>
-              <a:rPr lang="ja-JP" altLang="en-US" sz="2000" dirty="0">
-                <a:solidFill>
-                  <a:schemeClr val="accent6"/>
-                </a:solidFill>
-              </a:rPr>
-              <a:t>・</a:t>
-            </a:r>
-            <a:r>
-              <a:rPr lang="en-US" altLang="ja-JP" sz="2000" dirty="0">
-                <a:solidFill>
-                  <a:schemeClr val="accent6"/>
-                </a:solidFill>
-              </a:rPr>
-              <a:t>1.0</a:t>
-            </a:r>
-            <a:r>
-              <a:rPr lang="ja-JP" altLang="en-US" sz="2000" dirty="0">
-                <a:solidFill>
-                  <a:schemeClr val="accent6"/>
-                </a:solidFill>
-              </a:rPr>
-              <a:t>を引く：</a:t>
-            </a:r>
-            <a:endParaRPr lang="en-US" altLang="ja-JP" sz="2000" dirty="0">
-              <a:solidFill>
-                <a:schemeClr val="accent6"/>
-              </a:solidFill>
-            </a:endParaRPr>
-          </a:p>
-          <a:p>
-            <a:pPr marL="0" indent="0">
-              <a:buNone/>
-            </a:pPr>
-            <a:r>
-              <a:rPr kumimoji="1" lang="en-US" altLang="ja-JP" sz="2000" dirty="0">
-                <a:solidFill>
-                  <a:srgbClr val="FFFFFF"/>
-                </a:solidFill>
-              </a:rPr>
-              <a:t>p</a:t>
-            </a:r>
-            <a:r>
-              <a:rPr kumimoji="1" lang="ja-JP" altLang="en-US" sz="2000" dirty="0">
-                <a:solidFill>
-                  <a:srgbClr val="FFFFFF"/>
-                </a:solidFill>
-              </a:rPr>
-              <a:t>は</a:t>
-            </a:r>
-            <a:r>
-              <a:rPr kumimoji="1" lang="en-US" altLang="ja-JP" sz="2000" dirty="0">
-                <a:solidFill>
-                  <a:srgbClr val="FFFFFF"/>
-                </a:solidFill>
-              </a:rPr>
-              <a:t>[vec2(-1.0)~vec2(1.0)]</a:t>
-            </a:r>
-            <a:r>
-              <a:rPr kumimoji="1" lang="ja-JP" altLang="en-US" sz="2000" dirty="0">
-                <a:solidFill>
-                  <a:srgbClr val="FFFFFF"/>
-                </a:solidFill>
-              </a:rPr>
-              <a:t>の繰り返しになる</a:t>
-            </a:r>
-            <a:endParaRPr kumimoji="1" lang="en-US" altLang="ja-JP" sz="2000" dirty="0">
-              <a:solidFill>
-                <a:srgbClr val="FFFFFF"/>
-              </a:solidFill>
-            </a:endParaRPr>
-          </a:p>
-        </p:txBody>
-      </p:sp>
-      <p:pic>
-        <p:nvPicPr>
-          <p:cNvPr id="5" name="図 4">
-            <a:extLst>
-              <a:ext uri="{FF2B5EF4-FFF2-40B4-BE49-F238E27FC236}">
-                <a16:creationId xmlns:a16="http://schemas.microsoft.com/office/drawing/2014/main" id="{BD08429F-FBE5-BA7F-ACB9-E9B11DAC4EDC}"/>
-              </a:ext>
-            </a:extLst>
-          </p:cNvPr>
-          <p:cNvPicPr>
-            <a:picLocks noChangeAspect="1"/>
-          </p:cNvPicPr>
-          <p:nvPr/>
-        </p:nvPicPr>
-        <p:blipFill>
-          <a:blip r:embed="rId3"/>
-          <a:stretch>
-            <a:fillRect/>
-          </a:stretch>
-        </p:blipFill>
-        <p:spPr>
-          <a:xfrm>
-            <a:off x="6364682" y="2069604"/>
-            <a:ext cx="4989117" cy="4460150"/>
-          </a:xfrm>
-          <a:prstGeom prst="rect">
-            <a:avLst/>
-          </a:prstGeom>
-        </p:spPr>
-      </p:pic>
-    </p:spTree>
-    <p:extLst>
-      <p:ext uri="{BB962C8B-B14F-4D97-AF65-F5344CB8AC3E}">
-        <p14:creationId xmlns:p14="http://schemas.microsoft.com/office/powerpoint/2010/main" val="4204980391"/>
       </p:ext>
     </p:extLst>
   </p:cSld>

--- a/つぶやきGLSLとは.pptx
+++ b/つぶやきGLSLとは.pptx
@@ -5,7 +5,7 @@
     <p:sldMasterId id="2147483648" r:id="rId1"/>
   </p:sldMasterIdLst>
   <p:notesMasterIdLst>
-    <p:notesMasterId r:id="rId20"/>
+    <p:notesMasterId r:id="rId19"/>
   </p:notesMasterIdLst>
   <p:sldIdLst>
     <p:sldId id="256" r:id="rId2"/>
@@ -18,14 +18,13 @@
     <p:sldId id="263" r:id="rId9"/>
     <p:sldId id="264" r:id="rId10"/>
     <p:sldId id="266" r:id="rId11"/>
-    <p:sldId id="270" r:id="rId12"/>
-    <p:sldId id="272" r:id="rId13"/>
-    <p:sldId id="273" r:id="rId14"/>
-    <p:sldId id="274" r:id="rId15"/>
-    <p:sldId id="275" r:id="rId16"/>
-    <p:sldId id="276" r:id="rId17"/>
-    <p:sldId id="277" r:id="rId18"/>
-    <p:sldId id="278" r:id="rId19"/>
+    <p:sldId id="272" r:id="rId12"/>
+    <p:sldId id="273" r:id="rId13"/>
+    <p:sldId id="274" r:id="rId14"/>
+    <p:sldId id="275" r:id="rId15"/>
+    <p:sldId id="276" r:id="rId16"/>
+    <p:sldId id="277" r:id="rId17"/>
+    <p:sldId id="278" r:id="rId18"/>
   </p:sldIdLst>
   <p:sldSz cx="12192000" cy="6858000"/>
   <p:notesSz cx="6858000" cy="9144000"/>
@@ -214,7 +213,7 @@
           <a:p>
             <a:fld id="{3D4D7E13-5982-4CE9-A725-6CA5CEA29365}" type="datetimeFigureOut">
               <a:rPr kumimoji="1" lang="ja-JP" altLang="en-US" smtClean="0"/>
-              <a:t>2022/10/8</a:t>
+              <a:t>2022/10/12</a:t>
             </a:fld>
             <a:endParaRPr kumimoji="1" lang="ja-JP" altLang="en-US"/>
           </a:p>
@@ -672,95 +671,472 @@
           <a:bodyPr/>
           <a:lstStyle/>
           <a:p>
+            <a:pPr marL="0" marR="0" lvl="0" indent="0" algn="l" defTabSz="914400" rtl="0" eaLnBrk="1" fontAlgn="auto" latinLnBrk="0" hangingPunct="1">
+              <a:lnSpc>
+                <a:spcPct val="100000"/>
+              </a:lnSpc>
+              <a:spcBef>
+                <a:spcPts val="0"/>
+              </a:spcBef>
+              <a:spcAft>
+                <a:spcPts val="0"/>
+              </a:spcAft>
+              <a:buClrTx/>
+              <a:buSzTx/>
+              <a:buFontTx/>
+              <a:buNone/>
+              <a:tabLst/>
+              <a:defRPr/>
+            </a:pPr>
             <a:r>
               <a:rPr kumimoji="1" lang="ja-JP" altLang="en-US" dirty="0"/>
-              <a:t>・まずピクセル座標の変換からです</a:t>
-            </a:r>
-            <a:endParaRPr kumimoji="1" lang="en-US" altLang="ja-JP" dirty="0"/>
-          </a:p>
-          <a:p>
-            <a:r>
-              <a:rPr kumimoji="1" lang="ja-JP" altLang="en-US" dirty="0"/>
-              <a:t>・これは基本のテクニックと言っていいようなもの</a:t>
-            </a:r>
-            <a:endParaRPr kumimoji="1" lang="en-US" altLang="ja-JP" dirty="0"/>
-          </a:p>
-          <a:p>
-            <a:r>
-              <a:rPr kumimoji="1" lang="ja-JP" altLang="en-US" dirty="0"/>
-              <a:t>・ピクセル座標、</a:t>
-            </a:r>
-            <a:r>
-              <a:rPr kumimoji="1" lang="en-US" altLang="ja-JP" dirty="0"/>
-              <a:t>FC</a:t>
-            </a:r>
-            <a:r>
-              <a:rPr kumimoji="1" lang="ja-JP" altLang="en-US" dirty="0"/>
-              <a:t>を使いやすい形に変換する</a:t>
-            </a:r>
-            <a:endParaRPr kumimoji="1" lang="en-US" altLang="ja-JP" dirty="0"/>
-          </a:p>
-          <a:p>
-            <a:r>
-              <a:rPr kumimoji="1" lang="ja-JP" altLang="en-US" dirty="0"/>
-              <a:t>・</a:t>
-            </a:r>
-            <a:r>
-              <a:rPr kumimoji="1" lang="en-US" altLang="ja-JP" dirty="0" err="1"/>
-              <a:t>r.y</a:t>
-            </a:r>
-            <a:r>
-              <a:rPr kumimoji="1" lang="en-US" altLang="ja-JP" dirty="0"/>
-              <a:t>/</a:t>
-            </a:r>
-            <a:r>
-              <a:rPr kumimoji="1" lang="en-US" altLang="ja-JP" dirty="0" err="1"/>
-              <a:t>r.x</a:t>
-            </a:r>
-            <a:r>
-              <a:rPr kumimoji="1" lang="ja-JP" altLang="en-US" dirty="0"/>
-              <a:t>、</a:t>
-            </a:r>
-            <a:r>
-              <a:rPr kumimoji="1" lang="en-US" altLang="ja-JP" dirty="0" err="1"/>
-              <a:t>r.x</a:t>
-            </a:r>
-            <a:r>
-              <a:rPr kumimoji="1" lang="en-US" altLang="ja-JP" dirty="0"/>
-              <a:t>/</a:t>
-            </a:r>
-            <a:r>
-              <a:rPr kumimoji="1" lang="en-US" altLang="ja-JP" dirty="0" err="1"/>
-              <a:t>r.y</a:t>
-            </a:r>
-            <a:r>
-              <a:rPr kumimoji="1" lang="ja-JP" altLang="en-US" dirty="0"/>
-              <a:t>がわかりずらい　これは</a:t>
-            </a:r>
-            <a:r>
-              <a:rPr kumimoji="1" lang="en-US" altLang="ja-JP" dirty="0"/>
+              <a:t>・次に</a:t>
+            </a:r>
+            <a:r>
+              <a:rPr kumimoji="1" lang="ja-JP" altLang="en-US" sz="1200" dirty="0">
+                <a:solidFill>
+                  <a:srgbClr val="FFFFFF"/>
+                </a:solidFill>
+              </a:rPr>
+              <a:t>円の半径との比較、色の出力です</a:t>
+            </a:r>
+            <a:endParaRPr kumimoji="1" lang="en-US" altLang="ja-JP" sz="1200" dirty="0">
+              <a:solidFill>
+                <a:srgbClr val="FFFFFF"/>
+              </a:solidFill>
+            </a:endParaRPr>
+          </a:p>
+          <a:p>
+            <a:pPr marL="0" marR="0" lvl="0" indent="0" algn="l" defTabSz="914400" rtl="0" eaLnBrk="1" fontAlgn="auto" latinLnBrk="0" hangingPunct="1">
+              <a:lnSpc>
+                <a:spcPct val="100000"/>
+              </a:lnSpc>
+              <a:spcBef>
+                <a:spcPts val="0"/>
+              </a:spcBef>
+              <a:spcAft>
+                <a:spcPts val="0"/>
+              </a:spcAft>
+              <a:buClrTx/>
+              <a:buSzTx/>
+              <a:buFontTx/>
+              <a:buNone/>
+              <a:tabLst/>
+              <a:defRPr/>
+            </a:pPr>
+            <a:endParaRPr kumimoji="1" lang="en-US" altLang="ja-JP" sz="1200" dirty="0">
+              <a:solidFill>
+                <a:srgbClr val="FFFFFF"/>
+              </a:solidFill>
+            </a:endParaRPr>
+          </a:p>
+          <a:p>
+            <a:pPr marL="0" marR="0" lvl="0" indent="0" algn="l" defTabSz="914400" rtl="0" eaLnBrk="1" fontAlgn="auto" latinLnBrk="0" hangingPunct="1">
+              <a:lnSpc>
+                <a:spcPct val="100000"/>
+              </a:lnSpc>
+              <a:spcBef>
+                <a:spcPts val="0"/>
+              </a:spcBef>
+              <a:spcAft>
+                <a:spcPts val="0"/>
+              </a:spcAft>
+              <a:buClrTx/>
+              <a:buSzTx/>
+              <a:buFontTx/>
+              <a:buNone/>
+              <a:tabLst/>
+              <a:defRPr/>
+            </a:pPr>
+            <a:r>
+              <a:rPr kumimoji="1" lang="ja-JP" altLang="en-US" sz="1200" dirty="0">
+                <a:solidFill>
+                  <a:srgbClr val="FFFFFF"/>
+                </a:solidFill>
+              </a:rPr>
+              <a:t>・先ほどの座標系で原点からの距離を求めます。　これは</a:t>
+            </a:r>
+            <a:r>
+              <a:rPr kumimoji="1" lang="en-US" altLang="ja-JP" sz="1200" dirty="0">
+                <a:solidFill>
+                  <a:srgbClr val="FFFFFF"/>
+                </a:solidFill>
+              </a:rPr>
+              <a:t>length(p)</a:t>
+            </a:r>
+            <a:r>
+              <a:rPr kumimoji="1" lang="ja-JP" altLang="en-US" sz="1200" dirty="0">
+                <a:solidFill>
+                  <a:srgbClr val="FFFFFF"/>
+                </a:solidFill>
+              </a:rPr>
+              <a:t>に対応します。</a:t>
+            </a:r>
+            <a:r>
+              <a:rPr kumimoji="1" lang="en-US" altLang="ja-JP" sz="1200" dirty="0">
+                <a:solidFill>
+                  <a:srgbClr val="FFFFFF"/>
+                </a:solidFill>
+              </a:rPr>
+              <a:t>length</a:t>
+            </a:r>
+            <a:r>
+              <a:rPr kumimoji="1" lang="ja-JP" altLang="en-US" sz="1200" dirty="0">
+                <a:solidFill>
+                  <a:srgbClr val="FFFFFF"/>
+                </a:solidFill>
+              </a:rPr>
+              <a:t>はベクトルの長さを求める関数です</a:t>
+            </a:r>
+            <a:endParaRPr kumimoji="1" lang="en-US" altLang="ja-JP" sz="1200" dirty="0">
+              <a:solidFill>
+                <a:srgbClr val="FFFFFF"/>
+              </a:solidFill>
+            </a:endParaRPr>
+          </a:p>
+          <a:p>
+            <a:pPr marL="0" marR="0" lvl="0" indent="0" algn="l" defTabSz="914400" rtl="0" eaLnBrk="1" fontAlgn="auto" latinLnBrk="0" hangingPunct="1">
+              <a:lnSpc>
+                <a:spcPct val="100000"/>
+              </a:lnSpc>
+              <a:spcBef>
+                <a:spcPts val="0"/>
+              </a:spcBef>
+              <a:spcAft>
+                <a:spcPts val="0"/>
+              </a:spcAft>
+              <a:buClrTx/>
+              <a:buSzTx/>
+              <a:buFontTx/>
+              <a:buNone/>
+              <a:tabLst/>
+              <a:defRPr/>
+            </a:pPr>
+            <a:r>
+              <a:rPr kumimoji="1" lang="ja-JP" altLang="en-US" sz="1200" dirty="0">
+                <a:solidFill>
+                  <a:srgbClr val="FFFFFF"/>
+                </a:solidFill>
+              </a:rPr>
+              <a:t>・それを</a:t>
+            </a:r>
+            <a:r>
+              <a:rPr kumimoji="1" lang="en-US" altLang="ja-JP" sz="1200" dirty="0">
+                <a:solidFill>
+                  <a:srgbClr val="FFFFFF"/>
+                </a:solidFill>
+              </a:rPr>
+              <a:t>0.5</a:t>
+            </a:r>
+            <a:r>
+              <a:rPr kumimoji="1" lang="ja-JP" altLang="en-US" sz="1200" dirty="0">
+                <a:solidFill>
+                  <a:srgbClr val="FFFFFF"/>
+                </a:solidFill>
+              </a:rPr>
+              <a:t>と比較し、</a:t>
+            </a:r>
+            <a:r>
+              <a:rPr kumimoji="1" lang="en-US" altLang="ja-JP" sz="1200" dirty="0">
+                <a:solidFill>
+                  <a:srgbClr val="FFFFFF"/>
+                </a:solidFill>
+              </a:rPr>
+              <a:t>0.5</a:t>
+            </a:r>
+            <a:r>
+              <a:rPr lang="ja-JP" altLang="en-US" sz="800" dirty="0">
+                <a:solidFill>
+                  <a:srgbClr val="FFFFFF"/>
+                </a:solidFill>
+              </a:rPr>
+              <a:t>未満</a:t>
+            </a:r>
+            <a:r>
+              <a:rPr kumimoji="1" lang="ja-JP" altLang="en-US" sz="800" dirty="0">
+                <a:solidFill>
+                  <a:srgbClr val="FFFFFF"/>
+                </a:solidFill>
+              </a:rPr>
+              <a:t>なら</a:t>
+            </a:r>
+            <a:r>
+              <a:rPr kumimoji="1" lang="en-US" altLang="ja-JP" sz="800" dirty="0">
+                <a:solidFill>
+                  <a:srgbClr val="FFFFFF"/>
+                </a:solidFill>
+              </a:rPr>
               <a:t>1.0</a:t>
             </a:r>
             <a:r>
-              <a:rPr kumimoji="1" lang="ja-JP" altLang="en-US" dirty="0"/>
-              <a:t>を超えない正の値　</a:t>
-            </a:r>
-            <a:r>
-              <a:rPr kumimoji="1" lang="en-US" altLang="ja-JP" dirty="0"/>
-              <a:t>0.8</a:t>
-            </a:r>
-            <a:r>
-              <a:rPr kumimoji="1" lang="ja-JP" altLang="en-US" dirty="0"/>
-              <a:t>とかになります</a:t>
-            </a:r>
-            <a:endParaRPr kumimoji="1" lang="en-US" altLang="ja-JP" dirty="0"/>
-          </a:p>
-          <a:p>
-            <a:r>
-              <a:rPr kumimoji="1" lang="ja-JP" altLang="en-US" dirty="0"/>
-              <a:t>・右の座標みたいに、画面の中心が原点となるグラフのような座標系になるということ</a:t>
-            </a:r>
-            <a:endParaRPr kumimoji="1" lang="en-US" altLang="ja-JP" dirty="0"/>
+              <a:rPr kumimoji="1" lang="ja-JP" altLang="en-US" sz="800" dirty="0">
+                <a:solidFill>
+                  <a:srgbClr val="FFFFFF"/>
+                </a:solidFill>
+              </a:rPr>
+              <a:t>を、</a:t>
+            </a:r>
+            <a:r>
+              <a:rPr kumimoji="1" lang="en-US" altLang="ja-JP" sz="800" dirty="0">
+                <a:solidFill>
+                  <a:srgbClr val="FFFFFF"/>
+                </a:solidFill>
+              </a:rPr>
+              <a:t>0.5</a:t>
+            </a:r>
+            <a:r>
+              <a:rPr kumimoji="1" lang="ja-JP" altLang="en-US" sz="800" dirty="0">
+                <a:solidFill>
+                  <a:srgbClr val="FFFFFF"/>
+                </a:solidFill>
+              </a:rPr>
+              <a:t>以上なら</a:t>
+            </a:r>
+            <a:r>
+              <a:rPr kumimoji="1" lang="en-US" altLang="ja-JP" sz="800" dirty="0">
+                <a:solidFill>
+                  <a:srgbClr val="FFFFFF"/>
+                </a:solidFill>
+              </a:rPr>
+              <a:t>0.0</a:t>
+            </a:r>
+            <a:r>
+              <a:rPr kumimoji="1" lang="ja-JP" altLang="en-US" sz="800" dirty="0">
+                <a:solidFill>
+                  <a:srgbClr val="FFFFFF"/>
+                </a:solidFill>
+              </a:rPr>
+              <a:t>を</a:t>
+            </a:r>
+            <a:r>
+              <a:rPr kumimoji="1" lang="en-US" altLang="ja-JP" sz="800" dirty="0">
+                <a:solidFill>
+                  <a:srgbClr val="FFFFFF"/>
+                </a:solidFill>
+              </a:rPr>
+              <a:t>c</a:t>
+            </a:r>
+            <a:r>
+              <a:rPr kumimoji="1" lang="ja-JP" altLang="en-US" sz="800" dirty="0">
+                <a:solidFill>
+                  <a:srgbClr val="FFFFFF"/>
+                </a:solidFill>
+              </a:rPr>
+              <a:t>に代入しています。　この</a:t>
+            </a:r>
+            <a:r>
+              <a:rPr kumimoji="1" lang="en-US" altLang="ja-JP" sz="800" dirty="0">
+                <a:solidFill>
+                  <a:srgbClr val="FFFFFF"/>
+                </a:solidFill>
+              </a:rPr>
+              <a:t>?</a:t>
+            </a:r>
+            <a:r>
+              <a:rPr kumimoji="1" lang="ja-JP" altLang="en-US" sz="800" dirty="0">
+                <a:solidFill>
+                  <a:srgbClr val="FFFFFF"/>
+                </a:solidFill>
+              </a:rPr>
+              <a:t>と</a:t>
+            </a:r>
+            <a:r>
+              <a:rPr kumimoji="1" lang="en-US" altLang="ja-JP" sz="800" dirty="0">
+                <a:solidFill>
+                  <a:srgbClr val="FFFFFF"/>
+                </a:solidFill>
+              </a:rPr>
+              <a:t>:</a:t>
+            </a:r>
+            <a:r>
+              <a:rPr kumimoji="1" lang="ja-JP" altLang="en-US" sz="800" dirty="0">
+                <a:solidFill>
+                  <a:srgbClr val="FFFFFF"/>
+                </a:solidFill>
+              </a:rPr>
+              <a:t>は三項演算子です。</a:t>
+            </a:r>
+            <a:endParaRPr kumimoji="1" lang="en-US" altLang="ja-JP" sz="800" dirty="0">
+              <a:solidFill>
+                <a:srgbClr val="FFFFFF"/>
+              </a:solidFill>
+            </a:endParaRPr>
+          </a:p>
+          <a:p>
+            <a:pPr marL="0" marR="0" lvl="0" indent="0" algn="l" defTabSz="914400" rtl="0" eaLnBrk="1" fontAlgn="auto" latinLnBrk="0" hangingPunct="1">
+              <a:lnSpc>
+                <a:spcPct val="100000"/>
+              </a:lnSpc>
+              <a:spcBef>
+                <a:spcPts val="0"/>
+              </a:spcBef>
+              <a:spcAft>
+                <a:spcPts val="0"/>
+              </a:spcAft>
+              <a:buClrTx/>
+              <a:buSzTx/>
+              <a:buFontTx/>
+              <a:buNone/>
+              <a:tabLst/>
+              <a:defRPr/>
+            </a:pPr>
+            <a:r>
+              <a:rPr kumimoji="1" lang="ja-JP" altLang="en-US" sz="800" dirty="0">
+                <a:solidFill>
+                  <a:srgbClr val="FFFFFF"/>
+                </a:solidFill>
+              </a:rPr>
+              <a:t>普通のプログラミングだと可読性の低さから忌み嫌われがちですが、</a:t>
+            </a:r>
+            <a:r>
+              <a:rPr kumimoji="1" lang="en-US" altLang="ja-JP" sz="800" dirty="0">
+                <a:solidFill>
+                  <a:srgbClr val="FFFFFF"/>
+                </a:solidFill>
+              </a:rPr>
+              <a:t>GPU</a:t>
+            </a:r>
+            <a:r>
+              <a:rPr kumimoji="1" lang="ja-JP" altLang="en-US" sz="800" dirty="0">
+                <a:solidFill>
+                  <a:srgbClr val="FFFFFF"/>
+                </a:solidFill>
+              </a:rPr>
+              <a:t>は</a:t>
+            </a:r>
+            <a:r>
+              <a:rPr kumimoji="1" lang="en-US" altLang="ja-JP" sz="800" dirty="0">
+                <a:solidFill>
+                  <a:srgbClr val="FFFFFF"/>
+                </a:solidFill>
+              </a:rPr>
+              <a:t>if</a:t>
+            </a:r>
+            <a:r>
+              <a:rPr kumimoji="1" lang="ja-JP" altLang="en-US" sz="800" dirty="0">
+                <a:solidFill>
+                  <a:srgbClr val="FFFFFF"/>
+                </a:solidFill>
+              </a:rPr>
+              <a:t>文が苦手で処理が遅いので、三項演算子は重宝します</a:t>
+            </a:r>
+            <a:endParaRPr kumimoji="1" lang="en-US" altLang="ja-JP" sz="800" dirty="0">
+              <a:solidFill>
+                <a:srgbClr val="FFFFFF"/>
+              </a:solidFill>
+            </a:endParaRPr>
+          </a:p>
+          <a:p>
+            <a:pPr marL="0" marR="0" lvl="0" indent="0" algn="l" defTabSz="914400" rtl="0" eaLnBrk="1" fontAlgn="auto" latinLnBrk="0" hangingPunct="1">
+              <a:lnSpc>
+                <a:spcPct val="100000"/>
+              </a:lnSpc>
+              <a:spcBef>
+                <a:spcPts val="0"/>
+              </a:spcBef>
+              <a:spcAft>
+                <a:spcPts val="0"/>
+              </a:spcAft>
+              <a:buClrTx/>
+              <a:buSzTx/>
+              <a:buFontTx/>
+              <a:buNone/>
+              <a:tabLst/>
+              <a:defRPr/>
+            </a:pPr>
+            <a:r>
+              <a:rPr kumimoji="1" lang="ja-JP" altLang="en-US" sz="800" dirty="0">
+                <a:solidFill>
+                  <a:srgbClr val="FFFFFF"/>
+                </a:solidFill>
+              </a:rPr>
+              <a:t>じつはより早く、短くかける方法がある</a:t>
+            </a:r>
+            <a:endParaRPr kumimoji="1" lang="en-US" altLang="ja-JP" sz="800" dirty="0">
+              <a:solidFill>
+                <a:srgbClr val="FFFFFF"/>
+              </a:solidFill>
+            </a:endParaRPr>
+          </a:p>
+          <a:p>
+            <a:pPr marL="0" marR="0" lvl="0" indent="0" algn="l" defTabSz="914400" rtl="0" eaLnBrk="1" fontAlgn="auto" latinLnBrk="0" hangingPunct="1">
+              <a:lnSpc>
+                <a:spcPct val="100000"/>
+              </a:lnSpc>
+              <a:spcBef>
+                <a:spcPts val="0"/>
+              </a:spcBef>
+              <a:spcAft>
+                <a:spcPts val="0"/>
+              </a:spcAft>
+              <a:buClrTx/>
+              <a:buSzTx/>
+              <a:buFontTx/>
+              <a:buNone/>
+              <a:tabLst/>
+              <a:defRPr/>
+            </a:pPr>
+            <a:r>
+              <a:rPr kumimoji="1" lang="ja-JP" altLang="en-US" sz="800" dirty="0">
+                <a:solidFill>
+                  <a:srgbClr val="FFFFFF"/>
+                </a:solidFill>
+              </a:rPr>
+              <a:t>・で、求めた</a:t>
+            </a:r>
+            <a:r>
+              <a:rPr kumimoji="1" lang="en-US" altLang="ja-JP" sz="800" dirty="0">
+                <a:solidFill>
+                  <a:srgbClr val="FFFFFF"/>
+                </a:solidFill>
+              </a:rPr>
+              <a:t>c</a:t>
+            </a:r>
+            <a:r>
+              <a:rPr kumimoji="1" lang="ja-JP" altLang="en-US" sz="800" dirty="0">
+                <a:solidFill>
+                  <a:srgbClr val="FFFFFF"/>
+                </a:solidFill>
+              </a:rPr>
+              <a:t>を白黒で出力します。ここでは単純に</a:t>
+            </a:r>
+            <a:r>
+              <a:rPr kumimoji="1" lang="en-US" altLang="ja-JP" sz="800" dirty="0">
+                <a:solidFill>
+                  <a:srgbClr val="FFFFFF"/>
+                </a:solidFill>
+              </a:rPr>
+              <a:t>vec3(</a:t>
+            </a:r>
+            <a:r>
+              <a:rPr kumimoji="1" lang="en-US" altLang="ja-JP" sz="800" dirty="0" err="1">
+                <a:solidFill>
+                  <a:srgbClr val="FFFFFF"/>
+                </a:solidFill>
+              </a:rPr>
+              <a:t>c,c,c</a:t>
+            </a:r>
+            <a:r>
+              <a:rPr kumimoji="1" lang="en-US" altLang="ja-JP" sz="800" dirty="0">
+                <a:solidFill>
+                  <a:srgbClr val="FFFFFF"/>
+                </a:solidFill>
+              </a:rPr>
+              <a:t>)</a:t>
+            </a:r>
+            <a:r>
+              <a:rPr kumimoji="1" lang="ja-JP" altLang="en-US" sz="800" dirty="0">
+                <a:solidFill>
+                  <a:srgbClr val="FFFFFF"/>
+                </a:solidFill>
+              </a:rPr>
+              <a:t>を代入します。　ベクトルの要素が全部同じ場合このように省略できます。</a:t>
+            </a:r>
+            <a:endParaRPr kumimoji="1" lang="en-US" altLang="ja-JP" sz="800" dirty="0">
+              <a:solidFill>
+                <a:srgbClr val="FFFFFF"/>
+              </a:solidFill>
+            </a:endParaRPr>
           </a:p>
         </p:txBody>
       </p:sp>
@@ -790,7 +1166,7 @@
     </p:spTree>
     <p:extLst>
       <p:ext uri="{BB962C8B-B14F-4D97-AF65-F5344CB8AC3E}">
-        <p14:creationId xmlns:p14="http://schemas.microsoft.com/office/powerpoint/2010/main" val="2480791679"/>
+        <p14:creationId xmlns:p14="http://schemas.microsoft.com/office/powerpoint/2010/main" val="893220024"/>
       </p:ext>
     </p:extLst>
   </p:cSld>
@@ -844,472 +1220,44 @@
           <a:bodyPr/>
           <a:lstStyle/>
           <a:p>
-            <a:pPr marL="0" marR="0" lvl="0" indent="0" algn="l" defTabSz="914400" rtl="0" eaLnBrk="1" fontAlgn="auto" latinLnBrk="0" hangingPunct="1">
-              <a:lnSpc>
-                <a:spcPct val="100000"/>
-              </a:lnSpc>
-              <a:spcBef>
-                <a:spcPts val="0"/>
-              </a:spcBef>
-              <a:spcAft>
-                <a:spcPts val="0"/>
-              </a:spcAft>
-              <a:buClrTx/>
-              <a:buSzTx/>
-              <a:buFontTx/>
-              <a:buNone/>
-              <a:tabLst/>
-              <a:defRPr/>
-            </a:pPr>
             <a:r>
               <a:rPr kumimoji="1" lang="ja-JP" altLang="en-US" dirty="0"/>
-              <a:t>・次に</a:t>
-            </a:r>
-            <a:r>
-              <a:rPr kumimoji="1" lang="ja-JP" altLang="en-US" sz="1200" dirty="0">
-                <a:solidFill>
-                  <a:srgbClr val="FFFFFF"/>
-                </a:solidFill>
-              </a:rPr>
-              <a:t>円の半径との比較、色の出力です</a:t>
-            </a:r>
-            <a:endParaRPr kumimoji="1" lang="en-US" altLang="ja-JP" sz="1200" dirty="0">
-              <a:solidFill>
-                <a:srgbClr val="FFFFFF"/>
-              </a:solidFill>
-            </a:endParaRPr>
-          </a:p>
-          <a:p>
-            <a:pPr marL="0" marR="0" lvl="0" indent="0" algn="l" defTabSz="914400" rtl="0" eaLnBrk="1" fontAlgn="auto" latinLnBrk="0" hangingPunct="1">
-              <a:lnSpc>
-                <a:spcPct val="100000"/>
-              </a:lnSpc>
-              <a:spcBef>
-                <a:spcPts val="0"/>
-              </a:spcBef>
-              <a:spcAft>
-                <a:spcPts val="0"/>
-              </a:spcAft>
-              <a:buClrTx/>
-              <a:buSzTx/>
-              <a:buFontTx/>
-              <a:buNone/>
-              <a:tabLst/>
-              <a:defRPr/>
-            </a:pPr>
-            <a:endParaRPr kumimoji="1" lang="en-US" altLang="ja-JP" sz="1200" dirty="0">
-              <a:solidFill>
-                <a:srgbClr val="FFFFFF"/>
-              </a:solidFill>
-            </a:endParaRPr>
-          </a:p>
-          <a:p>
-            <a:pPr marL="0" marR="0" lvl="0" indent="0" algn="l" defTabSz="914400" rtl="0" eaLnBrk="1" fontAlgn="auto" latinLnBrk="0" hangingPunct="1">
-              <a:lnSpc>
-                <a:spcPct val="100000"/>
-              </a:lnSpc>
-              <a:spcBef>
-                <a:spcPts val="0"/>
-              </a:spcBef>
-              <a:spcAft>
-                <a:spcPts val="0"/>
-              </a:spcAft>
-              <a:buClrTx/>
-              <a:buSzTx/>
-              <a:buFontTx/>
-              <a:buNone/>
-              <a:tabLst/>
-              <a:defRPr/>
-            </a:pPr>
-            <a:r>
-              <a:rPr kumimoji="1" lang="ja-JP" altLang="en-US" sz="1200" dirty="0">
-                <a:solidFill>
-                  <a:srgbClr val="FFFFFF"/>
-                </a:solidFill>
-              </a:rPr>
-              <a:t>・先ほどの座標系で原点からの距離を求めます。　これは</a:t>
-            </a:r>
-            <a:r>
-              <a:rPr kumimoji="1" lang="en-US" altLang="ja-JP" sz="1200" dirty="0">
-                <a:solidFill>
-                  <a:srgbClr val="FFFFFF"/>
-                </a:solidFill>
-              </a:rPr>
-              <a:t>length(p)</a:t>
-            </a:r>
-            <a:r>
-              <a:rPr kumimoji="1" lang="ja-JP" altLang="en-US" sz="1200" dirty="0">
-                <a:solidFill>
-                  <a:srgbClr val="FFFFFF"/>
-                </a:solidFill>
-              </a:rPr>
-              <a:t>に対応します。</a:t>
-            </a:r>
-            <a:r>
-              <a:rPr kumimoji="1" lang="en-US" altLang="ja-JP" sz="1200" dirty="0">
-                <a:solidFill>
-                  <a:srgbClr val="FFFFFF"/>
-                </a:solidFill>
-              </a:rPr>
-              <a:t>length</a:t>
-            </a:r>
-            <a:r>
-              <a:rPr kumimoji="1" lang="ja-JP" altLang="en-US" sz="1200" dirty="0">
-                <a:solidFill>
-                  <a:srgbClr val="FFFFFF"/>
-                </a:solidFill>
-              </a:rPr>
-              <a:t>はベクトルの長さを求める関数です</a:t>
-            </a:r>
-            <a:endParaRPr kumimoji="1" lang="en-US" altLang="ja-JP" sz="1200" dirty="0">
-              <a:solidFill>
-                <a:srgbClr val="FFFFFF"/>
-              </a:solidFill>
-            </a:endParaRPr>
-          </a:p>
-          <a:p>
-            <a:pPr marL="0" marR="0" lvl="0" indent="0" algn="l" defTabSz="914400" rtl="0" eaLnBrk="1" fontAlgn="auto" latinLnBrk="0" hangingPunct="1">
-              <a:lnSpc>
-                <a:spcPct val="100000"/>
-              </a:lnSpc>
-              <a:spcBef>
-                <a:spcPts val="0"/>
-              </a:spcBef>
-              <a:spcAft>
-                <a:spcPts val="0"/>
-              </a:spcAft>
-              <a:buClrTx/>
-              <a:buSzTx/>
-              <a:buFontTx/>
-              <a:buNone/>
-              <a:tabLst/>
-              <a:defRPr/>
-            </a:pPr>
-            <a:r>
-              <a:rPr kumimoji="1" lang="ja-JP" altLang="en-US" sz="1200" dirty="0">
-                <a:solidFill>
-                  <a:srgbClr val="FFFFFF"/>
-                </a:solidFill>
-              </a:rPr>
-              <a:t>・それを</a:t>
-            </a:r>
-            <a:r>
-              <a:rPr kumimoji="1" lang="en-US" altLang="ja-JP" sz="1200" dirty="0">
-                <a:solidFill>
-                  <a:srgbClr val="FFFFFF"/>
-                </a:solidFill>
-              </a:rPr>
-              <a:t>0.5</a:t>
-            </a:r>
-            <a:r>
-              <a:rPr kumimoji="1" lang="ja-JP" altLang="en-US" sz="1200" dirty="0">
-                <a:solidFill>
-                  <a:srgbClr val="FFFFFF"/>
-                </a:solidFill>
-              </a:rPr>
-              <a:t>と比較し、</a:t>
-            </a:r>
-            <a:r>
-              <a:rPr kumimoji="1" lang="en-US" altLang="ja-JP" sz="1200" dirty="0">
-                <a:solidFill>
-                  <a:srgbClr val="FFFFFF"/>
-                </a:solidFill>
-              </a:rPr>
-              <a:t>0.5</a:t>
-            </a:r>
-            <a:r>
-              <a:rPr lang="ja-JP" altLang="en-US" sz="800" dirty="0">
-                <a:solidFill>
-                  <a:srgbClr val="FFFFFF"/>
-                </a:solidFill>
-              </a:rPr>
-              <a:t>未満</a:t>
-            </a:r>
-            <a:r>
-              <a:rPr kumimoji="1" lang="ja-JP" altLang="en-US" sz="800" dirty="0">
-                <a:solidFill>
-                  <a:srgbClr val="FFFFFF"/>
-                </a:solidFill>
-              </a:rPr>
-              <a:t>なら</a:t>
-            </a:r>
-            <a:r>
-              <a:rPr kumimoji="1" lang="en-US" altLang="ja-JP" sz="800" dirty="0">
-                <a:solidFill>
-                  <a:srgbClr val="FFFFFF"/>
-                </a:solidFill>
-              </a:rPr>
-              <a:t>1.0</a:t>
-            </a:r>
-            <a:r>
-              <a:rPr kumimoji="1" lang="ja-JP" altLang="en-US" sz="800" dirty="0">
-                <a:solidFill>
-                  <a:srgbClr val="FFFFFF"/>
-                </a:solidFill>
-              </a:rPr>
-              <a:t>を、</a:t>
-            </a:r>
-            <a:r>
-              <a:rPr kumimoji="1" lang="en-US" altLang="ja-JP" sz="800" dirty="0">
-                <a:solidFill>
-                  <a:srgbClr val="FFFFFF"/>
-                </a:solidFill>
-              </a:rPr>
-              <a:t>0.5</a:t>
-            </a:r>
-            <a:r>
-              <a:rPr kumimoji="1" lang="ja-JP" altLang="en-US" sz="800" dirty="0">
-                <a:solidFill>
-                  <a:srgbClr val="FFFFFF"/>
-                </a:solidFill>
-              </a:rPr>
-              <a:t>以上なら</a:t>
-            </a:r>
-            <a:r>
-              <a:rPr kumimoji="1" lang="en-US" altLang="ja-JP" sz="800" dirty="0">
-                <a:solidFill>
-                  <a:srgbClr val="FFFFFF"/>
-                </a:solidFill>
-              </a:rPr>
-              <a:t>0.0</a:t>
-            </a:r>
-            <a:r>
-              <a:rPr kumimoji="1" lang="ja-JP" altLang="en-US" sz="800" dirty="0">
-                <a:solidFill>
-                  <a:srgbClr val="FFFFFF"/>
-                </a:solidFill>
-              </a:rPr>
-              <a:t>を</a:t>
-            </a:r>
-            <a:r>
-              <a:rPr kumimoji="1" lang="en-US" altLang="ja-JP" sz="800" dirty="0">
-                <a:solidFill>
-                  <a:srgbClr val="FFFFFF"/>
-                </a:solidFill>
-              </a:rPr>
-              <a:t>c</a:t>
-            </a:r>
-            <a:r>
-              <a:rPr kumimoji="1" lang="ja-JP" altLang="en-US" sz="800" dirty="0">
-                <a:solidFill>
-                  <a:srgbClr val="FFFFFF"/>
-                </a:solidFill>
-              </a:rPr>
-              <a:t>に代入しています。　この</a:t>
-            </a:r>
-            <a:r>
-              <a:rPr kumimoji="1" lang="en-US" altLang="ja-JP" sz="800" dirty="0">
-                <a:solidFill>
-                  <a:srgbClr val="FFFFFF"/>
-                </a:solidFill>
-              </a:rPr>
-              <a:t>?</a:t>
-            </a:r>
-            <a:r>
-              <a:rPr kumimoji="1" lang="ja-JP" altLang="en-US" sz="800" dirty="0">
-                <a:solidFill>
-                  <a:srgbClr val="FFFFFF"/>
-                </a:solidFill>
-              </a:rPr>
-              <a:t>と</a:t>
-            </a:r>
-            <a:r>
-              <a:rPr kumimoji="1" lang="en-US" altLang="ja-JP" sz="800" dirty="0">
-                <a:solidFill>
-                  <a:srgbClr val="FFFFFF"/>
-                </a:solidFill>
-              </a:rPr>
-              <a:t>:</a:t>
-            </a:r>
-            <a:r>
-              <a:rPr kumimoji="1" lang="ja-JP" altLang="en-US" sz="800" dirty="0">
-                <a:solidFill>
-                  <a:srgbClr val="FFFFFF"/>
-                </a:solidFill>
-              </a:rPr>
-              <a:t>は三項演算子です。</a:t>
-            </a:r>
-            <a:endParaRPr kumimoji="1" lang="en-US" altLang="ja-JP" sz="800" dirty="0">
-              <a:solidFill>
-                <a:srgbClr val="FFFFFF"/>
-              </a:solidFill>
-            </a:endParaRPr>
-          </a:p>
-          <a:p>
-            <a:pPr marL="0" marR="0" lvl="0" indent="0" algn="l" defTabSz="914400" rtl="0" eaLnBrk="1" fontAlgn="auto" latinLnBrk="0" hangingPunct="1">
-              <a:lnSpc>
-                <a:spcPct val="100000"/>
-              </a:lnSpc>
-              <a:spcBef>
-                <a:spcPts val="0"/>
-              </a:spcBef>
-              <a:spcAft>
-                <a:spcPts val="0"/>
-              </a:spcAft>
-              <a:buClrTx/>
-              <a:buSzTx/>
-              <a:buFontTx/>
-              <a:buNone/>
-              <a:tabLst/>
-              <a:defRPr/>
-            </a:pPr>
-            <a:r>
-              <a:rPr kumimoji="1" lang="ja-JP" altLang="en-US" sz="800" dirty="0">
-                <a:solidFill>
-                  <a:srgbClr val="FFFFFF"/>
-                </a:solidFill>
-              </a:rPr>
-              <a:t>普通のプログラミングだと可読性の低さから忌み嫌われがちですが、</a:t>
-            </a:r>
-            <a:r>
-              <a:rPr kumimoji="1" lang="en-US" altLang="ja-JP" sz="800" dirty="0">
-                <a:solidFill>
-                  <a:srgbClr val="FFFFFF"/>
-                </a:solidFill>
-              </a:rPr>
-              <a:t>GPU</a:t>
-            </a:r>
-            <a:r>
-              <a:rPr kumimoji="1" lang="ja-JP" altLang="en-US" sz="800" dirty="0">
-                <a:solidFill>
-                  <a:srgbClr val="FFFFFF"/>
-                </a:solidFill>
-              </a:rPr>
-              <a:t>は</a:t>
-            </a:r>
-            <a:r>
-              <a:rPr kumimoji="1" lang="en-US" altLang="ja-JP" sz="800" dirty="0">
-                <a:solidFill>
-                  <a:srgbClr val="FFFFFF"/>
-                </a:solidFill>
-              </a:rPr>
-              <a:t>if</a:t>
-            </a:r>
-            <a:r>
-              <a:rPr kumimoji="1" lang="ja-JP" altLang="en-US" sz="800" dirty="0">
-                <a:solidFill>
-                  <a:srgbClr val="FFFFFF"/>
-                </a:solidFill>
-              </a:rPr>
-              <a:t>文が苦手で処理が遅いので、三項演算子は重宝します</a:t>
-            </a:r>
-            <a:endParaRPr kumimoji="1" lang="en-US" altLang="ja-JP" sz="800" dirty="0">
-              <a:solidFill>
-                <a:srgbClr val="FFFFFF"/>
-              </a:solidFill>
-            </a:endParaRPr>
-          </a:p>
-          <a:p>
-            <a:pPr marL="0" marR="0" lvl="0" indent="0" algn="l" defTabSz="914400" rtl="0" eaLnBrk="1" fontAlgn="auto" latinLnBrk="0" hangingPunct="1">
-              <a:lnSpc>
-                <a:spcPct val="100000"/>
-              </a:lnSpc>
-              <a:spcBef>
-                <a:spcPts val="0"/>
-              </a:spcBef>
-              <a:spcAft>
-                <a:spcPts val="0"/>
-              </a:spcAft>
-              <a:buClrTx/>
-              <a:buSzTx/>
-              <a:buFontTx/>
-              <a:buNone/>
-              <a:tabLst/>
-              <a:defRPr/>
-            </a:pPr>
-            <a:r>
-              <a:rPr kumimoji="1" lang="ja-JP" altLang="en-US" sz="800" dirty="0">
-                <a:solidFill>
-                  <a:srgbClr val="FFFFFF"/>
-                </a:solidFill>
-              </a:rPr>
-              <a:t>じつはより早く、短くかける方法があるのですが、これは後々紹介します。</a:t>
-            </a:r>
-            <a:endParaRPr kumimoji="1" lang="en-US" altLang="ja-JP" sz="800" dirty="0">
-              <a:solidFill>
-                <a:srgbClr val="FFFFFF"/>
-              </a:solidFill>
-            </a:endParaRPr>
-          </a:p>
-          <a:p>
-            <a:pPr marL="0" marR="0" lvl="0" indent="0" algn="l" defTabSz="914400" rtl="0" eaLnBrk="1" fontAlgn="auto" latinLnBrk="0" hangingPunct="1">
-              <a:lnSpc>
-                <a:spcPct val="100000"/>
-              </a:lnSpc>
-              <a:spcBef>
-                <a:spcPts val="0"/>
-              </a:spcBef>
-              <a:spcAft>
-                <a:spcPts val="0"/>
-              </a:spcAft>
-              <a:buClrTx/>
-              <a:buSzTx/>
-              <a:buFontTx/>
-              <a:buNone/>
-              <a:tabLst/>
-              <a:defRPr/>
-            </a:pPr>
-            <a:r>
-              <a:rPr kumimoji="1" lang="ja-JP" altLang="en-US" sz="800" dirty="0">
-                <a:solidFill>
-                  <a:srgbClr val="FFFFFF"/>
-                </a:solidFill>
-              </a:rPr>
-              <a:t>・で、求めた</a:t>
-            </a:r>
-            <a:r>
-              <a:rPr kumimoji="1" lang="en-US" altLang="ja-JP" sz="800" dirty="0">
-                <a:solidFill>
-                  <a:srgbClr val="FFFFFF"/>
-                </a:solidFill>
-              </a:rPr>
-              <a:t>c</a:t>
-            </a:r>
-            <a:r>
-              <a:rPr kumimoji="1" lang="ja-JP" altLang="en-US" sz="800" dirty="0">
-                <a:solidFill>
-                  <a:srgbClr val="FFFFFF"/>
-                </a:solidFill>
-              </a:rPr>
-              <a:t>を白黒で出力します。ここでは単純に</a:t>
-            </a:r>
-            <a:r>
-              <a:rPr kumimoji="1" lang="en-US" altLang="ja-JP" sz="800" dirty="0">
-                <a:solidFill>
-                  <a:srgbClr val="FFFFFF"/>
-                </a:solidFill>
-              </a:rPr>
-              <a:t>vec3(</a:t>
-            </a:r>
-            <a:r>
-              <a:rPr kumimoji="1" lang="en-US" altLang="ja-JP" sz="800" dirty="0" err="1">
-                <a:solidFill>
-                  <a:srgbClr val="FFFFFF"/>
-                </a:solidFill>
-              </a:rPr>
-              <a:t>c,c,c</a:t>
-            </a:r>
-            <a:r>
-              <a:rPr kumimoji="1" lang="en-US" altLang="ja-JP" sz="800" dirty="0">
-                <a:solidFill>
-                  <a:srgbClr val="FFFFFF"/>
-                </a:solidFill>
-              </a:rPr>
-              <a:t>)</a:t>
-            </a:r>
-            <a:r>
-              <a:rPr kumimoji="1" lang="ja-JP" altLang="en-US" sz="800" dirty="0">
-                <a:solidFill>
-                  <a:srgbClr val="FFFFFF"/>
-                </a:solidFill>
-              </a:rPr>
-              <a:t>を代入します。　ベクトルの要素が全部同じ場合このように省略できます。</a:t>
-            </a:r>
-            <a:endParaRPr kumimoji="1" lang="en-US" altLang="ja-JP" sz="800" dirty="0">
-              <a:solidFill>
-                <a:srgbClr val="FFFFFF"/>
-              </a:solidFill>
-            </a:endParaRPr>
+              <a:t>・おめでとうございます！つぶやき</a:t>
+            </a:r>
+            <a:r>
+              <a:rPr kumimoji="1" lang="en-US" altLang="ja-JP" dirty="0"/>
+              <a:t>GLSL</a:t>
+            </a:r>
+            <a:r>
+              <a:rPr kumimoji="1" lang="ja-JP" altLang="en-US" dirty="0"/>
+              <a:t>の基礎を完全に理解しました！</a:t>
+            </a:r>
+            <a:endParaRPr kumimoji="1" lang="en-US" altLang="ja-JP" dirty="0"/>
+          </a:p>
+          <a:p>
+            <a:r>
+              <a:rPr kumimoji="1" lang="ja-JP" altLang="en-US" dirty="0"/>
+              <a:t>・これを工夫していろいろな図形を描くこともできます</a:t>
+            </a:r>
+            <a:endParaRPr kumimoji="1" lang="en-US" altLang="ja-JP" dirty="0"/>
+          </a:p>
+          <a:p>
+            <a:endParaRPr kumimoji="1" lang="en-US" altLang="ja-JP" dirty="0"/>
+          </a:p>
+          <a:p>
+            <a:r>
+              <a:rPr kumimoji="1" lang="ja-JP" altLang="en-US" dirty="0"/>
+              <a:t>・では、つぶやき</a:t>
+            </a:r>
+            <a:r>
+              <a:rPr kumimoji="1" lang="en-US" altLang="ja-JP" dirty="0"/>
+              <a:t>GLSL</a:t>
+            </a:r>
+            <a:r>
+              <a:rPr kumimoji="1" lang="ja-JP" altLang="en-US" dirty="0"/>
+              <a:t>の実践的な内容に移っていきます</a:t>
+            </a:r>
+            <a:endParaRPr kumimoji="1" lang="en-US" altLang="ja-JP" dirty="0"/>
           </a:p>
         </p:txBody>
       </p:sp>
@@ -1339,7 +1287,7 @@
     </p:spTree>
     <p:extLst>
       <p:ext uri="{BB962C8B-B14F-4D97-AF65-F5344CB8AC3E}">
-        <p14:creationId xmlns:p14="http://schemas.microsoft.com/office/powerpoint/2010/main" val="893220024"/>
+        <p14:creationId xmlns:p14="http://schemas.microsoft.com/office/powerpoint/2010/main" val="2411372939"/>
       </p:ext>
     </p:extLst>
   </p:cSld>
@@ -1395,7 +1343,7 @@
           <a:p>
             <a:r>
               <a:rPr kumimoji="1" lang="ja-JP" altLang="en-US" dirty="0"/>
-              <a:t>・おめでとうございます！つぶやき</a:t>
+              <a:t>・まず、つぶやき</a:t>
             </a:r>
             <a:r>
               <a:rPr kumimoji="1" lang="en-US" altLang="ja-JP" dirty="0"/>
@@ -1403,32 +1351,7 @@
             </a:r>
             <a:r>
               <a:rPr kumimoji="1" lang="ja-JP" altLang="en-US" dirty="0"/>
-              <a:t>の基礎を完全に理解しました！</a:t>
-            </a:r>
-            <a:endParaRPr kumimoji="1" lang="en-US" altLang="ja-JP" dirty="0"/>
-          </a:p>
-          <a:p>
-            <a:r>
-              <a:rPr kumimoji="1" lang="ja-JP" altLang="en-US" dirty="0"/>
-              <a:t>・これを工夫していろいろな図形を描くこともできます</a:t>
-            </a:r>
-            <a:endParaRPr kumimoji="1" lang="en-US" altLang="ja-JP" dirty="0"/>
-          </a:p>
-          <a:p>
-            <a:endParaRPr kumimoji="1" lang="en-US" altLang="ja-JP" dirty="0"/>
-          </a:p>
-          <a:p>
-            <a:r>
-              <a:rPr kumimoji="1" lang="ja-JP" altLang="en-US" dirty="0"/>
-              <a:t>・では、つぶやき</a:t>
-            </a:r>
-            <a:r>
-              <a:rPr kumimoji="1" lang="en-US" altLang="ja-JP" dirty="0"/>
-              <a:t>GLSL</a:t>
-            </a:r>
-            <a:r>
-              <a:rPr kumimoji="1" lang="ja-JP" altLang="en-US" dirty="0"/>
-              <a:t>の実践的な内容に移っていきます</a:t>
+              <a:t>のテクニックは二つに分類できます</a:t>
             </a:r>
             <a:endParaRPr kumimoji="1" lang="en-US" altLang="ja-JP" dirty="0"/>
           </a:p>
@@ -1460,7 +1383,7 @@
     </p:spTree>
     <p:extLst>
       <p:ext uri="{BB962C8B-B14F-4D97-AF65-F5344CB8AC3E}">
-        <p14:creationId xmlns:p14="http://schemas.microsoft.com/office/powerpoint/2010/main" val="2411372939"/>
+        <p14:creationId xmlns:p14="http://schemas.microsoft.com/office/powerpoint/2010/main" val="1585060718"/>
       </p:ext>
     </p:extLst>
   </p:cSld>
@@ -1516,15 +1439,57 @@
           <a:p>
             <a:r>
               <a:rPr kumimoji="1" lang="ja-JP" altLang="en-US" dirty="0"/>
-              <a:t>・まず、つぶやき</a:t>
+              <a:t>・一つは絵作りのテクニックです</a:t>
+            </a:r>
+            <a:endParaRPr kumimoji="1" lang="en-US" altLang="ja-JP" dirty="0"/>
+          </a:p>
+          <a:p>
+            <a:r>
+              <a:rPr kumimoji="1" lang="ja-JP" altLang="en-US" dirty="0"/>
+              <a:t>・星の数ほどある</a:t>
+            </a:r>
+            <a:endParaRPr kumimoji="1" lang="en-US" altLang="ja-JP" dirty="0"/>
+          </a:p>
+          <a:p>
+            <a:r>
+              <a:rPr kumimoji="1" lang="ja-JP" altLang="en-US" dirty="0"/>
+              <a:t>・レイマーチング法は特に強力なテクニックで、右のような</a:t>
             </a:r>
             <a:r>
               <a:rPr kumimoji="1" lang="en-US" altLang="ja-JP" dirty="0"/>
-              <a:t>GLSL</a:t>
+              <a:t>3D</a:t>
             </a:r>
             <a:r>
               <a:rPr kumimoji="1" lang="ja-JP" altLang="en-US" dirty="0"/>
-              <a:t>のテクニックは二つに分類できます</a:t>
+              <a:t>の絵を出す際にはほぼ必須といってもいいくらいです。　ほぼ、といったのはそれ以外でも</a:t>
+            </a:r>
+            <a:r>
+              <a:rPr kumimoji="1" lang="en-US" altLang="ja-JP" dirty="0"/>
+              <a:t>3D</a:t>
+            </a:r>
+            <a:r>
+              <a:rPr kumimoji="1" lang="ja-JP" altLang="en-US" dirty="0"/>
+              <a:t>っぽくできるからです</a:t>
+            </a:r>
+            <a:endParaRPr kumimoji="1" lang="en-US" altLang="ja-JP" dirty="0"/>
+          </a:p>
+          <a:p>
+            <a:endParaRPr kumimoji="1" lang="en-US" altLang="ja-JP" dirty="0"/>
+          </a:p>
+          <a:p>
+            <a:r>
+              <a:rPr kumimoji="1" lang="ja-JP" altLang="en-US" dirty="0"/>
+              <a:t>・もう一つはコード短縮のテクニックです</a:t>
+            </a:r>
+            <a:endParaRPr kumimoji="1" lang="en-US" altLang="ja-JP" dirty="0"/>
+          </a:p>
+          <a:p>
+            <a:endParaRPr kumimoji="1" lang="en-US" altLang="ja-JP" dirty="0"/>
+          </a:p>
+          <a:p>
+            <a:r>
+              <a:rPr kumimoji="1" lang="ja-JP" altLang="en-US" dirty="0"/>
+              <a:t>・いろいろ紹介しましたが単語だけだとなんのことだかわからないので、実例を交えて一部を紹介したいと思います。</a:t>
             </a:r>
             <a:endParaRPr kumimoji="1" lang="en-US" altLang="ja-JP" dirty="0"/>
           </a:p>
@@ -1556,7 +1521,7 @@
     </p:spTree>
     <p:extLst>
       <p:ext uri="{BB962C8B-B14F-4D97-AF65-F5344CB8AC3E}">
-        <p14:creationId xmlns:p14="http://schemas.microsoft.com/office/powerpoint/2010/main" val="1585060718"/>
+        <p14:creationId xmlns:p14="http://schemas.microsoft.com/office/powerpoint/2010/main" val="973197676"/>
       </p:ext>
     </p:extLst>
   </p:cSld>
@@ -1612,57 +1577,24 @@
           <a:p>
             <a:r>
               <a:rPr kumimoji="1" lang="ja-JP" altLang="en-US" dirty="0"/>
-              <a:t>・一つは絵作りのテクニックです</a:t>
+              <a:t>・モッドは余りの演算です</a:t>
             </a:r>
             <a:endParaRPr kumimoji="1" lang="en-US" altLang="ja-JP" dirty="0"/>
           </a:p>
           <a:p>
             <a:r>
               <a:rPr kumimoji="1" lang="ja-JP" altLang="en-US" dirty="0"/>
-              <a:t>・星の数ほどある</a:t>
+              <a:t>・先ほどのコードに一行加えるだけで複製ができます</a:t>
             </a:r>
             <a:endParaRPr kumimoji="1" lang="en-US" altLang="ja-JP" dirty="0"/>
           </a:p>
           <a:p>
+            <a:endParaRPr kumimoji="1" lang="en-US" altLang="ja-JP" dirty="0"/>
+          </a:p>
+          <a:p>
             <a:r>
               <a:rPr kumimoji="1" lang="ja-JP" altLang="en-US" dirty="0"/>
-              <a:t>・レイマーチング法は特に強力なテクニックで、右のような</a:t>
-            </a:r>
-            <a:r>
-              <a:rPr kumimoji="1" lang="en-US" altLang="ja-JP" dirty="0"/>
-              <a:t>3D</a:t>
-            </a:r>
-            <a:r>
-              <a:rPr kumimoji="1" lang="ja-JP" altLang="en-US" dirty="0"/>
-              <a:t>の絵を出す際にはほぼ必須といってもいいくらいです。　ほぼ、といったのはそれ以外でも</a:t>
-            </a:r>
-            <a:r>
-              <a:rPr kumimoji="1" lang="en-US" altLang="ja-JP" dirty="0"/>
-              <a:t>3D</a:t>
-            </a:r>
-            <a:r>
-              <a:rPr kumimoji="1" lang="ja-JP" altLang="en-US" dirty="0"/>
-              <a:t>っぽくできるからです</a:t>
-            </a:r>
-            <a:endParaRPr kumimoji="1" lang="en-US" altLang="ja-JP" dirty="0"/>
-          </a:p>
-          <a:p>
-            <a:endParaRPr kumimoji="1" lang="en-US" altLang="ja-JP" dirty="0"/>
-          </a:p>
-          <a:p>
-            <a:r>
-              <a:rPr kumimoji="1" lang="ja-JP" altLang="en-US" dirty="0"/>
-              <a:t>・もう一つはコード短縮のテクニックです</a:t>
-            </a:r>
-            <a:endParaRPr kumimoji="1" lang="en-US" altLang="ja-JP" dirty="0"/>
-          </a:p>
-          <a:p>
-            <a:endParaRPr kumimoji="1" lang="en-US" altLang="ja-JP" dirty="0"/>
-          </a:p>
-          <a:p>
-            <a:r>
-              <a:rPr kumimoji="1" lang="ja-JP" altLang="en-US" dirty="0"/>
-              <a:t>・いろいろ紹介しましたが単語だけだとなんのことだかわからないので、実例を交えて一部を紹介したいと思います。</a:t>
+              <a:t>・この繰り返しですが、方眼紙を想像して、その一マス一マスが前の座標系に対応していると考えるとわかりやすいかもしれません。</a:t>
             </a:r>
             <a:endParaRPr kumimoji="1" lang="en-US" altLang="ja-JP" dirty="0"/>
           </a:p>
@@ -1686,111 +1618,6 @@
             <a:fld id="{9B25607D-0870-4EA8-A218-76340741156B}" type="slidenum">
               <a:rPr kumimoji="1" lang="ja-JP" altLang="en-US" smtClean="0"/>
               <a:t>17</a:t>
-            </a:fld>
-            <a:endParaRPr kumimoji="1" lang="ja-JP" altLang="en-US"/>
-          </a:p>
-        </p:txBody>
-      </p:sp>
-    </p:spTree>
-    <p:extLst>
-      <p:ext uri="{BB962C8B-B14F-4D97-AF65-F5344CB8AC3E}">
-        <p14:creationId xmlns:p14="http://schemas.microsoft.com/office/powerpoint/2010/main" val="973197676"/>
-      </p:ext>
-    </p:extLst>
-  </p:cSld>
-  <p:clrMapOvr>
-    <a:masterClrMapping/>
-  </p:clrMapOvr>
-</p:notes>
-</file>
-
-<file path=ppt/notesSlides/notesSlide15.xml><?xml version="1.0" encoding="utf-8"?>
-<p:notes xmlns:a="http://schemas.openxmlformats.org/drawingml/2006/main" xmlns:r="http://schemas.openxmlformats.org/officeDocument/2006/relationships" xmlns:p="http://schemas.openxmlformats.org/presentationml/2006/main">
-  <p:cSld>
-    <p:spTree>
-      <p:nvGrpSpPr>
-        <p:cNvPr id="1" name=""/>
-        <p:cNvGrpSpPr/>
-        <p:nvPr/>
-      </p:nvGrpSpPr>
-      <p:grpSpPr>
-        <a:xfrm>
-          <a:off x="0" y="0"/>
-          <a:ext cx="0" cy="0"/>
-          <a:chOff x="0" y="0"/>
-          <a:chExt cx="0" cy="0"/>
-        </a:xfrm>
-      </p:grpSpPr>
-      <p:sp>
-        <p:nvSpPr>
-          <p:cNvPr id="2" name="スライド イメージ プレースホルダー 1"/>
-          <p:cNvSpPr>
-            <a:spLocks noGrp="1" noRot="1" noChangeAspect="1"/>
-          </p:cNvSpPr>
-          <p:nvPr>
-            <p:ph type="sldImg"/>
-          </p:nvPr>
-        </p:nvSpPr>
-        <p:spPr/>
-      </p:sp>
-      <p:sp>
-        <p:nvSpPr>
-          <p:cNvPr id="3" name="ノート プレースホルダー 2"/>
-          <p:cNvSpPr>
-            <a:spLocks noGrp="1"/>
-          </p:cNvSpPr>
-          <p:nvPr>
-            <p:ph type="body" idx="1"/>
-          </p:nvPr>
-        </p:nvSpPr>
-        <p:spPr/>
-        <p:txBody>
-          <a:bodyPr/>
-          <a:lstStyle/>
-          <a:p>
-            <a:r>
-              <a:rPr kumimoji="1" lang="ja-JP" altLang="en-US" dirty="0"/>
-              <a:t>・モッドは余りの演算です</a:t>
-            </a:r>
-            <a:endParaRPr kumimoji="1" lang="en-US" altLang="ja-JP" dirty="0"/>
-          </a:p>
-          <a:p>
-            <a:r>
-              <a:rPr kumimoji="1" lang="ja-JP" altLang="en-US" dirty="0"/>
-              <a:t>・先ほどのコードに一行加えるだけで複製ができます</a:t>
-            </a:r>
-            <a:endParaRPr kumimoji="1" lang="en-US" altLang="ja-JP" dirty="0"/>
-          </a:p>
-          <a:p>
-            <a:endParaRPr kumimoji="1" lang="en-US" altLang="ja-JP" dirty="0"/>
-          </a:p>
-          <a:p>
-            <a:r>
-              <a:rPr kumimoji="1" lang="ja-JP" altLang="en-US" dirty="0"/>
-              <a:t>・この繰り返しですが、方眼紙を想像して、その一マス一マスが前の座標系に対応していると考えるとわかりやすいかもしれません。</a:t>
-            </a:r>
-            <a:endParaRPr kumimoji="1" lang="en-US" altLang="ja-JP" dirty="0"/>
-          </a:p>
-        </p:txBody>
-      </p:sp>
-      <p:sp>
-        <p:nvSpPr>
-          <p:cNvPr id="4" name="スライド番号プレースホルダー 3"/>
-          <p:cNvSpPr>
-            <a:spLocks noGrp="1"/>
-          </p:cNvSpPr>
-          <p:nvPr>
-            <p:ph type="sldNum" sz="quarter" idx="5"/>
-          </p:nvPr>
-        </p:nvSpPr>
-        <p:spPr/>
-        <p:txBody>
-          <a:bodyPr/>
-          <a:lstStyle/>
-          <a:p>
-            <a:fld id="{9B25607D-0870-4EA8-A218-76340741156B}" type="slidenum">
-              <a:rPr kumimoji="1" lang="ja-JP" altLang="en-US" smtClean="0"/>
-              <a:t>18</a:t>
             </a:fld>
             <a:endParaRPr kumimoji="1" lang="ja-JP" altLang="en-US"/>
           </a:p>
@@ -2766,72 +2593,42 @@
           <a:p>
             <a:r>
               <a:rPr kumimoji="1" lang="ja-JP" altLang="en-US" dirty="0"/>
-              <a:t>・では、</a:t>
-            </a:r>
-            <a:r>
-              <a:rPr kumimoji="1" lang="en-US" altLang="ja-JP" dirty="0"/>
-              <a:t>HelloWorld</a:t>
-            </a:r>
+              <a:t>・次に円を出してみましょう</a:t>
+            </a:r>
+            <a:endParaRPr kumimoji="1" lang="en-US" altLang="ja-JP" dirty="0"/>
+          </a:p>
+          <a:p>
             <a:r>
               <a:rPr kumimoji="1" lang="ja-JP" altLang="en-US" dirty="0"/>
-              <a:t>をやっていきましょう。</a:t>
+              <a:t>・手順としては～</a:t>
             </a:r>
             <a:endParaRPr kumimoji="1" lang="en-US" altLang="ja-JP" dirty="0"/>
           </a:p>
           <a:p>
+            <a:endParaRPr kumimoji="1" lang="en-US" altLang="ja-JP" dirty="0"/>
+          </a:p>
+          <a:p>
             <a:r>
               <a:rPr kumimoji="1" lang="ja-JP" altLang="en-US" dirty="0"/>
-              <a:t>・前のスライドで見せた</a:t>
-            </a:r>
-            <a:r>
-              <a:rPr kumimoji="1" lang="en-US" altLang="ja-JP" dirty="0"/>
-              <a:t>HelloWorld</a:t>
-            </a:r>
+              <a:t>・ひとつづつ説明していきます</a:t>
+            </a:r>
+            <a:endParaRPr kumimoji="1" lang="en-US" altLang="ja-JP" dirty="0"/>
+          </a:p>
+          <a:p>
+            <a:endParaRPr kumimoji="1" lang="en-US" altLang="ja-JP" dirty="0"/>
+          </a:p>
+          <a:p>
             <a:r>
               <a:rPr kumimoji="1" lang="ja-JP" altLang="en-US" dirty="0"/>
-              <a:t>はこんなに少なく書くことができます。</a:t>
+              <a:t>・ここからは書いていただいても書かないでも大丈夫です。</a:t>
             </a:r>
             <a:endParaRPr kumimoji="1" lang="en-US" altLang="ja-JP" dirty="0"/>
           </a:p>
           <a:p>
             <a:r>
               <a:rPr kumimoji="1" lang="ja-JP" altLang="en-US" dirty="0"/>
-              <a:t>・やっていることは以前と同じですが、二行目の</a:t>
-            </a:r>
-            <a:r>
-              <a:rPr kumimoji="1" lang="en-US" altLang="ja-JP" dirty="0" err="1"/>
-              <a:t>o.rg</a:t>
-            </a:r>
-            <a:r>
-              <a:rPr kumimoji="1" lang="ja-JP" altLang="en-US" dirty="0"/>
-              <a:t>が少し</a:t>
-            </a:r>
-            <a:r>
-              <a:rPr kumimoji="1" lang="en-US" altLang="ja-JP" dirty="0" err="1"/>
-              <a:t>glsl</a:t>
-            </a:r>
-            <a:r>
-              <a:rPr kumimoji="1" lang="ja-JP" altLang="en-US" dirty="0"/>
-              <a:t>ならではの文法なので説明します。</a:t>
-            </a:r>
-            <a:r>
-              <a:rPr kumimoji="1" lang="en-US" altLang="ja-JP" dirty="0"/>
-              <a:t>(</a:t>
-            </a:r>
-            <a:r>
-              <a:rPr kumimoji="1" lang="ja-JP" altLang="en-US" dirty="0"/>
-              <a:t>スウィズル演算子の説明</a:t>
-            </a:r>
-            <a:r>
-              <a:rPr kumimoji="1" lang="en-US" altLang="ja-JP" dirty="0"/>
-              <a:t>)</a:t>
-            </a:r>
-          </a:p>
-          <a:p>
-            <a:endParaRPr kumimoji="1" lang="en-US" altLang="ja-JP" dirty="0"/>
-          </a:p>
-          <a:p>
-            <a:endParaRPr kumimoji="1" lang="en-US" altLang="ja-JP" dirty="0"/>
+              <a:t>書いていただける方は説明と一緒にお聞きください</a:t>
+            </a:r>
           </a:p>
         </p:txBody>
       </p:sp>
@@ -2861,7 +2658,7 @@
     </p:spTree>
     <p:extLst>
       <p:ext uri="{BB962C8B-B14F-4D97-AF65-F5344CB8AC3E}">
-        <p14:creationId xmlns:p14="http://schemas.microsoft.com/office/powerpoint/2010/main" val="786874751"/>
+        <p14:creationId xmlns:p14="http://schemas.microsoft.com/office/powerpoint/2010/main" val="1701504975"/>
       </p:ext>
     </p:extLst>
   </p:cSld>
@@ -2917,42 +2714,93 @@
           <a:p>
             <a:r>
               <a:rPr kumimoji="1" lang="ja-JP" altLang="en-US" dirty="0"/>
-              <a:t>・次に円を出してみましょう</a:t>
+              <a:t>・まずピクセル座標の変換からです</a:t>
             </a:r>
             <a:endParaRPr kumimoji="1" lang="en-US" altLang="ja-JP" dirty="0"/>
           </a:p>
           <a:p>
             <a:r>
               <a:rPr kumimoji="1" lang="ja-JP" altLang="en-US" dirty="0"/>
-              <a:t>・手順としては～</a:t>
+              <a:t>・これは基本のテクニックと言っていいようなもの</a:t>
             </a:r>
             <a:endParaRPr kumimoji="1" lang="en-US" altLang="ja-JP" dirty="0"/>
           </a:p>
           <a:p>
+            <a:r>
+              <a:rPr kumimoji="1" lang="ja-JP" altLang="en-US" dirty="0"/>
+              <a:t>・ピクセル座標、</a:t>
+            </a:r>
+            <a:r>
+              <a:rPr kumimoji="1" lang="en-US" altLang="ja-JP" dirty="0"/>
+              <a:t>FC</a:t>
+            </a:r>
+            <a:r>
+              <a:rPr kumimoji="1" lang="ja-JP" altLang="en-US" dirty="0"/>
+              <a:t>を使いやすい形に変換する</a:t>
+            </a:r>
             <a:endParaRPr kumimoji="1" lang="en-US" altLang="ja-JP" dirty="0"/>
           </a:p>
           <a:p>
             <a:r>
               <a:rPr kumimoji="1" lang="ja-JP" altLang="en-US" dirty="0"/>
-              <a:t>・ひとつづつ説明していきます</a:t>
+              <a:t>・</a:t>
+            </a:r>
+            <a:r>
+              <a:rPr kumimoji="1" lang="en-US" altLang="ja-JP" dirty="0" err="1"/>
+              <a:t>r.y</a:t>
+            </a:r>
+            <a:r>
+              <a:rPr kumimoji="1" lang="en-US" altLang="ja-JP" dirty="0"/>
+              <a:t>/</a:t>
+            </a:r>
+            <a:r>
+              <a:rPr kumimoji="1" lang="en-US" altLang="ja-JP" dirty="0" err="1"/>
+              <a:t>r.x</a:t>
+            </a:r>
+            <a:r>
+              <a:rPr kumimoji="1" lang="ja-JP" altLang="en-US" dirty="0"/>
+              <a:t>、</a:t>
+            </a:r>
+            <a:r>
+              <a:rPr kumimoji="1" lang="en-US" altLang="ja-JP" dirty="0" err="1"/>
+              <a:t>r.x</a:t>
+            </a:r>
+            <a:r>
+              <a:rPr kumimoji="1" lang="en-US" altLang="ja-JP" dirty="0"/>
+              <a:t>/</a:t>
+            </a:r>
+            <a:r>
+              <a:rPr kumimoji="1" lang="en-US" altLang="ja-JP" dirty="0" err="1"/>
+              <a:t>r.y</a:t>
+            </a:r>
+            <a:r>
+              <a:rPr kumimoji="1" lang="ja-JP" altLang="en-US" dirty="0"/>
+              <a:t>がわかりずらい　これは</a:t>
+            </a:r>
+            <a:r>
+              <a:rPr kumimoji="1" lang="en-US" altLang="ja-JP" dirty="0"/>
+              <a:t>1.0</a:t>
+            </a:r>
+            <a:r>
+              <a:rPr kumimoji="1" lang="ja-JP" altLang="en-US" dirty="0"/>
+              <a:t>を超えない正の値　</a:t>
+            </a:r>
+            <a:r>
+              <a:rPr kumimoji="1" lang="en-US" altLang="ja-JP" dirty="0"/>
+              <a:t>0.8</a:t>
+            </a:r>
+            <a:r>
+              <a:rPr kumimoji="1" lang="ja-JP" altLang="en-US" dirty="0"/>
+              <a:t>とかになります</a:t>
             </a:r>
             <a:endParaRPr kumimoji="1" lang="en-US" altLang="ja-JP" dirty="0"/>
           </a:p>
           <a:p>
+            <a:r>
+              <a:rPr kumimoji="1" lang="ja-JP" altLang="en-US" dirty="0"/>
+              <a:t>・右の座標みたいに、画面の中心が原点となるグラフのような座標系になるということ</a:t>
+            </a:r>
             <a:endParaRPr kumimoji="1" lang="en-US" altLang="ja-JP" dirty="0"/>
-          </a:p>
-          <a:p>
-            <a:r>
-              <a:rPr kumimoji="1" lang="ja-JP" altLang="en-US" dirty="0"/>
-              <a:t>・ここからは書いていただいても書かないでも大丈夫です。</a:t>
-            </a:r>
-            <a:endParaRPr kumimoji="1" lang="en-US" altLang="ja-JP" dirty="0"/>
-          </a:p>
-          <a:p>
-            <a:r>
-              <a:rPr kumimoji="1" lang="ja-JP" altLang="en-US" dirty="0"/>
-              <a:t>書いていただける方は説明と一緒にお聞きください</a:t>
-            </a:r>
           </a:p>
         </p:txBody>
       </p:sp>
@@ -2982,7 +2830,7 @@
     </p:spTree>
     <p:extLst>
       <p:ext uri="{BB962C8B-B14F-4D97-AF65-F5344CB8AC3E}">
-        <p14:creationId xmlns:p14="http://schemas.microsoft.com/office/powerpoint/2010/main" val="1701504975"/>
+        <p14:creationId xmlns:p14="http://schemas.microsoft.com/office/powerpoint/2010/main" val="2480791679"/>
       </p:ext>
     </p:extLst>
   </p:cSld>
@@ -3139,7 +2987,7 @@
           <a:p>
             <a:fld id="{27C1D107-388E-4A1F-9313-C5CAF8A5C915}" type="datetimeFigureOut">
               <a:rPr kumimoji="1" lang="ja-JP" altLang="en-US" smtClean="0"/>
-              <a:t>2022/10/8</a:t>
+              <a:t>2022/10/12</a:t>
             </a:fld>
             <a:endParaRPr kumimoji="1" lang="ja-JP" altLang="en-US"/>
           </a:p>
@@ -3369,7 +3217,7 @@
           <a:p>
             <a:fld id="{27C1D107-388E-4A1F-9313-C5CAF8A5C915}" type="datetimeFigureOut">
               <a:rPr kumimoji="1" lang="ja-JP" altLang="en-US" smtClean="0"/>
-              <a:t>2022/10/8</a:t>
+              <a:t>2022/10/12</a:t>
             </a:fld>
             <a:endParaRPr kumimoji="1" lang="ja-JP" altLang="en-US"/>
           </a:p>
@@ -3609,7 +3457,7 @@
           <a:p>
             <a:fld id="{27C1D107-388E-4A1F-9313-C5CAF8A5C915}" type="datetimeFigureOut">
               <a:rPr kumimoji="1" lang="ja-JP" altLang="en-US" smtClean="0"/>
-              <a:t>2022/10/8</a:t>
+              <a:t>2022/10/12</a:t>
             </a:fld>
             <a:endParaRPr kumimoji="1" lang="ja-JP" altLang="en-US"/>
           </a:p>
@@ -3839,7 +3687,7 @@
           <a:p>
             <a:fld id="{27C1D107-388E-4A1F-9313-C5CAF8A5C915}" type="datetimeFigureOut">
               <a:rPr kumimoji="1" lang="ja-JP" altLang="en-US" smtClean="0"/>
-              <a:t>2022/10/8</a:t>
+              <a:t>2022/10/12</a:t>
             </a:fld>
             <a:endParaRPr kumimoji="1" lang="ja-JP" altLang="en-US"/>
           </a:p>
@@ -4114,7 +3962,7 @@
           <a:p>
             <a:fld id="{27C1D107-388E-4A1F-9313-C5CAF8A5C915}" type="datetimeFigureOut">
               <a:rPr kumimoji="1" lang="ja-JP" altLang="en-US" smtClean="0"/>
-              <a:t>2022/10/8</a:t>
+              <a:t>2022/10/12</a:t>
             </a:fld>
             <a:endParaRPr kumimoji="1" lang="ja-JP" altLang="en-US"/>
           </a:p>
@@ -4443,7 +4291,7 @@
           <a:p>
             <a:fld id="{27C1D107-388E-4A1F-9313-C5CAF8A5C915}" type="datetimeFigureOut">
               <a:rPr kumimoji="1" lang="ja-JP" altLang="en-US" smtClean="0"/>
-              <a:t>2022/10/8</a:t>
+              <a:t>2022/10/12</a:t>
             </a:fld>
             <a:endParaRPr kumimoji="1" lang="ja-JP" altLang="en-US"/>
           </a:p>
@@ -4919,7 +4767,7 @@
           <a:p>
             <a:fld id="{27C1D107-388E-4A1F-9313-C5CAF8A5C915}" type="datetimeFigureOut">
               <a:rPr kumimoji="1" lang="ja-JP" altLang="en-US" smtClean="0"/>
-              <a:t>2022/10/8</a:t>
+              <a:t>2022/10/12</a:t>
             </a:fld>
             <a:endParaRPr kumimoji="1" lang="ja-JP" altLang="en-US"/>
           </a:p>
@@ -5060,7 +4908,7 @@
           <a:p>
             <a:fld id="{27C1D107-388E-4A1F-9313-C5CAF8A5C915}" type="datetimeFigureOut">
               <a:rPr kumimoji="1" lang="ja-JP" altLang="en-US" smtClean="0"/>
-              <a:t>2022/10/8</a:t>
+              <a:t>2022/10/12</a:t>
             </a:fld>
             <a:endParaRPr kumimoji="1" lang="ja-JP" altLang="en-US"/>
           </a:p>
@@ -5173,7 +5021,7 @@
           <a:p>
             <a:fld id="{27C1D107-388E-4A1F-9313-C5CAF8A5C915}" type="datetimeFigureOut">
               <a:rPr kumimoji="1" lang="ja-JP" altLang="en-US" smtClean="0"/>
-              <a:t>2022/10/8</a:t>
+              <a:t>2022/10/12</a:t>
             </a:fld>
             <a:endParaRPr kumimoji="1" lang="ja-JP" altLang="en-US"/>
           </a:p>
@@ -5516,7 +5364,7 @@
           <a:p>
             <a:fld id="{27C1D107-388E-4A1F-9313-C5CAF8A5C915}" type="datetimeFigureOut">
               <a:rPr kumimoji="1" lang="ja-JP" altLang="en-US" smtClean="0"/>
-              <a:t>2022/10/8</a:t>
+              <a:t>2022/10/12</a:t>
             </a:fld>
             <a:endParaRPr kumimoji="1" lang="ja-JP" altLang="en-US"/>
           </a:p>
@@ -5804,7 +5652,7 @@
           <a:p>
             <a:fld id="{27C1D107-388E-4A1F-9313-C5CAF8A5C915}" type="datetimeFigureOut">
               <a:rPr kumimoji="1" lang="ja-JP" altLang="en-US" smtClean="0"/>
-              <a:t>2022/10/8</a:t>
+              <a:t>2022/10/12</a:t>
             </a:fld>
             <a:endParaRPr kumimoji="1" lang="ja-JP" altLang="en-US"/>
           </a:p>
@@ -6077,7 +5925,7 @@
           <a:p>
             <a:fld id="{27C1D107-388E-4A1F-9313-C5CAF8A5C915}" type="datetimeFigureOut">
               <a:rPr kumimoji="1" lang="ja-JP" altLang="en-US" smtClean="0"/>
-              <a:t>2022/10/8</a:t>
+              <a:t>2022/10/12</a:t>
             </a:fld>
             <a:endParaRPr kumimoji="1" lang="ja-JP" altLang="en-US"/>
           </a:p>
@@ -7523,7 +7371,7 @@
       </p:grpSpPr>
       <p:sp>
         <p:nvSpPr>
-          <p:cNvPr id="30" name="Rectangle 21">
+          <p:cNvPr id="8" name="Rectangle 7">
             <a:extLst>
               <a:ext uri="{FF2B5EF4-FFF2-40B4-BE49-F238E27FC236}">
                 <a16:creationId xmlns:a16="http://schemas.microsoft.com/office/drawing/2014/main" id="{EA67B5B4-3A24-436E-B663-1B2EBFF8A0CD}"/>
@@ -7579,14 +7427,43 @@
           <a:bodyPr rtlCol="0" anchor="ctr"/>
           <a:lstStyle/>
           <a:p>
-            <a:pPr algn="ctr"/>
-            <a:endParaRPr lang="en-US"/>
+            <a:pPr marL="0" marR="0" lvl="0" indent="0" algn="ctr" defTabSz="914400" rtl="0" eaLnBrk="1" fontAlgn="auto" latinLnBrk="0" hangingPunct="1">
+              <a:lnSpc>
+                <a:spcPct val="100000"/>
+              </a:lnSpc>
+              <a:spcBef>
+                <a:spcPts val="0"/>
+              </a:spcBef>
+              <a:spcAft>
+                <a:spcPts val="0"/>
+              </a:spcAft>
+              <a:buClrTx/>
+              <a:buSzTx/>
+              <a:buFontTx/>
+              <a:buNone/>
+              <a:tabLst/>
+              <a:defRPr/>
+            </a:pPr>
+            <a:endParaRPr kumimoji="1" lang="en-US" sz="1800" b="0" i="0" u="none" strike="noStrike" kern="1200" cap="none" spc="0" normalizeH="0" baseline="0" noProof="0">
+              <a:ln>
+                <a:noFill/>
+              </a:ln>
+              <a:solidFill>
+                <a:prstClr val="white"/>
+              </a:solidFill>
+              <a:effectLst/>
+              <a:uLnTx/>
+              <a:uFillTx/>
+              <a:latin typeface="游ゴシック" panose="020F0502020204030204"/>
+              <a:ea typeface="+mn-ea"/>
+              <a:cs typeface="+mn-cs"/>
+            </a:endParaRPr>
           </a:p>
         </p:txBody>
       </p:sp>
       <p:sp>
         <p:nvSpPr>
-          <p:cNvPr id="31" name="Freeform 13">
+          <p:cNvPr id="10" name="Freeform 13">
             <a:extLst>
               <a:ext uri="{FF2B5EF4-FFF2-40B4-BE49-F238E27FC236}">
                 <a16:creationId xmlns:a16="http://schemas.microsoft.com/office/drawing/2014/main" id="{987FDF89-C993-41F4-A1B8-DBAFF16008A9}"/>
@@ -7687,14 +7564,43 @@
           <a:bodyPr rtlCol="0" anchor="ctr"/>
           <a:lstStyle/>
           <a:p>
-            <a:pPr algn="ctr"/>
-            <a:endParaRPr lang="en-US"/>
+            <a:pPr marL="0" marR="0" lvl="0" indent="0" algn="ctr" defTabSz="914400" rtl="0" eaLnBrk="1" fontAlgn="auto" latinLnBrk="0" hangingPunct="1">
+              <a:lnSpc>
+                <a:spcPct val="100000"/>
+              </a:lnSpc>
+              <a:spcBef>
+                <a:spcPts val="0"/>
+              </a:spcBef>
+              <a:spcAft>
+                <a:spcPts val="0"/>
+              </a:spcAft>
+              <a:buClrTx/>
+              <a:buSzTx/>
+              <a:buFontTx/>
+              <a:buNone/>
+              <a:tabLst/>
+              <a:defRPr/>
+            </a:pPr>
+            <a:endParaRPr kumimoji="1" lang="en-US" sz="1800" b="0" i="0" u="none" strike="noStrike" kern="1200" cap="none" spc="0" normalizeH="0" baseline="0" noProof="0">
+              <a:ln>
+                <a:noFill/>
+              </a:ln>
+              <a:solidFill>
+                <a:prstClr val="white"/>
+              </a:solidFill>
+              <a:effectLst/>
+              <a:uLnTx/>
+              <a:uFillTx/>
+              <a:latin typeface="游ゴシック" panose="020F0502020204030204"/>
+              <a:ea typeface="+mn-ea"/>
+              <a:cs typeface="+mn-cs"/>
+            </a:endParaRPr>
           </a:p>
         </p:txBody>
       </p:sp>
       <p:sp>
         <p:nvSpPr>
-          <p:cNvPr id="32" name="Freeform 11">
+          <p:cNvPr id="12" name="Freeform 11">
             <a:extLst>
               <a:ext uri="{FF2B5EF4-FFF2-40B4-BE49-F238E27FC236}">
                 <a16:creationId xmlns:a16="http://schemas.microsoft.com/office/drawing/2014/main" id="{64E585EA-75FD-4025-8270-F66A58A15CDA}"/>
@@ -7797,631 +7703,46 @@
           </a:bodyPr>
           <a:lstStyle/>
           <a:p>
-            <a:pPr algn="ctr"/>
-            <a:endParaRPr lang="en-US"/>
+            <a:pPr marL="0" marR="0" lvl="0" indent="0" algn="ctr" defTabSz="914400" rtl="0" eaLnBrk="1" fontAlgn="auto" latinLnBrk="0" hangingPunct="1">
+              <a:lnSpc>
+                <a:spcPct val="100000"/>
+              </a:lnSpc>
+              <a:spcBef>
+                <a:spcPts val="0"/>
+              </a:spcBef>
+              <a:spcAft>
+                <a:spcPts val="0"/>
+              </a:spcAft>
+              <a:buClrTx/>
+              <a:buSzTx/>
+              <a:buFontTx/>
+              <a:buNone/>
+              <a:tabLst/>
+              <a:defRPr/>
+            </a:pPr>
+            <a:endParaRPr kumimoji="1" lang="en-US" sz="1800" b="0" i="0" u="none" strike="noStrike" kern="1200" cap="none" spc="0" normalizeH="0" baseline="0" noProof="0">
+              <a:ln>
+                <a:noFill/>
+              </a:ln>
+              <a:solidFill>
+                <a:prstClr val="white"/>
+              </a:solidFill>
+              <a:effectLst/>
+              <a:uLnTx/>
+              <a:uFillTx/>
+              <a:latin typeface="游ゴシック" panose="020F0502020204030204"/>
+              <a:ea typeface="+mn-ea"/>
+              <a:cs typeface="+mn-cs"/>
+            </a:endParaRPr>
           </a:p>
         </p:txBody>
       </p:sp>
       <p:sp>
         <p:nvSpPr>
-          <p:cNvPr id="5" name="コンテンツ プレースホルダー 2">
+          <p:cNvPr id="3" name="コンテンツ プレースホルダー 2">
             <a:extLst>
               <a:ext uri="{FF2B5EF4-FFF2-40B4-BE49-F238E27FC236}">
-                <a16:creationId xmlns:a16="http://schemas.microsoft.com/office/drawing/2014/main" id="{A36D59C5-9EF8-D167-6234-968CD6820A58}"/>
-              </a:ext>
-            </a:extLst>
-          </p:cNvPr>
-          <p:cNvSpPr txBox="1">
-            <a:spLocks/>
-          </p:cNvSpPr>
-          <p:nvPr/>
-        </p:nvSpPr>
-        <p:spPr>
-          <a:xfrm>
-            <a:off x="838200" y="1350157"/>
-            <a:ext cx="10515598" cy="5038920"/>
-          </a:xfrm>
-          <a:prstGeom prst="rect">
-            <a:avLst/>
-          </a:prstGeom>
-        </p:spPr>
-        <p:txBody>
-          <a:bodyPr vert="horz" lIns="91440" tIns="45720" rIns="91440" bIns="45720" rtlCol="0">
-            <a:normAutofit/>
-          </a:bodyPr>
-          <a:lstStyle>
-            <a:lvl1pPr marL="228600" indent="-228600" algn="l" defTabSz="914400" rtl="0" eaLnBrk="1" latinLnBrk="0" hangingPunct="1">
-              <a:lnSpc>
-                <a:spcPct val="90000"/>
-              </a:lnSpc>
-              <a:spcBef>
-                <a:spcPts val="1000"/>
-              </a:spcBef>
-              <a:buFont typeface="Arial" panose="020B0604020202020204" pitchFamily="34" charset="0"/>
-              <a:buChar char="•"/>
-              <a:defRPr kumimoji="1" sz="2800" kern="1200">
-                <a:solidFill>
-                  <a:schemeClr val="tx1"/>
-                </a:solidFill>
-                <a:latin typeface="+mn-lt"/>
-                <a:ea typeface="+mn-ea"/>
-                <a:cs typeface="+mn-cs"/>
-              </a:defRPr>
-            </a:lvl1pPr>
-            <a:lvl2pPr marL="685800" indent="-228600" algn="l" defTabSz="914400" rtl="0" eaLnBrk="1" latinLnBrk="0" hangingPunct="1">
-              <a:lnSpc>
-                <a:spcPct val="90000"/>
-              </a:lnSpc>
-              <a:spcBef>
-                <a:spcPts val="500"/>
-              </a:spcBef>
-              <a:buFont typeface="Arial" panose="020B0604020202020204" pitchFamily="34" charset="0"/>
-              <a:buChar char="•"/>
-              <a:defRPr kumimoji="1" sz="2400" kern="1200">
-                <a:solidFill>
-                  <a:schemeClr val="tx1"/>
-                </a:solidFill>
-                <a:latin typeface="+mn-lt"/>
-                <a:ea typeface="+mn-ea"/>
-                <a:cs typeface="+mn-cs"/>
-              </a:defRPr>
-            </a:lvl2pPr>
-            <a:lvl3pPr marL="1143000" indent="-228600" algn="l" defTabSz="914400" rtl="0" eaLnBrk="1" latinLnBrk="0" hangingPunct="1">
-              <a:lnSpc>
-                <a:spcPct val="90000"/>
-              </a:lnSpc>
-              <a:spcBef>
-                <a:spcPts val="500"/>
-              </a:spcBef>
-              <a:buFont typeface="Arial" panose="020B0604020202020204" pitchFamily="34" charset="0"/>
-              <a:buChar char="•"/>
-              <a:defRPr kumimoji="1" sz="2000" kern="1200">
-                <a:solidFill>
-                  <a:schemeClr val="tx1"/>
-                </a:solidFill>
-                <a:latin typeface="+mn-lt"/>
-                <a:ea typeface="+mn-ea"/>
-                <a:cs typeface="+mn-cs"/>
-              </a:defRPr>
-            </a:lvl3pPr>
-            <a:lvl4pPr marL="1600200" indent="-228600" algn="l" defTabSz="914400" rtl="0" eaLnBrk="1" latinLnBrk="0" hangingPunct="1">
-              <a:lnSpc>
-                <a:spcPct val="90000"/>
-              </a:lnSpc>
-              <a:spcBef>
-                <a:spcPts val="500"/>
-              </a:spcBef>
-              <a:buFont typeface="Arial" panose="020B0604020202020204" pitchFamily="34" charset="0"/>
-              <a:buChar char="•"/>
-              <a:defRPr kumimoji="1" sz="1800" kern="1200">
-                <a:solidFill>
-                  <a:schemeClr val="tx1"/>
-                </a:solidFill>
-                <a:latin typeface="+mn-lt"/>
-                <a:ea typeface="+mn-ea"/>
-                <a:cs typeface="+mn-cs"/>
-              </a:defRPr>
-            </a:lvl4pPr>
-            <a:lvl5pPr marL="2057400" indent="-228600" algn="l" defTabSz="914400" rtl="0" eaLnBrk="1" latinLnBrk="0" hangingPunct="1">
-              <a:lnSpc>
-                <a:spcPct val="90000"/>
-              </a:lnSpc>
-              <a:spcBef>
-                <a:spcPts val="500"/>
-              </a:spcBef>
-              <a:buFont typeface="Arial" panose="020B0604020202020204" pitchFamily="34" charset="0"/>
-              <a:buChar char="•"/>
-              <a:defRPr kumimoji="1" sz="1800" kern="1200">
-                <a:solidFill>
-                  <a:schemeClr val="tx1"/>
-                </a:solidFill>
-                <a:latin typeface="+mn-lt"/>
-                <a:ea typeface="+mn-ea"/>
-                <a:cs typeface="+mn-cs"/>
-              </a:defRPr>
-            </a:lvl5pPr>
-            <a:lvl6pPr marL="2514600" indent="-228600" algn="l" defTabSz="914400" rtl="0" eaLnBrk="1" latinLnBrk="0" hangingPunct="1">
-              <a:lnSpc>
-                <a:spcPct val="90000"/>
-              </a:lnSpc>
-              <a:spcBef>
-                <a:spcPts val="500"/>
-              </a:spcBef>
-              <a:buFont typeface="Arial" panose="020B0604020202020204" pitchFamily="34" charset="0"/>
-              <a:buChar char="•"/>
-              <a:defRPr kumimoji="1" sz="1800" kern="1200">
-                <a:solidFill>
-                  <a:schemeClr val="tx1"/>
-                </a:solidFill>
-                <a:latin typeface="+mn-lt"/>
-                <a:ea typeface="+mn-ea"/>
-                <a:cs typeface="+mn-cs"/>
-              </a:defRPr>
-            </a:lvl6pPr>
-            <a:lvl7pPr marL="2971800" indent="-228600" algn="l" defTabSz="914400" rtl="0" eaLnBrk="1" latinLnBrk="0" hangingPunct="1">
-              <a:lnSpc>
-                <a:spcPct val="90000"/>
-              </a:lnSpc>
-              <a:spcBef>
-                <a:spcPts val="500"/>
-              </a:spcBef>
-              <a:buFont typeface="Arial" panose="020B0604020202020204" pitchFamily="34" charset="0"/>
-              <a:buChar char="•"/>
-              <a:defRPr kumimoji="1" sz="1800" kern="1200">
-                <a:solidFill>
-                  <a:schemeClr val="tx1"/>
-                </a:solidFill>
-                <a:latin typeface="+mn-lt"/>
-                <a:ea typeface="+mn-ea"/>
-                <a:cs typeface="+mn-cs"/>
-              </a:defRPr>
-            </a:lvl7pPr>
-            <a:lvl8pPr marL="3429000" indent="-228600" algn="l" defTabSz="914400" rtl="0" eaLnBrk="1" latinLnBrk="0" hangingPunct="1">
-              <a:lnSpc>
-                <a:spcPct val="90000"/>
-              </a:lnSpc>
-              <a:spcBef>
-                <a:spcPts val="500"/>
-              </a:spcBef>
-              <a:buFont typeface="Arial" panose="020B0604020202020204" pitchFamily="34" charset="0"/>
-              <a:buChar char="•"/>
-              <a:defRPr kumimoji="1" sz="1800" kern="1200">
-                <a:solidFill>
-                  <a:schemeClr val="tx1"/>
-                </a:solidFill>
-                <a:latin typeface="+mn-lt"/>
-                <a:ea typeface="+mn-ea"/>
-                <a:cs typeface="+mn-cs"/>
-              </a:defRPr>
-            </a:lvl8pPr>
-            <a:lvl9pPr marL="3886200" indent="-228600" algn="l" defTabSz="914400" rtl="0" eaLnBrk="1" latinLnBrk="0" hangingPunct="1">
-              <a:lnSpc>
-                <a:spcPct val="90000"/>
-              </a:lnSpc>
-              <a:spcBef>
-                <a:spcPts val="500"/>
-              </a:spcBef>
-              <a:buFont typeface="Arial" panose="020B0604020202020204" pitchFamily="34" charset="0"/>
-              <a:buChar char="•"/>
-              <a:defRPr kumimoji="1" sz="1800" kern="1200">
-                <a:solidFill>
-                  <a:schemeClr val="tx1"/>
-                </a:solidFill>
-                <a:latin typeface="+mn-lt"/>
-                <a:ea typeface="+mn-ea"/>
-                <a:cs typeface="+mn-cs"/>
-              </a:defRPr>
-            </a:lvl9pPr>
-          </a:lstStyle>
-          <a:p>
-            <a:pPr marL="0" indent="0">
-              <a:buNone/>
-            </a:pPr>
-            <a:endParaRPr lang="en-US" altLang="ja-JP" sz="1500" dirty="0">
-              <a:solidFill>
-                <a:srgbClr val="FFFFFF"/>
-              </a:solidFill>
-            </a:endParaRPr>
-          </a:p>
-        </p:txBody>
-      </p:sp>
-      <p:sp>
-        <p:nvSpPr>
-          <p:cNvPr id="4" name="コンテンツ プレースホルダー 2">
-            <a:extLst>
-              <a:ext uri="{FF2B5EF4-FFF2-40B4-BE49-F238E27FC236}">
-                <a16:creationId xmlns:a16="http://schemas.microsoft.com/office/drawing/2014/main" id="{1A63E381-A3AC-83F2-C8AF-77D2A15DADDE}"/>
-              </a:ext>
-            </a:extLst>
-          </p:cNvPr>
-          <p:cNvSpPr txBox="1">
-            <a:spLocks/>
-          </p:cNvSpPr>
-          <p:nvPr/>
-        </p:nvSpPr>
-        <p:spPr>
-          <a:xfrm>
-            <a:off x="838200" y="3991086"/>
-            <a:ext cx="10515600" cy="4351338"/>
-          </a:xfrm>
-          <a:prstGeom prst="rect">
-            <a:avLst/>
-          </a:prstGeom>
-        </p:spPr>
-        <p:txBody>
-          <a:bodyPr vert="horz" lIns="91440" tIns="45720" rIns="91440" bIns="45720" rtlCol="0">
-            <a:normAutofit/>
-          </a:bodyPr>
-          <a:lstStyle>
-            <a:lvl1pPr marL="228600" indent="-228600" algn="l" defTabSz="914400" rtl="0" eaLnBrk="1" latinLnBrk="0" hangingPunct="1">
-              <a:lnSpc>
-                <a:spcPct val="90000"/>
-              </a:lnSpc>
-              <a:spcBef>
-                <a:spcPts val="1000"/>
-              </a:spcBef>
-              <a:buFont typeface="Arial" panose="020B0604020202020204" pitchFamily="34" charset="0"/>
-              <a:buChar char="•"/>
-              <a:defRPr kumimoji="1" sz="2800" kern="1200">
-                <a:solidFill>
-                  <a:schemeClr val="tx1"/>
-                </a:solidFill>
-                <a:latin typeface="+mn-lt"/>
-                <a:ea typeface="+mn-ea"/>
-                <a:cs typeface="+mn-cs"/>
-              </a:defRPr>
-            </a:lvl1pPr>
-            <a:lvl2pPr marL="685800" indent="-228600" algn="l" defTabSz="914400" rtl="0" eaLnBrk="1" latinLnBrk="0" hangingPunct="1">
-              <a:lnSpc>
-                <a:spcPct val="90000"/>
-              </a:lnSpc>
-              <a:spcBef>
-                <a:spcPts val="500"/>
-              </a:spcBef>
-              <a:buFont typeface="Arial" panose="020B0604020202020204" pitchFamily="34" charset="0"/>
-              <a:buChar char="•"/>
-              <a:defRPr kumimoji="1" sz="2400" kern="1200">
-                <a:solidFill>
-                  <a:schemeClr val="tx1"/>
-                </a:solidFill>
-                <a:latin typeface="+mn-lt"/>
-                <a:ea typeface="+mn-ea"/>
-                <a:cs typeface="+mn-cs"/>
-              </a:defRPr>
-            </a:lvl2pPr>
-            <a:lvl3pPr marL="1143000" indent="-228600" algn="l" defTabSz="914400" rtl="0" eaLnBrk="1" latinLnBrk="0" hangingPunct="1">
-              <a:lnSpc>
-                <a:spcPct val="90000"/>
-              </a:lnSpc>
-              <a:spcBef>
-                <a:spcPts val="500"/>
-              </a:spcBef>
-              <a:buFont typeface="Arial" panose="020B0604020202020204" pitchFamily="34" charset="0"/>
-              <a:buChar char="•"/>
-              <a:defRPr kumimoji="1" sz="2000" kern="1200">
-                <a:solidFill>
-                  <a:schemeClr val="tx1"/>
-                </a:solidFill>
-                <a:latin typeface="+mn-lt"/>
-                <a:ea typeface="+mn-ea"/>
-                <a:cs typeface="+mn-cs"/>
-              </a:defRPr>
-            </a:lvl3pPr>
-            <a:lvl4pPr marL="1600200" indent="-228600" algn="l" defTabSz="914400" rtl="0" eaLnBrk="1" latinLnBrk="0" hangingPunct="1">
-              <a:lnSpc>
-                <a:spcPct val="90000"/>
-              </a:lnSpc>
-              <a:spcBef>
-                <a:spcPts val="500"/>
-              </a:spcBef>
-              <a:buFont typeface="Arial" panose="020B0604020202020204" pitchFamily="34" charset="0"/>
-              <a:buChar char="•"/>
-              <a:defRPr kumimoji="1" sz="1800" kern="1200">
-                <a:solidFill>
-                  <a:schemeClr val="tx1"/>
-                </a:solidFill>
-                <a:latin typeface="+mn-lt"/>
-                <a:ea typeface="+mn-ea"/>
-                <a:cs typeface="+mn-cs"/>
-              </a:defRPr>
-            </a:lvl4pPr>
-            <a:lvl5pPr marL="2057400" indent="-228600" algn="l" defTabSz="914400" rtl="0" eaLnBrk="1" latinLnBrk="0" hangingPunct="1">
-              <a:lnSpc>
-                <a:spcPct val="90000"/>
-              </a:lnSpc>
-              <a:spcBef>
-                <a:spcPts val="500"/>
-              </a:spcBef>
-              <a:buFont typeface="Arial" panose="020B0604020202020204" pitchFamily="34" charset="0"/>
-              <a:buChar char="•"/>
-              <a:defRPr kumimoji="1" sz="1800" kern="1200">
-                <a:solidFill>
-                  <a:schemeClr val="tx1"/>
-                </a:solidFill>
-                <a:latin typeface="+mn-lt"/>
-                <a:ea typeface="+mn-ea"/>
-                <a:cs typeface="+mn-cs"/>
-              </a:defRPr>
-            </a:lvl5pPr>
-            <a:lvl6pPr marL="2514600" indent="-228600" algn="l" defTabSz="914400" rtl="0" eaLnBrk="1" latinLnBrk="0" hangingPunct="1">
-              <a:lnSpc>
-                <a:spcPct val="90000"/>
-              </a:lnSpc>
-              <a:spcBef>
-                <a:spcPts val="500"/>
-              </a:spcBef>
-              <a:buFont typeface="Arial" panose="020B0604020202020204" pitchFamily="34" charset="0"/>
-              <a:buChar char="•"/>
-              <a:defRPr kumimoji="1" sz="1800" kern="1200">
-                <a:solidFill>
-                  <a:schemeClr val="tx1"/>
-                </a:solidFill>
-                <a:latin typeface="+mn-lt"/>
-                <a:ea typeface="+mn-ea"/>
-                <a:cs typeface="+mn-cs"/>
-              </a:defRPr>
-            </a:lvl6pPr>
-            <a:lvl7pPr marL="2971800" indent="-228600" algn="l" defTabSz="914400" rtl="0" eaLnBrk="1" latinLnBrk="0" hangingPunct="1">
-              <a:lnSpc>
-                <a:spcPct val="90000"/>
-              </a:lnSpc>
-              <a:spcBef>
-                <a:spcPts val="500"/>
-              </a:spcBef>
-              <a:buFont typeface="Arial" panose="020B0604020202020204" pitchFamily="34" charset="0"/>
-              <a:buChar char="•"/>
-              <a:defRPr kumimoji="1" sz="1800" kern="1200">
-                <a:solidFill>
-                  <a:schemeClr val="tx1"/>
-                </a:solidFill>
-                <a:latin typeface="+mn-lt"/>
-                <a:ea typeface="+mn-ea"/>
-                <a:cs typeface="+mn-cs"/>
-              </a:defRPr>
-            </a:lvl7pPr>
-            <a:lvl8pPr marL="3429000" indent="-228600" algn="l" defTabSz="914400" rtl="0" eaLnBrk="1" latinLnBrk="0" hangingPunct="1">
-              <a:lnSpc>
-                <a:spcPct val="90000"/>
-              </a:lnSpc>
-              <a:spcBef>
-                <a:spcPts val="500"/>
-              </a:spcBef>
-              <a:buFont typeface="Arial" panose="020B0604020202020204" pitchFamily="34" charset="0"/>
-              <a:buChar char="•"/>
-              <a:defRPr kumimoji="1" sz="1800" kern="1200">
-                <a:solidFill>
-                  <a:schemeClr val="tx1"/>
-                </a:solidFill>
-                <a:latin typeface="+mn-lt"/>
-                <a:ea typeface="+mn-ea"/>
-                <a:cs typeface="+mn-cs"/>
-              </a:defRPr>
-            </a:lvl8pPr>
-            <a:lvl9pPr marL="3886200" indent="-228600" algn="l" defTabSz="914400" rtl="0" eaLnBrk="1" latinLnBrk="0" hangingPunct="1">
-              <a:lnSpc>
-                <a:spcPct val="90000"/>
-              </a:lnSpc>
-              <a:spcBef>
-                <a:spcPts val="500"/>
-              </a:spcBef>
-              <a:buFont typeface="Arial" panose="020B0604020202020204" pitchFamily="34" charset="0"/>
-              <a:buChar char="•"/>
-              <a:defRPr kumimoji="1" sz="1800" kern="1200">
-                <a:solidFill>
-                  <a:schemeClr val="tx1"/>
-                </a:solidFill>
-                <a:latin typeface="+mn-lt"/>
-                <a:ea typeface="+mn-ea"/>
-                <a:cs typeface="+mn-cs"/>
-              </a:defRPr>
-            </a:lvl9pPr>
-          </a:lstStyle>
-          <a:p>
-            <a:pPr marL="0" indent="0">
-              <a:buNone/>
-            </a:pPr>
-            <a:endParaRPr lang="en-US" altLang="ja-JP" sz="2000" dirty="0">
-              <a:highlight>
-                <a:srgbClr val="C0C0C0"/>
-              </a:highlight>
-            </a:endParaRPr>
-          </a:p>
-        </p:txBody>
-      </p:sp>
-      <p:pic>
-        <p:nvPicPr>
-          <p:cNvPr id="3" name="図 2" descr="グラフィカル ユーザー インターフェイス, アプリケーション&#10;&#10;自動的に生成された説明">
-            <a:extLst>
-              <a:ext uri="{FF2B5EF4-FFF2-40B4-BE49-F238E27FC236}">
-                <a16:creationId xmlns:a16="http://schemas.microsoft.com/office/drawing/2014/main" id="{D6A116AB-1955-4511-CE02-DB963B13D0F5}"/>
-              </a:ext>
-            </a:extLst>
-          </p:cNvPr>
-          <p:cNvPicPr>
-            <a:picLocks noChangeAspect="1"/>
-          </p:cNvPicPr>
-          <p:nvPr/>
-        </p:nvPicPr>
-        <p:blipFill>
-          <a:blip r:embed="rId3">
-            <a:extLst>
-              <a:ext uri="{28A0092B-C50C-407E-A947-70E740481C1C}">
-                <a14:useLocalDpi xmlns:a14="http://schemas.microsoft.com/office/drawing/2010/main" val="0"/>
-              </a:ext>
-            </a:extLst>
-          </a:blip>
-          <a:stretch>
-            <a:fillRect/>
-          </a:stretch>
-        </p:blipFill>
-        <p:spPr>
-          <a:xfrm>
-            <a:off x="6914865" y="1526953"/>
-            <a:ext cx="5123523" cy="5096586"/>
-          </a:xfrm>
-          <a:prstGeom prst="rect">
-            <a:avLst/>
-          </a:prstGeom>
-        </p:spPr>
-      </p:pic>
-      <p:sp>
-        <p:nvSpPr>
-          <p:cNvPr id="7" name="テキスト ボックス 6">
-            <a:extLst>
-              <a:ext uri="{FF2B5EF4-FFF2-40B4-BE49-F238E27FC236}">
-                <a16:creationId xmlns:a16="http://schemas.microsoft.com/office/drawing/2014/main" id="{2085B67A-BCEF-0111-F149-44D690AC5EEE}"/>
-              </a:ext>
-            </a:extLst>
-          </p:cNvPr>
-          <p:cNvSpPr txBox="1"/>
-          <p:nvPr/>
-        </p:nvSpPr>
-        <p:spPr>
-          <a:xfrm>
-            <a:off x="985620" y="2790315"/>
-            <a:ext cx="9815513" cy="1323439"/>
-          </a:xfrm>
-          <a:prstGeom prst="rect">
-            <a:avLst/>
-          </a:prstGeom>
-          <a:noFill/>
-        </p:spPr>
-        <p:txBody>
-          <a:bodyPr wrap="square" rtlCol="0">
-            <a:spAutoFit/>
-          </a:bodyPr>
-          <a:lstStyle/>
-          <a:p>
-            <a:r>
-              <a:rPr kumimoji="1" lang="en-US" altLang="ja-JP" sz="4000" dirty="0"/>
-              <a:t>vec2 </a:t>
-            </a:r>
-            <a:r>
-              <a:rPr kumimoji="1" lang="en-US" altLang="ja-JP" sz="4000" dirty="0" err="1"/>
-              <a:t>uv</a:t>
-            </a:r>
-            <a:r>
-              <a:rPr kumimoji="1" lang="en-US" altLang="ja-JP" sz="4000" dirty="0"/>
-              <a:t>=</a:t>
-            </a:r>
-            <a:r>
-              <a:rPr kumimoji="1" lang="en-US" altLang="ja-JP" sz="4000" dirty="0" err="1"/>
-              <a:t>FC.xy</a:t>
-            </a:r>
-            <a:r>
-              <a:rPr kumimoji="1" lang="en-US" altLang="ja-JP" sz="4000" dirty="0"/>
-              <a:t>/r;</a:t>
-            </a:r>
-          </a:p>
-          <a:p>
-            <a:r>
-              <a:rPr kumimoji="1" lang="en-US" altLang="ja-JP" sz="4000" dirty="0" err="1"/>
-              <a:t>o.rg</a:t>
-            </a:r>
-            <a:r>
-              <a:rPr kumimoji="1" lang="en-US" altLang="ja-JP" sz="4000" dirty="0"/>
-              <a:t>=</a:t>
-            </a:r>
-            <a:r>
-              <a:rPr kumimoji="1" lang="en-US" altLang="ja-JP" sz="4000" dirty="0" err="1"/>
-              <a:t>uv</a:t>
-            </a:r>
-            <a:r>
-              <a:rPr kumimoji="1" lang="en-US" altLang="ja-JP" sz="4000" dirty="0"/>
-              <a:t>;</a:t>
-            </a:r>
-            <a:endParaRPr kumimoji="1" lang="ja-JP" altLang="en-US" sz="4000" dirty="0"/>
-          </a:p>
-        </p:txBody>
-      </p:sp>
-      <p:cxnSp>
-        <p:nvCxnSpPr>
-          <p:cNvPr id="13" name="直線矢印コネクタ 12">
-            <a:extLst>
-              <a:ext uri="{FF2B5EF4-FFF2-40B4-BE49-F238E27FC236}">
-                <a16:creationId xmlns:a16="http://schemas.microsoft.com/office/drawing/2014/main" id="{50B0B36A-3135-CDD5-6BFF-B8870ECE9E38}"/>
-              </a:ext>
-            </a:extLst>
-          </p:cNvPr>
-          <p:cNvCxnSpPr>
-            <a:cxnSpLocks/>
-          </p:cNvCxnSpPr>
-          <p:nvPr/>
-        </p:nvCxnSpPr>
-        <p:spPr>
-          <a:xfrm flipV="1">
-            <a:off x="1272209" y="4108174"/>
-            <a:ext cx="265043" cy="1126435"/>
-          </a:xfrm>
-          <a:prstGeom prst="straightConnector1">
-            <a:avLst/>
-          </a:prstGeom>
-          <a:ln w="76200">
-            <a:solidFill>
-              <a:schemeClr val="tx1"/>
-            </a:solidFill>
-            <a:tailEnd type="triangle"/>
-          </a:ln>
-        </p:spPr>
-        <p:style>
-          <a:lnRef idx="1">
-            <a:schemeClr val="accent1"/>
-          </a:lnRef>
-          <a:fillRef idx="0">
-            <a:schemeClr val="accent1"/>
-          </a:fillRef>
-          <a:effectRef idx="0">
-            <a:schemeClr val="accent1"/>
-          </a:effectRef>
-          <a:fontRef idx="minor">
-            <a:schemeClr val="tx1"/>
-          </a:fontRef>
-        </p:style>
-      </p:cxnSp>
-      <p:sp>
-        <p:nvSpPr>
-          <p:cNvPr id="15" name="テキスト ボックス 14">
-            <a:extLst>
-              <a:ext uri="{FF2B5EF4-FFF2-40B4-BE49-F238E27FC236}">
-                <a16:creationId xmlns:a16="http://schemas.microsoft.com/office/drawing/2014/main" id="{D48F074B-D490-2DEF-EA2C-982505AE724D}"/>
-              </a:ext>
-            </a:extLst>
-          </p:cNvPr>
-          <p:cNvSpPr txBox="1"/>
-          <p:nvPr/>
-        </p:nvSpPr>
-        <p:spPr>
-          <a:xfrm>
-            <a:off x="838200" y="5367130"/>
-            <a:ext cx="5123523" cy="1077218"/>
-          </a:xfrm>
-          <a:prstGeom prst="rect">
-            <a:avLst/>
-          </a:prstGeom>
-          <a:noFill/>
-        </p:spPr>
-        <p:txBody>
-          <a:bodyPr wrap="square" rtlCol="0">
-            <a:spAutoFit/>
-          </a:bodyPr>
-          <a:lstStyle/>
-          <a:p>
-            <a:r>
-              <a:rPr kumimoji="1" lang="ja-JP" altLang="en-US" sz="2400" dirty="0"/>
-              <a:t>スウィズル演算子</a:t>
-            </a:r>
-            <a:r>
-              <a:rPr kumimoji="1" lang="en-US" altLang="ja-JP" sz="2400" dirty="0"/>
-              <a:t>:</a:t>
-            </a:r>
-          </a:p>
-          <a:p>
-            <a:r>
-              <a:rPr lang="en-US" altLang="ja-JP" sz="2000" dirty="0" err="1"/>
-              <a:t>Vec.xyz</a:t>
-            </a:r>
-            <a:r>
-              <a:rPr lang="en-US" altLang="ja-JP" sz="2000" dirty="0"/>
-              <a:t> , </a:t>
-            </a:r>
-            <a:r>
-              <a:rPr lang="en-US" altLang="ja-JP" sz="2000" dirty="0" err="1"/>
-              <a:t>Color.rgb</a:t>
-            </a:r>
-            <a:r>
-              <a:rPr lang="ja-JP" altLang="en-US" sz="2000" dirty="0"/>
-              <a:t>みたいに、各成分の集合にベクトルとしてアクセスできる</a:t>
-            </a:r>
-            <a:endParaRPr kumimoji="1" lang="en-US" altLang="ja-JP" sz="2000" dirty="0"/>
-          </a:p>
-        </p:txBody>
-      </p:sp>
-      <p:sp>
-        <p:nvSpPr>
-          <p:cNvPr id="2" name="コンテンツ プレースホルダー 2">
-            <a:extLst>
-              <a:ext uri="{FF2B5EF4-FFF2-40B4-BE49-F238E27FC236}">
-                <a16:creationId xmlns:a16="http://schemas.microsoft.com/office/drawing/2014/main" id="{7A668456-5EF1-944A-581F-95D8643B94E1}"/>
+                <a16:creationId xmlns:a16="http://schemas.microsoft.com/office/drawing/2014/main" id="{0B8F125D-032D-9846-52B7-5057FE04674A}"/>
               </a:ext>
             </a:extLst>
           </p:cNvPr>
@@ -8435,12 +7756,12 @@
         <p:spPr>
           <a:xfrm>
             <a:off x="838201" y="716635"/>
-            <a:ext cx="10515598" cy="810318"/>
+            <a:ext cx="10515598" cy="5848288"/>
           </a:xfrm>
         </p:spPr>
         <p:txBody>
           <a:bodyPr>
-            <a:normAutofit lnSpcReduction="10000"/>
+            <a:normAutofit/>
           </a:bodyPr>
           <a:lstStyle/>
           <a:p>
@@ -8448,13 +7769,125 @@
               <a:buNone/>
             </a:pPr>
             <a:r>
-              <a:rPr lang="en-US" altLang="ja-JP" sz="5400" dirty="0">
-                <a:solidFill>
-                  <a:srgbClr val="FFFFFF"/>
-                </a:solidFill>
-              </a:rPr>
-              <a:t>Hello World</a:t>
-            </a:r>
+              <a:rPr lang="ja-JP" altLang="en-US" sz="5400" dirty="0">
+                <a:solidFill>
+                  <a:srgbClr val="FFFFFF"/>
+                </a:solidFill>
+              </a:rPr>
+              <a:t>円を出してみる</a:t>
+            </a:r>
+            <a:endParaRPr kumimoji="1" lang="en-US" altLang="ja-JP" sz="5400" dirty="0">
+              <a:solidFill>
+                <a:srgbClr val="FFFFFF"/>
+              </a:solidFill>
+            </a:endParaRPr>
+          </a:p>
+          <a:p>
+            <a:pPr marL="0" indent="0">
+              <a:buNone/>
+            </a:pPr>
+            <a:endParaRPr kumimoji="1" lang="en-US" altLang="ja-JP" dirty="0">
+              <a:solidFill>
+                <a:srgbClr val="FFFFFF"/>
+              </a:solidFill>
+            </a:endParaRPr>
+          </a:p>
+          <a:p>
+            <a:pPr marL="0" indent="0">
+              <a:buNone/>
+            </a:pPr>
+            <a:endParaRPr lang="en-US" altLang="ja-JP" dirty="0">
+              <a:solidFill>
+                <a:srgbClr val="FFFFFF"/>
+              </a:solidFill>
+            </a:endParaRPr>
+          </a:p>
+          <a:p>
+            <a:pPr marL="0" indent="0">
+              <a:buNone/>
+            </a:pPr>
+            <a:endParaRPr kumimoji="1" lang="en-US" altLang="ja-JP" dirty="0">
+              <a:solidFill>
+                <a:srgbClr val="FFFFFF"/>
+              </a:solidFill>
+            </a:endParaRPr>
+          </a:p>
+          <a:p>
+            <a:pPr marL="0" indent="0">
+              <a:buNone/>
+            </a:pPr>
+            <a:r>
+              <a:rPr kumimoji="1" lang="ja-JP" altLang="en-US" dirty="0">
+                <a:solidFill>
+                  <a:srgbClr val="FFFFFF"/>
+                </a:solidFill>
+              </a:rPr>
+              <a:t>・ピクセル座標の変換</a:t>
+            </a:r>
+            <a:endParaRPr kumimoji="1" lang="en-US" altLang="ja-JP" dirty="0">
+              <a:solidFill>
+                <a:srgbClr val="FFFFFF"/>
+              </a:solidFill>
+            </a:endParaRPr>
+          </a:p>
+          <a:p>
+            <a:pPr marL="0" indent="0">
+              <a:buNone/>
+            </a:pPr>
+            <a:r>
+              <a:rPr lang="ja-JP" altLang="en-US" dirty="0">
+                <a:solidFill>
+                  <a:srgbClr val="FFFFFF"/>
+                </a:solidFill>
+              </a:rPr>
+              <a:t>・変換した座標を円の半径と比較</a:t>
+            </a:r>
+            <a:endParaRPr lang="en-US" altLang="ja-JP" dirty="0">
+              <a:solidFill>
+                <a:srgbClr val="FFFFFF"/>
+              </a:solidFill>
+            </a:endParaRPr>
+          </a:p>
+          <a:p>
+            <a:pPr marL="0" indent="0">
+              <a:buNone/>
+            </a:pPr>
+            <a:r>
+              <a:rPr kumimoji="1" lang="ja-JP" altLang="en-US" dirty="0">
+                <a:solidFill>
+                  <a:srgbClr val="FFFFFF"/>
+                </a:solidFill>
+              </a:rPr>
+              <a:t>・円の内部にある場合白を出力</a:t>
+            </a:r>
+            <a:endParaRPr kumimoji="1" lang="en-US" altLang="ja-JP" dirty="0">
+              <a:solidFill>
+                <a:srgbClr val="FFFFFF"/>
+              </a:solidFill>
+            </a:endParaRPr>
+          </a:p>
+          <a:p>
+            <a:pPr marL="0" indent="0">
+              <a:buNone/>
+            </a:pPr>
+            <a:r>
+              <a:rPr lang="ja-JP" altLang="en-US" dirty="0">
+                <a:solidFill>
+                  <a:srgbClr val="FFFFFF"/>
+                </a:solidFill>
+              </a:rPr>
+              <a:t>・円の外部にある場合黒を出力</a:t>
+            </a:r>
+            <a:endParaRPr kumimoji="1" lang="en-US" altLang="ja-JP" dirty="0">
+              <a:solidFill>
+                <a:srgbClr val="FFFFFF"/>
+              </a:solidFill>
+            </a:endParaRPr>
+          </a:p>
+          <a:p>
+            <a:pPr marL="0" indent="0">
+              <a:buNone/>
+            </a:pPr>
             <a:endParaRPr lang="en-US" altLang="ja-JP" sz="1500" dirty="0">
               <a:solidFill>
                 <a:srgbClr val="FFFFFF"/>
@@ -8473,46 +7906,40 @@
           </a:p>
         </p:txBody>
       </p:sp>
-      <p:sp>
-        <p:nvSpPr>
-          <p:cNvPr id="6" name="テキスト ボックス 5">
+      <p:pic>
+        <p:nvPicPr>
+          <p:cNvPr id="6" name="図 5">
             <a:extLst>
               <a:ext uri="{FF2B5EF4-FFF2-40B4-BE49-F238E27FC236}">
-                <a16:creationId xmlns:a16="http://schemas.microsoft.com/office/drawing/2014/main" id="{D28815CD-3498-50DA-84A7-44EBDA4BB8D5}"/>
+                <a16:creationId xmlns:a16="http://schemas.microsoft.com/office/drawing/2014/main" id="{6F85CC81-B0E5-00F3-D9BC-3D359DF1B824}"/>
               </a:ext>
             </a:extLst>
           </p:cNvPr>
-          <p:cNvSpPr txBox="1"/>
+          <p:cNvPicPr>
+            <a:picLocks noChangeAspect="1"/>
+          </p:cNvPicPr>
           <p:nvPr/>
-        </p:nvSpPr>
+        </p:nvPicPr>
+        <p:blipFill>
+          <a:blip r:embed="rId3"/>
+          <a:stretch>
+            <a:fillRect/>
+          </a:stretch>
+        </p:blipFill>
         <p:spPr>
           <a:xfrm>
-            <a:off x="663440" y="2749826"/>
-            <a:ext cx="11469045" cy="1569660"/>
+            <a:off x="6660767" y="1617750"/>
+            <a:ext cx="5125987" cy="4947173"/>
           </a:xfrm>
           <a:prstGeom prst="rect">
             <a:avLst/>
           </a:prstGeom>
-          <a:noFill/>
         </p:spPr>
-        <p:txBody>
-          <a:bodyPr wrap="square" rtlCol="0">
-            <a:spAutoFit/>
-          </a:bodyPr>
-          <a:lstStyle/>
-          <a:p>
-            <a:pPr algn="ctr"/>
-            <a:r>
-              <a:rPr kumimoji="1" lang="ja-JP" altLang="en-US" sz="9600" dirty="0"/>
-              <a:t>消す</a:t>
-            </a:r>
-          </a:p>
-        </p:txBody>
-      </p:sp>
+      </p:pic>
     </p:spTree>
     <p:extLst>
       <p:ext uri="{BB962C8B-B14F-4D97-AF65-F5344CB8AC3E}">
-        <p14:creationId xmlns:p14="http://schemas.microsoft.com/office/powerpoint/2010/main" val="983218441"/>
+        <p14:creationId xmlns:p14="http://schemas.microsoft.com/office/powerpoint/2010/main" val="3452386226"/>
       </p:ext>
     </p:extLst>
   </p:cSld>
@@ -8939,22 +8366,22 @@
         </p:spPr>
         <p:txBody>
           <a:bodyPr>
-            <a:normAutofit/>
+            <a:normAutofit lnSpcReduction="10000"/>
           </a:bodyPr>
           <a:lstStyle/>
           <a:p>
-            <a:pPr marL="0" indent="0" algn="ctr">
+            <a:pPr marL="0" indent="0">
               <a:buNone/>
             </a:pPr>
             <a:r>
-              <a:rPr lang="ja-JP" altLang="en-US" sz="5400" dirty="0">
-                <a:solidFill>
-                  <a:srgbClr val="FFFFFF"/>
-                </a:solidFill>
-              </a:rPr>
-              <a:t>円を出してみる</a:t>
-            </a:r>
-            <a:endParaRPr kumimoji="1" lang="en-US" altLang="ja-JP" sz="5400" dirty="0">
+              <a:rPr kumimoji="1" lang="ja-JP" altLang="en-US" sz="4000" dirty="0">
+                <a:solidFill>
+                  <a:srgbClr val="FFFFFF"/>
+                </a:solidFill>
+              </a:rPr>
+              <a:t>ピクセル座標の変換</a:t>
+            </a:r>
+            <a:endParaRPr kumimoji="1" lang="en-US" altLang="ja-JP" sz="4000" dirty="0">
               <a:solidFill>
                 <a:srgbClr val="FFFFFF"/>
               </a:solidFill>
@@ -8964,99 +8391,7 @@
             <a:pPr marL="0" indent="0">
               <a:buNone/>
             </a:pPr>
-            <a:endParaRPr kumimoji="1" lang="en-US" altLang="ja-JP" dirty="0">
-              <a:solidFill>
-                <a:srgbClr val="FFFFFF"/>
-              </a:solidFill>
-            </a:endParaRPr>
-          </a:p>
-          <a:p>
-            <a:pPr marL="0" indent="0">
-              <a:buNone/>
-            </a:pPr>
-            <a:endParaRPr lang="en-US" altLang="ja-JP" dirty="0">
-              <a:solidFill>
-                <a:srgbClr val="FFFFFF"/>
-              </a:solidFill>
-            </a:endParaRPr>
-          </a:p>
-          <a:p>
-            <a:pPr marL="0" indent="0">
-              <a:buNone/>
-            </a:pPr>
-            <a:endParaRPr kumimoji="1" lang="en-US" altLang="ja-JP" dirty="0">
-              <a:solidFill>
-                <a:srgbClr val="FFFFFF"/>
-              </a:solidFill>
-            </a:endParaRPr>
-          </a:p>
-          <a:p>
-            <a:pPr marL="0" indent="0">
-              <a:buNone/>
-            </a:pPr>
-            <a:r>
-              <a:rPr kumimoji="1" lang="ja-JP" altLang="en-US" dirty="0">
-                <a:solidFill>
-                  <a:srgbClr val="FFFFFF"/>
-                </a:solidFill>
-              </a:rPr>
-              <a:t>・ピクセル座標の変換</a:t>
-            </a:r>
-            <a:endParaRPr kumimoji="1" lang="en-US" altLang="ja-JP" dirty="0">
-              <a:solidFill>
-                <a:srgbClr val="FFFFFF"/>
-              </a:solidFill>
-            </a:endParaRPr>
-          </a:p>
-          <a:p>
-            <a:pPr marL="0" indent="0">
-              <a:buNone/>
-            </a:pPr>
-            <a:r>
-              <a:rPr lang="ja-JP" altLang="en-US" dirty="0">
-                <a:solidFill>
-                  <a:srgbClr val="FFFFFF"/>
-                </a:solidFill>
-              </a:rPr>
-              <a:t>・変換した座標を円の半径と比較</a:t>
-            </a:r>
-            <a:endParaRPr lang="en-US" altLang="ja-JP" dirty="0">
-              <a:solidFill>
-                <a:srgbClr val="FFFFFF"/>
-              </a:solidFill>
-            </a:endParaRPr>
-          </a:p>
-          <a:p>
-            <a:pPr marL="0" indent="0">
-              <a:buNone/>
-            </a:pPr>
-            <a:r>
-              <a:rPr kumimoji="1" lang="ja-JP" altLang="en-US" dirty="0">
-                <a:solidFill>
-                  <a:srgbClr val="FFFFFF"/>
-                </a:solidFill>
-              </a:rPr>
-              <a:t>・円の内部にある場合白を出力</a:t>
-            </a:r>
-            <a:endParaRPr kumimoji="1" lang="en-US" altLang="ja-JP" dirty="0">
-              <a:solidFill>
-                <a:srgbClr val="FFFFFF"/>
-              </a:solidFill>
-            </a:endParaRPr>
-          </a:p>
-          <a:p>
-            <a:pPr marL="0" indent="0">
-              <a:buNone/>
-            </a:pPr>
-            <a:r>
-              <a:rPr lang="ja-JP" altLang="en-US" dirty="0">
-                <a:solidFill>
-                  <a:srgbClr val="FFFFFF"/>
-                </a:solidFill>
-              </a:rPr>
-              <a:t>・円の外部にある場合黒を出力</a:t>
-            </a:r>
-            <a:endParaRPr kumimoji="1" lang="en-US" altLang="ja-JP" dirty="0">
+            <a:endParaRPr kumimoji="1" lang="en-US" altLang="ja-JP" sz="1500" dirty="0">
               <a:solidFill>
                 <a:srgbClr val="FFFFFF"/>
               </a:solidFill>
@@ -9082,14 +8417,954 @@
               </a:solidFill>
             </a:endParaRPr>
           </a:p>
+          <a:p>
+            <a:pPr marL="0" indent="0">
+              <a:buNone/>
+            </a:pPr>
+            <a:endParaRPr lang="en-US" altLang="ja-JP" sz="1500" dirty="0">
+              <a:solidFill>
+                <a:srgbClr val="FFFFFF"/>
+              </a:solidFill>
+            </a:endParaRPr>
+          </a:p>
+          <a:p>
+            <a:pPr marL="0" indent="0">
+              <a:buNone/>
+            </a:pPr>
+            <a:endParaRPr lang="en-US" altLang="ja-JP" sz="1500" dirty="0">
+              <a:solidFill>
+                <a:srgbClr val="FFFFFF"/>
+              </a:solidFill>
+            </a:endParaRPr>
+          </a:p>
+          <a:p>
+            <a:pPr marL="0" indent="0">
+              <a:buNone/>
+            </a:pPr>
+            <a:r>
+              <a:rPr lang="ja-JP" altLang="en-US" sz="2000" dirty="0">
+                <a:solidFill>
+                  <a:srgbClr val="FFFFFF"/>
+                </a:solidFill>
+              </a:rPr>
+              <a:t>・</a:t>
+            </a:r>
+            <a:r>
+              <a:rPr lang="en-US" altLang="ja-JP" sz="2000" dirty="0">
+                <a:solidFill>
+                  <a:srgbClr val="FFFFFF"/>
+                </a:solidFill>
+              </a:rPr>
+              <a:t>(</a:t>
+            </a:r>
+            <a:r>
+              <a:rPr lang="ja-JP" altLang="en-US" sz="2000" dirty="0">
+                <a:solidFill>
+                  <a:srgbClr val="FFFFFF"/>
+                </a:solidFill>
+              </a:rPr>
+              <a:t>ピクセル座標を二倍し、解像度を引いたもの</a:t>
+            </a:r>
+            <a:r>
+              <a:rPr lang="en-US" altLang="ja-JP" sz="2000" dirty="0">
+                <a:solidFill>
+                  <a:srgbClr val="FFFFFF"/>
+                </a:solidFill>
+              </a:rPr>
+              <a:t>) / (</a:t>
+            </a:r>
+            <a:r>
+              <a:rPr lang="ja-JP" altLang="en-US" sz="2000" dirty="0">
+                <a:solidFill>
+                  <a:srgbClr val="FFFFFF"/>
+                </a:solidFill>
+              </a:rPr>
+              <a:t>解像度の縦横の大きい方</a:t>
+            </a:r>
+            <a:r>
+              <a:rPr lang="en-US" altLang="ja-JP" sz="2000" dirty="0">
+                <a:solidFill>
+                  <a:srgbClr val="FFFFFF"/>
+                </a:solidFill>
+              </a:rPr>
+              <a:t>)</a:t>
+            </a:r>
+          </a:p>
+          <a:p>
+            <a:pPr marL="0" indent="0">
+              <a:buNone/>
+            </a:pPr>
+            <a:endParaRPr lang="en-US" altLang="ja-JP" sz="2000" dirty="0">
+              <a:solidFill>
+                <a:srgbClr val="FFFFFF"/>
+              </a:solidFill>
+            </a:endParaRPr>
+          </a:p>
+          <a:p>
+            <a:pPr marL="0" indent="0">
+              <a:buNone/>
+            </a:pPr>
+            <a:r>
+              <a:rPr kumimoji="1" lang="ja-JP" altLang="en-US" sz="2000" dirty="0">
+                <a:solidFill>
+                  <a:schemeClr val="accent5"/>
+                </a:solidFill>
+              </a:rPr>
+              <a:t>・</a:t>
+            </a:r>
+            <a:r>
+              <a:rPr lang="ja-JP" altLang="en-US" sz="2000" dirty="0">
+                <a:solidFill>
+                  <a:schemeClr val="accent5"/>
+                </a:solidFill>
+              </a:rPr>
+              <a:t>解像度の横が縦より長い場合：</a:t>
+            </a:r>
+            <a:endParaRPr lang="en-US" altLang="ja-JP" sz="2000" dirty="0">
+              <a:solidFill>
+                <a:schemeClr val="accent5"/>
+              </a:solidFill>
+            </a:endParaRPr>
+          </a:p>
+          <a:p>
+            <a:pPr marL="0" indent="0">
+              <a:buNone/>
+            </a:pPr>
+            <a:r>
+              <a:rPr lang="ja-JP" altLang="en-US" sz="2000" dirty="0">
+                <a:solidFill>
+                  <a:srgbClr val="FFFFFF"/>
+                </a:solidFill>
+              </a:rPr>
+              <a:t>ピクセル座標の</a:t>
+            </a:r>
+            <a:r>
+              <a:rPr lang="en-US" altLang="ja-JP" sz="2000" dirty="0">
+                <a:solidFill>
+                  <a:srgbClr val="FFFFFF"/>
+                </a:solidFill>
+              </a:rPr>
+              <a:t>x</a:t>
+            </a:r>
+            <a:r>
+              <a:rPr lang="ja-JP" altLang="en-US" sz="2000" dirty="0">
+                <a:solidFill>
+                  <a:srgbClr val="FFFFFF"/>
+                </a:solidFill>
+              </a:rPr>
+              <a:t>は </a:t>
+            </a:r>
+            <a:r>
+              <a:rPr lang="en-US" altLang="ja-JP" sz="2000" dirty="0">
+                <a:solidFill>
+                  <a:srgbClr val="FFFFFF"/>
+                </a:solidFill>
+              </a:rPr>
+              <a:t>[0 ~ </a:t>
+            </a:r>
+            <a:r>
+              <a:rPr lang="en-US" altLang="ja-JP" sz="2000" dirty="0" err="1">
+                <a:solidFill>
+                  <a:srgbClr val="FFFFFF"/>
+                </a:solidFill>
+              </a:rPr>
+              <a:t>r.x</a:t>
+            </a:r>
+            <a:r>
+              <a:rPr lang="en-US" altLang="ja-JP" sz="2000" dirty="0">
+                <a:solidFill>
+                  <a:srgbClr val="FFFFFF"/>
+                </a:solidFill>
+              </a:rPr>
+              <a:t>]</a:t>
+            </a:r>
+            <a:r>
+              <a:rPr lang="ja-JP" altLang="en-US" sz="2000" dirty="0">
+                <a:solidFill>
+                  <a:srgbClr val="FFFFFF"/>
+                </a:solidFill>
+              </a:rPr>
+              <a:t>だったのが</a:t>
+            </a:r>
+            <a:r>
+              <a:rPr lang="en-US" altLang="ja-JP" sz="2000" dirty="0">
+                <a:solidFill>
+                  <a:srgbClr val="FFFFFF"/>
+                </a:solidFill>
+              </a:rPr>
+              <a:t>[-1 ~ 1]</a:t>
+            </a:r>
+            <a:r>
+              <a:rPr lang="ja-JP" altLang="en-US" sz="2000" dirty="0">
+                <a:solidFill>
+                  <a:srgbClr val="FFFFFF"/>
+                </a:solidFill>
+              </a:rPr>
+              <a:t>になり、</a:t>
+            </a:r>
+            <a:endParaRPr lang="en-US" altLang="ja-JP" sz="2000" dirty="0">
+              <a:solidFill>
+                <a:srgbClr val="FFFFFF"/>
+              </a:solidFill>
+            </a:endParaRPr>
+          </a:p>
+          <a:p>
+            <a:pPr marL="0" indent="0">
+              <a:buNone/>
+            </a:pPr>
+            <a:r>
+              <a:rPr lang="en-US" altLang="ja-JP" sz="2000" dirty="0">
+                <a:solidFill>
+                  <a:srgbClr val="FFFFFF"/>
+                </a:solidFill>
+              </a:rPr>
+              <a:t>y</a:t>
+            </a:r>
+            <a:r>
+              <a:rPr lang="ja-JP" altLang="en-US" sz="2000" dirty="0">
+                <a:solidFill>
+                  <a:srgbClr val="FFFFFF"/>
+                </a:solidFill>
+              </a:rPr>
+              <a:t>は </a:t>
+            </a:r>
+            <a:r>
+              <a:rPr lang="en-US" altLang="ja-JP" sz="2000" dirty="0">
+                <a:solidFill>
+                  <a:srgbClr val="FFFFFF"/>
+                </a:solidFill>
+              </a:rPr>
+              <a:t>[0 ~ </a:t>
+            </a:r>
+            <a:r>
+              <a:rPr lang="en-US" altLang="ja-JP" sz="2000" dirty="0" err="1">
+                <a:solidFill>
+                  <a:srgbClr val="FFFFFF"/>
+                </a:solidFill>
+              </a:rPr>
+              <a:t>r.y</a:t>
+            </a:r>
+            <a:r>
+              <a:rPr lang="en-US" altLang="ja-JP" sz="2000" dirty="0">
+                <a:solidFill>
+                  <a:srgbClr val="FFFFFF"/>
+                </a:solidFill>
+              </a:rPr>
+              <a:t>]</a:t>
+            </a:r>
+            <a:r>
+              <a:rPr lang="ja-JP" altLang="en-US" sz="2000" dirty="0">
+                <a:solidFill>
+                  <a:srgbClr val="FFFFFF"/>
+                </a:solidFill>
+              </a:rPr>
+              <a:t>だったのが</a:t>
+            </a:r>
+            <a:r>
+              <a:rPr lang="en-US" altLang="ja-JP" sz="2000" dirty="0">
+                <a:solidFill>
+                  <a:srgbClr val="FFFFFF"/>
+                </a:solidFill>
+              </a:rPr>
+              <a:t>[–</a:t>
+            </a:r>
+            <a:r>
+              <a:rPr lang="en-US" altLang="ja-JP" sz="2000" dirty="0" err="1">
+                <a:solidFill>
+                  <a:srgbClr val="FFFFFF"/>
+                </a:solidFill>
+              </a:rPr>
+              <a:t>r.y</a:t>
+            </a:r>
+            <a:r>
+              <a:rPr lang="en-US" altLang="ja-JP" sz="2000" dirty="0">
+                <a:solidFill>
+                  <a:srgbClr val="FFFFFF"/>
+                </a:solidFill>
+              </a:rPr>
+              <a:t>/</a:t>
+            </a:r>
+            <a:r>
+              <a:rPr lang="en-US" altLang="ja-JP" sz="2000" dirty="0" err="1">
+                <a:solidFill>
+                  <a:srgbClr val="FFFFFF"/>
+                </a:solidFill>
+              </a:rPr>
+              <a:t>r.x</a:t>
+            </a:r>
+            <a:r>
+              <a:rPr lang="en-US" altLang="ja-JP" sz="2000" dirty="0">
+                <a:solidFill>
+                  <a:srgbClr val="FFFFFF"/>
+                </a:solidFill>
+              </a:rPr>
+              <a:t> ~ </a:t>
+            </a:r>
+            <a:r>
+              <a:rPr lang="en-US" altLang="ja-JP" sz="2000" dirty="0" err="1">
+                <a:solidFill>
+                  <a:srgbClr val="FFFFFF"/>
+                </a:solidFill>
+              </a:rPr>
+              <a:t>r.y</a:t>
+            </a:r>
+            <a:r>
+              <a:rPr lang="en-US" altLang="ja-JP" sz="2000" dirty="0">
+                <a:solidFill>
+                  <a:srgbClr val="FFFFFF"/>
+                </a:solidFill>
+              </a:rPr>
+              <a:t>/</a:t>
+            </a:r>
+            <a:r>
+              <a:rPr lang="en-US" altLang="ja-JP" sz="2000" dirty="0" err="1">
+                <a:solidFill>
+                  <a:srgbClr val="FFFFFF"/>
+                </a:solidFill>
+              </a:rPr>
+              <a:t>r.x</a:t>
+            </a:r>
+            <a:r>
+              <a:rPr lang="en-US" altLang="ja-JP" sz="2000" dirty="0">
+                <a:solidFill>
+                  <a:srgbClr val="FFFFFF"/>
+                </a:solidFill>
+              </a:rPr>
+              <a:t>]</a:t>
+            </a:r>
+            <a:r>
+              <a:rPr lang="ja-JP" altLang="en-US" sz="2000" dirty="0">
+                <a:solidFill>
+                  <a:srgbClr val="FFFFFF"/>
+                </a:solidFill>
+              </a:rPr>
+              <a:t>になる</a:t>
+            </a:r>
+            <a:endParaRPr lang="en-US" altLang="ja-JP" sz="2000" dirty="0">
+              <a:solidFill>
+                <a:srgbClr val="FFFFFF"/>
+              </a:solidFill>
+            </a:endParaRPr>
+          </a:p>
+          <a:p>
+            <a:pPr marL="0" marR="0" lvl="0" indent="0" algn="l" defTabSz="914400" rtl="0" eaLnBrk="1" fontAlgn="auto" latinLnBrk="0" hangingPunct="1">
+              <a:lnSpc>
+                <a:spcPct val="90000"/>
+              </a:lnSpc>
+              <a:spcBef>
+                <a:spcPts val="1000"/>
+              </a:spcBef>
+              <a:spcAft>
+                <a:spcPts val="0"/>
+              </a:spcAft>
+              <a:buClrTx/>
+              <a:buSzTx/>
+              <a:buFont typeface="Arial" panose="020B0604020202020204" pitchFamily="34" charset="0"/>
+              <a:buNone/>
+              <a:tabLst/>
+              <a:defRPr/>
+            </a:pPr>
+            <a:endParaRPr kumimoji="1" lang="en-US" altLang="ja-JP" sz="2000" b="0" i="0" u="none" strike="noStrike" kern="1200" cap="none" spc="0" normalizeH="0" baseline="0" noProof="0" dirty="0">
+              <a:ln>
+                <a:noFill/>
+              </a:ln>
+              <a:solidFill>
+                <a:srgbClr val="FFFFFF"/>
+              </a:solidFill>
+              <a:effectLst/>
+              <a:uLnTx/>
+              <a:uFillTx/>
+              <a:latin typeface="メイリオ"/>
+              <a:ea typeface="メイリオ"/>
+              <a:cs typeface="+mn-cs"/>
+            </a:endParaRPr>
+          </a:p>
+          <a:p>
+            <a:pPr marL="0" marR="0" lvl="0" indent="0" algn="l" defTabSz="914400" rtl="0" eaLnBrk="1" fontAlgn="auto" latinLnBrk="0" hangingPunct="1">
+              <a:lnSpc>
+                <a:spcPct val="90000"/>
+              </a:lnSpc>
+              <a:spcBef>
+                <a:spcPts val="1000"/>
+              </a:spcBef>
+              <a:spcAft>
+                <a:spcPts val="0"/>
+              </a:spcAft>
+              <a:buClrTx/>
+              <a:buSzTx/>
+              <a:buFont typeface="Arial" panose="020B0604020202020204" pitchFamily="34" charset="0"/>
+              <a:buNone/>
+              <a:tabLst/>
+              <a:defRPr/>
+            </a:pPr>
+            <a:r>
+              <a:rPr kumimoji="1" lang="ja-JP" altLang="en-US" sz="2000" b="0" i="0" u="none" strike="noStrike" kern="1200" cap="none" spc="0" normalizeH="0" baseline="0" noProof="0" dirty="0">
+                <a:ln>
+                  <a:noFill/>
+                </a:ln>
+                <a:solidFill>
+                  <a:schemeClr val="accent6"/>
+                </a:solidFill>
+                <a:effectLst/>
+                <a:uLnTx/>
+                <a:uFillTx/>
+                <a:latin typeface="メイリオ"/>
+                <a:ea typeface="メイリオ"/>
+                <a:cs typeface="+mn-cs"/>
+              </a:rPr>
+              <a:t>・解像度の縦が</a:t>
+            </a:r>
+            <a:r>
+              <a:rPr lang="ja-JP" altLang="en-US" sz="2000" dirty="0">
+                <a:solidFill>
+                  <a:schemeClr val="accent6"/>
+                </a:solidFill>
+                <a:latin typeface="メイリオ"/>
+                <a:ea typeface="メイリオ"/>
+              </a:rPr>
+              <a:t>横</a:t>
+            </a:r>
+            <a:r>
+              <a:rPr kumimoji="1" lang="ja-JP" altLang="en-US" sz="2000" b="0" i="0" u="none" strike="noStrike" kern="1200" cap="none" spc="0" normalizeH="0" baseline="0" noProof="0" dirty="0">
+                <a:ln>
+                  <a:noFill/>
+                </a:ln>
+                <a:solidFill>
+                  <a:schemeClr val="accent6"/>
+                </a:solidFill>
+                <a:effectLst/>
+                <a:uLnTx/>
+                <a:uFillTx/>
+                <a:latin typeface="メイリオ"/>
+                <a:ea typeface="メイリオ"/>
+                <a:cs typeface="+mn-cs"/>
+              </a:rPr>
+              <a:t>より長い場合：</a:t>
+            </a:r>
+            <a:endParaRPr kumimoji="1" lang="en-US" altLang="ja-JP" sz="2000" b="0" i="0" u="none" strike="noStrike" kern="1200" cap="none" spc="0" normalizeH="0" baseline="0" noProof="0" dirty="0">
+              <a:ln>
+                <a:noFill/>
+              </a:ln>
+              <a:solidFill>
+                <a:schemeClr val="accent6"/>
+              </a:solidFill>
+              <a:effectLst/>
+              <a:uLnTx/>
+              <a:uFillTx/>
+              <a:latin typeface="メイリオ"/>
+              <a:ea typeface="メイリオ"/>
+              <a:cs typeface="+mn-cs"/>
+            </a:endParaRPr>
+          </a:p>
+          <a:p>
+            <a:pPr marL="0" marR="0" lvl="0" indent="0" algn="l" defTabSz="914400" rtl="0" eaLnBrk="1" fontAlgn="auto" latinLnBrk="0" hangingPunct="1">
+              <a:lnSpc>
+                <a:spcPct val="90000"/>
+              </a:lnSpc>
+              <a:spcBef>
+                <a:spcPts val="1000"/>
+              </a:spcBef>
+              <a:spcAft>
+                <a:spcPts val="0"/>
+              </a:spcAft>
+              <a:buClrTx/>
+              <a:buSzTx/>
+              <a:buFont typeface="Arial" panose="020B0604020202020204" pitchFamily="34" charset="0"/>
+              <a:buNone/>
+              <a:tabLst/>
+              <a:defRPr/>
+            </a:pPr>
+            <a:r>
+              <a:rPr kumimoji="1" lang="ja-JP" altLang="en-US" sz="2000" b="0" i="0" u="none" strike="noStrike" kern="1200" cap="none" spc="0" normalizeH="0" baseline="0" noProof="0" dirty="0">
+                <a:ln>
+                  <a:noFill/>
+                </a:ln>
+                <a:solidFill>
+                  <a:srgbClr val="FFFFFF"/>
+                </a:solidFill>
+                <a:effectLst/>
+                <a:uLnTx/>
+                <a:uFillTx/>
+                <a:latin typeface="メイリオ"/>
+                <a:ea typeface="メイリオ"/>
+                <a:cs typeface="+mn-cs"/>
+              </a:rPr>
+              <a:t>ピクセル座標の</a:t>
+            </a:r>
+            <a:r>
+              <a:rPr kumimoji="1" lang="en-US" altLang="ja-JP" sz="2000" b="0" i="0" u="none" strike="noStrike" kern="1200" cap="none" spc="0" normalizeH="0" baseline="0" noProof="0" dirty="0">
+                <a:ln>
+                  <a:noFill/>
+                </a:ln>
+                <a:solidFill>
+                  <a:srgbClr val="FFFFFF"/>
+                </a:solidFill>
+                <a:effectLst/>
+                <a:uLnTx/>
+                <a:uFillTx/>
+                <a:latin typeface="メイリオ"/>
+                <a:ea typeface="メイリオ"/>
+                <a:cs typeface="+mn-cs"/>
+              </a:rPr>
+              <a:t>x</a:t>
+            </a:r>
+            <a:r>
+              <a:rPr kumimoji="1" lang="ja-JP" altLang="en-US" sz="2000" b="0" i="0" u="none" strike="noStrike" kern="1200" cap="none" spc="0" normalizeH="0" baseline="0" noProof="0" dirty="0">
+                <a:ln>
+                  <a:noFill/>
+                </a:ln>
+                <a:solidFill>
+                  <a:srgbClr val="FFFFFF"/>
+                </a:solidFill>
+                <a:effectLst/>
+                <a:uLnTx/>
+                <a:uFillTx/>
+                <a:latin typeface="メイリオ"/>
+                <a:ea typeface="メイリオ"/>
+                <a:cs typeface="+mn-cs"/>
+              </a:rPr>
+              <a:t>は </a:t>
+            </a:r>
+            <a:r>
+              <a:rPr kumimoji="1" lang="en-US" altLang="ja-JP" sz="2000" b="0" i="0" u="none" strike="noStrike" kern="1200" cap="none" spc="0" normalizeH="0" baseline="0" noProof="0" dirty="0">
+                <a:ln>
+                  <a:noFill/>
+                </a:ln>
+                <a:solidFill>
+                  <a:srgbClr val="FFFFFF"/>
+                </a:solidFill>
+                <a:effectLst/>
+                <a:uLnTx/>
+                <a:uFillTx/>
+                <a:latin typeface="メイリオ"/>
+                <a:ea typeface="メイリオ"/>
+                <a:cs typeface="+mn-cs"/>
+              </a:rPr>
+              <a:t>[0 ~ </a:t>
+            </a:r>
+            <a:r>
+              <a:rPr kumimoji="1" lang="en-US" altLang="ja-JP" sz="2000" b="0" i="0" u="none" strike="noStrike" kern="1200" cap="none" spc="0" normalizeH="0" baseline="0" noProof="0" dirty="0" err="1">
+                <a:ln>
+                  <a:noFill/>
+                </a:ln>
+                <a:solidFill>
+                  <a:srgbClr val="FFFFFF"/>
+                </a:solidFill>
+                <a:effectLst/>
+                <a:uLnTx/>
+                <a:uFillTx/>
+                <a:latin typeface="メイリオ"/>
+                <a:ea typeface="メイリオ"/>
+                <a:cs typeface="+mn-cs"/>
+              </a:rPr>
+              <a:t>r.x</a:t>
+            </a:r>
+            <a:r>
+              <a:rPr kumimoji="1" lang="en-US" altLang="ja-JP" sz="2000" b="0" i="0" u="none" strike="noStrike" kern="1200" cap="none" spc="0" normalizeH="0" baseline="0" noProof="0" dirty="0">
+                <a:ln>
+                  <a:noFill/>
+                </a:ln>
+                <a:solidFill>
+                  <a:srgbClr val="FFFFFF"/>
+                </a:solidFill>
+                <a:effectLst/>
+                <a:uLnTx/>
+                <a:uFillTx/>
+                <a:latin typeface="メイリオ"/>
+                <a:ea typeface="メイリオ"/>
+                <a:cs typeface="+mn-cs"/>
+              </a:rPr>
+              <a:t>]</a:t>
+            </a:r>
+            <a:r>
+              <a:rPr kumimoji="1" lang="ja-JP" altLang="en-US" sz="2000" b="0" i="0" u="none" strike="noStrike" kern="1200" cap="none" spc="0" normalizeH="0" baseline="0" noProof="0" dirty="0">
+                <a:ln>
+                  <a:noFill/>
+                </a:ln>
+                <a:solidFill>
+                  <a:srgbClr val="FFFFFF"/>
+                </a:solidFill>
+                <a:effectLst/>
+                <a:uLnTx/>
+                <a:uFillTx/>
+                <a:latin typeface="メイリオ"/>
+                <a:ea typeface="メイリオ"/>
+                <a:cs typeface="+mn-cs"/>
+              </a:rPr>
+              <a:t>だったのが</a:t>
+            </a:r>
+            <a:r>
+              <a:rPr kumimoji="1" lang="en-US" altLang="ja-JP" sz="2000" b="0" i="0" u="none" strike="noStrike" kern="1200" cap="none" spc="0" normalizeH="0" baseline="0" noProof="0" dirty="0">
+                <a:ln>
+                  <a:noFill/>
+                </a:ln>
+                <a:solidFill>
+                  <a:srgbClr val="FFFFFF"/>
+                </a:solidFill>
+                <a:effectLst/>
+                <a:uLnTx/>
+                <a:uFillTx/>
+                <a:latin typeface="メイリオ"/>
+                <a:ea typeface="メイリオ"/>
+                <a:cs typeface="+mn-cs"/>
+              </a:rPr>
+              <a:t>[–</a:t>
+            </a:r>
+            <a:r>
+              <a:rPr kumimoji="1" lang="en-US" altLang="ja-JP" sz="2000" b="0" i="0" u="none" strike="noStrike" kern="1200" cap="none" spc="0" normalizeH="0" baseline="0" noProof="0" dirty="0" err="1">
+                <a:ln>
+                  <a:noFill/>
+                </a:ln>
+                <a:solidFill>
+                  <a:srgbClr val="FFFFFF"/>
+                </a:solidFill>
+                <a:effectLst/>
+                <a:uLnTx/>
+                <a:uFillTx/>
+                <a:latin typeface="メイリオ"/>
+                <a:ea typeface="メイリオ"/>
+                <a:cs typeface="+mn-cs"/>
+              </a:rPr>
+              <a:t>r.x</a:t>
+            </a:r>
+            <a:r>
+              <a:rPr kumimoji="1" lang="en-US" altLang="ja-JP" sz="2000" b="0" i="0" u="none" strike="noStrike" kern="1200" cap="none" spc="0" normalizeH="0" baseline="0" noProof="0" dirty="0">
+                <a:ln>
+                  <a:noFill/>
+                </a:ln>
+                <a:solidFill>
+                  <a:srgbClr val="FFFFFF"/>
+                </a:solidFill>
+                <a:effectLst/>
+                <a:uLnTx/>
+                <a:uFillTx/>
+                <a:latin typeface="メイリオ"/>
+                <a:ea typeface="メイリオ"/>
+                <a:cs typeface="+mn-cs"/>
+              </a:rPr>
+              <a:t>/</a:t>
+            </a:r>
+            <a:r>
+              <a:rPr kumimoji="1" lang="en-US" altLang="ja-JP" sz="2000" b="0" i="0" u="none" strike="noStrike" kern="1200" cap="none" spc="0" normalizeH="0" baseline="0" noProof="0" dirty="0" err="1">
+                <a:ln>
+                  <a:noFill/>
+                </a:ln>
+                <a:solidFill>
+                  <a:srgbClr val="FFFFFF"/>
+                </a:solidFill>
+                <a:effectLst/>
+                <a:uLnTx/>
+                <a:uFillTx/>
+                <a:latin typeface="メイリオ"/>
+                <a:ea typeface="メイリオ"/>
+                <a:cs typeface="+mn-cs"/>
+              </a:rPr>
+              <a:t>r.y</a:t>
+            </a:r>
+            <a:r>
+              <a:rPr kumimoji="1" lang="en-US" altLang="ja-JP" sz="2000" b="0" i="0" u="none" strike="noStrike" kern="1200" cap="none" spc="0" normalizeH="0" baseline="0" noProof="0" dirty="0">
+                <a:ln>
+                  <a:noFill/>
+                </a:ln>
+                <a:solidFill>
+                  <a:srgbClr val="FFFFFF"/>
+                </a:solidFill>
+                <a:effectLst/>
+                <a:uLnTx/>
+                <a:uFillTx/>
+                <a:latin typeface="メイリオ"/>
+                <a:ea typeface="メイリオ"/>
+                <a:cs typeface="+mn-cs"/>
+              </a:rPr>
+              <a:t> ~ </a:t>
+            </a:r>
+            <a:r>
+              <a:rPr kumimoji="1" lang="en-US" altLang="ja-JP" sz="2000" b="0" i="0" u="none" strike="noStrike" kern="1200" cap="none" spc="0" normalizeH="0" baseline="0" noProof="0" dirty="0" err="1">
+                <a:ln>
+                  <a:noFill/>
+                </a:ln>
+                <a:solidFill>
+                  <a:srgbClr val="FFFFFF"/>
+                </a:solidFill>
+                <a:effectLst/>
+                <a:uLnTx/>
+                <a:uFillTx/>
+                <a:latin typeface="メイリオ"/>
+                <a:ea typeface="メイリオ"/>
+                <a:cs typeface="+mn-cs"/>
+              </a:rPr>
+              <a:t>r.x</a:t>
+            </a:r>
+            <a:r>
+              <a:rPr kumimoji="1" lang="en-US" altLang="ja-JP" sz="2000" b="0" i="0" u="none" strike="noStrike" kern="1200" cap="none" spc="0" normalizeH="0" baseline="0" noProof="0" dirty="0">
+                <a:ln>
+                  <a:noFill/>
+                </a:ln>
+                <a:solidFill>
+                  <a:srgbClr val="FFFFFF"/>
+                </a:solidFill>
+                <a:effectLst/>
+                <a:uLnTx/>
+                <a:uFillTx/>
+                <a:latin typeface="メイリオ"/>
+                <a:ea typeface="メイリオ"/>
+                <a:cs typeface="+mn-cs"/>
+              </a:rPr>
+              <a:t>/</a:t>
+            </a:r>
+            <a:r>
+              <a:rPr kumimoji="1" lang="en-US" altLang="ja-JP" sz="2000" b="0" i="0" u="none" strike="noStrike" kern="1200" cap="none" spc="0" normalizeH="0" baseline="0" noProof="0" dirty="0" err="1">
+                <a:ln>
+                  <a:noFill/>
+                </a:ln>
+                <a:solidFill>
+                  <a:srgbClr val="FFFFFF"/>
+                </a:solidFill>
+                <a:effectLst/>
+                <a:uLnTx/>
+                <a:uFillTx/>
+                <a:latin typeface="メイリオ"/>
+                <a:ea typeface="メイリオ"/>
+                <a:cs typeface="+mn-cs"/>
+              </a:rPr>
+              <a:t>r.y</a:t>
+            </a:r>
+            <a:r>
+              <a:rPr kumimoji="1" lang="en-US" altLang="ja-JP" sz="2000" b="0" i="0" u="none" strike="noStrike" kern="1200" cap="none" spc="0" normalizeH="0" baseline="0" noProof="0" dirty="0">
+                <a:ln>
+                  <a:noFill/>
+                </a:ln>
+                <a:solidFill>
+                  <a:srgbClr val="FFFFFF"/>
+                </a:solidFill>
+                <a:effectLst/>
+                <a:uLnTx/>
+                <a:uFillTx/>
+                <a:latin typeface="メイリオ"/>
+                <a:ea typeface="メイリオ"/>
+                <a:cs typeface="+mn-cs"/>
+              </a:rPr>
+              <a:t>]</a:t>
+            </a:r>
+            <a:r>
+              <a:rPr kumimoji="1" lang="ja-JP" altLang="en-US" sz="2000" b="0" i="0" u="none" strike="noStrike" kern="1200" cap="none" spc="0" normalizeH="0" baseline="0" noProof="0" dirty="0">
+                <a:ln>
+                  <a:noFill/>
+                </a:ln>
+                <a:solidFill>
+                  <a:srgbClr val="FFFFFF"/>
+                </a:solidFill>
+                <a:effectLst/>
+                <a:uLnTx/>
+                <a:uFillTx/>
+                <a:latin typeface="メイリオ"/>
+                <a:ea typeface="メイリオ"/>
+                <a:cs typeface="+mn-cs"/>
+              </a:rPr>
+              <a:t>になり、</a:t>
+            </a:r>
+            <a:endParaRPr kumimoji="1" lang="en-US" altLang="ja-JP" sz="2000" b="0" i="0" u="none" strike="noStrike" kern="1200" cap="none" spc="0" normalizeH="0" baseline="0" noProof="0" dirty="0">
+              <a:ln>
+                <a:noFill/>
+              </a:ln>
+              <a:solidFill>
+                <a:srgbClr val="FFFFFF"/>
+              </a:solidFill>
+              <a:effectLst/>
+              <a:uLnTx/>
+              <a:uFillTx/>
+              <a:latin typeface="メイリオ"/>
+              <a:ea typeface="メイリオ"/>
+              <a:cs typeface="+mn-cs"/>
+            </a:endParaRPr>
+          </a:p>
+          <a:p>
+            <a:pPr marL="0" marR="0" lvl="0" indent="0" algn="l" defTabSz="914400" rtl="0" eaLnBrk="1" fontAlgn="auto" latinLnBrk="0" hangingPunct="1">
+              <a:lnSpc>
+                <a:spcPct val="90000"/>
+              </a:lnSpc>
+              <a:spcBef>
+                <a:spcPts val="1000"/>
+              </a:spcBef>
+              <a:spcAft>
+                <a:spcPts val="0"/>
+              </a:spcAft>
+              <a:buClrTx/>
+              <a:buSzTx/>
+              <a:buFont typeface="Arial" panose="020B0604020202020204" pitchFamily="34" charset="0"/>
+              <a:buNone/>
+              <a:tabLst/>
+              <a:defRPr/>
+            </a:pPr>
+            <a:r>
+              <a:rPr kumimoji="1" lang="en-US" altLang="ja-JP" sz="2000" b="0" i="0" u="none" strike="noStrike" kern="1200" cap="none" spc="0" normalizeH="0" baseline="0" noProof="0" dirty="0">
+                <a:ln>
+                  <a:noFill/>
+                </a:ln>
+                <a:solidFill>
+                  <a:srgbClr val="FFFFFF"/>
+                </a:solidFill>
+                <a:effectLst/>
+                <a:uLnTx/>
+                <a:uFillTx/>
+                <a:latin typeface="メイリオ"/>
+                <a:ea typeface="メイリオ"/>
+                <a:cs typeface="+mn-cs"/>
+              </a:rPr>
+              <a:t>y</a:t>
+            </a:r>
+            <a:r>
+              <a:rPr kumimoji="1" lang="ja-JP" altLang="en-US" sz="2000" b="0" i="0" u="none" strike="noStrike" kern="1200" cap="none" spc="0" normalizeH="0" baseline="0" noProof="0" dirty="0">
+                <a:ln>
+                  <a:noFill/>
+                </a:ln>
+                <a:solidFill>
+                  <a:srgbClr val="FFFFFF"/>
+                </a:solidFill>
+                <a:effectLst/>
+                <a:uLnTx/>
+                <a:uFillTx/>
+                <a:latin typeface="メイリオ"/>
+                <a:ea typeface="メイリオ"/>
+                <a:cs typeface="+mn-cs"/>
+              </a:rPr>
+              <a:t>は </a:t>
+            </a:r>
+            <a:r>
+              <a:rPr kumimoji="1" lang="en-US" altLang="ja-JP" sz="2000" b="0" i="0" u="none" strike="noStrike" kern="1200" cap="none" spc="0" normalizeH="0" baseline="0" noProof="0" dirty="0">
+                <a:ln>
+                  <a:noFill/>
+                </a:ln>
+                <a:solidFill>
+                  <a:srgbClr val="FFFFFF"/>
+                </a:solidFill>
+                <a:effectLst/>
+                <a:uLnTx/>
+                <a:uFillTx/>
+                <a:latin typeface="メイリオ"/>
+                <a:ea typeface="メイリオ"/>
+                <a:cs typeface="+mn-cs"/>
+              </a:rPr>
+              <a:t>[0 ~ </a:t>
+            </a:r>
+            <a:r>
+              <a:rPr kumimoji="1" lang="en-US" altLang="ja-JP" sz="2000" b="0" i="0" u="none" strike="noStrike" kern="1200" cap="none" spc="0" normalizeH="0" baseline="0" noProof="0" dirty="0" err="1">
+                <a:ln>
+                  <a:noFill/>
+                </a:ln>
+                <a:solidFill>
+                  <a:srgbClr val="FFFFFF"/>
+                </a:solidFill>
+                <a:effectLst/>
+                <a:uLnTx/>
+                <a:uFillTx/>
+                <a:latin typeface="メイリオ"/>
+                <a:ea typeface="メイリオ"/>
+                <a:cs typeface="+mn-cs"/>
+              </a:rPr>
+              <a:t>r.y</a:t>
+            </a:r>
+            <a:r>
+              <a:rPr kumimoji="1" lang="en-US" altLang="ja-JP" sz="2000" b="0" i="0" u="none" strike="noStrike" kern="1200" cap="none" spc="0" normalizeH="0" baseline="0" noProof="0" dirty="0">
+                <a:ln>
+                  <a:noFill/>
+                </a:ln>
+                <a:solidFill>
+                  <a:srgbClr val="FFFFFF"/>
+                </a:solidFill>
+                <a:effectLst/>
+                <a:uLnTx/>
+                <a:uFillTx/>
+                <a:latin typeface="メイリオ"/>
+                <a:ea typeface="メイリオ"/>
+                <a:cs typeface="+mn-cs"/>
+              </a:rPr>
+              <a:t>]</a:t>
+            </a:r>
+            <a:r>
+              <a:rPr kumimoji="1" lang="ja-JP" altLang="en-US" sz="2000" b="0" i="0" u="none" strike="noStrike" kern="1200" cap="none" spc="0" normalizeH="0" baseline="0" noProof="0" dirty="0">
+                <a:ln>
+                  <a:noFill/>
+                </a:ln>
+                <a:solidFill>
+                  <a:srgbClr val="FFFFFF"/>
+                </a:solidFill>
+                <a:effectLst/>
+                <a:uLnTx/>
+                <a:uFillTx/>
+                <a:latin typeface="メイリオ"/>
+                <a:ea typeface="メイリオ"/>
+                <a:cs typeface="+mn-cs"/>
+              </a:rPr>
+              <a:t>だったのが</a:t>
+            </a:r>
+            <a:r>
+              <a:rPr kumimoji="1" lang="en-US" altLang="ja-JP" sz="2000" b="0" i="0" u="none" strike="noStrike" kern="1200" cap="none" spc="0" normalizeH="0" baseline="0" noProof="0" dirty="0">
+                <a:ln>
+                  <a:noFill/>
+                </a:ln>
+                <a:solidFill>
+                  <a:srgbClr val="FFFFFF"/>
+                </a:solidFill>
+                <a:effectLst/>
+                <a:uLnTx/>
+                <a:uFillTx/>
+                <a:latin typeface="メイリオ"/>
+                <a:ea typeface="メイリオ"/>
+                <a:cs typeface="+mn-cs"/>
+              </a:rPr>
+              <a:t>[-1 ~ 1]</a:t>
+            </a:r>
+            <a:r>
+              <a:rPr kumimoji="1" lang="ja-JP" altLang="en-US" sz="2000" b="0" i="0" u="none" strike="noStrike" kern="1200" cap="none" spc="0" normalizeH="0" baseline="0" noProof="0" dirty="0">
+                <a:ln>
+                  <a:noFill/>
+                </a:ln>
+                <a:solidFill>
+                  <a:srgbClr val="FFFFFF"/>
+                </a:solidFill>
+                <a:effectLst/>
+                <a:uLnTx/>
+                <a:uFillTx/>
+                <a:latin typeface="メイリオ"/>
+                <a:ea typeface="メイリオ"/>
+                <a:cs typeface="+mn-cs"/>
+              </a:rPr>
+              <a:t>になる</a:t>
+            </a:r>
+            <a:endParaRPr kumimoji="1" lang="en-US" altLang="ja-JP" sz="2000" b="0" i="0" u="none" strike="noStrike" kern="1200" cap="none" spc="0" normalizeH="0" baseline="0" noProof="0" dirty="0">
+              <a:ln>
+                <a:noFill/>
+              </a:ln>
+              <a:solidFill>
+                <a:srgbClr val="FFFFFF"/>
+              </a:solidFill>
+              <a:effectLst/>
+              <a:uLnTx/>
+              <a:uFillTx/>
+              <a:latin typeface="メイリオ"/>
+              <a:ea typeface="メイリオ"/>
+              <a:cs typeface="+mn-cs"/>
+            </a:endParaRPr>
+          </a:p>
+          <a:p>
+            <a:pPr marL="0" indent="0">
+              <a:buNone/>
+            </a:pPr>
+            <a:endParaRPr kumimoji="1" lang="ja-JP" altLang="en-US" sz="1500" dirty="0">
+              <a:solidFill>
+                <a:srgbClr val="FFFFFF"/>
+              </a:solidFill>
+            </a:endParaRPr>
+          </a:p>
         </p:txBody>
       </p:sp>
       <p:pic>
         <p:nvPicPr>
-          <p:cNvPr id="6" name="図 5">
+          <p:cNvPr id="4" name="図 3">
             <a:extLst>
               <a:ext uri="{FF2B5EF4-FFF2-40B4-BE49-F238E27FC236}">
-                <a16:creationId xmlns:a16="http://schemas.microsoft.com/office/drawing/2014/main" id="{6F85CC81-B0E5-00F3-D9BC-3D359DF1B824}"/>
+                <a16:creationId xmlns:a16="http://schemas.microsoft.com/office/drawing/2014/main" id="{DA2C750C-E064-0ADF-8027-BE4681C8452E}"/>
               </a:ext>
             </a:extLst>
           </p:cNvPr>
@@ -9106,18 +9381,65 @@
         </p:blipFill>
         <p:spPr>
           <a:xfrm>
-            <a:off x="6660767" y="1617750"/>
-            <a:ext cx="5125987" cy="4947173"/>
+            <a:off x="838201" y="1391509"/>
+            <a:ext cx="10270915" cy="1192270"/>
           </a:xfrm>
           <a:prstGeom prst="rect">
             <a:avLst/>
           </a:prstGeom>
         </p:spPr>
       </p:pic>
+      <p:pic>
+        <p:nvPicPr>
+          <p:cNvPr id="1026" name="Picture 2">
+            <a:extLst>
+              <a:ext uri="{FF2B5EF4-FFF2-40B4-BE49-F238E27FC236}">
+                <a16:creationId xmlns:a16="http://schemas.microsoft.com/office/drawing/2014/main" id="{2014BAFB-1390-5C4A-0E89-858E60B38BA1}"/>
+              </a:ext>
+            </a:extLst>
+          </p:cNvPr>
+          <p:cNvPicPr>
+            <a:picLocks noChangeAspect="1" noChangeArrowheads="1"/>
+          </p:cNvPicPr>
+          <p:nvPr/>
+        </p:nvPicPr>
+        <p:blipFill>
+          <a:blip r:embed="rId4">
+            <a:extLst>
+              <a:ext uri="{28A0092B-C50C-407E-A947-70E740481C1C}">
+                <a14:useLocalDpi xmlns:a14="http://schemas.microsoft.com/office/drawing/2010/main" val="0"/>
+              </a:ext>
+            </a:extLst>
+          </a:blip>
+          <a:srcRect/>
+          <a:stretch>
+            <a:fillRect/>
+          </a:stretch>
+        </p:blipFill>
+        <p:spPr bwMode="auto">
+          <a:xfrm>
+            <a:off x="8610602" y="3258653"/>
+            <a:ext cx="3269776" cy="3269776"/>
+          </a:xfrm>
+          <a:prstGeom prst="rect">
+            <a:avLst/>
+          </a:prstGeom>
+          <a:noFill/>
+          <a:extLst>
+            <a:ext uri="{909E8E84-426E-40DD-AFC4-6F175D3DCCD1}">
+              <a14:hiddenFill xmlns:a14="http://schemas.microsoft.com/office/drawing/2010/main">
+                <a:solidFill>
+                  <a:srgbClr val="FFFFFF"/>
+                </a:solidFill>
+              </a14:hiddenFill>
+            </a:ext>
+          </a:extLst>
+        </p:spPr>
+      </p:pic>
     </p:spTree>
     <p:extLst>
       <p:ext uri="{BB962C8B-B14F-4D97-AF65-F5344CB8AC3E}">
-        <p14:creationId xmlns:p14="http://schemas.microsoft.com/office/powerpoint/2010/main" val="3452386226"/>
+        <p14:creationId xmlns:p14="http://schemas.microsoft.com/office/powerpoint/2010/main" val="3096134919"/>
       </p:ext>
     </p:extLst>
   </p:cSld>
@@ -9544,7 +9866,7 @@
         </p:spPr>
         <p:txBody>
           <a:bodyPr>
-            <a:normAutofit lnSpcReduction="10000"/>
+            <a:normAutofit/>
           </a:bodyPr>
           <a:lstStyle/>
           <a:p>
@@ -9557,9 +9879,19 @@
                   <a:srgbClr val="FFFFFF"/>
                 </a:solidFill>
               </a:rPr>
-              <a:t>ピクセル座標の変換</a:t>
-            </a:r>
-            <a:endParaRPr kumimoji="1" lang="en-US" altLang="ja-JP" sz="4000" dirty="0">
+              <a:t>円の半径との比較、色の出力</a:t>
+            </a:r>
+            <a:endParaRPr kumimoji="1" lang="en-US" altLang="ja-JP" sz="1500" dirty="0">
+              <a:solidFill>
+                <a:srgbClr val="FFFFFF"/>
+              </a:solidFill>
+            </a:endParaRPr>
+          </a:p>
+          <a:p>
+            <a:pPr marL="0" indent="0">
+              <a:buNone/>
+            </a:pPr>
+            <a:endParaRPr lang="en-US" altLang="ja-JP" sz="1500" dirty="0">
               <a:solidFill>
                 <a:srgbClr val="FFFFFF"/>
               </a:solidFill>
@@ -9589,7 +9921,7 @@
             <a:pPr marL="0" indent="0">
               <a:buNone/>
             </a:pPr>
-            <a:endParaRPr kumimoji="1" lang="en-US" altLang="ja-JP" sz="1500" dirty="0">
+            <a:endParaRPr lang="en-US" altLang="ja-JP" sz="1500" dirty="0">
               <a:solidFill>
                 <a:srgbClr val="FFFFFF"/>
               </a:solidFill>
@@ -9609,7 +9941,7 @@
             <a:pPr marL="0" indent="0">
               <a:buNone/>
             </a:pPr>
-            <a:endParaRPr lang="en-US" altLang="ja-JP" sz="1500" dirty="0">
+            <a:endParaRPr kumimoji="1" lang="en-US" altLang="ja-JP" sz="2000" dirty="0">
               <a:solidFill>
                 <a:srgbClr val="FFFFFF"/>
               </a:solidFill>
@@ -9619,59 +9951,32 @@
             <a:pPr marL="0" indent="0">
               <a:buNone/>
             </a:pPr>
+            <a:endParaRPr kumimoji="1" lang="en-US" altLang="ja-JP" sz="2000" dirty="0">
+              <a:solidFill>
+                <a:srgbClr val="FFFFFF"/>
+              </a:solidFill>
+            </a:endParaRPr>
+          </a:p>
+          <a:p>
+            <a:pPr marL="0" indent="0">
+              <a:buNone/>
+            </a:pPr>
+            <a:r>
+              <a:rPr kumimoji="1" lang="ja-JP" altLang="en-US" sz="2000" dirty="0">
+                <a:solidFill>
+                  <a:srgbClr val="FFFFFF"/>
+                </a:solidFill>
+              </a:rPr>
+              <a:t>・先ほどの座標系で</a:t>
+            </a:r>
             <a:r>
               <a:rPr lang="ja-JP" altLang="en-US" sz="2000" dirty="0">
                 <a:solidFill>
                   <a:srgbClr val="FFFFFF"/>
                 </a:solidFill>
               </a:rPr>
-              <a:t>・</a:t>
-            </a:r>
-            <a:r>
-              <a:rPr lang="en-US" altLang="ja-JP" sz="2000" dirty="0">
-                <a:solidFill>
-                  <a:srgbClr val="FFFFFF"/>
-                </a:solidFill>
-              </a:rPr>
-              <a:t>(</a:t>
-            </a:r>
-            <a:r>
-              <a:rPr lang="ja-JP" altLang="en-US" sz="2000" dirty="0">
-                <a:solidFill>
-                  <a:srgbClr val="FFFFFF"/>
-                </a:solidFill>
-              </a:rPr>
-              <a:t>ピクセル座標を二倍し、解像度を引いたもの</a:t>
-            </a:r>
-            <a:r>
-              <a:rPr lang="en-US" altLang="ja-JP" sz="2000" dirty="0">
-                <a:solidFill>
-                  <a:srgbClr val="FFFFFF"/>
-                </a:solidFill>
-              </a:rPr>
-              <a:t>) / (</a:t>
-            </a:r>
-            <a:r>
-              <a:rPr lang="ja-JP" altLang="en-US" sz="2000" dirty="0">
-                <a:solidFill>
-                  <a:srgbClr val="FFFFFF"/>
-                </a:solidFill>
-              </a:rPr>
-              <a:t>解像度の縦横の大きい方</a:t>
-            </a:r>
-            <a:r>
-              <a:rPr lang="en-US" altLang="ja-JP" sz="2000" dirty="0">
-                <a:solidFill>
-                  <a:srgbClr val="FFFFFF"/>
-                </a:solidFill>
-              </a:rPr>
-              <a:t>)</a:t>
-            </a:r>
-          </a:p>
-          <a:p>
-            <a:pPr marL="0" indent="0">
-              <a:buNone/>
-            </a:pPr>
+              <a:t>原点からの距離を求める</a:t>
+            </a:r>
             <a:endParaRPr lang="en-US" altLang="ja-JP" sz="2000" dirty="0">
               <a:solidFill>
                 <a:srgbClr val="FFFFFF"/>
@@ -9685,102 +9990,68 @@
             <a:r>
               <a:rPr kumimoji="1" lang="ja-JP" altLang="en-US" sz="2000" dirty="0">
                 <a:solidFill>
-                  <a:schemeClr val="accent5"/>
-                </a:solidFill>
-              </a:rPr>
-              <a:t>・</a:t>
+                  <a:srgbClr val="FFFFFF"/>
+                </a:solidFill>
+              </a:rPr>
+              <a:t>・求めた距離が</a:t>
+            </a:r>
+            <a:r>
+              <a:rPr kumimoji="1" lang="en-US" altLang="ja-JP" sz="2000" dirty="0">
+                <a:solidFill>
+                  <a:srgbClr val="FFFFFF"/>
+                </a:solidFill>
+              </a:rPr>
+              <a:t>0.5</a:t>
             </a:r>
             <a:r>
               <a:rPr lang="ja-JP" altLang="en-US" sz="2000" dirty="0">
                 <a:solidFill>
-                  <a:schemeClr val="accent5"/>
-                </a:solidFill>
-              </a:rPr>
-              <a:t>解像度の横が縦より長い場合：</a:t>
-            </a:r>
-            <a:endParaRPr lang="en-US" altLang="ja-JP" sz="2000" dirty="0">
-              <a:solidFill>
-                <a:schemeClr val="accent5"/>
-              </a:solidFill>
-            </a:endParaRPr>
-          </a:p>
-          <a:p>
-            <a:pPr marL="0" indent="0">
-              <a:buNone/>
-            </a:pPr>
-            <a:r>
-              <a:rPr lang="ja-JP" altLang="en-US" sz="2000" dirty="0">
-                <a:solidFill>
-                  <a:srgbClr val="FFFFFF"/>
-                </a:solidFill>
-              </a:rPr>
-              <a:t>ピクセル座標の</a:t>
-            </a:r>
-            <a:r>
-              <a:rPr lang="en-US" altLang="ja-JP" sz="2000" dirty="0">
-                <a:solidFill>
-                  <a:srgbClr val="FFFFFF"/>
-                </a:solidFill>
-              </a:rPr>
-              <a:t>x</a:t>
-            </a:r>
-            <a:r>
-              <a:rPr lang="ja-JP" altLang="en-US" sz="2000" dirty="0">
-                <a:solidFill>
-                  <a:srgbClr val="FFFFFF"/>
-                </a:solidFill>
-              </a:rPr>
-              <a:t>は </a:t>
-            </a:r>
-            <a:r>
-              <a:rPr lang="en-US" altLang="ja-JP" sz="2000" dirty="0">
-                <a:solidFill>
-                  <a:srgbClr val="FFFFFF"/>
-                </a:solidFill>
-              </a:rPr>
-              <a:t>[0 ~ </a:t>
-            </a:r>
-            <a:r>
-              <a:rPr lang="en-US" altLang="ja-JP" sz="2000" dirty="0" err="1">
-                <a:solidFill>
-                  <a:srgbClr val="FFFFFF"/>
-                </a:solidFill>
-              </a:rPr>
-              <a:t>r.x</a:t>
-            </a:r>
-            <a:r>
-              <a:rPr lang="en-US" altLang="ja-JP" sz="2000" dirty="0">
-                <a:solidFill>
-                  <a:srgbClr val="FFFFFF"/>
-                </a:solidFill>
-              </a:rPr>
-              <a:t>]</a:t>
-            </a:r>
-            <a:r>
-              <a:rPr lang="ja-JP" altLang="en-US" sz="2000" dirty="0">
-                <a:solidFill>
-                  <a:srgbClr val="FFFFFF"/>
-                </a:solidFill>
-              </a:rPr>
-              <a:t>だったのが</a:t>
-            </a:r>
-            <a:r>
-              <a:rPr lang="en-US" altLang="ja-JP" sz="2000" dirty="0">
-                <a:solidFill>
-                  <a:srgbClr val="FFFFFF"/>
-                </a:solidFill>
-              </a:rPr>
-              <a:t>[-1 ~ 1]</a:t>
-            </a:r>
-            <a:r>
-              <a:rPr lang="ja-JP" altLang="en-US" sz="2000" dirty="0">
-                <a:solidFill>
-                  <a:srgbClr val="FFFFFF"/>
-                </a:solidFill>
-              </a:rPr>
-              <a:t>になり、</a:t>
-            </a:r>
-            <a:endParaRPr lang="en-US" altLang="ja-JP" sz="2000" dirty="0">
+                  <a:srgbClr val="FFFFFF"/>
+                </a:solidFill>
+              </a:rPr>
+              <a:t>未満</a:t>
+            </a:r>
+            <a:r>
+              <a:rPr kumimoji="1" lang="ja-JP" altLang="en-US" sz="2000" dirty="0">
+                <a:solidFill>
+                  <a:srgbClr val="FFFFFF"/>
+                </a:solidFill>
+              </a:rPr>
+              <a:t>なら</a:t>
+            </a:r>
+            <a:r>
+              <a:rPr kumimoji="1" lang="en-US" altLang="ja-JP" sz="2000" dirty="0">
+                <a:solidFill>
+                  <a:srgbClr val="FFFFFF"/>
+                </a:solidFill>
+              </a:rPr>
+              <a:t>c</a:t>
+            </a:r>
+            <a:r>
+              <a:rPr kumimoji="1" lang="ja-JP" altLang="en-US" sz="2000" dirty="0">
+                <a:solidFill>
+                  <a:srgbClr val="FFFFFF"/>
+                </a:solidFill>
+              </a:rPr>
+              <a:t>に</a:t>
+            </a:r>
+            <a:r>
+              <a:rPr kumimoji="1" lang="en-US" altLang="ja-JP" sz="2000" dirty="0">
+                <a:solidFill>
+                  <a:srgbClr val="FFFFFF"/>
+                </a:solidFill>
+              </a:rPr>
+              <a:t>1.0</a:t>
+            </a:r>
+            <a:r>
+              <a:rPr kumimoji="1" lang="ja-JP" altLang="en-US" sz="2000" dirty="0">
+                <a:solidFill>
+                  <a:srgbClr val="FFFFFF"/>
+                </a:solidFill>
+              </a:rPr>
+              <a:t>を代入</a:t>
+            </a:r>
+            <a:endParaRPr kumimoji="1" lang="en-US" altLang="ja-JP" sz="2000" dirty="0">
               <a:solidFill>
                 <a:srgbClr val="FFFFFF"/>
               </a:solidFill>
@@ -9791,12 +10062,20 @@
               <a:buNone/>
             </a:pPr>
             <a:r>
+              <a:rPr lang="ja-JP" altLang="en-US" sz="2000" dirty="0">
+                <a:solidFill>
+                  <a:srgbClr val="FFFFFF"/>
+                </a:solidFill>
+              </a:rPr>
+              <a:t>・求めた距離が</a:t>
+            </a:r>
+            <a:r>
               <a:rPr lang="en-US" altLang="ja-JP" sz="2000" dirty="0">
                 <a:solidFill>
                   <a:srgbClr val="FFFFFF"/>
                 </a:solidFill>
               </a:rPr>
-              <a:t>y</a:t>
+              <a:t>0.5</a:t>
             </a:r>
             <a:r>
               <a:rPr lang="ja-JP" altLang="en-US" sz="2000" dirty="0">
@@ -9804,7 +10083,7 @@
                   <a:srgbClr val="FFFFFF"/>
                 </a:solidFill>
               </a:rPr>
-              <a:t>は </a:t>
+              <a:t>以上なら</a:t>
             </a:r>
             <a:r>
               <a:rPr lang="en-US" altLang="ja-JP" sz="2000" dirty="0">
@@ -9812,15 +10091,15 @@
                   <a:srgbClr val="FFFFFF"/>
                 </a:solidFill>
               </a:rPr>
-              <a:t>[0 ~ </a:t>
-            </a:r>
-            <a:r>
-              <a:rPr lang="en-US" altLang="ja-JP" sz="2000" dirty="0" err="1">
-                <a:solidFill>
-                  <a:srgbClr val="FFFFFF"/>
-                </a:solidFill>
-              </a:rPr>
-              <a:t>r.y</a:t>
+              <a:t>c</a:t>
+            </a:r>
+            <a:r>
+              <a:rPr lang="ja-JP" altLang="en-US" sz="2000" dirty="0">
+                <a:solidFill>
+                  <a:srgbClr val="FFFFFF"/>
+                </a:solidFill>
+              </a:rPr>
+              <a:t>に</a:t>
             </a:r>
             <a:r>
               <a:rPr lang="en-US" altLang="ja-JP" sz="2000" dirty="0">
@@ -9828,7 +10107,7 @@
                   <a:srgbClr val="FFFFFF"/>
                 </a:solidFill>
               </a:rPr>
-              <a:t>]</a:t>
+              <a:t>0.0</a:t>
             </a:r>
             <a:r>
               <a:rPr lang="ja-JP" altLang="en-US" sz="2000" dirty="0">
@@ -9836,700 +10115,91 @@
                   <a:srgbClr val="FFFFFF"/>
                 </a:solidFill>
               </a:rPr>
-              <a:t>だったのが</a:t>
-            </a:r>
-            <a:r>
-              <a:rPr lang="en-US" altLang="ja-JP" sz="2000" dirty="0">
-                <a:solidFill>
-                  <a:srgbClr val="FFFFFF"/>
-                </a:solidFill>
-              </a:rPr>
-              <a:t>[–</a:t>
-            </a:r>
-            <a:r>
-              <a:rPr lang="en-US" altLang="ja-JP" sz="2000" dirty="0" err="1">
-                <a:solidFill>
-                  <a:srgbClr val="FFFFFF"/>
-                </a:solidFill>
-              </a:rPr>
-              <a:t>r.y</a:t>
-            </a:r>
-            <a:r>
-              <a:rPr lang="en-US" altLang="ja-JP" sz="2000" dirty="0">
-                <a:solidFill>
-                  <a:srgbClr val="FFFFFF"/>
-                </a:solidFill>
-              </a:rPr>
-              <a:t>/</a:t>
-            </a:r>
-            <a:r>
-              <a:rPr lang="en-US" altLang="ja-JP" sz="2000" dirty="0" err="1">
-                <a:solidFill>
-                  <a:srgbClr val="FFFFFF"/>
-                </a:solidFill>
-              </a:rPr>
-              <a:t>r.x</a:t>
-            </a:r>
-            <a:r>
-              <a:rPr lang="en-US" altLang="ja-JP" sz="2000" dirty="0">
-                <a:solidFill>
-                  <a:srgbClr val="FFFFFF"/>
-                </a:solidFill>
-              </a:rPr>
-              <a:t> ~ </a:t>
-            </a:r>
-            <a:r>
-              <a:rPr lang="en-US" altLang="ja-JP" sz="2000" dirty="0" err="1">
-                <a:solidFill>
-                  <a:srgbClr val="FFFFFF"/>
-                </a:solidFill>
-              </a:rPr>
-              <a:t>r.y</a:t>
-            </a:r>
-            <a:r>
-              <a:rPr lang="en-US" altLang="ja-JP" sz="2000" dirty="0">
-                <a:solidFill>
-                  <a:srgbClr val="FFFFFF"/>
-                </a:solidFill>
-              </a:rPr>
-              <a:t>/</a:t>
-            </a:r>
-            <a:r>
-              <a:rPr lang="en-US" altLang="ja-JP" sz="2000" dirty="0" err="1">
-                <a:solidFill>
-                  <a:srgbClr val="FFFFFF"/>
-                </a:solidFill>
-              </a:rPr>
-              <a:t>r.x</a:t>
-            </a:r>
-            <a:r>
-              <a:rPr lang="en-US" altLang="ja-JP" sz="2000" dirty="0">
-                <a:solidFill>
-                  <a:srgbClr val="FFFFFF"/>
-                </a:solidFill>
-              </a:rPr>
-              <a:t>]</a:t>
-            </a:r>
-            <a:r>
-              <a:rPr lang="ja-JP" altLang="en-US" sz="2000" dirty="0">
-                <a:solidFill>
-                  <a:srgbClr val="FFFFFF"/>
-                </a:solidFill>
-              </a:rPr>
-              <a:t>になる</a:t>
-            </a:r>
-            <a:endParaRPr lang="en-US" altLang="ja-JP" sz="2000" dirty="0">
+              <a:t>を代入</a:t>
+            </a:r>
+            <a:endParaRPr kumimoji="1" lang="en-US" altLang="ja-JP" sz="2000" dirty="0">
               <a:solidFill>
                 <a:srgbClr val="FFFFFF"/>
               </a:solidFill>
             </a:endParaRPr>
           </a:p>
           <a:p>
-            <a:pPr marL="0" marR="0" lvl="0" indent="0" algn="l" defTabSz="914400" rtl="0" eaLnBrk="1" fontAlgn="auto" latinLnBrk="0" hangingPunct="1">
-              <a:lnSpc>
-                <a:spcPct val="90000"/>
-              </a:lnSpc>
-              <a:spcBef>
-                <a:spcPts val="1000"/>
-              </a:spcBef>
-              <a:spcAft>
-                <a:spcPts val="0"/>
-              </a:spcAft>
-              <a:buClrTx/>
-              <a:buSzTx/>
-              <a:buFont typeface="Arial" panose="020B0604020202020204" pitchFamily="34" charset="0"/>
-              <a:buNone/>
-              <a:tabLst/>
-              <a:defRPr/>
+            <a:pPr marL="0" indent="0">
+              <a:buNone/>
             </a:pPr>
-            <a:endParaRPr kumimoji="1" lang="en-US" altLang="ja-JP" sz="2000" b="0" i="0" u="none" strike="noStrike" kern="1200" cap="none" spc="0" normalizeH="0" baseline="0" noProof="0" dirty="0">
-              <a:ln>
-                <a:noFill/>
-              </a:ln>
-              <a:solidFill>
-                <a:srgbClr val="FFFFFF"/>
-              </a:solidFill>
-              <a:effectLst/>
-              <a:uLnTx/>
-              <a:uFillTx/>
-              <a:latin typeface="メイリオ"/>
-              <a:ea typeface="メイリオ"/>
-              <a:cs typeface="+mn-cs"/>
-            </a:endParaRPr>
-          </a:p>
-          <a:p>
-            <a:pPr marL="0" marR="0" lvl="0" indent="0" algn="l" defTabSz="914400" rtl="0" eaLnBrk="1" fontAlgn="auto" latinLnBrk="0" hangingPunct="1">
-              <a:lnSpc>
-                <a:spcPct val="90000"/>
-              </a:lnSpc>
-              <a:spcBef>
-                <a:spcPts val="1000"/>
-              </a:spcBef>
-              <a:spcAft>
-                <a:spcPts val="0"/>
-              </a:spcAft>
-              <a:buClrTx/>
-              <a:buSzTx/>
-              <a:buFont typeface="Arial" panose="020B0604020202020204" pitchFamily="34" charset="0"/>
-              <a:buNone/>
-              <a:tabLst/>
-              <a:defRPr/>
-            </a:pPr>
-            <a:r>
-              <a:rPr kumimoji="1" lang="ja-JP" altLang="en-US" sz="2000" b="0" i="0" u="none" strike="noStrike" kern="1200" cap="none" spc="0" normalizeH="0" baseline="0" noProof="0" dirty="0">
-                <a:ln>
-                  <a:noFill/>
-                </a:ln>
-                <a:solidFill>
-                  <a:schemeClr val="accent6"/>
-                </a:solidFill>
-                <a:effectLst/>
-                <a:uLnTx/>
-                <a:uFillTx/>
-                <a:latin typeface="メイリオ"/>
-                <a:ea typeface="メイリオ"/>
-                <a:cs typeface="+mn-cs"/>
-              </a:rPr>
-              <a:t>・解像度の縦が</a:t>
-            </a:r>
             <a:r>
               <a:rPr lang="ja-JP" altLang="en-US" sz="2000" dirty="0">
                 <a:solidFill>
-                  <a:schemeClr val="accent6"/>
-                </a:solidFill>
-                <a:latin typeface="メイリオ"/>
-                <a:ea typeface="メイリオ"/>
-              </a:rPr>
-              <a:t>横</a:t>
-            </a:r>
-            <a:r>
-              <a:rPr kumimoji="1" lang="ja-JP" altLang="en-US" sz="2000" b="0" i="0" u="none" strike="noStrike" kern="1200" cap="none" spc="0" normalizeH="0" baseline="0" noProof="0" dirty="0">
-                <a:ln>
-                  <a:noFill/>
-                </a:ln>
-                <a:solidFill>
-                  <a:schemeClr val="accent6"/>
-                </a:solidFill>
-                <a:effectLst/>
-                <a:uLnTx/>
-                <a:uFillTx/>
-                <a:latin typeface="メイリオ"/>
-                <a:ea typeface="メイリオ"/>
-                <a:cs typeface="+mn-cs"/>
-              </a:rPr>
-              <a:t>より長い場合：</a:t>
-            </a:r>
-            <a:endParaRPr kumimoji="1" lang="en-US" altLang="ja-JP" sz="2000" b="0" i="0" u="none" strike="noStrike" kern="1200" cap="none" spc="0" normalizeH="0" baseline="0" noProof="0" dirty="0">
-              <a:ln>
-                <a:noFill/>
-              </a:ln>
-              <a:solidFill>
-                <a:schemeClr val="accent6"/>
-              </a:solidFill>
-              <a:effectLst/>
-              <a:uLnTx/>
-              <a:uFillTx/>
-              <a:latin typeface="メイリオ"/>
-              <a:ea typeface="メイリオ"/>
-              <a:cs typeface="+mn-cs"/>
-            </a:endParaRPr>
-          </a:p>
-          <a:p>
-            <a:pPr marL="0" marR="0" lvl="0" indent="0" algn="l" defTabSz="914400" rtl="0" eaLnBrk="1" fontAlgn="auto" latinLnBrk="0" hangingPunct="1">
-              <a:lnSpc>
-                <a:spcPct val="90000"/>
-              </a:lnSpc>
-              <a:spcBef>
-                <a:spcPts val="1000"/>
-              </a:spcBef>
-              <a:spcAft>
-                <a:spcPts val="0"/>
-              </a:spcAft>
-              <a:buClrTx/>
-              <a:buSzTx/>
-              <a:buFont typeface="Arial" panose="020B0604020202020204" pitchFamily="34" charset="0"/>
-              <a:buNone/>
-              <a:tabLst/>
-              <a:defRPr/>
-            </a:pPr>
-            <a:r>
-              <a:rPr kumimoji="1" lang="ja-JP" altLang="en-US" sz="2000" b="0" i="0" u="none" strike="noStrike" kern="1200" cap="none" spc="0" normalizeH="0" baseline="0" noProof="0" dirty="0">
-                <a:ln>
-                  <a:noFill/>
-                </a:ln>
-                <a:solidFill>
-                  <a:srgbClr val="FFFFFF"/>
-                </a:solidFill>
-                <a:effectLst/>
-                <a:uLnTx/>
-                <a:uFillTx/>
-                <a:latin typeface="メイリオ"/>
-                <a:ea typeface="メイリオ"/>
-                <a:cs typeface="+mn-cs"/>
-              </a:rPr>
-              <a:t>ピクセル座標の</a:t>
-            </a:r>
-            <a:r>
-              <a:rPr kumimoji="1" lang="en-US" altLang="ja-JP" sz="2000" b="0" i="0" u="none" strike="noStrike" kern="1200" cap="none" spc="0" normalizeH="0" baseline="0" noProof="0" dirty="0">
-                <a:ln>
-                  <a:noFill/>
-                </a:ln>
-                <a:solidFill>
-                  <a:srgbClr val="FFFFFF"/>
-                </a:solidFill>
-                <a:effectLst/>
-                <a:uLnTx/>
-                <a:uFillTx/>
-                <a:latin typeface="メイリオ"/>
-                <a:ea typeface="メイリオ"/>
-                <a:cs typeface="+mn-cs"/>
-              </a:rPr>
-              <a:t>x</a:t>
-            </a:r>
-            <a:r>
-              <a:rPr kumimoji="1" lang="ja-JP" altLang="en-US" sz="2000" b="0" i="0" u="none" strike="noStrike" kern="1200" cap="none" spc="0" normalizeH="0" baseline="0" noProof="0" dirty="0">
-                <a:ln>
-                  <a:noFill/>
-                </a:ln>
-                <a:solidFill>
-                  <a:srgbClr val="FFFFFF"/>
-                </a:solidFill>
-                <a:effectLst/>
-                <a:uLnTx/>
-                <a:uFillTx/>
-                <a:latin typeface="メイリオ"/>
-                <a:ea typeface="メイリオ"/>
-                <a:cs typeface="+mn-cs"/>
-              </a:rPr>
-              <a:t>は </a:t>
-            </a:r>
-            <a:r>
-              <a:rPr kumimoji="1" lang="en-US" altLang="ja-JP" sz="2000" b="0" i="0" u="none" strike="noStrike" kern="1200" cap="none" spc="0" normalizeH="0" baseline="0" noProof="0" dirty="0">
-                <a:ln>
-                  <a:noFill/>
-                </a:ln>
-                <a:solidFill>
-                  <a:srgbClr val="FFFFFF"/>
-                </a:solidFill>
-                <a:effectLst/>
-                <a:uLnTx/>
-                <a:uFillTx/>
-                <a:latin typeface="メイリオ"/>
-                <a:ea typeface="メイリオ"/>
-                <a:cs typeface="+mn-cs"/>
-              </a:rPr>
-              <a:t>[0 ~ </a:t>
-            </a:r>
-            <a:r>
-              <a:rPr kumimoji="1" lang="en-US" altLang="ja-JP" sz="2000" b="0" i="0" u="none" strike="noStrike" kern="1200" cap="none" spc="0" normalizeH="0" baseline="0" noProof="0" dirty="0" err="1">
-                <a:ln>
-                  <a:noFill/>
-                </a:ln>
-                <a:solidFill>
-                  <a:srgbClr val="FFFFFF"/>
-                </a:solidFill>
-                <a:effectLst/>
-                <a:uLnTx/>
-                <a:uFillTx/>
-                <a:latin typeface="メイリオ"/>
-                <a:ea typeface="メイリオ"/>
-                <a:cs typeface="+mn-cs"/>
-              </a:rPr>
-              <a:t>r.x</a:t>
-            </a:r>
-            <a:r>
-              <a:rPr kumimoji="1" lang="en-US" altLang="ja-JP" sz="2000" b="0" i="0" u="none" strike="noStrike" kern="1200" cap="none" spc="0" normalizeH="0" baseline="0" noProof="0" dirty="0">
-                <a:ln>
-                  <a:noFill/>
-                </a:ln>
-                <a:solidFill>
-                  <a:srgbClr val="FFFFFF"/>
-                </a:solidFill>
-                <a:effectLst/>
-                <a:uLnTx/>
-                <a:uFillTx/>
-                <a:latin typeface="メイリオ"/>
-                <a:ea typeface="メイリオ"/>
-                <a:cs typeface="+mn-cs"/>
-              </a:rPr>
-              <a:t>]</a:t>
-            </a:r>
-            <a:r>
-              <a:rPr kumimoji="1" lang="ja-JP" altLang="en-US" sz="2000" b="0" i="0" u="none" strike="noStrike" kern="1200" cap="none" spc="0" normalizeH="0" baseline="0" noProof="0" dirty="0">
-                <a:ln>
-                  <a:noFill/>
-                </a:ln>
-                <a:solidFill>
-                  <a:srgbClr val="FFFFFF"/>
-                </a:solidFill>
-                <a:effectLst/>
-                <a:uLnTx/>
-                <a:uFillTx/>
-                <a:latin typeface="メイリオ"/>
-                <a:ea typeface="メイリオ"/>
-                <a:cs typeface="+mn-cs"/>
-              </a:rPr>
-              <a:t>だったのが</a:t>
-            </a:r>
-            <a:r>
-              <a:rPr kumimoji="1" lang="en-US" altLang="ja-JP" sz="2000" b="0" i="0" u="none" strike="noStrike" kern="1200" cap="none" spc="0" normalizeH="0" baseline="0" noProof="0" dirty="0">
-                <a:ln>
-                  <a:noFill/>
-                </a:ln>
-                <a:solidFill>
-                  <a:srgbClr val="FFFFFF"/>
-                </a:solidFill>
-                <a:effectLst/>
-                <a:uLnTx/>
-                <a:uFillTx/>
-                <a:latin typeface="メイリオ"/>
-                <a:ea typeface="メイリオ"/>
-                <a:cs typeface="+mn-cs"/>
-              </a:rPr>
-              <a:t>[–</a:t>
-            </a:r>
-            <a:r>
-              <a:rPr kumimoji="1" lang="en-US" altLang="ja-JP" sz="2000" b="0" i="0" u="none" strike="noStrike" kern="1200" cap="none" spc="0" normalizeH="0" baseline="0" noProof="0" dirty="0" err="1">
-                <a:ln>
-                  <a:noFill/>
-                </a:ln>
-                <a:solidFill>
-                  <a:srgbClr val="FFFFFF"/>
-                </a:solidFill>
-                <a:effectLst/>
-                <a:uLnTx/>
-                <a:uFillTx/>
-                <a:latin typeface="メイリオ"/>
-                <a:ea typeface="メイリオ"/>
-                <a:cs typeface="+mn-cs"/>
-              </a:rPr>
-              <a:t>r.x</a:t>
-            </a:r>
-            <a:r>
-              <a:rPr kumimoji="1" lang="en-US" altLang="ja-JP" sz="2000" b="0" i="0" u="none" strike="noStrike" kern="1200" cap="none" spc="0" normalizeH="0" baseline="0" noProof="0" dirty="0">
-                <a:ln>
-                  <a:noFill/>
-                </a:ln>
-                <a:solidFill>
-                  <a:srgbClr val="FFFFFF"/>
-                </a:solidFill>
-                <a:effectLst/>
-                <a:uLnTx/>
-                <a:uFillTx/>
-                <a:latin typeface="メイリオ"/>
-                <a:ea typeface="メイリオ"/>
-                <a:cs typeface="+mn-cs"/>
-              </a:rPr>
-              <a:t>/</a:t>
-            </a:r>
-            <a:r>
-              <a:rPr kumimoji="1" lang="en-US" altLang="ja-JP" sz="2000" b="0" i="0" u="none" strike="noStrike" kern="1200" cap="none" spc="0" normalizeH="0" baseline="0" noProof="0" dirty="0" err="1">
-                <a:ln>
-                  <a:noFill/>
-                </a:ln>
-                <a:solidFill>
-                  <a:srgbClr val="FFFFFF"/>
-                </a:solidFill>
-                <a:effectLst/>
-                <a:uLnTx/>
-                <a:uFillTx/>
-                <a:latin typeface="メイリオ"/>
-                <a:ea typeface="メイリオ"/>
-                <a:cs typeface="+mn-cs"/>
-              </a:rPr>
-              <a:t>r.y</a:t>
-            </a:r>
-            <a:r>
-              <a:rPr kumimoji="1" lang="en-US" altLang="ja-JP" sz="2000" b="0" i="0" u="none" strike="noStrike" kern="1200" cap="none" spc="0" normalizeH="0" baseline="0" noProof="0" dirty="0">
-                <a:ln>
-                  <a:noFill/>
-                </a:ln>
-                <a:solidFill>
-                  <a:srgbClr val="FFFFFF"/>
-                </a:solidFill>
-                <a:effectLst/>
-                <a:uLnTx/>
-                <a:uFillTx/>
-                <a:latin typeface="メイリオ"/>
-                <a:ea typeface="メイリオ"/>
-                <a:cs typeface="+mn-cs"/>
-              </a:rPr>
-              <a:t> ~ </a:t>
-            </a:r>
-            <a:r>
-              <a:rPr kumimoji="1" lang="en-US" altLang="ja-JP" sz="2000" b="0" i="0" u="none" strike="noStrike" kern="1200" cap="none" spc="0" normalizeH="0" baseline="0" noProof="0" dirty="0" err="1">
-                <a:ln>
-                  <a:noFill/>
-                </a:ln>
-                <a:solidFill>
-                  <a:srgbClr val="FFFFFF"/>
-                </a:solidFill>
-                <a:effectLst/>
-                <a:uLnTx/>
-                <a:uFillTx/>
-                <a:latin typeface="メイリオ"/>
-                <a:ea typeface="メイリオ"/>
-                <a:cs typeface="+mn-cs"/>
-              </a:rPr>
-              <a:t>r.x</a:t>
-            </a:r>
-            <a:r>
-              <a:rPr kumimoji="1" lang="en-US" altLang="ja-JP" sz="2000" b="0" i="0" u="none" strike="noStrike" kern="1200" cap="none" spc="0" normalizeH="0" baseline="0" noProof="0" dirty="0">
-                <a:ln>
-                  <a:noFill/>
-                </a:ln>
-                <a:solidFill>
-                  <a:srgbClr val="FFFFFF"/>
-                </a:solidFill>
-                <a:effectLst/>
-                <a:uLnTx/>
-                <a:uFillTx/>
-                <a:latin typeface="メイリオ"/>
-                <a:ea typeface="メイリオ"/>
-                <a:cs typeface="+mn-cs"/>
-              </a:rPr>
-              <a:t>/</a:t>
-            </a:r>
-            <a:r>
-              <a:rPr kumimoji="1" lang="en-US" altLang="ja-JP" sz="2000" b="0" i="0" u="none" strike="noStrike" kern="1200" cap="none" spc="0" normalizeH="0" baseline="0" noProof="0" dirty="0" err="1">
-                <a:ln>
-                  <a:noFill/>
-                </a:ln>
-                <a:solidFill>
-                  <a:srgbClr val="FFFFFF"/>
-                </a:solidFill>
-                <a:effectLst/>
-                <a:uLnTx/>
-                <a:uFillTx/>
-                <a:latin typeface="メイリオ"/>
-                <a:ea typeface="メイリオ"/>
-                <a:cs typeface="+mn-cs"/>
-              </a:rPr>
-              <a:t>r.y</a:t>
-            </a:r>
-            <a:r>
-              <a:rPr kumimoji="1" lang="en-US" altLang="ja-JP" sz="2000" b="0" i="0" u="none" strike="noStrike" kern="1200" cap="none" spc="0" normalizeH="0" baseline="0" noProof="0" dirty="0">
-                <a:ln>
-                  <a:noFill/>
-                </a:ln>
-                <a:solidFill>
-                  <a:srgbClr val="FFFFFF"/>
-                </a:solidFill>
-                <a:effectLst/>
-                <a:uLnTx/>
-                <a:uFillTx/>
-                <a:latin typeface="メイリオ"/>
-                <a:ea typeface="メイリオ"/>
-                <a:cs typeface="+mn-cs"/>
-              </a:rPr>
-              <a:t>]</a:t>
-            </a:r>
-            <a:r>
-              <a:rPr kumimoji="1" lang="ja-JP" altLang="en-US" sz="2000" b="0" i="0" u="none" strike="noStrike" kern="1200" cap="none" spc="0" normalizeH="0" baseline="0" noProof="0" dirty="0">
-                <a:ln>
-                  <a:noFill/>
-                </a:ln>
-                <a:solidFill>
-                  <a:srgbClr val="FFFFFF"/>
-                </a:solidFill>
-                <a:effectLst/>
-                <a:uLnTx/>
-                <a:uFillTx/>
-                <a:latin typeface="メイリオ"/>
-                <a:ea typeface="メイリオ"/>
-                <a:cs typeface="+mn-cs"/>
-              </a:rPr>
-              <a:t>になり、</a:t>
-            </a:r>
-            <a:endParaRPr kumimoji="1" lang="en-US" altLang="ja-JP" sz="2000" b="0" i="0" u="none" strike="noStrike" kern="1200" cap="none" spc="0" normalizeH="0" baseline="0" noProof="0" dirty="0">
-              <a:ln>
-                <a:noFill/>
-              </a:ln>
-              <a:solidFill>
-                <a:srgbClr val="FFFFFF"/>
-              </a:solidFill>
-              <a:effectLst/>
-              <a:uLnTx/>
-              <a:uFillTx/>
-              <a:latin typeface="メイリオ"/>
-              <a:ea typeface="メイリオ"/>
-              <a:cs typeface="+mn-cs"/>
-            </a:endParaRPr>
-          </a:p>
-          <a:p>
-            <a:pPr marL="0" marR="0" lvl="0" indent="0" algn="l" defTabSz="914400" rtl="0" eaLnBrk="1" fontAlgn="auto" latinLnBrk="0" hangingPunct="1">
-              <a:lnSpc>
-                <a:spcPct val="90000"/>
-              </a:lnSpc>
-              <a:spcBef>
-                <a:spcPts val="1000"/>
-              </a:spcBef>
-              <a:spcAft>
-                <a:spcPts val="0"/>
-              </a:spcAft>
-              <a:buClrTx/>
-              <a:buSzTx/>
-              <a:buFont typeface="Arial" panose="020B0604020202020204" pitchFamily="34" charset="0"/>
-              <a:buNone/>
-              <a:tabLst/>
-              <a:defRPr/>
-            </a:pPr>
-            <a:r>
-              <a:rPr kumimoji="1" lang="en-US" altLang="ja-JP" sz="2000" b="0" i="0" u="none" strike="noStrike" kern="1200" cap="none" spc="0" normalizeH="0" baseline="0" noProof="0" dirty="0">
-                <a:ln>
-                  <a:noFill/>
-                </a:ln>
-                <a:solidFill>
-                  <a:srgbClr val="FFFFFF"/>
-                </a:solidFill>
-                <a:effectLst/>
-                <a:uLnTx/>
-                <a:uFillTx/>
-                <a:latin typeface="メイリオ"/>
-                <a:ea typeface="メイリオ"/>
-                <a:cs typeface="+mn-cs"/>
-              </a:rPr>
-              <a:t>y</a:t>
-            </a:r>
-            <a:r>
-              <a:rPr kumimoji="1" lang="ja-JP" altLang="en-US" sz="2000" b="0" i="0" u="none" strike="noStrike" kern="1200" cap="none" spc="0" normalizeH="0" baseline="0" noProof="0" dirty="0">
-                <a:ln>
-                  <a:noFill/>
-                </a:ln>
-                <a:solidFill>
-                  <a:srgbClr val="FFFFFF"/>
-                </a:solidFill>
-                <a:effectLst/>
-                <a:uLnTx/>
-                <a:uFillTx/>
-                <a:latin typeface="メイリオ"/>
-                <a:ea typeface="メイリオ"/>
-                <a:cs typeface="+mn-cs"/>
-              </a:rPr>
-              <a:t>は </a:t>
-            </a:r>
-            <a:r>
-              <a:rPr kumimoji="1" lang="en-US" altLang="ja-JP" sz="2000" b="0" i="0" u="none" strike="noStrike" kern="1200" cap="none" spc="0" normalizeH="0" baseline="0" noProof="0" dirty="0">
-                <a:ln>
-                  <a:noFill/>
-                </a:ln>
-                <a:solidFill>
-                  <a:srgbClr val="FFFFFF"/>
-                </a:solidFill>
-                <a:effectLst/>
-                <a:uLnTx/>
-                <a:uFillTx/>
-                <a:latin typeface="メイリオ"/>
-                <a:ea typeface="メイリオ"/>
-                <a:cs typeface="+mn-cs"/>
-              </a:rPr>
-              <a:t>[0 ~ </a:t>
-            </a:r>
-            <a:r>
-              <a:rPr kumimoji="1" lang="en-US" altLang="ja-JP" sz="2000" b="0" i="0" u="none" strike="noStrike" kern="1200" cap="none" spc="0" normalizeH="0" baseline="0" noProof="0" dirty="0" err="1">
-                <a:ln>
-                  <a:noFill/>
-                </a:ln>
-                <a:solidFill>
-                  <a:srgbClr val="FFFFFF"/>
-                </a:solidFill>
-                <a:effectLst/>
-                <a:uLnTx/>
-                <a:uFillTx/>
-                <a:latin typeface="メイリオ"/>
-                <a:ea typeface="メイリオ"/>
-                <a:cs typeface="+mn-cs"/>
-              </a:rPr>
-              <a:t>r.y</a:t>
-            </a:r>
-            <a:r>
-              <a:rPr kumimoji="1" lang="en-US" altLang="ja-JP" sz="2000" b="0" i="0" u="none" strike="noStrike" kern="1200" cap="none" spc="0" normalizeH="0" baseline="0" noProof="0" dirty="0">
-                <a:ln>
-                  <a:noFill/>
-                </a:ln>
-                <a:solidFill>
-                  <a:srgbClr val="FFFFFF"/>
-                </a:solidFill>
-                <a:effectLst/>
-                <a:uLnTx/>
-                <a:uFillTx/>
-                <a:latin typeface="メイリオ"/>
-                <a:ea typeface="メイリオ"/>
-                <a:cs typeface="+mn-cs"/>
-              </a:rPr>
-              <a:t>]</a:t>
-            </a:r>
-            <a:r>
-              <a:rPr kumimoji="1" lang="ja-JP" altLang="en-US" sz="2000" b="0" i="0" u="none" strike="noStrike" kern="1200" cap="none" spc="0" normalizeH="0" baseline="0" noProof="0" dirty="0">
-                <a:ln>
-                  <a:noFill/>
-                </a:ln>
-                <a:solidFill>
-                  <a:srgbClr val="FFFFFF"/>
-                </a:solidFill>
-                <a:effectLst/>
-                <a:uLnTx/>
-                <a:uFillTx/>
-                <a:latin typeface="メイリオ"/>
-                <a:ea typeface="メイリオ"/>
-                <a:cs typeface="+mn-cs"/>
-              </a:rPr>
-              <a:t>だったのが</a:t>
-            </a:r>
-            <a:r>
-              <a:rPr kumimoji="1" lang="en-US" altLang="ja-JP" sz="2000" b="0" i="0" u="none" strike="noStrike" kern="1200" cap="none" spc="0" normalizeH="0" baseline="0" noProof="0" dirty="0">
-                <a:ln>
-                  <a:noFill/>
-                </a:ln>
-                <a:solidFill>
-                  <a:srgbClr val="FFFFFF"/>
-                </a:solidFill>
-                <a:effectLst/>
-                <a:uLnTx/>
-                <a:uFillTx/>
-                <a:latin typeface="メイリオ"/>
-                <a:ea typeface="メイリオ"/>
-                <a:cs typeface="+mn-cs"/>
-              </a:rPr>
-              <a:t>[-1 ~ 1]</a:t>
-            </a:r>
-            <a:r>
-              <a:rPr kumimoji="1" lang="ja-JP" altLang="en-US" sz="2000" b="0" i="0" u="none" strike="noStrike" kern="1200" cap="none" spc="0" normalizeH="0" baseline="0" noProof="0" dirty="0">
-                <a:ln>
-                  <a:noFill/>
-                </a:ln>
-                <a:solidFill>
-                  <a:srgbClr val="FFFFFF"/>
-                </a:solidFill>
-                <a:effectLst/>
-                <a:uLnTx/>
-                <a:uFillTx/>
-                <a:latin typeface="メイリオ"/>
-                <a:ea typeface="メイリオ"/>
-                <a:cs typeface="+mn-cs"/>
-              </a:rPr>
-              <a:t>になる</a:t>
-            </a:r>
-            <a:endParaRPr kumimoji="1" lang="en-US" altLang="ja-JP" sz="2000" b="0" i="0" u="none" strike="noStrike" kern="1200" cap="none" spc="0" normalizeH="0" baseline="0" noProof="0" dirty="0">
-              <a:ln>
-                <a:noFill/>
-              </a:ln>
-              <a:solidFill>
-                <a:srgbClr val="FFFFFF"/>
-              </a:solidFill>
-              <a:effectLst/>
-              <a:uLnTx/>
-              <a:uFillTx/>
-              <a:latin typeface="メイリオ"/>
-              <a:ea typeface="メイリオ"/>
-              <a:cs typeface="+mn-cs"/>
-            </a:endParaRPr>
-          </a:p>
-          <a:p>
-            <a:pPr marL="0" indent="0">
-              <a:buNone/>
-            </a:pPr>
-            <a:endParaRPr kumimoji="1" lang="ja-JP" altLang="en-US" sz="1500" dirty="0">
+                  <a:srgbClr val="FFFFFF"/>
+                </a:solidFill>
+              </a:rPr>
+              <a:t>・</a:t>
+            </a:r>
+            <a:r>
+              <a:rPr lang="en-US" altLang="ja-JP" sz="2000" dirty="0">
+                <a:solidFill>
+                  <a:srgbClr val="FFFFFF"/>
+                </a:solidFill>
+              </a:rPr>
+              <a:t>o</a:t>
+            </a:r>
+            <a:r>
+              <a:rPr lang="ja-JP" altLang="en-US" sz="2000" dirty="0">
+                <a:solidFill>
+                  <a:srgbClr val="FFFFFF"/>
+                </a:solidFill>
+              </a:rPr>
+              <a:t>の</a:t>
+            </a:r>
+            <a:r>
+              <a:rPr lang="en-US" altLang="ja-JP" sz="2000" dirty="0" err="1">
+                <a:solidFill>
+                  <a:srgbClr val="FFFFFF"/>
+                </a:solidFill>
+              </a:rPr>
+              <a:t>rgb</a:t>
+            </a:r>
+            <a:r>
+              <a:rPr lang="ja-JP" altLang="en-US" sz="2000" dirty="0">
+                <a:solidFill>
+                  <a:srgbClr val="FFFFFF"/>
+                </a:solidFill>
+              </a:rPr>
+              <a:t>に</a:t>
+            </a:r>
+            <a:r>
+              <a:rPr lang="en-US" altLang="ja-JP" sz="2000" dirty="0">
+                <a:solidFill>
+                  <a:srgbClr val="FFFFFF"/>
+                </a:solidFill>
+              </a:rPr>
+              <a:t>(</a:t>
+            </a:r>
+            <a:r>
+              <a:rPr lang="en-US" altLang="ja-JP" sz="2000" dirty="0" err="1">
+                <a:solidFill>
+                  <a:srgbClr val="FFFFFF"/>
+                </a:solidFill>
+              </a:rPr>
+              <a:t>c,c,c</a:t>
+            </a:r>
+            <a:r>
+              <a:rPr lang="en-US" altLang="ja-JP" sz="2000" dirty="0">
+                <a:solidFill>
+                  <a:srgbClr val="FFFFFF"/>
+                </a:solidFill>
+              </a:rPr>
+              <a:t>)</a:t>
+            </a:r>
+            <a:r>
+              <a:rPr lang="ja-JP" altLang="en-US" sz="2000" dirty="0">
+                <a:solidFill>
+                  <a:srgbClr val="FFFFFF"/>
+                </a:solidFill>
+              </a:rPr>
+              <a:t>という色を代入</a:t>
+            </a:r>
+            <a:endParaRPr kumimoji="1" lang="ja-JP" altLang="en-US" sz="2000" dirty="0">
               <a:solidFill>
                 <a:srgbClr val="FFFFFF"/>
               </a:solidFill>
@@ -10539,10 +10209,10 @@
       </p:sp>
       <p:pic>
         <p:nvPicPr>
-          <p:cNvPr id="4" name="図 3">
+          <p:cNvPr id="9" name="図 8">
             <a:extLst>
               <a:ext uri="{FF2B5EF4-FFF2-40B4-BE49-F238E27FC236}">
-                <a16:creationId xmlns:a16="http://schemas.microsoft.com/office/drawing/2014/main" id="{DA2C750C-E064-0ADF-8027-BE4681C8452E}"/>
+                <a16:creationId xmlns:a16="http://schemas.microsoft.com/office/drawing/2014/main" id="{BE40A8D9-0135-FEE7-7A4E-6D18D20BB9D2}"/>
               </a:ext>
             </a:extLst>
           </p:cNvPr>
@@ -10559,53 +10229,18 @@
         </p:blipFill>
         <p:spPr>
           <a:xfrm>
-            <a:off x="838201" y="1391509"/>
-            <a:ext cx="10270915" cy="1192270"/>
+            <a:off x="838201" y="1358892"/>
+            <a:ext cx="9876691" cy="1525961"/>
           </a:xfrm>
           <a:prstGeom prst="rect">
             <a:avLst/>
           </a:prstGeom>
         </p:spPr>
       </p:pic>
-      <p:sp>
-        <p:nvSpPr>
-          <p:cNvPr id="2" name="テキスト ボックス 1">
-            <a:extLst>
-              <a:ext uri="{FF2B5EF4-FFF2-40B4-BE49-F238E27FC236}">
-                <a16:creationId xmlns:a16="http://schemas.microsoft.com/office/drawing/2014/main" id="{D1ED546F-F469-B277-A52D-FB908E41425A}"/>
-              </a:ext>
-            </a:extLst>
-          </p:cNvPr>
-          <p:cNvSpPr txBox="1"/>
-          <p:nvPr/>
-        </p:nvSpPr>
-        <p:spPr>
-          <a:xfrm>
-            <a:off x="8168312" y="4158732"/>
-            <a:ext cx="3185487" cy="369332"/>
-          </a:xfrm>
-          <a:prstGeom prst="rect">
-            <a:avLst/>
-          </a:prstGeom>
-          <a:noFill/>
-        </p:spPr>
-        <p:txBody>
-          <a:bodyPr wrap="none" rtlCol="0">
-            <a:spAutoFit/>
-          </a:bodyPr>
-          <a:lstStyle/>
-          <a:p>
-            <a:r>
-              <a:rPr kumimoji="1" lang="ja-JP" altLang="en-US" dirty="0"/>
-              <a:t>ここら辺にわかりやすい画像</a:t>
-            </a:r>
-          </a:p>
-        </p:txBody>
-      </p:sp>
     </p:spTree>
     <p:extLst>
       <p:ext uri="{BB962C8B-B14F-4D97-AF65-F5344CB8AC3E}">
-        <p14:creationId xmlns:p14="http://schemas.microsoft.com/office/powerpoint/2010/main" val="3096134919"/>
+        <p14:creationId xmlns:p14="http://schemas.microsoft.com/office/powerpoint/2010/main" val="1411802499"/>
       </p:ext>
     </p:extLst>
   </p:cSld>
@@ -11026,387 +10661,79 @@
         </p:nvSpPr>
         <p:spPr>
           <a:xfrm>
-            <a:off x="838201" y="716635"/>
-            <a:ext cx="10515598" cy="5848288"/>
+            <a:off x="838201" y="3061251"/>
+            <a:ext cx="10515598" cy="732173"/>
           </a:xfrm>
         </p:spPr>
         <p:txBody>
           <a:bodyPr>
-            <a:normAutofit/>
+            <a:normAutofit fontScale="70000" lnSpcReduction="20000"/>
           </a:bodyPr>
           <a:lstStyle/>
           <a:p>
-            <a:pPr marL="0" indent="0">
+            <a:pPr marL="0" indent="0" algn="ctr">
               <a:buNone/>
             </a:pPr>
             <a:r>
-              <a:rPr kumimoji="1" lang="ja-JP" altLang="en-US" sz="4000" dirty="0">
-                <a:solidFill>
-                  <a:srgbClr val="FFFFFF"/>
-                </a:solidFill>
-              </a:rPr>
-              <a:t>円の半径との比較、色の出力</a:t>
-            </a:r>
-            <a:endParaRPr kumimoji="1" lang="en-US" altLang="ja-JP" sz="1500" dirty="0">
+              <a:rPr lang="ja-JP" altLang="en-US" sz="5400" dirty="0">
+                <a:solidFill>
+                  <a:srgbClr val="FFFFFF"/>
+                </a:solidFill>
+              </a:rPr>
+              <a:t>🎉つぶやき</a:t>
+            </a:r>
+            <a:r>
+              <a:rPr kumimoji="1" lang="en-US" altLang="ja-JP" sz="5400" dirty="0">
+                <a:solidFill>
+                  <a:srgbClr val="FFFFFF"/>
+                </a:solidFill>
+              </a:rPr>
+              <a:t>GLSL(</a:t>
+            </a:r>
+            <a:r>
+              <a:rPr kumimoji="1" lang="ja-JP" altLang="en-US" sz="5400" dirty="0">
+                <a:solidFill>
+                  <a:srgbClr val="FFFFFF"/>
+                </a:solidFill>
+              </a:rPr>
+              <a:t>の基礎</a:t>
+            </a:r>
+            <a:r>
+              <a:rPr kumimoji="1" lang="en-US" altLang="ja-JP" sz="5400" dirty="0">
+                <a:solidFill>
+                  <a:srgbClr val="FFFFFF"/>
+                </a:solidFill>
+              </a:rPr>
+              <a:t>)</a:t>
+            </a:r>
+            <a:r>
+              <a:rPr kumimoji="1" lang="ja-JP" altLang="en-US" sz="5400" dirty="0">
+                <a:solidFill>
+                  <a:srgbClr val="FFFFFF"/>
+                </a:solidFill>
+              </a:rPr>
+              <a:t>完全に理解した</a:t>
+            </a:r>
+            <a:r>
+              <a:rPr lang="ja-JP" altLang="en-US" sz="5400" dirty="0">
+                <a:solidFill>
+                  <a:srgbClr val="FFFFFF"/>
+                </a:solidFill>
+              </a:rPr>
+              <a:t>🎉</a:t>
+            </a:r>
+            <a:endParaRPr kumimoji="1" lang="ja-JP" altLang="en-US" sz="5400" dirty="0">
               <a:solidFill>
                 <a:srgbClr val="FFFFFF"/>
               </a:solidFill>
             </a:endParaRPr>
           </a:p>
-          <a:p>
-            <a:pPr marL="0" indent="0">
-              <a:buNone/>
-            </a:pPr>
-            <a:endParaRPr lang="en-US" altLang="ja-JP" sz="1500" dirty="0">
-              <a:solidFill>
-                <a:srgbClr val="FFFFFF"/>
-              </a:solidFill>
-            </a:endParaRPr>
-          </a:p>
-          <a:p>
-            <a:pPr marL="0" indent="0">
-              <a:buNone/>
-            </a:pPr>
-            <a:endParaRPr kumimoji="1" lang="en-US" altLang="ja-JP" sz="1500" dirty="0">
-              <a:solidFill>
-                <a:srgbClr val="FFFFFF"/>
-              </a:solidFill>
-            </a:endParaRPr>
-          </a:p>
-          <a:p>
-            <a:pPr marL="0" indent="0">
-              <a:buNone/>
-            </a:pPr>
-            <a:endParaRPr lang="en-US" altLang="ja-JP" sz="1500" dirty="0">
-              <a:solidFill>
-                <a:srgbClr val="FFFFFF"/>
-              </a:solidFill>
-            </a:endParaRPr>
-          </a:p>
-          <a:p>
-            <a:pPr marL="0" indent="0">
-              <a:buNone/>
-            </a:pPr>
-            <a:endParaRPr lang="en-US" altLang="ja-JP" sz="1500" dirty="0">
-              <a:solidFill>
-                <a:srgbClr val="FFFFFF"/>
-              </a:solidFill>
-            </a:endParaRPr>
-          </a:p>
-          <a:p>
-            <a:pPr marL="0" indent="0">
-              <a:buNone/>
-            </a:pPr>
-            <a:endParaRPr lang="en-US" altLang="ja-JP" sz="1500" dirty="0">
-              <a:solidFill>
-                <a:srgbClr val="FFFFFF"/>
-              </a:solidFill>
-            </a:endParaRPr>
-          </a:p>
-          <a:p>
-            <a:pPr marL="0" indent="0">
-              <a:buNone/>
-            </a:pPr>
-            <a:endParaRPr kumimoji="1" lang="en-US" altLang="ja-JP" sz="2000" dirty="0">
-              <a:solidFill>
-                <a:srgbClr val="FFFFFF"/>
-              </a:solidFill>
-            </a:endParaRPr>
-          </a:p>
-          <a:p>
-            <a:pPr marL="0" indent="0">
-              <a:buNone/>
-            </a:pPr>
-            <a:endParaRPr kumimoji="1" lang="en-US" altLang="ja-JP" sz="2000" dirty="0">
-              <a:solidFill>
-                <a:srgbClr val="FFFFFF"/>
-              </a:solidFill>
-            </a:endParaRPr>
-          </a:p>
-          <a:p>
-            <a:pPr marL="0" indent="0">
-              <a:buNone/>
-            </a:pPr>
-            <a:r>
-              <a:rPr kumimoji="1" lang="ja-JP" altLang="en-US" sz="2000" dirty="0">
-                <a:solidFill>
-                  <a:srgbClr val="FFFFFF"/>
-                </a:solidFill>
-              </a:rPr>
-              <a:t>・先ほどの座標系で</a:t>
-            </a:r>
-            <a:r>
-              <a:rPr lang="ja-JP" altLang="en-US" sz="2000" dirty="0">
-                <a:solidFill>
-                  <a:srgbClr val="FFFFFF"/>
-                </a:solidFill>
-              </a:rPr>
-              <a:t>原点からの距離を求める</a:t>
-            </a:r>
-            <a:endParaRPr lang="en-US" altLang="ja-JP" sz="2000" dirty="0">
-              <a:solidFill>
-                <a:srgbClr val="FFFFFF"/>
-              </a:solidFill>
-            </a:endParaRPr>
-          </a:p>
-          <a:p>
-            <a:pPr marL="0" indent="0">
-              <a:buNone/>
-            </a:pPr>
-            <a:r>
-              <a:rPr kumimoji="1" lang="ja-JP" altLang="en-US" sz="2000" dirty="0">
-                <a:solidFill>
-                  <a:srgbClr val="FFFFFF"/>
-                </a:solidFill>
-              </a:rPr>
-              <a:t>・求めた距離が</a:t>
-            </a:r>
-            <a:r>
-              <a:rPr kumimoji="1" lang="en-US" altLang="ja-JP" sz="2000" dirty="0">
-                <a:solidFill>
-                  <a:srgbClr val="FFFFFF"/>
-                </a:solidFill>
-              </a:rPr>
-              <a:t>0.5</a:t>
-            </a:r>
-            <a:r>
-              <a:rPr lang="ja-JP" altLang="en-US" sz="2000" dirty="0">
-                <a:solidFill>
-                  <a:srgbClr val="FFFFFF"/>
-                </a:solidFill>
-              </a:rPr>
-              <a:t>未満</a:t>
-            </a:r>
-            <a:r>
-              <a:rPr kumimoji="1" lang="ja-JP" altLang="en-US" sz="2000" dirty="0">
-                <a:solidFill>
-                  <a:srgbClr val="FFFFFF"/>
-                </a:solidFill>
-              </a:rPr>
-              <a:t>なら</a:t>
-            </a:r>
-            <a:r>
-              <a:rPr kumimoji="1" lang="en-US" altLang="ja-JP" sz="2000" dirty="0">
-                <a:solidFill>
-                  <a:srgbClr val="FFFFFF"/>
-                </a:solidFill>
-              </a:rPr>
-              <a:t>c</a:t>
-            </a:r>
-            <a:r>
-              <a:rPr kumimoji="1" lang="ja-JP" altLang="en-US" sz="2000" dirty="0">
-                <a:solidFill>
-                  <a:srgbClr val="FFFFFF"/>
-                </a:solidFill>
-              </a:rPr>
-              <a:t>に</a:t>
-            </a:r>
-            <a:r>
-              <a:rPr kumimoji="1" lang="en-US" altLang="ja-JP" sz="2000" dirty="0">
-                <a:solidFill>
-                  <a:srgbClr val="FFFFFF"/>
-                </a:solidFill>
-              </a:rPr>
-              <a:t>1.0</a:t>
-            </a:r>
-            <a:r>
-              <a:rPr kumimoji="1" lang="ja-JP" altLang="en-US" sz="2000" dirty="0">
-                <a:solidFill>
-                  <a:srgbClr val="FFFFFF"/>
-                </a:solidFill>
-              </a:rPr>
-              <a:t>を代入</a:t>
-            </a:r>
-            <a:endParaRPr kumimoji="1" lang="en-US" altLang="ja-JP" sz="2000" dirty="0">
-              <a:solidFill>
-                <a:srgbClr val="FFFFFF"/>
-              </a:solidFill>
-            </a:endParaRPr>
-          </a:p>
-          <a:p>
-            <a:pPr marL="0" indent="0">
-              <a:buNone/>
-            </a:pPr>
-            <a:r>
-              <a:rPr lang="ja-JP" altLang="en-US" sz="2000" dirty="0">
-                <a:solidFill>
-                  <a:srgbClr val="FFFFFF"/>
-                </a:solidFill>
-              </a:rPr>
-              <a:t>・求めた距離が</a:t>
-            </a:r>
-            <a:r>
-              <a:rPr lang="en-US" altLang="ja-JP" sz="2000" dirty="0">
-                <a:solidFill>
-                  <a:srgbClr val="FFFFFF"/>
-                </a:solidFill>
-              </a:rPr>
-              <a:t>0.5</a:t>
-            </a:r>
-            <a:r>
-              <a:rPr lang="ja-JP" altLang="en-US" sz="2000" dirty="0">
-                <a:solidFill>
-                  <a:srgbClr val="FFFFFF"/>
-                </a:solidFill>
-              </a:rPr>
-              <a:t>以上なら</a:t>
-            </a:r>
-            <a:r>
-              <a:rPr lang="en-US" altLang="ja-JP" sz="2000" dirty="0">
-                <a:solidFill>
-                  <a:srgbClr val="FFFFFF"/>
-                </a:solidFill>
-              </a:rPr>
-              <a:t>c</a:t>
-            </a:r>
-            <a:r>
-              <a:rPr lang="ja-JP" altLang="en-US" sz="2000" dirty="0">
-                <a:solidFill>
-                  <a:srgbClr val="FFFFFF"/>
-                </a:solidFill>
-              </a:rPr>
-              <a:t>に</a:t>
-            </a:r>
-            <a:r>
-              <a:rPr lang="en-US" altLang="ja-JP" sz="2000" dirty="0">
-                <a:solidFill>
-                  <a:srgbClr val="FFFFFF"/>
-                </a:solidFill>
-              </a:rPr>
-              <a:t>0.0</a:t>
-            </a:r>
-            <a:r>
-              <a:rPr lang="ja-JP" altLang="en-US" sz="2000" dirty="0">
-                <a:solidFill>
-                  <a:srgbClr val="FFFFFF"/>
-                </a:solidFill>
-              </a:rPr>
-              <a:t>を代入</a:t>
-            </a:r>
-            <a:endParaRPr kumimoji="1" lang="en-US" altLang="ja-JP" sz="2000" dirty="0">
-              <a:solidFill>
-                <a:srgbClr val="FFFFFF"/>
-              </a:solidFill>
-            </a:endParaRPr>
-          </a:p>
-          <a:p>
-            <a:pPr marL="0" indent="0">
-              <a:buNone/>
-            </a:pPr>
-            <a:r>
-              <a:rPr lang="ja-JP" altLang="en-US" sz="2000" dirty="0">
-                <a:solidFill>
-                  <a:srgbClr val="FFFFFF"/>
-                </a:solidFill>
-              </a:rPr>
-              <a:t>・</a:t>
-            </a:r>
-            <a:r>
-              <a:rPr lang="en-US" altLang="ja-JP" sz="2000" dirty="0">
-                <a:solidFill>
-                  <a:srgbClr val="FFFFFF"/>
-                </a:solidFill>
-              </a:rPr>
-              <a:t>o</a:t>
-            </a:r>
-            <a:r>
-              <a:rPr lang="ja-JP" altLang="en-US" sz="2000" dirty="0">
-                <a:solidFill>
-                  <a:srgbClr val="FFFFFF"/>
-                </a:solidFill>
-              </a:rPr>
-              <a:t>の</a:t>
-            </a:r>
-            <a:r>
-              <a:rPr lang="en-US" altLang="ja-JP" sz="2000" dirty="0" err="1">
-                <a:solidFill>
-                  <a:srgbClr val="FFFFFF"/>
-                </a:solidFill>
-              </a:rPr>
-              <a:t>rgb</a:t>
-            </a:r>
-            <a:r>
-              <a:rPr lang="ja-JP" altLang="en-US" sz="2000" dirty="0">
-                <a:solidFill>
-                  <a:srgbClr val="FFFFFF"/>
-                </a:solidFill>
-              </a:rPr>
-              <a:t>に</a:t>
-            </a:r>
-            <a:r>
-              <a:rPr lang="en-US" altLang="ja-JP" sz="2000" dirty="0">
-                <a:solidFill>
-                  <a:srgbClr val="FFFFFF"/>
-                </a:solidFill>
-              </a:rPr>
-              <a:t>(</a:t>
-            </a:r>
-            <a:r>
-              <a:rPr lang="en-US" altLang="ja-JP" sz="2000" dirty="0" err="1">
-                <a:solidFill>
-                  <a:srgbClr val="FFFFFF"/>
-                </a:solidFill>
-              </a:rPr>
-              <a:t>c,c,c</a:t>
-            </a:r>
-            <a:r>
-              <a:rPr lang="en-US" altLang="ja-JP" sz="2000" dirty="0">
-                <a:solidFill>
-                  <a:srgbClr val="FFFFFF"/>
-                </a:solidFill>
-              </a:rPr>
-              <a:t>)</a:t>
-            </a:r>
-            <a:r>
-              <a:rPr lang="ja-JP" altLang="en-US" sz="2000" dirty="0">
-                <a:solidFill>
-                  <a:srgbClr val="FFFFFF"/>
-                </a:solidFill>
-              </a:rPr>
-              <a:t>という色を代入</a:t>
-            </a:r>
-            <a:endParaRPr kumimoji="1" lang="ja-JP" altLang="en-US" sz="2000" dirty="0">
-              <a:solidFill>
-                <a:srgbClr val="FFFFFF"/>
-              </a:solidFill>
-            </a:endParaRPr>
-          </a:p>
         </p:txBody>
       </p:sp>
-      <p:pic>
-        <p:nvPicPr>
-          <p:cNvPr id="9" name="図 8">
-            <a:extLst>
-              <a:ext uri="{FF2B5EF4-FFF2-40B4-BE49-F238E27FC236}">
-                <a16:creationId xmlns:a16="http://schemas.microsoft.com/office/drawing/2014/main" id="{BE40A8D9-0135-FEE7-7A4E-6D18D20BB9D2}"/>
-              </a:ext>
-            </a:extLst>
-          </p:cNvPr>
-          <p:cNvPicPr>
-            <a:picLocks noChangeAspect="1"/>
-          </p:cNvPicPr>
-          <p:nvPr/>
-        </p:nvPicPr>
-        <p:blipFill>
-          <a:blip r:embed="rId3"/>
-          <a:stretch>
-            <a:fillRect/>
-          </a:stretch>
-        </p:blipFill>
-        <p:spPr>
-          <a:xfrm>
-            <a:off x="838201" y="1358892"/>
-            <a:ext cx="9876691" cy="1525961"/>
-          </a:xfrm>
-          <a:prstGeom prst="rect">
-            <a:avLst/>
-          </a:prstGeom>
-        </p:spPr>
-      </p:pic>
     </p:spTree>
     <p:extLst>
       <p:ext uri="{BB962C8B-B14F-4D97-AF65-F5344CB8AC3E}">
-        <p14:creationId xmlns:p14="http://schemas.microsoft.com/office/powerpoint/2010/main" val="1411802499"/>
+        <p14:creationId xmlns:p14="http://schemas.microsoft.com/office/powerpoint/2010/main" val="1770934230"/>
       </p:ext>
     </p:extLst>
   </p:cSld>
@@ -11827,13 +11154,13 @@
         </p:nvSpPr>
         <p:spPr>
           <a:xfrm>
-            <a:off x="838201" y="3061251"/>
-            <a:ext cx="10515598" cy="732173"/>
+            <a:off x="838201" y="2559830"/>
+            <a:ext cx="10515598" cy="1735016"/>
           </a:xfrm>
         </p:spPr>
         <p:txBody>
           <a:bodyPr>
-            <a:normAutofit fontScale="70000" lnSpcReduction="20000"/>
+            <a:normAutofit/>
           </a:bodyPr>
           <a:lstStyle/>
           <a:p>
@@ -11841,54 +11168,58 @@
               <a:buNone/>
             </a:pPr>
             <a:r>
-              <a:rPr lang="ja-JP" altLang="en-US" sz="5400" dirty="0">
-                <a:solidFill>
-                  <a:srgbClr val="FFFFFF"/>
-                </a:solidFill>
-              </a:rPr>
-              <a:t>🎉つぶやき</a:t>
-            </a:r>
-            <a:r>
-              <a:rPr kumimoji="1" lang="en-US" altLang="ja-JP" sz="5400" dirty="0">
-                <a:solidFill>
-                  <a:srgbClr val="FFFFFF"/>
-                </a:solidFill>
-              </a:rPr>
-              <a:t>GLSL(</a:t>
-            </a:r>
-            <a:r>
-              <a:rPr kumimoji="1" lang="ja-JP" altLang="en-US" sz="5400" dirty="0">
-                <a:solidFill>
-                  <a:srgbClr val="FFFFFF"/>
-                </a:solidFill>
-              </a:rPr>
-              <a:t>の基礎</a:t>
-            </a:r>
-            <a:r>
-              <a:rPr kumimoji="1" lang="en-US" altLang="ja-JP" sz="5400" dirty="0">
-                <a:solidFill>
-                  <a:srgbClr val="FFFFFF"/>
-                </a:solidFill>
-              </a:rPr>
-              <a:t>)</a:t>
-            </a:r>
-            <a:r>
-              <a:rPr kumimoji="1" lang="ja-JP" altLang="en-US" sz="5400" dirty="0">
-                <a:solidFill>
-                  <a:srgbClr val="FFFFFF"/>
-                </a:solidFill>
-              </a:rPr>
-              <a:t>完全に理解した</a:t>
-            </a:r>
-            <a:r>
-              <a:rPr lang="ja-JP" altLang="en-US" sz="5400" dirty="0">
-                <a:solidFill>
-                  <a:srgbClr val="FFFFFF"/>
-                </a:solidFill>
-              </a:rPr>
-              <a:t>🎉</a:t>
-            </a:r>
-            <a:endParaRPr kumimoji="1" lang="ja-JP" altLang="en-US" sz="5400" dirty="0">
+              <a:rPr kumimoji="1" lang="ja-JP" altLang="en-US" sz="5000" dirty="0">
+                <a:solidFill>
+                  <a:srgbClr val="FFFFFF"/>
+                </a:solidFill>
+              </a:rPr>
+              <a:t>つぶやき</a:t>
+            </a:r>
+            <a:r>
+              <a:rPr kumimoji="1" lang="en-US" altLang="ja-JP" sz="5000" dirty="0">
+                <a:solidFill>
+                  <a:srgbClr val="FFFFFF"/>
+                </a:solidFill>
+              </a:rPr>
+              <a:t>GLSL</a:t>
+            </a:r>
+            <a:r>
+              <a:rPr kumimoji="1" lang="ja-JP" altLang="en-US" sz="5000" dirty="0">
+                <a:solidFill>
+                  <a:srgbClr val="FFFFFF"/>
+                </a:solidFill>
+              </a:rPr>
+              <a:t>のテクニックは</a:t>
+            </a:r>
+            <a:endParaRPr kumimoji="1" lang="en-US" altLang="ja-JP" sz="5000" dirty="0">
+              <a:solidFill>
+                <a:srgbClr val="FFFFFF"/>
+              </a:solidFill>
+            </a:endParaRPr>
+          </a:p>
+          <a:p>
+            <a:pPr marL="0" indent="0" algn="ctr">
+              <a:buNone/>
+            </a:pPr>
+            <a:r>
+              <a:rPr kumimoji="1" lang="ja-JP" altLang="en-US" sz="5000" dirty="0">
+                <a:solidFill>
+                  <a:srgbClr val="FFFFFF"/>
+                </a:solidFill>
+              </a:rPr>
+              <a:t>二種類に分かれる</a:t>
+            </a:r>
+            <a:endParaRPr kumimoji="1" lang="en-US" altLang="ja-JP" sz="5000" dirty="0">
+              <a:solidFill>
+                <a:srgbClr val="FFFFFF"/>
+              </a:solidFill>
+            </a:endParaRPr>
+          </a:p>
+          <a:p>
+            <a:pPr marL="0" indent="0">
+              <a:buNone/>
+            </a:pPr>
+            <a:endParaRPr kumimoji="1" lang="ja-JP" altLang="en-US" sz="5000" dirty="0">
               <a:solidFill>
                 <a:srgbClr val="FFFFFF"/>
               </a:solidFill>
@@ -11899,7 +11230,7 @@
     </p:spTree>
     <p:extLst>
       <p:ext uri="{BB962C8B-B14F-4D97-AF65-F5344CB8AC3E}">
-        <p14:creationId xmlns:p14="http://schemas.microsoft.com/office/powerpoint/2010/main" val="1770934230"/>
+        <p14:creationId xmlns:p14="http://schemas.microsoft.com/office/powerpoint/2010/main" val="2094650982"/>
       </p:ext>
     </p:extLst>
   </p:cSld>
@@ -12320,8 +11651,8 @@
         </p:nvSpPr>
         <p:spPr>
           <a:xfrm>
-            <a:off x="838201" y="2559830"/>
-            <a:ext cx="10515598" cy="1735016"/>
+            <a:off x="838201" y="949569"/>
+            <a:ext cx="10515598" cy="5580185"/>
           </a:xfrm>
         </p:spPr>
         <p:txBody>
@@ -12330,52 +11661,36 @@
           </a:bodyPr>
           <a:lstStyle/>
           <a:p>
-            <a:pPr marL="0" indent="0" algn="ctr">
+            <a:pPr marL="0" indent="0">
               <a:buNone/>
             </a:pPr>
             <a:r>
-              <a:rPr kumimoji="1" lang="ja-JP" altLang="en-US" sz="5000" dirty="0">
-                <a:solidFill>
-                  <a:srgbClr val="FFFFFF"/>
-                </a:solidFill>
-              </a:rPr>
-              <a:t>つぶやき</a:t>
-            </a:r>
-            <a:r>
-              <a:rPr kumimoji="1" lang="en-US" altLang="ja-JP" sz="5000" dirty="0">
-                <a:solidFill>
-                  <a:srgbClr val="FFFFFF"/>
-                </a:solidFill>
-              </a:rPr>
-              <a:t>GLSL</a:t>
-            </a:r>
-            <a:r>
-              <a:rPr kumimoji="1" lang="ja-JP" altLang="en-US" sz="5000" dirty="0">
-                <a:solidFill>
-                  <a:srgbClr val="FFFFFF"/>
-                </a:solidFill>
-              </a:rPr>
-              <a:t>のテクニックは</a:t>
-            </a:r>
-            <a:endParaRPr kumimoji="1" lang="en-US" altLang="ja-JP" sz="5000" dirty="0">
+              <a:rPr kumimoji="1" lang="ja-JP" altLang="en-US" sz="4000" dirty="0">
+                <a:solidFill>
+                  <a:srgbClr val="FFFFFF"/>
+                </a:solidFill>
+              </a:rPr>
+              <a:t>絵作りのテクニック</a:t>
+            </a:r>
+            <a:endParaRPr kumimoji="1" lang="en-US" altLang="ja-JP" sz="4000" dirty="0">
               <a:solidFill>
                 <a:srgbClr val="FFFFFF"/>
               </a:solidFill>
             </a:endParaRPr>
           </a:p>
           <a:p>
-            <a:pPr marL="0" indent="0" algn="ctr">
+            <a:pPr marL="0" indent="0">
               <a:buNone/>
             </a:pPr>
             <a:r>
-              <a:rPr kumimoji="1" lang="ja-JP" altLang="en-US" sz="5000" dirty="0">
-                <a:solidFill>
-                  <a:srgbClr val="FFFFFF"/>
-                </a:solidFill>
-              </a:rPr>
-              <a:t>二種類に分かれる</a:t>
-            </a:r>
-            <a:endParaRPr kumimoji="1" lang="en-US" altLang="ja-JP" sz="5000" dirty="0">
+              <a:rPr kumimoji="1" lang="ja-JP" altLang="en-US" sz="2000" dirty="0">
+                <a:solidFill>
+                  <a:srgbClr val="FFFFFF"/>
+                </a:solidFill>
+              </a:rPr>
+              <a:t>・レイマーチング法</a:t>
+            </a:r>
+            <a:endParaRPr kumimoji="1" lang="en-US" altLang="ja-JP" sz="2000" dirty="0">
               <a:solidFill>
                 <a:srgbClr val="FFFFFF"/>
               </a:solidFill>
@@ -12385,18 +11700,365 @@
             <a:pPr marL="0" indent="0">
               <a:buNone/>
             </a:pPr>
-            <a:endParaRPr kumimoji="1" lang="ja-JP" altLang="en-US" sz="5000" dirty="0">
+            <a:r>
+              <a:rPr lang="ja-JP" altLang="en-US" sz="2000" dirty="0">
+                <a:solidFill>
+                  <a:srgbClr val="FFFFFF"/>
+                </a:solidFill>
+              </a:rPr>
+              <a:t>・</a:t>
+            </a:r>
+            <a:r>
+              <a:rPr lang="en-US" altLang="ja-JP" sz="2000" dirty="0" err="1">
+                <a:solidFill>
+                  <a:srgbClr val="FFFFFF"/>
+                </a:solidFill>
+              </a:rPr>
+              <a:t>DistanceField</a:t>
+            </a:r>
+            <a:endParaRPr lang="en-US" altLang="ja-JP" sz="2000" dirty="0">
               <a:solidFill>
                 <a:srgbClr val="FFFFFF"/>
               </a:solidFill>
             </a:endParaRPr>
           </a:p>
+          <a:p>
+            <a:pPr marL="0" indent="0">
+              <a:buNone/>
+            </a:pPr>
+            <a:r>
+              <a:rPr kumimoji="1" lang="ja-JP" altLang="en-US" sz="2000" dirty="0">
+                <a:solidFill>
+                  <a:srgbClr val="FFFFFF"/>
+                </a:solidFill>
+              </a:rPr>
+              <a:t>・ノイズ</a:t>
+            </a:r>
+            <a:endParaRPr kumimoji="1" lang="en-US" altLang="ja-JP" sz="2000" dirty="0">
+              <a:solidFill>
+                <a:srgbClr val="FFFFFF"/>
+              </a:solidFill>
+            </a:endParaRPr>
+          </a:p>
+          <a:p>
+            <a:pPr marL="0" indent="0">
+              <a:buNone/>
+            </a:pPr>
+            <a:r>
+              <a:rPr lang="ja-JP" altLang="en-US" sz="2000" dirty="0">
+                <a:solidFill>
+                  <a:srgbClr val="FFFFFF"/>
+                </a:solidFill>
+              </a:rPr>
+              <a:t>・フレームバッファ</a:t>
+            </a:r>
+            <a:endParaRPr lang="en-US" altLang="ja-JP" sz="2000" dirty="0">
+              <a:solidFill>
+                <a:srgbClr val="FFFFFF"/>
+              </a:solidFill>
+            </a:endParaRPr>
+          </a:p>
+          <a:p>
+            <a:pPr marL="0" indent="0">
+              <a:buNone/>
+            </a:pPr>
+            <a:r>
+              <a:rPr kumimoji="1" lang="ja-JP" altLang="en-US" sz="2000" dirty="0">
+                <a:solidFill>
+                  <a:srgbClr val="FFFFFF"/>
+                </a:solidFill>
+              </a:rPr>
+              <a:t>・</a:t>
+            </a:r>
+            <a:r>
+              <a:rPr kumimoji="1" lang="en-US" altLang="ja-JP" sz="2000" dirty="0" err="1">
+                <a:solidFill>
+                  <a:srgbClr val="FFFFFF"/>
+                </a:solidFill>
+              </a:rPr>
+              <a:t>etc</a:t>
+            </a:r>
+            <a:r>
+              <a:rPr kumimoji="1" lang="en-US" altLang="ja-JP" sz="2000" dirty="0">
+                <a:solidFill>
+                  <a:srgbClr val="FFFFFF"/>
+                </a:solidFill>
+              </a:rPr>
+              <a:t>…</a:t>
+            </a:r>
+          </a:p>
+          <a:p>
+            <a:pPr marL="0" indent="0">
+              <a:buNone/>
+            </a:pPr>
+            <a:endParaRPr lang="en-US" altLang="ja-JP" sz="2000" dirty="0">
+              <a:solidFill>
+                <a:srgbClr val="FFFFFF"/>
+              </a:solidFill>
+            </a:endParaRPr>
+          </a:p>
+          <a:p>
+            <a:pPr marL="0" indent="0">
+              <a:buNone/>
+            </a:pPr>
+            <a:r>
+              <a:rPr kumimoji="1" lang="ja-JP" altLang="en-US" sz="4000" dirty="0">
+                <a:solidFill>
+                  <a:srgbClr val="FFFFFF"/>
+                </a:solidFill>
+              </a:rPr>
+              <a:t>コード短縮のテクニック</a:t>
+            </a:r>
+            <a:endParaRPr kumimoji="1" lang="en-US" altLang="ja-JP" sz="4000" dirty="0">
+              <a:solidFill>
+                <a:srgbClr val="FFFFFF"/>
+              </a:solidFill>
+            </a:endParaRPr>
+          </a:p>
+          <a:p>
+            <a:pPr marL="0" indent="0">
+              <a:buNone/>
+            </a:pPr>
+            <a:r>
+              <a:rPr kumimoji="1" lang="ja-JP" altLang="en-US" sz="2000" dirty="0">
+                <a:solidFill>
+                  <a:srgbClr val="FFFFFF"/>
+                </a:solidFill>
+              </a:rPr>
+              <a:t>・</a:t>
+            </a:r>
+            <a:r>
+              <a:rPr kumimoji="1" lang="en-US" altLang="ja-JP" sz="2000" dirty="0">
+                <a:solidFill>
+                  <a:srgbClr val="FFFFFF"/>
+                </a:solidFill>
+              </a:rPr>
+              <a:t>#define</a:t>
+            </a:r>
+            <a:r>
+              <a:rPr kumimoji="1" lang="ja-JP" altLang="en-US" sz="2000" dirty="0">
+                <a:solidFill>
+                  <a:srgbClr val="FFFFFF"/>
+                </a:solidFill>
+              </a:rPr>
+              <a:t>の活用</a:t>
+            </a:r>
+            <a:endParaRPr kumimoji="1" lang="en-US" altLang="ja-JP" sz="2000" dirty="0">
+              <a:solidFill>
+                <a:srgbClr val="FFFFFF"/>
+              </a:solidFill>
+            </a:endParaRPr>
+          </a:p>
+          <a:p>
+            <a:pPr marL="0" indent="0">
+              <a:buNone/>
+            </a:pPr>
+            <a:r>
+              <a:rPr lang="ja-JP" altLang="en-US" sz="2000" dirty="0">
+                <a:solidFill>
+                  <a:srgbClr val="FFFFFF"/>
+                </a:solidFill>
+              </a:rPr>
+              <a:t>・式の展開</a:t>
+            </a:r>
+            <a:endParaRPr lang="en-US" altLang="ja-JP" sz="2000" dirty="0">
+              <a:solidFill>
+                <a:srgbClr val="FFFFFF"/>
+              </a:solidFill>
+            </a:endParaRPr>
+          </a:p>
+          <a:p>
+            <a:pPr marL="0" indent="0">
+              <a:buNone/>
+            </a:pPr>
+            <a:r>
+              <a:rPr kumimoji="1" lang="ja-JP" altLang="en-US" sz="2000" dirty="0">
+                <a:solidFill>
+                  <a:srgbClr val="FFFFFF"/>
+                </a:solidFill>
+              </a:rPr>
+              <a:t>・算術演算子による型のキャスト</a:t>
+            </a:r>
+            <a:endParaRPr kumimoji="1" lang="en-US" altLang="ja-JP" sz="2000" dirty="0">
+              <a:solidFill>
+                <a:srgbClr val="FFFFFF"/>
+              </a:solidFill>
+            </a:endParaRPr>
+          </a:p>
+          <a:p>
+            <a:pPr marL="0" indent="0">
+              <a:buNone/>
+            </a:pPr>
+            <a:r>
+              <a:rPr lang="ja-JP" altLang="en-US" sz="2000" dirty="0">
+                <a:solidFill>
+                  <a:srgbClr val="FFFFFF"/>
+                </a:solidFill>
+              </a:rPr>
+              <a:t>・</a:t>
+            </a:r>
+            <a:r>
+              <a:rPr lang="en-US" altLang="ja-JP" sz="2000" dirty="0" err="1">
+                <a:solidFill>
+                  <a:srgbClr val="FFFFFF"/>
+                </a:solidFill>
+              </a:rPr>
+              <a:t>etc</a:t>
+            </a:r>
+            <a:r>
+              <a:rPr lang="en-US" altLang="ja-JP" sz="2000" dirty="0">
+                <a:solidFill>
+                  <a:srgbClr val="FFFFFF"/>
+                </a:solidFill>
+              </a:rPr>
+              <a:t>…</a:t>
+            </a:r>
+            <a:endParaRPr kumimoji="1" lang="ja-JP" altLang="en-US" sz="2000" dirty="0">
+              <a:solidFill>
+                <a:srgbClr val="FFFFFF"/>
+              </a:solidFill>
+            </a:endParaRPr>
+          </a:p>
         </p:txBody>
       </p:sp>
+      <p:pic>
+        <p:nvPicPr>
+          <p:cNvPr id="4" name="図 3">
+            <a:extLst>
+              <a:ext uri="{FF2B5EF4-FFF2-40B4-BE49-F238E27FC236}">
+                <a16:creationId xmlns:a16="http://schemas.microsoft.com/office/drawing/2014/main" id="{56FAA8C8-8B37-D0DD-3E93-B6426EA97101}"/>
+              </a:ext>
+            </a:extLst>
+          </p:cNvPr>
+          <p:cNvPicPr>
+            <a:picLocks noChangeAspect="1"/>
+          </p:cNvPicPr>
+          <p:nvPr/>
+        </p:nvPicPr>
+        <p:blipFill>
+          <a:blip r:embed="rId3"/>
+          <a:stretch>
+            <a:fillRect/>
+          </a:stretch>
+        </p:blipFill>
+        <p:spPr>
+          <a:xfrm>
+            <a:off x="7775482" y="683460"/>
+            <a:ext cx="3088664" cy="3056201"/>
+          </a:xfrm>
+          <a:prstGeom prst="rect">
+            <a:avLst/>
+          </a:prstGeom>
+        </p:spPr>
+      </p:pic>
+      <p:pic>
+        <p:nvPicPr>
+          <p:cNvPr id="6" name="図 5">
+            <a:extLst>
+              <a:ext uri="{FF2B5EF4-FFF2-40B4-BE49-F238E27FC236}">
+                <a16:creationId xmlns:a16="http://schemas.microsoft.com/office/drawing/2014/main" id="{94ABF7EC-6642-5224-4602-9CBC2A9DB6B6}"/>
+              </a:ext>
+            </a:extLst>
+          </p:cNvPr>
+          <p:cNvPicPr>
+            <a:picLocks noChangeAspect="1"/>
+          </p:cNvPicPr>
+          <p:nvPr/>
+        </p:nvPicPr>
+        <p:blipFill>
+          <a:blip r:embed="rId4"/>
+          <a:stretch>
+            <a:fillRect/>
+          </a:stretch>
+        </p:blipFill>
+        <p:spPr>
+          <a:xfrm>
+            <a:off x="7012393" y="4320133"/>
+            <a:ext cx="4614837" cy="844970"/>
+          </a:xfrm>
+          <a:prstGeom prst="rect">
+            <a:avLst/>
+          </a:prstGeom>
+        </p:spPr>
+      </p:pic>
+      <p:pic>
+        <p:nvPicPr>
+          <p:cNvPr id="9" name="図 8">
+            <a:extLst>
+              <a:ext uri="{FF2B5EF4-FFF2-40B4-BE49-F238E27FC236}">
+                <a16:creationId xmlns:a16="http://schemas.microsoft.com/office/drawing/2014/main" id="{5B469AE7-73C9-15AB-DC0C-3843088005DE}"/>
+              </a:ext>
+            </a:extLst>
+          </p:cNvPr>
+          <p:cNvPicPr>
+            <a:picLocks noChangeAspect="1"/>
+          </p:cNvPicPr>
+          <p:nvPr/>
+        </p:nvPicPr>
+        <p:blipFill>
+          <a:blip r:embed="rId5"/>
+          <a:stretch>
+            <a:fillRect/>
+          </a:stretch>
+        </p:blipFill>
+        <p:spPr>
+          <a:xfrm>
+            <a:off x="6542741" y="5788226"/>
+            <a:ext cx="5554139" cy="511118"/>
+          </a:xfrm>
+          <a:prstGeom prst="rect">
+            <a:avLst/>
+          </a:prstGeom>
+        </p:spPr>
+      </p:pic>
+      <p:cxnSp>
+        <p:nvCxnSpPr>
+          <p:cNvPr id="13" name="直線矢印コネクタ 12">
+            <a:extLst>
+              <a:ext uri="{FF2B5EF4-FFF2-40B4-BE49-F238E27FC236}">
+                <a16:creationId xmlns:a16="http://schemas.microsoft.com/office/drawing/2014/main" id="{DACF9A58-C653-A0DA-0B04-573010930A35}"/>
+              </a:ext>
+            </a:extLst>
+          </p:cNvPr>
+          <p:cNvCxnSpPr>
+            <a:cxnSpLocks/>
+          </p:cNvCxnSpPr>
+          <p:nvPr/>
+        </p:nvCxnSpPr>
+        <p:spPr>
+          <a:xfrm flipH="1">
+            <a:off x="9319810" y="5263281"/>
+            <a:ext cx="1" cy="426766"/>
+          </a:xfrm>
+          <a:prstGeom prst="straightConnector1">
+            <a:avLst/>
+          </a:prstGeom>
+          <a:ln w="57150">
+            <a:solidFill>
+              <a:schemeClr val="tx1"/>
+            </a:solidFill>
+            <a:tailEnd type="triangle"/>
+          </a:ln>
+        </p:spPr>
+        <p:style>
+          <a:lnRef idx="1">
+            <a:schemeClr val="accent1"/>
+          </a:lnRef>
+          <a:fillRef idx="0">
+            <a:schemeClr val="accent1"/>
+          </a:fillRef>
+          <a:effectRef idx="0">
+            <a:schemeClr val="accent1"/>
+          </a:effectRef>
+          <a:fontRef idx="minor">
+            <a:schemeClr val="tx1"/>
+          </a:fontRef>
+        </p:style>
+      </p:cxnSp>
     </p:spTree>
     <p:extLst>
       <p:ext uri="{BB962C8B-B14F-4D97-AF65-F5344CB8AC3E}">
-        <p14:creationId xmlns:p14="http://schemas.microsoft.com/office/powerpoint/2010/main" val="2094650982"/>
+        <p14:creationId xmlns:p14="http://schemas.microsoft.com/office/powerpoint/2010/main" val="3426547557"/>
       </p:ext>
     </p:extLst>
   </p:cSld>
@@ -12818,834 +12480,6 @@
         <p:spPr>
           <a:xfrm>
             <a:off x="838201" y="949569"/>
-            <a:ext cx="10515598" cy="5580185"/>
-          </a:xfrm>
-        </p:spPr>
-        <p:txBody>
-          <a:bodyPr>
-            <a:normAutofit/>
-          </a:bodyPr>
-          <a:lstStyle/>
-          <a:p>
-            <a:pPr marL="0" indent="0">
-              <a:buNone/>
-            </a:pPr>
-            <a:r>
-              <a:rPr kumimoji="1" lang="ja-JP" altLang="en-US" sz="4000" dirty="0">
-                <a:solidFill>
-                  <a:srgbClr val="FFFFFF"/>
-                </a:solidFill>
-              </a:rPr>
-              <a:t>絵作りのテクニック</a:t>
-            </a:r>
-            <a:endParaRPr kumimoji="1" lang="en-US" altLang="ja-JP" sz="4000" dirty="0">
-              <a:solidFill>
-                <a:srgbClr val="FFFFFF"/>
-              </a:solidFill>
-            </a:endParaRPr>
-          </a:p>
-          <a:p>
-            <a:pPr marL="0" indent="0">
-              <a:buNone/>
-            </a:pPr>
-            <a:r>
-              <a:rPr kumimoji="1" lang="ja-JP" altLang="en-US" sz="2000" dirty="0">
-                <a:solidFill>
-                  <a:srgbClr val="FFFFFF"/>
-                </a:solidFill>
-              </a:rPr>
-              <a:t>・レイマーチング法</a:t>
-            </a:r>
-            <a:endParaRPr kumimoji="1" lang="en-US" altLang="ja-JP" sz="2000" dirty="0">
-              <a:solidFill>
-                <a:srgbClr val="FFFFFF"/>
-              </a:solidFill>
-            </a:endParaRPr>
-          </a:p>
-          <a:p>
-            <a:pPr marL="0" indent="0">
-              <a:buNone/>
-            </a:pPr>
-            <a:r>
-              <a:rPr lang="ja-JP" altLang="en-US" sz="2000" dirty="0">
-                <a:solidFill>
-                  <a:srgbClr val="FFFFFF"/>
-                </a:solidFill>
-              </a:rPr>
-              <a:t>・</a:t>
-            </a:r>
-            <a:r>
-              <a:rPr lang="en-US" altLang="ja-JP" sz="2000" dirty="0" err="1">
-                <a:solidFill>
-                  <a:srgbClr val="FFFFFF"/>
-                </a:solidFill>
-              </a:rPr>
-              <a:t>DistanceField</a:t>
-            </a:r>
-            <a:endParaRPr lang="en-US" altLang="ja-JP" sz="2000" dirty="0">
-              <a:solidFill>
-                <a:srgbClr val="FFFFFF"/>
-              </a:solidFill>
-            </a:endParaRPr>
-          </a:p>
-          <a:p>
-            <a:pPr marL="0" indent="0">
-              <a:buNone/>
-            </a:pPr>
-            <a:r>
-              <a:rPr kumimoji="1" lang="ja-JP" altLang="en-US" sz="2000" dirty="0">
-                <a:solidFill>
-                  <a:srgbClr val="FFFFFF"/>
-                </a:solidFill>
-              </a:rPr>
-              <a:t>・ノイズ</a:t>
-            </a:r>
-            <a:endParaRPr kumimoji="1" lang="en-US" altLang="ja-JP" sz="2000" dirty="0">
-              <a:solidFill>
-                <a:srgbClr val="FFFFFF"/>
-              </a:solidFill>
-            </a:endParaRPr>
-          </a:p>
-          <a:p>
-            <a:pPr marL="0" indent="0">
-              <a:buNone/>
-            </a:pPr>
-            <a:r>
-              <a:rPr lang="ja-JP" altLang="en-US" sz="2000" dirty="0">
-                <a:solidFill>
-                  <a:srgbClr val="FFFFFF"/>
-                </a:solidFill>
-              </a:rPr>
-              <a:t>・フレームバッファ</a:t>
-            </a:r>
-            <a:endParaRPr lang="en-US" altLang="ja-JP" sz="2000" dirty="0">
-              <a:solidFill>
-                <a:srgbClr val="FFFFFF"/>
-              </a:solidFill>
-            </a:endParaRPr>
-          </a:p>
-          <a:p>
-            <a:pPr marL="0" indent="0">
-              <a:buNone/>
-            </a:pPr>
-            <a:r>
-              <a:rPr kumimoji="1" lang="ja-JP" altLang="en-US" sz="2000" dirty="0">
-                <a:solidFill>
-                  <a:srgbClr val="FFFFFF"/>
-                </a:solidFill>
-              </a:rPr>
-              <a:t>・</a:t>
-            </a:r>
-            <a:r>
-              <a:rPr kumimoji="1" lang="en-US" altLang="ja-JP" sz="2000" dirty="0" err="1">
-                <a:solidFill>
-                  <a:srgbClr val="FFFFFF"/>
-                </a:solidFill>
-              </a:rPr>
-              <a:t>etc</a:t>
-            </a:r>
-            <a:r>
-              <a:rPr kumimoji="1" lang="en-US" altLang="ja-JP" sz="2000" dirty="0">
-                <a:solidFill>
-                  <a:srgbClr val="FFFFFF"/>
-                </a:solidFill>
-              </a:rPr>
-              <a:t>…</a:t>
-            </a:r>
-          </a:p>
-          <a:p>
-            <a:pPr marL="0" indent="0">
-              <a:buNone/>
-            </a:pPr>
-            <a:endParaRPr lang="en-US" altLang="ja-JP" sz="2000" dirty="0">
-              <a:solidFill>
-                <a:srgbClr val="FFFFFF"/>
-              </a:solidFill>
-            </a:endParaRPr>
-          </a:p>
-          <a:p>
-            <a:pPr marL="0" indent="0">
-              <a:buNone/>
-            </a:pPr>
-            <a:r>
-              <a:rPr kumimoji="1" lang="ja-JP" altLang="en-US" sz="4000" dirty="0">
-                <a:solidFill>
-                  <a:srgbClr val="FFFFFF"/>
-                </a:solidFill>
-              </a:rPr>
-              <a:t>コード短縮のテクニック</a:t>
-            </a:r>
-            <a:endParaRPr kumimoji="1" lang="en-US" altLang="ja-JP" sz="4000" dirty="0">
-              <a:solidFill>
-                <a:srgbClr val="FFFFFF"/>
-              </a:solidFill>
-            </a:endParaRPr>
-          </a:p>
-          <a:p>
-            <a:pPr marL="0" indent="0">
-              <a:buNone/>
-            </a:pPr>
-            <a:r>
-              <a:rPr kumimoji="1" lang="ja-JP" altLang="en-US" sz="2000" dirty="0">
-                <a:solidFill>
-                  <a:srgbClr val="FFFFFF"/>
-                </a:solidFill>
-              </a:rPr>
-              <a:t>・</a:t>
-            </a:r>
-            <a:r>
-              <a:rPr kumimoji="1" lang="en-US" altLang="ja-JP" sz="2000" dirty="0">
-                <a:solidFill>
-                  <a:srgbClr val="FFFFFF"/>
-                </a:solidFill>
-              </a:rPr>
-              <a:t>#define</a:t>
-            </a:r>
-            <a:r>
-              <a:rPr kumimoji="1" lang="ja-JP" altLang="en-US" sz="2000" dirty="0">
-                <a:solidFill>
-                  <a:srgbClr val="FFFFFF"/>
-                </a:solidFill>
-              </a:rPr>
-              <a:t>の活用</a:t>
-            </a:r>
-            <a:endParaRPr kumimoji="1" lang="en-US" altLang="ja-JP" sz="2000" dirty="0">
-              <a:solidFill>
-                <a:srgbClr val="FFFFFF"/>
-              </a:solidFill>
-            </a:endParaRPr>
-          </a:p>
-          <a:p>
-            <a:pPr marL="0" indent="0">
-              <a:buNone/>
-            </a:pPr>
-            <a:r>
-              <a:rPr lang="ja-JP" altLang="en-US" sz="2000" dirty="0">
-                <a:solidFill>
-                  <a:srgbClr val="FFFFFF"/>
-                </a:solidFill>
-              </a:rPr>
-              <a:t>・式の展開</a:t>
-            </a:r>
-            <a:endParaRPr lang="en-US" altLang="ja-JP" sz="2000" dirty="0">
-              <a:solidFill>
-                <a:srgbClr val="FFFFFF"/>
-              </a:solidFill>
-            </a:endParaRPr>
-          </a:p>
-          <a:p>
-            <a:pPr marL="0" indent="0">
-              <a:buNone/>
-            </a:pPr>
-            <a:r>
-              <a:rPr kumimoji="1" lang="ja-JP" altLang="en-US" sz="2000" dirty="0">
-                <a:solidFill>
-                  <a:srgbClr val="FFFFFF"/>
-                </a:solidFill>
-              </a:rPr>
-              <a:t>・算術演算子による型のキャスト</a:t>
-            </a:r>
-            <a:endParaRPr kumimoji="1" lang="en-US" altLang="ja-JP" sz="2000" dirty="0">
-              <a:solidFill>
-                <a:srgbClr val="FFFFFF"/>
-              </a:solidFill>
-            </a:endParaRPr>
-          </a:p>
-          <a:p>
-            <a:pPr marL="0" indent="0">
-              <a:buNone/>
-            </a:pPr>
-            <a:r>
-              <a:rPr lang="ja-JP" altLang="en-US" sz="2000" dirty="0">
-                <a:solidFill>
-                  <a:srgbClr val="FFFFFF"/>
-                </a:solidFill>
-              </a:rPr>
-              <a:t>・</a:t>
-            </a:r>
-            <a:r>
-              <a:rPr lang="en-US" altLang="ja-JP" sz="2000" dirty="0" err="1">
-                <a:solidFill>
-                  <a:srgbClr val="FFFFFF"/>
-                </a:solidFill>
-              </a:rPr>
-              <a:t>etc</a:t>
-            </a:r>
-            <a:r>
-              <a:rPr lang="en-US" altLang="ja-JP" sz="2000" dirty="0">
-                <a:solidFill>
-                  <a:srgbClr val="FFFFFF"/>
-                </a:solidFill>
-              </a:rPr>
-              <a:t>…</a:t>
-            </a:r>
-            <a:endParaRPr kumimoji="1" lang="ja-JP" altLang="en-US" sz="2000" dirty="0">
-              <a:solidFill>
-                <a:srgbClr val="FFFFFF"/>
-              </a:solidFill>
-            </a:endParaRPr>
-          </a:p>
-        </p:txBody>
-      </p:sp>
-      <p:pic>
-        <p:nvPicPr>
-          <p:cNvPr id="4" name="図 3">
-            <a:extLst>
-              <a:ext uri="{FF2B5EF4-FFF2-40B4-BE49-F238E27FC236}">
-                <a16:creationId xmlns:a16="http://schemas.microsoft.com/office/drawing/2014/main" id="{56FAA8C8-8B37-D0DD-3E93-B6426EA97101}"/>
-              </a:ext>
-            </a:extLst>
-          </p:cNvPr>
-          <p:cNvPicPr>
-            <a:picLocks noChangeAspect="1"/>
-          </p:cNvPicPr>
-          <p:nvPr/>
-        </p:nvPicPr>
-        <p:blipFill>
-          <a:blip r:embed="rId3"/>
-          <a:stretch>
-            <a:fillRect/>
-          </a:stretch>
-        </p:blipFill>
-        <p:spPr>
-          <a:xfrm>
-            <a:off x="7775482" y="683460"/>
-            <a:ext cx="3088664" cy="3056201"/>
-          </a:xfrm>
-          <a:prstGeom prst="rect">
-            <a:avLst/>
-          </a:prstGeom>
-        </p:spPr>
-      </p:pic>
-      <p:pic>
-        <p:nvPicPr>
-          <p:cNvPr id="6" name="図 5">
-            <a:extLst>
-              <a:ext uri="{FF2B5EF4-FFF2-40B4-BE49-F238E27FC236}">
-                <a16:creationId xmlns:a16="http://schemas.microsoft.com/office/drawing/2014/main" id="{94ABF7EC-6642-5224-4602-9CBC2A9DB6B6}"/>
-              </a:ext>
-            </a:extLst>
-          </p:cNvPr>
-          <p:cNvPicPr>
-            <a:picLocks noChangeAspect="1"/>
-          </p:cNvPicPr>
-          <p:nvPr/>
-        </p:nvPicPr>
-        <p:blipFill>
-          <a:blip r:embed="rId4"/>
-          <a:stretch>
-            <a:fillRect/>
-          </a:stretch>
-        </p:blipFill>
-        <p:spPr>
-          <a:xfrm>
-            <a:off x="7012393" y="4320133"/>
-            <a:ext cx="4614837" cy="844970"/>
-          </a:xfrm>
-          <a:prstGeom prst="rect">
-            <a:avLst/>
-          </a:prstGeom>
-        </p:spPr>
-      </p:pic>
-      <p:pic>
-        <p:nvPicPr>
-          <p:cNvPr id="9" name="図 8">
-            <a:extLst>
-              <a:ext uri="{FF2B5EF4-FFF2-40B4-BE49-F238E27FC236}">
-                <a16:creationId xmlns:a16="http://schemas.microsoft.com/office/drawing/2014/main" id="{5B469AE7-73C9-15AB-DC0C-3843088005DE}"/>
-              </a:ext>
-            </a:extLst>
-          </p:cNvPr>
-          <p:cNvPicPr>
-            <a:picLocks noChangeAspect="1"/>
-          </p:cNvPicPr>
-          <p:nvPr/>
-        </p:nvPicPr>
-        <p:blipFill>
-          <a:blip r:embed="rId5"/>
-          <a:stretch>
-            <a:fillRect/>
-          </a:stretch>
-        </p:blipFill>
-        <p:spPr>
-          <a:xfrm>
-            <a:off x="6542741" y="5788226"/>
-            <a:ext cx="5554139" cy="511118"/>
-          </a:xfrm>
-          <a:prstGeom prst="rect">
-            <a:avLst/>
-          </a:prstGeom>
-        </p:spPr>
-      </p:pic>
-      <p:cxnSp>
-        <p:nvCxnSpPr>
-          <p:cNvPr id="13" name="直線矢印コネクタ 12">
-            <a:extLst>
-              <a:ext uri="{FF2B5EF4-FFF2-40B4-BE49-F238E27FC236}">
-                <a16:creationId xmlns:a16="http://schemas.microsoft.com/office/drawing/2014/main" id="{DACF9A58-C653-A0DA-0B04-573010930A35}"/>
-              </a:ext>
-            </a:extLst>
-          </p:cNvPr>
-          <p:cNvCxnSpPr>
-            <a:cxnSpLocks/>
-          </p:cNvCxnSpPr>
-          <p:nvPr/>
-        </p:nvCxnSpPr>
-        <p:spPr>
-          <a:xfrm flipH="1">
-            <a:off x="9319810" y="5263281"/>
-            <a:ext cx="1" cy="426766"/>
-          </a:xfrm>
-          <a:prstGeom prst="straightConnector1">
-            <a:avLst/>
-          </a:prstGeom>
-          <a:ln w="57150">
-            <a:solidFill>
-              <a:schemeClr val="tx1"/>
-            </a:solidFill>
-            <a:tailEnd type="triangle"/>
-          </a:ln>
-        </p:spPr>
-        <p:style>
-          <a:lnRef idx="1">
-            <a:schemeClr val="accent1"/>
-          </a:lnRef>
-          <a:fillRef idx="0">
-            <a:schemeClr val="accent1"/>
-          </a:fillRef>
-          <a:effectRef idx="0">
-            <a:schemeClr val="accent1"/>
-          </a:effectRef>
-          <a:fontRef idx="minor">
-            <a:schemeClr val="tx1"/>
-          </a:fontRef>
-        </p:style>
-      </p:cxnSp>
-    </p:spTree>
-    <p:extLst>
-      <p:ext uri="{BB962C8B-B14F-4D97-AF65-F5344CB8AC3E}">
-        <p14:creationId xmlns:p14="http://schemas.microsoft.com/office/powerpoint/2010/main" val="3426547557"/>
-      </p:ext>
-    </p:extLst>
-  </p:cSld>
-  <p:clrMapOvr>
-    <a:overrideClrMapping bg1="dk1" tx1="lt1" bg2="dk2" tx2="lt2" accent1="accent1" accent2="accent2" accent3="accent3" accent4="accent4" accent5="accent5" accent6="accent6" hlink="hlink" folHlink="folHlink"/>
-  </p:clrMapOvr>
-</p:sld>
-</file>
-
-<file path=ppt/slides/slide18.xml><?xml version="1.0" encoding="utf-8"?>
-<p:sld xmlns:a="http://schemas.openxmlformats.org/drawingml/2006/main" xmlns:r="http://schemas.openxmlformats.org/officeDocument/2006/relationships" xmlns:p="http://schemas.openxmlformats.org/presentationml/2006/main">
-  <p:cSld>
-    <p:bg>
-      <p:bgPr>
-        <a:solidFill>
-          <a:srgbClr val="404040"/>
-        </a:solidFill>
-        <a:effectLst/>
-      </p:bgPr>
-    </p:bg>
-    <p:spTree>
-      <p:nvGrpSpPr>
-        <p:cNvPr id="1" name=""/>
-        <p:cNvGrpSpPr/>
-        <p:nvPr/>
-      </p:nvGrpSpPr>
-      <p:grpSpPr>
-        <a:xfrm>
-          <a:off x="0" y="0"/>
-          <a:ext cx="0" cy="0"/>
-          <a:chOff x="0" y="0"/>
-          <a:chExt cx="0" cy="0"/>
-        </a:xfrm>
-      </p:grpSpPr>
-      <p:sp>
-        <p:nvSpPr>
-          <p:cNvPr id="8" name="Rectangle 7">
-            <a:extLst>
-              <a:ext uri="{FF2B5EF4-FFF2-40B4-BE49-F238E27FC236}">
-                <a16:creationId xmlns:a16="http://schemas.microsoft.com/office/drawing/2014/main" id="{EA67B5B4-3A24-436E-B663-1B2EBFF8A0CD}"/>
-              </a:ext>
-              <a:ext uri="{C183D7F6-B498-43B3-948B-1728B52AA6E4}">
-                <adec:decorative xmlns:adec="http://schemas.microsoft.com/office/drawing/2017/decorative" val="1"/>
-              </a:ext>
-            </a:extLst>
-          </p:cNvPr>
-          <p:cNvSpPr>
-            <a:spLocks noGrp="1" noRot="1" noChangeAspect="1" noMove="1" noResize="1" noEditPoints="1" noAdjustHandles="1" noChangeArrowheads="1" noChangeShapeType="1" noTextEdit="1"/>
-          </p:cNvSpPr>
-          <p:nvPr>
-            <p:extLst>
-              <p:ext uri="{386F3935-93C4-4BCD-93E2-E3B085C9AB24}">
-                <p16:designElem xmlns:p16="http://schemas.microsoft.com/office/powerpoint/2015/main" val="1"/>
-              </p:ext>
-            </p:extLst>
-          </p:nvPr>
-        </p:nvSpPr>
-        <p:spPr>
-          <a:xfrm>
-            <a:off x="0" y="-3324"/>
-            <a:ext cx="12192000" cy="6861324"/>
-          </a:xfrm>
-          <a:prstGeom prst="rect">
-            <a:avLst/>
-          </a:prstGeom>
-          <a:solidFill>
-            <a:srgbClr val="404040"/>
-          </a:solidFill>
-          <a:ln>
-            <a:noFill/>
-          </a:ln>
-        </p:spPr>
-        <p:style>
-          <a:lnRef idx="2">
-            <a:schemeClr val="accent1">
-              <a:shade val="50000"/>
-            </a:schemeClr>
-          </a:lnRef>
-          <a:fillRef idx="1">
-            <a:schemeClr val="accent1"/>
-          </a:fillRef>
-          <a:effectRef idx="0">
-            <a:schemeClr val="accent1"/>
-          </a:effectRef>
-          <a:fontRef idx="minor">
-            <a:schemeClr val="lt1"/>
-          </a:fontRef>
-        </p:style>
-        <p:txBody>
-          <a:bodyPr rtlCol="0" anchor="ctr"/>
-          <a:lstStyle/>
-          <a:p>
-            <a:pPr marL="0" marR="0" lvl="0" indent="0" algn="ctr" defTabSz="914400" rtl="0" eaLnBrk="1" fontAlgn="auto" latinLnBrk="0" hangingPunct="1">
-              <a:lnSpc>
-                <a:spcPct val="100000"/>
-              </a:lnSpc>
-              <a:spcBef>
-                <a:spcPts val="0"/>
-              </a:spcBef>
-              <a:spcAft>
-                <a:spcPts val="0"/>
-              </a:spcAft>
-              <a:buClrTx/>
-              <a:buSzTx/>
-              <a:buFontTx/>
-              <a:buNone/>
-              <a:tabLst/>
-              <a:defRPr/>
-            </a:pPr>
-            <a:endParaRPr kumimoji="1" lang="en-US" sz="1800" b="0" i="0" u="none" strike="noStrike" kern="1200" cap="none" spc="0" normalizeH="0" baseline="0" noProof="0">
-              <a:ln>
-                <a:noFill/>
-              </a:ln>
-              <a:solidFill>
-                <a:prstClr val="white"/>
-              </a:solidFill>
-              <a:effectLst/>
-              <a:uLnTx/>
-              <a:uFillTx/>
-              <a:latin typeface="游ゴシック" panose="020F0502020204030204"/>
-              <a:ea typeface="+mn-ea"/>
-              <a:cs typeface="+mn-cs"/>
-            </a:endParaRPr>
-          </a:p>
-        </p:txBody>
-      </p:sp>
-      <p:sp>
-        <p:nvSpPr>
-          <p:cNvPr id="10" name="Freeform 13">
-            <a:extLst>
-              <a:ext uri="{FF2B5EF4-FFF2-40B4-BE49-F238E27FC236}">
-                <a16:creationId xmlns:a16="http://schemas.microsoft.com/office/drawing/2014/main" id="{987FDF89-C993-41F4-A1B8-DBAFF16008A9}"/>
-              </a:ext>
-              <a:ext uri="{C183D7F6-B498-43B3-948B-1728B52AA6E4}">
-                <adec:decorative xmlns:adec="http://schemas.microsoft.com/office/drawing/2017/decorative" val="1"/>
-              </a:ext>
-            </a:extLst>
-          </p:cNvPr>
-          <p:cNvSpPr>
-            <a:spLocks noGrp="1" noRot="1" noChangeAspect="1" noMove="1" noResize="1" noEditPoints="1" noAdjustHandles="1" noChangeArrowheads="1" noChangeShapeType="1" noTextEdit="1"/>
-          </p:cNvSpPr>
-          <p:nvPr>
-            <p:extLst>
-              <p:ext uri="{386F3935-93C4-4BCD-93E2-E3B085C9AB24}">
-                <p16:designElem xmlns:p16="http://schemas.microsoft.com/office/powerpoint/2015/main" val="1"/>
-              </p:ext>
-            </p:extLst>
-          </p:nvPr>
-        </p:nvSpPr>
-        <p:spPr>
-          <a:xfrm>
-            <a:off x="0" y="0"/>
-            <a:ext cx="11786754" cy="6858000"/>
-          </a:xfrm>
-          <a:custGeom>
-            <a:avLst/>
-            <a:gdLst>
-              <a:gd name="connsiteX0" fmla="*/ 0 w 11786754"/>
-              <a:gd name="connsiteY0" fmla="*/ 0 h 6858000"/>
-              <a:gd name="connsiteX1" fmla="*/ 8610600 w 11786754"/>
-              <a:gd name="connsiteY1" fmla="*/ 0 h 6858000"/>
-              <a:gd name="connsiteX2" fmla="*/ 11786754 w 11786754"/>
-              <a:gd name="connsiteY2" fmla="*/ 6858000 h 6858000"/>
-              <a:gd name="connsiteX3" fmla="*/ 0 w 11786754"/>
-              <a:gd name="connsiteY3" fmla="*/ 6858000 h 6858000"/>
-            </a:gdLst>
-            <a:ahLst/>
-            <a:cxnLst>
-              <a:cxn ang="0">
-                <a:pos x="connsiteX0" y="connsiteY0"/>
-              </a:cxn>
-              <a:cxn ang="0">
-                <a:pos x="connsiteX1" y="connsiteY1"/>
-              </a:cxn>
-              <a:cxn ang="0">
-                <a:pos x="connsiteX2" y="connsiteY2"/>
-              </a:cxn>
-              <a:cxn ang="0">
-                <a:pos x="connsiteX3" y="connsiteY3"/>
-              </a:cxn>
-            </a:cxnLst>
-            <a:rect l="l" t="t" r="r" b="b"/>
-            <a:pathLst>
-              <a:path w="11786754" h="6858000">
-                <a:moveTo>
-                  <a:pt x="0" y="0"/>
-                </a:moveTo>
-                <a:lnTo>
-                  <a:pt x="8610600" y="0"/>
-                </a:lnTo>
-                <a:lnTo>
-                  <a:pt x="11786754" y="6858000"/>
-                </a:lnTo>
-                <a:lnTo>
-                  <a:pt x="0" y="6858000"/>
-                </a:lnTo>
-                <a:close/>
-              </a:path>
-            </a:pathLst>
-          </a:custGeom>
-          <a:solidFill>
-            <a:srgbClr val="000000">
-              <a:alpha val="29804"/>
-            </a:srgbClr>
-          </a:solidFill>
-          <a:ln>
-            <a:noFill/>
-          </a:ln>
-        </p:spPr>
-        <p:style>
-          <a:lnRef idx="2">
-            <a:schemeClr val="accent1">
-              <a:shade val="50000"/>
-            </a:schemeClr>
-          </a:lnRef>
-          <a:fillRef idx="1">
-            <a:schemeClr val="accent1"/>
-          </a:fillRef>
-          <a:effectRef idx="0">
-            <a:schemeClr val="accent1"/>
-          </a:effectRef>
-          <a:fontRef idx="minor">
-            <a:schemeClr val="lt1"/>
-          </a:fontRef>
-        </p:style>
-        <p:txBody>
-          <a:bodyPr rtlCol="0" anchor="ctr"/>
-          <a:lstStyle/>
-          <a:p>
-            <a:pPr marL="0" marR="0" lvl="0" indent="0" algn="ctr" defTabSz="914400" rtl="0" eaLnBrk="1" fontAlgn="auto" latinLnBrk="0" hangingPunct="1">
-              <a:lnSpc>
-                <a:spcPct val="100000"/>
-              </a:lnSpc>
-              <a:spcBef>
-                <a:spcPts val="0"/>
-              </a:spcBef>
-              <a:spcAft>
-                <a:spcPts val="0"/>
-              </a:spcAft>
-              <a:buClrTx/>
-              <a:buSzTx/>
-              <a:buFontTx/>
-              <a:buNone/>
-              <a:tabLst/>
-              <a:defRPr/>
-            </a:pPr>
-            <a:endParaRPr kumimoji="1" lang="en-US" sz="1800" b="0" i="0" u="none" strike="noStrike" kern="1200" cap="none" spc="0" normalizeH="0" baseline="0" noProof="0">
-              <a:ln>
-                <a:noFill/>
-              </a:ln>
-              <a:solidFill>
-                <a:prstClr val="white"/>
-              </a:solidFill>
-              <a:effectLst/>
-              <a:uLnTx/>
-              <a:uFillTx/>
-              <a:latin typeface="游ゴシック" panose="020F0502020204030204"/>
-              <a:ea typeface="+mn-ea"/>
-              <a:cs typeface="+mn-cs"/>
-            </a:endParaRPr>
-          </a:p>
-        </p:txBody>
-      </p:sp>
-      <p:sp>
-        <p:nvSpPr>
-          <p:cNvPr id="12" name="Freeform 11">
-            <a:extLst>
-              <a:ext uri="{FF2B5EF4-FFF2-40B4-BE49-F238E27FC236}">
-                <a16:creationId xmlns:a16="http://schemas.microsoft.com/office/drawing/2014/main" id="{64E585EA-75FD-4025-8270-F66A58A15CDA}"/>
-              </a:ext>
-              <a:ext uri="{C183D7F6-B498-43B3-948B-1728B52AA6E4}">
-                <adec:decorative xmlns:adec="http://schemas.microsoft.com/office/drawing/2017/decorative" val="1"/>
-              </a:ext>
-            </a:extLst>
-          </p:cNvPr>
-          <p:cNvSpPr>
-            <a:spLocks noGrp="1" noRot="1" noChangeAspect="1" noMove="1" noResize="1" noEditPoints="1" noAdjustHandles="1" noChangeArrowheads="1" noChangeShapeType="1" noTextEdit="1"/>
-          </p:cNvSpPr>
-          <p:nvPr>
-            <p:extLst>
-              <p:ext uri="{386F3935-93C4-4BCD-93E2-E3B085C9AB24}">
-                <p16:designElem xmlns:p16="http://schemas.microsoft.com/office/powerpoint/2015/main" val="1"/>
-              </p:ext>
-            </p:extLst>
-          </p:nvPr>
-        </p:nvSpPr>
-        <p:spPr>
-          <a:xfrm>
-            <a:off x="0" y="0"/>
-            <a:ext cx="3581400" cy="6858000"/>
-          </a:xfrm>
-          <a:custGeom>
-            <a:avLst/>
-            <a:gdLst>
-              <a:gd name="connsiteX0" fmla="*/ 0 w 3581400"/>
-              <a:gd name="connsiteY0" fmla="*/ 0 h 6858000"/>
-              <a:gd name="connsiteX1" fmla="*/ 405246 w 3581400"/>
-              <a:gd name="connsiteY1" fmla="*/ 0 h 6858000"/>
-              <a:gd name="connsiteX2" fmla="*/ 3581400 w 3581400"/>
-              <a:gd name="connsiteY2" fmla="*/ 6858000 h 6858000"/>
-              <a:gd name="connsiteX3" fmla="*/ 0 w 3581400"/>
-              <a:gd name="connsiteY3" fmla="*/ 6858000 h 6858000"/>
-            </a:gdLst>
-            <a:ahLst/>
-            <a:cxnLst>
-              <a:cxn ang="0">
-                <a:pos x="connsiteX0" y="connsiteY0"/>
-              </a:cxn>
-              <a:cxn ang="0">
-                <a:pos x="connsiteX1" y="connsiteY1"/>
-              </a:cxn>
-              <a:cxn ang="0">
-                <a:pos x="connsiteX2" y="connsiteY2"/>
-              </a:cxn>
-              <a:cxn ang="0">
-                <a:pos x="connsiteX3" y="connsiteY3"/>
-              </a:cxn>
-            </a:cxnLst>
-            <a:rect l="l" t="t" r="r" b="b"/>
-            <a:pathLst>
-              <a:path w="3581400" h="6858000">
-                <a:moveTo>
-                  <a:pt x="0" y="0"/>
-                </a:moveTo>
-                <a:lnTo>
-                  <a:pt x="405246" y="0"/>
-                </a:lnTo>
-                <a:lnTo>
-                  <a:pt x="3581400" y="6858000"/>
-                </a:lnTo>
-                <a:lnTo>
-                  <a:pt x="0" y="6858000"/>
-                </a:lnTo>
-                <a:close/>
-              </a:path>
-            </a:pathLst>
-          </a:custGeom>
-          <a:solidFill>
-            <a:srgbClr val="000000">
-              <a:alpha val="29804"/>
-            </a:srgbClr>
-          </a:solidFill>
-          <a:ln>
-            <a:noFill/>
-          </a:ln>
-        </p:spPr>
-        <p:style>
-          <a:lnRef idx="2">
-            <a:schemeClr val="accent1">
-              <a:shade val="50000"/>
-            </a:schemeClr>
-          </a:lnRef>
-          <a:fillRef idx="1">
-            <a:schemeClr val="accent1"/>
-          </a:fillRef>
-          <a:effectRef idx="0">
-            <a:schemeClr val="accent1"/>
-          </a:effectRef>
-          <a:fontRef idx="minor">
-            <a:schemeClr val="lt1"/>
-          </a:fontRef>
-        </p:style>
-        <p:txBody>
-          <a:bodyPr wrap="square" rtlCol="0" anchor="ctr">
-            <a:noAutofit/>
-          </a:bodyPr>
-          <a:lstStyle/>
-          <a:p>
-            <a:pPr marL="0" marR="0" lvl="0" indent="0" algn="ctr" defTabSz="914400" rtl="0" eaLnBrk="1" fontAlgn="auto" latinLnBrk="0" hangingPunct="1">
-              <a:lnSpc>
-                <a:spcPct val="100000"/>
-              </a:lnSpc>
-              <a:spcBef>
-                <a:spcPts val="0"/>
-              </a:spcBef>
-              <a:spcAft>
-                <a:spcPts val="0"/>
-              </a:spcAft>
-              <a:buClrTx/>
-              <a:buSzTx/>
-              <a:buFontTx/>
-              <a:buNone/>
-              <a:tabLst/>
-              <a:defRPr/>
-            </a:pPr>
-            <a:endParaRPr kumimoji="1" lang="en-US" sz="1800" b="0" i="0" u="none" strike="noStrike" kern="1200" cap="none" spc="0" normalizeH="0" baseline="0" noProof="0">
-              <a:ln>
-                <a:noFill/>
-              </a:ln>
-              <a:solidFill>
-                <a:prstClr val="white"/>
-              </a:solidFill>
-              <a:effectLst/>
-              <a:uLnTx/>
-              <a:uFillTx/>
-              <a:latin typeface="游ゴシック" panose="020F0502020204030204"/>
-              <a:ea typeface="+mn-ea"/>
-              <a:cs typeface="+mn-cs"/>
-            </a:endParaRPr>
-          </a:p>
-        </p:txBody>
-      </p:sp>
-      <p:sp>
-        <p:nvSpPr>
-          <p:cNvPr id="3" name="コンテンツ プレースホルダー 2">
-            <a:extLst>
-              <a:ext uri="{FF2B5EF4-FFF2-40B4-BE49-F238E27FC236}">
-                <a16:creationId xmlns:a16="http://schemas.microsoft.com/office/drawing/2014/main" id="{0B8F125D-032D-9846-52B7-5057FE04674A}"/>
-              </a:ext>
-            </a:extLst>
-          </p:cNvPr>
-          <p:cNvSpPr>
-            <a:spLocks noGrp="1"/>
-          </p:cNvSpPr>
-          <p:nvPr>
-            <p:ph idx="1"/>
-          </p:nvPr>
-        </p:nvSpPr>
-        <p:spPr>
-          <a:xfrm>
-            <a:off x="838201" y="949569"/>
             <a:ext cx="10515598" cy="5685693"/>
           </a:xfrm>
         </p:spPr>
@@ -14075,42 +12909,6 @@
           </a:prstGeom>
         </p:spPr>
       </p:pic>
-      <p:sp>
-        <p:nvSpPr>
-          <p:cNvPr id="2" name="テキスト ボックス 1">
-            <a:extLst>
-              <a:ext uri="{FF2B5EF4-FFF2-40B4-BE49-F238E27FC236}">
-                <a16:creationId xmlns:a16="http://schemas.microsoft.com/office/drawing/2014/main" id="{CAC881EB-9CBD-229E-7D0F-BE223402B37D}"/>
-              </a:ext>
-            </a:extLst>
-          </p:cNvPr>
-          <p:cNvSpPr txBox="1"/>
-          <p:nvPr/>
-        </p:nvSpPr>
-        <p:spPr>
-          <a:xfrm>
-            <a:off x="1653886" y="2861391"/>
-            <a:ext cx="8478981" cy="1862048"/>
-          </a:xfrm>
-          <a:prstGeom prst="rect">
-            <a:avLst/>
-          </a:prstGeom>
-          <a:noFill/>
-        </p:spPr>
-        <p:txBody>
-          <a:bodyPr wrap="square" rtlCol="0">
-            <a:spAutoFit/>
-          </a:bodyPr>
-          <a:lstStyle/>
-          <a:p>
-            <a:pPr algn="ctr"/>
-            <a:r>
-              <a:rPr kumimoji="1" lang="ja-JP" altLang="en-US" sz="11500" dirty="0"/>
-              <a:t>消す</a:t>
-            </a:r>
-          </a:p>
-        </p:txBody>
-      </p:sp>
     </p:spTree>
     <p:extLst>
       <p:ext uri="{BB962C8B-B14F-4D97-AF65-F5344CB8AC3E}">
